--- a/BasicDataManipulation/Data Manipulation.pptx
+++ b/BasicDataManipulation/Data Manipulation.pptx
@@ -5,33 +5,35 @@
     <p:sldMasterId id="2147483648" r:id="rId4"/>
   </p:sldMasterIdLst>
   <p:notesMasterIdLst>
-    <p:notesMasterId r:id="rId26"/>
+    <p:notesMasterId r:id="rId28"/>
   </p:notesMasterIdLst>
   <p:handoutMasterIdLst>
-    <p:handoutMasterId r:id="rId27"/>
+    <p:handoutMasterId r:id="rId29"/>
   </p:handoutMasterIdLst>
   <p:sldIdLst>
     <p:sldId id="267" r:id="rId5"/>
     <p:sldId id="305" r:id="rId6"/>
-    <p:sldId id="311" r:id="rId7"/>
-    <p:sldId id="287" r:id="rId8"/>
-    <p:sldId id="314" r:id="rId9"/>
-    <p:sldId id="317" r:id="rId10"/>
-    <p:sldId id="318" r:id="rId11"/>
-    <p:sldId id="315" r:id="rId12"/>
-    <p:sldId id="330" r:id="rId13"/>
-    <p:sldId id="320" r:id="rId14"/>
-    <p:sldId id="321" r:id="rId15"/>
-    <p:sldId id="322" r:id="rId16"/>
-    <p:sldId id="323" r:id="rId17"/>
-    <p:sldId id="324" r:id="rId18"/>
-    <p:sldId id="325" r:id="rId19"/>
-    <p:sldId id="328" r:id="rId20"/>
-    <p:sldId id="329" r:id="rId21"/>
-    <p:sldId id="326" r:id="rId22"/>
-    <p:sldId id="327" r:id="rId23"/>
-    <p:sldId id="331" r:id="rId24"/>
-    <p:sldId id="316" r:id="rId25"/>
+    <p:sldId id="332" r:id="rId7"/>
+    <p:sldId id="333" r:id="rId8"/>
+    <p:sldId id="311" r:id="rId9"/>
+    <p:sldId id="287" r:id="rId10"/>
+    <p:sldId id="314" r:id="rId11"/>
+    <p:sldId id="317" r:id="rId12"/>
+    <p:sldId id="318" r:id="rId13"/>
+    <p:sldId id="315" r:id="rId14"/>
+    <p:sldId id="330" r:id="rId15"/>
+    <p:sldId id="320" r:id="rId16"/>
+    <p:sldId id="321" r:id="rId17"/>
+    <p:sldId id="322" r:id="rId18"/>
+    <p:sldId id="323" r:id="rId19"/>
+    <p:sldId id="324" r:id="rId20"/>
+    <p:sldId id="325" r:id="rId21"/>
+    <p:sldId id="328" r:id="rId22"/>
+    <p:sldId id="329" r:id="rId23"/>
+    <p:sldId id="326" r:id="rId24"/>
+    <p:sldId id="327" r:id="rId25"/>
+    <p:sldId id="331" r:id="rId26"/>
+    <p:sldId id="316" r:id="rId27"/>
   </p:sldIdLst>
   <p:sldSz cx="12192000" cy="6858000"/>
   <p:notesSz cx="6858000" cy="9144000"/>
@@ -164,6 +166,3909 @@
 </p:cmAuthorLst>
 </file>
 
+<file path=ppt/diagrams/colors1.xml><?xml version="1.0" encoding="utf-8"?>
+<dgm:colorsDef xmlns:dgm="http://schemas.openxmlformats.org/drawingml/2006/diagram" xmlns:a="http://schemas.openxmlformats.org/drawingml/2006/main" uniqueId="urn:microsoft.com/office/officeart/2005/8/colors/accent1_2">
+  <dgm:title val=""/>
+  <dgm:desc val=""/>
+  <dgm:catLst>
+    <dgm:cat type="accent1" pri="11200"/>
+  </dgm:catLst>
+  <dgm:styleLbl name="node0">
+    <dgm:fillClrLst meth="repeat">
+      <a:schemeClr val="accent1"/>
+    </dgm:fillClrLst>
+    <dgm:linClrLst meth="repeat">
+      <a:schemeClr val="lt1"/>
+    </dgm:linClrLst>
+    <dgm:effectClrLst/>
+    <dgm:txLinClrLst/>
+    <dgm:txFillClrLst/>
+    <dgm:txEffectClrLst/>
+  </dgm:styleLbl>
+  <dgm:styleLbl name="alignNode1">
+    <dgm:fillClrLst meth="repeat">
+      <a:schemeClr val="accent1"/>
+    </dgm:fillClrLst>
+    <dgm:linClrLst meth="repeat">
+      <a:schemeClr val="accent1"/>
+    </dgm:linClrLst>
+    <dgm:effectClrLst/>
+    <dgm:txLinClrLst/>
+    <dgm:txFillClrLst/>
+    <dgm:txEffectClrLst/>
+  </dgm:styleLbl>
+  <dgm:styleLbl name="node1">
+    <dgm:fillClrLst meth="repeat">
+      <a:schemeClr val="accent1"/>
+    </dgm:fillClrLst>
+    <dgm:linClrLst meth="repeat">
+      <a:schemeClr val="lt1"/>
+    </dgm:linClrLst>
+    <dgm:effectClrLst/>
+    <dgm:txLinClrLst/>
+    <dgm:txFillClrLst/>
+    <dgm:txEffectClrLst/>
+  </dgm:styleLbl>
+  <dgm:styleLbl name="lnNode1">
+    <dgm:fillClrLst meth="repeat">
+      <a:schemeClr val="accent1"/>
+    </dgm:fillClrLst>
+    <dgm:linClrLst meth="repeat">
+      <a:schemeClr val="lt1"/>
+    </dgm:linClrLst>
+    <dgm:effectClrLst/>
+    <dgm:txLinClrLst/>
+    <dgm:txFillClrLst/>
+    <dgm:txEffectClrLst/>
+  </dgm:styleLbl>
+  <dgm:styleLbl name="vennNode1">
+    <dgm:fillClrLst meth="repeat">
+      <a:schemeClr val="accent1">
+        <a:alpha val="50000"/>
+      </a:schemeClr>
+    </dgm:fillClrLst>
+    <dgm:linClrLst meth="repeat">
+      <a:schemeClr val="lt1"/>
+    </dgm:linClrLst>
+    <dgm:effectClrLst/>
+    <dgm:txLinClrLst/>
+    <dgm:txFillClrLst/>
+    <dgm:txEffectClrLst/>
+  </dgm:styleLbl>
+  <dgm:styleLbl name="node2">
+    <dgm:fillClrLst meth="repeat">
+      <a:schemeClr val="accent1"/>
+    </dgm:fillClrLst>
+    <dgm:linClrLst meth="repeat">
+      <a:schemeClr val="lt1"/>
+    </dgm:linClrLst>
+    <dgm:effectClrLst/>
+    <dgm:txLinClrLst/>
+    <dgm:txFillClrLst/>
+    <dgm:txEffectClrLst/>
+  </dgm:styleLbl>
+  <dgm:styleLbl name="node3">
+    <dgm:fillClrLst meth="repeat">
+      <a:schemeClr val="accent1"/>
+    </dgm:fillClrLst>
+    <dgm:linClrLst meth="repeat">
+      <a:schemeClr val="lt1"/>
+    </dgm:linClrLst>
+    <dgm:effectClrLst/>
+    <dgm:txLinClrLst/>
+    <dgm:txFillClrLst/>
+    <dgm:txEffectClrLst/>
+  </dgm:styleLbl>
+  <dgm:styleLbl name="node4">
+    <dgm:fillClrLst meth="repeat">
+      <a:schemeClr val="accent1"/>
+    </dgm:fillClrLst>
+    <dgm:linClrLst meth="repeat">
+      <a:schemeClr val="lt1"/>
+    </dgm:linClrLst>
+    <dgm:effectClrLst/>
+    <dgm:txLinClrLst/>
+    <dgm:txFillClrLst/>
+    <dgm:txEffectClrLst/>
+  </dgm:styleLbl>
+  <dgm:styleLbl name="fgImgPlace1">
+    <dgm:fillClrLst meth="repeat">
+      <a:schemeClr val="accent1">
+        <a:tint val="50000"/>
+      </a:schemeClr>
+    </dgm:fillClrLst>
+    <dgm:linClrLst meth="repeat">
+      <a:schemeClr val="lt1"/>
+    </dgm:linClrLst>
+    <dgm:effectClrLst/>
+    <dgm:txLinClrLst/>
+    <dgm:txFillClrLst meth="repeat">
+      <a:schemeClr val="lt1"/>
+    </dgm:txFillClrLst>
+    <dgm:txEffectClrLst/>
+  </dgm:styleLbl>
+  <dgm:styleLbl name="alignImgPlace1">
+    <dgm:fillClrLst meth="repeat">
+      <a:schemeClr val="accent1">
+        <a:tint val="50000"/>
+      </a:schemeClr>
+    </dgm:fillClrLst>
+    <dgm:linClrLst meth="repeat">
+      <a:schemeClr val="lt1"/>
+    </dgm:linClrLst>
+    <dgm:effectClrLst/>
+    <dgm:txLinClrLst/>
+    <dgm:txFillClrLst meth="repeat">
+      <a:schemeClr val="lt1"/>
+    </dgm:txFillClrLst>
+    <dgm:txEffectClrLst/>
+  </dgm:styleLbl>
+  <dgm:styleLbl name="bgImgPlace1">
+    <dgm:fillClrLst meth="repeat">
+      <a:schemeClr val="accent1">
+        <a:tint val="50000"/>
+      </a:schemeClr>
+    </dgm:fillClrLst>
+    <dgm:linClrLst meth="repeat">
+      <a:schemeClr val="lt1"/>
+    </dgm:linClrLst>
+    <dgm:effectClrLst/>
+    <dgm:txLinClrLst/>
+    <dgm:txFillClrLst meth="repeat">
+      <a:schemeClr val="lt1"/>
+    </dgm:txFillClrLst>
+    <dgm:txEffectClrLst/>
+  </dgm:styleLbl>
+  <dgm:styleLbl name="sibTrans2D1">
+    <dgm:fillClrLst meth="repeat">
+      <a:schemeClr val="accent1">
+        <a:tint val="60000"/>
+      </a:schemeClr>
+    </dgm:fillClrLst>
+    <dgm:linClrLst meth="repeat">
+      <a:schemeClr val="accent1">
+        <a:tint val="60000"/>
+      </a:schemeClr>
+    </dgm:linClrLst>
+    <dgm:effectClrLst/>
+    <dgm:txLinClrLst/>
+    <dgm:txFillClrLst/>
+    <dgm:txEffectClrLst/>
+  </dgm:styleLbl>
+  <dgm:styleLbl name="fgSibTrans2D1">
+    <dgm:fillClrLst meth="repeat">
+      <a:schemeClr val="accent1">
+        <a:tint val="60000"/>
+      </a:schemeClr>
+    </dgm:fillClrLst>
+    <dgm:linClrLst meth="repeat">
+      <a:schemeClr val="accent1">
+        <a:tint val="60000"/>
+      </a:schemeClr>
+    </dgm:linClrLst>
+    <dgm:effectClrLst/>
+    <dgm:txLinClrLst/>
+    <dgm:txFillClrLst/>
+    <dgm:txEffectClrLst/>
+  </dgm:styleLbl>
+  <dgm:styleLbl name="bgSibTrans2D1">
+    <dgm:fillClrLst meth="repeat">
+      <a:schemeClr val="accent1">
+        <a:tint val="60000"/>
+      </a:schemeClr>
+    </dgm:fillClrLst>
+    <dgm:linClrLst meth="repeat">
+      <a:schemeClr val="accent1">
+        <a:tint val="60000"/>
+      </a:schemeClr>
+    </dgm:linClrLst>
+    <dgm:effectClrLst/>
+    <dgm:txLinClrLst/>
+    <dgm:txFillClrLst/>
+    <dgm:txEffectClrLst/>
+  </dgm:styleLbl>
+  <dgm:styleLbl name="sibTrans1D1">
+    <dgm:fillClrLst meth="repeat">
+      <a:schemeClr val="accent1"/>
+    </dgm:fillClrLst>
+    <dgm:linClrLst meth="repeat">
+      <a:schemeClr val="accent1"/>
+    </dgm:linClrLst>
+    <dgm:effectClrLst/>
+    <dgm:txLinClrLst/>
+    <dgm:txFillClrLst meth="repeat">
+      <a:schemeClr val="tx1"/>
+    </dgm:txFillClrLst>
+    <dgm:txEffectClrLst/>
+  </dgm:styleLbl>
+  <dgm:styleLbl name="callout">
+    <dgm:fillClrLst meth="repeat">
+      <a:schemeClr val="accent1"/>
+    </dgm:fillClrLst>
+    <dgm:linClrLst meth="repeat">
+      <a:schemeClr val="accent1">
+        <a:tint val="50000"/>
+      </a:schemeClr>
+    </dgm:linClrLst>
+    <dgm:effectClrLst/>
+    <dgm:txLinClrLst/>
+    <dgm:txFillClrLst meth="repeat">
+      <a:schemeClr val="tx1"/>
+    </dgm:txFillClrLst>
+    <dgm:txEffectClrLst/>
+  </dgm:styleLbl>
+  <dgm:styleLbl name="asst0">
+    <dgm:fillClrLst meth="repeat">
+      <a:schemeClr val="accent1"/>
+    </dgm:fillClrLst>
+    <dgm:linClrLst meth="repeat">
+      <a:schemeClr val="lt1"/>
+    </dgm:linClrLst>
+    <dgm:effectClrLst/>
+    <dgm:txLinClrLst/>
+    <dgm:txFillClrLst/>
+    <dgm:txEffectClrLst/>
+  </dgm:styleLbl>
+  <dgm:styleLbl name="asst1">
+    <dgm:fillClrLst meth="repeat">
+      <a:schemeClr val="accent1"/>
+    </dgm:fillClrLst>
+    <dgm:linClrLst meth="repeat">
+      <a:schemeClr val="lt1"/>
+    </dgm:linClrLst>
+    <dgm:effectClrLst/>
+    <dgm:txLinClrLst/>
+    <dgm:txFillClrLst/>
+    <dgm:txEffectClrLst/>
+  </dgm:styleLbl>
+  <dgm:styleLbl name="asst2">
+    <dgm:fillClrLst meth="repeat">
+      <a:schemeClr val="accent1"/>
+    </dgm:fillClrLst>
+    <dgm:linClrLst meth="repeat">
+      <a:schemeClr val="lt1"/>
+    </dgm:linClrLst>
+    <dgm:effectClrLst/>
+    <dgm:txLinClrLst/>
+    <dgm:txFillClrLst/>
+    <dgm:txEffectClrLst/>
+  </dgm:styleLbl>
+  <dgm:styleLbl name="asst3">
+    <dgm:fillClrLst meth="repeat">
+      <a:schemeClr val="accent1"/>
+    </dgm:fillClrLst>
+    <dgm:linClrLst meth="repeat">
+      <a:schemeClr val="lt1"/>
+    </dgm:linClrLst>
+    <dgm:effectClrLst/>
+    <dgm:txLinClrLst/>
+    <dgm:txFillClrLst/>
+    <dgm:txEffectClrLst/>
+  </dgm:styleLbl>
+  <dgm:styleLbl name="asst4">
+    <dgm:fillClrLst meth="repeat">
+      <a:schemeClr val="accent1"/>
+    </dgm:fillClrLst>
+    <dgm:linClrLst meth="repeat">
+      <a:schemeClr val="lt1"/>
+    </dgm:linClrLst>
+    <dgm:effectClrLst/>
+    <dgm:txLinClrLst/>
+    <dgm:txFillClrLst/>
+    <dgm:txEffectClrLst/>
+  </dgm:styleLbl>
+  <dgm:styleLbl name="parChTrans2D1">
+    <dgm:fillClrLst meth="repeat">
+      <a:schemeClr val="accent1">
+        <a:tint val="60000"/>
+      </a:schemeClr>
+    </dgm:fillClrLst>
+    <dgm:linClrLst meth="repeat">
+      <a:schemeClr val="accent1">
+        <a:tint val="60000"/>
+      </a:schemeClr>
+    </dgm:linClrLst>
+    <dgm:effectClrLst/>
+    <dgm:txLinClrLst/>
+    <dgm:txFillClrLst meth="repeat">
+      <a:schemeClr val="lt1"/>
+    </dgm:txFillClrLst>
+    <dgm:txEffectClrLst/>
+  </dgm:styleLbl>
+  <dgm:styleLbl name="parChTrans2D2">
+    <dgm:fillClrLst meth="repeat">
+      <a:schemeClr val="accent1"/>
+    </dgm:fillClrLst>
+    <dgm:linClrLst meth="repeat">
+      <a:schemeClr val="accent1"/>
+    </dgm:linClrLst>
+    <dgm:effectClrLst/>
+    <dgm:txLinClrLst/>
+    <dgm:txFillClrLst meth="repeat">
+      <a:schemeClr val="lt1"/>
+    </dgm:txFillClrLst>
+    <dgm:txEffectClrLst/>
+  </dgm:styleLbl>
+  <dgm:styleLbl name="parChTrans2D3">
+    <dgm:fillClrLst meth="repeat">
+      <a:schemeClr val="accent1"/>
+    </dgm:fillClrLst>
+    <dgm:linClrLst meth="repeat">
+      <a:schemeClr val="accent1"/>
+    </dgm:linClrLst>
+    <dgm:effectClrLst/>
+    <dgm:txLinClrLst/>
+    <dgm:txFillClrLst meth="repeat">
+      <a:schemeClr val="lt1"/>
+    </dgm:txFillClrLst>
+    <dgm:txEffectClrLst/>
+  </dgm:styleLbl>
+  <dgm:styleLbl name="parChTrans2D4">
+    <dgm:fillClrLst meth="repeat">
+      <a:schemeClr val="accent1"/>
+    </dgm:fillClrLst>
+    <dgm:linClrLst meth="repeat">
+      <a:schemeClr val="accent1"/>
+    </dgm:linClrLst>
+    <dgm:effectClrLst/>
+    <dgm:txLinClrLst/>
+    <dgm:txFillClrLst meth="repeat">
+      <a:schemeClr val="lt1"/>
+    </dgm:txFillClrLst>
+    <dgm:txEffectClrLst/>
+  </dgm:styleLbl>
+  <dgm:styleLbl name="parChTrans1D1">
+    <dgm:fillClrLst meth="repeat">
+      <a:schemeClr val="accent1"/>
+    </dgm:fillClrLst>
+    <dgm:linClrLst meth="repeat">
+      <a:schemeClr val="accent1">
+        <a:shade val="60000"/>
+      </a:schemeClr>
+    </dgm:linClrLst>
+    <dgm:effectClrLst/>
+    <dgm:txLinClrLst/>
+    <dgm:txFillClrLst meth="repeat">
+      <a:schemeClr val="tx1"/>
+    </dgm:txFillClrLst>
+    <dgm:txEffectClrLst/>
+  </dgm:styleLbl>
+  <dgm:styleLbl name="parChTrans1D2">
+    <dgm:fillClrLst meth="repeat">
+      <a:schemeClr val="accent1"/>
+    </dgm:fillClrLst>
+    <dgm:linClrLst meth="repeat">
+      <a:schemeClr val="accent1">
+        <a:shade val="60000"/>
+      </a:schemeClr>
+    </dgm:linClrLst>
+    <dgm:effectClrLst/>
+    <dgm:txLinClrLst/>
+    <dgm:txFillClrLst meth="repeat">
+      <a:schemeClr val="tx1"/>
+    </dgm:txFillClrLst>
+    <dgm:txEffectClrLst/>
+  </dgm:styleLbl>
+  <dgm:styleLbl name="parChTrans1D3">
+    <dgm:fillClrLst meth="repeat">
+      <a:schemeClr val="accent1"/>
+    </dgm:fillClrLst>
+    <dgm:linClrLst meth="repeat">
+      <a:schemeClr val="accent1">
+        <a:shade val="80000"/>
+      </a:schemeClr>
+    </dgm:linClrLst>
+    <dgm:effectClrLst/>
+    <dgm:txLinClrLst/>
+    <dgm:txFillClrLst meth="repeat">
+      <a:schemeClr val="tx1"/>
+    </dgm:txFillClrLst>
+    <dgm:txEffectClrLst/>
+  </dgm:styleLbl>
+  <dgm:styleLbl name="parChTrans1D4">
+    <dgm:fillClrLst meth="repeat">
+      <a:schemeClr val="accent1"/>
+    </dgm:fillClrLst>
+    <dgm:linClrLst meth="repeat">
+      <a:schemeClr val="accent1">
+        <a:shade val="80000"/>
+      </a:schemeClr>
+    </dgm:linClrLst>
+    <dgm:effectClrLst/>
+    <dgm:txLinClrLst/>
+    <dgm:txFillClrLst meth="repeat">
+      <a:schemeClr val="tx1"/>
+    </dgm:txFillClrLst>
+    <dgm:txEffectClrLst/>
+  </dgm:styleLbl>
+  <dgm:styleLbl name="fgAcc1">
+    <dgm:fillClrLst meth="repeat">
+      <a:schemeClr val="lt1">
+        <a:alpha val="90000"/>
+      </a:schemeClr>
+    </dgm:fillClrLst>
+    <dgm:linClrLst meth="repeat">
+      <a:schemeClr val="accent1"/>
+    </dgm:linClrLst>
+    <dgm:effectClrLst/>
+    <dgm:txLinClrLst/>
+    <dgm:txFillClrLst meth="repeat">
+      <a:schemeClr val="dk1"/>
+    </dgm:txFillClrLst>
+    <dgm:txEffectClrLst/>
+  </dgm:styleLbl>
+  <dgm:styleLbl name="conFgAcc1">
+    <dgm:fillClrLst meth="repeat">
+      <a:schemeClr val="lt1">
+        <a:alpha val="90000"/>
+      </a:schemeClr>
+    </dgm:fillClrLst>
+    <dgm:linClrLst meth="repeat">
+      <a:schemeClr val="accent1"/>
+    </dgm:linClrLst>
+    <dgm:effectClrLst/>
+    <dgm:txLinClrLst/>
+    <dgm:txFillClrLst meth="repeat">
+      <a:schemeClr val="dk1"/>
+    </dgm:txFillClrLst>
+    <dgm:txEffectClrLst/>
+  </dgm:styleLbl>
+  <dgm:styleLbl name="alignAcc1">
+    <dgm:fillClrLst meth="repeat">
+      <a:schemeClr val="lt1">
+        <a:alpha val="90000"/>
+      </a:schemeClr>
+    </dgm:fillClrLst>
+    <dgm:linClrLst meth="repeat">
+      <a:schemeClr val="accent1"/>
+    </dgm:linClrLst>
+    <dgm:effectClrLst/>
+    <dgm:txLinClrLst/>
+    <dgm:txFillClrLst meth="repeat">
+      <a:schemeClr val="dk1"/>
+    </dgm:txFillClrLst>
+    <dgm:txEffectClrLst/>
+  </dgm:styleLbl>
+  <dgm:styleLbl name="trAlignAcc1">
+    <dgm:fillClrLst meth="repeat">
+      <a:schemeClr val="lt1">
+        <a:alpha val="40000"/>
+      </a:schemeClr>
+    </dgm:fillClrLst>
+    <dgm:linClrLst meth="repeat">
+      <a:schemeClr val="accent1"/>
+    </dgm:linClrLst>
+    <dgm:effectClrLst/>
+    <dgm:txLinClrLst/>
+    <dgm:txFillClrLst meth="repeat">
+      <a:schemeClr val="dk1"/>
+    </dgm:txFillClrLst>
+    <dgm:txEffectClrLst/>
+  </dgm:styleLbl>
+  <dgm:styleLbl name="bgAcc1">
+    <dgm:fillClrLst meth="repeat">
+      <a:schemeClr val="lt1">
+        <a:alpha val="90000"/>
+      </a:schemeClr>
+    </dgm:fillClrLst>
+    <dgm:linClrLst meth="repeat">
+      <a:schemeClr val="accent1"/>
+    </dgm:linClrLst>
+    <dgm:effectClrLst/>
+    <dgm:txLinClrLst/>
+    <dgm:txFillClrLst meth="repeat">
+      <a:schemeClr val="dk1"/>
+    </dgm:txFillClrLst>
+    <dgm:txEffectClrLst/>
+  </dgm:styleLbl>
+  <dgm:styleLbl name="solidFgAcc1">
+    <dgm:fillClrLst meth="repeat">
+      <a:schemeClr val="lt1"/>
+    </dgm:fillClrLst>
+    <dgm:linClrLst meth="repeat">
+      <a:schemeClr val="accent1"/>
+    </dgm:linClrLst>
+    <dgm:effectClrLst/>
+    <dgm:txLinClrLst/>
+    <dgm:txFillClrLst meth="repeat">
+      <a:schemeClr val="dk1"/>
+    </dgm:txFillClrLst>
+    <dgm:txEffectClrLst/>
+  </dgm:styleLbl>
+  <dgm:styleLbl name="solidAlignAcc1">
+    <dgm:fillClrLst meth="repeat">
+      <a:schemeClr val="lt1"/>
+    </dgm:fillClrLst>
+    <dgm:linClrLst meth="repeat">
+      <a:schemeClr val="accent1"/>
+    </dgm:linClrLst>
+    <dgm:effectClrLst/>
+    <dgm:txLinClrLst/>
+    <dgm:txFillClrLst meth="repeat">
+      <a:schemeClr val="dk1"/>
+    </dgm:txFillClrLst>
+    <dgm:txEffectClrLst/>
+  </dgm:styleLbl>
+  <dgm:styleLbl name="solidBgAcc1">
+    <dgm:fillClrLst meth="repeat">
+      <a:schemeClr val="lt1"/>
+    </dgm:fillClrLst>
+    <dgm:linClrLst meth="repeat">
+      <a:schemeClr val="accent1"/>
+    </dgm:linClrLst>
+    <dgm:effectClrLst/>
+    <dgm:txLinClrLst/>
+    <dgm:txFillClrLst meth="repeat">
+      <a:schemeClr val="dk1"/>
+    </dgm:txFillClrLst>
+    <dgm:txEffectClrLst/>
+  </dgm:styleLbl>
+  <dgm:styleLbl name="fgAccFollowNode1">
+    <dgm:fillClrLst meth="repeat">
+      <a:schemeClr val="accent1">
+        <a:alpha val="90000"/>
+        <a:tint val="40000"/>
+      </a:schemeClr>
+    </dgm:fillClrLst>
+    <dgm:linClrLst meth="repeat">
+      <a:schemeClr val="accent1">
+        <a:alpha val="90000"/>
+        <a:tint val="40000"/>
+      </a:schemeClr>
+    </dgm:linClrLst>
+    <dgm:effectClrLst/>
+    <dgm:txLinClrLst/>
+    <dgm:txFillClrLst meth="repeat">
+      <a:schemeClr val="dk1"/>
+    </dgm:txFillClrLst>
+    <dgm:txEffectClrLst/>
+  </dgm:styleLbl>
+  <dgm:styleLbl name="alignAccFollowNode1">
+    <dgm:fillClrLst meth="repeat">
+      <a:schemeClr val="accent1">
+        <a:alpha val="90000"/>
+        <a:tint val="40000"/>
+      </a:schemeClr>
+    </dgm:fillClrLst>
+    <dgm:linClrLst meth="repeat">
+      <a:schemeClr val="accent1">
+        <a:alpha val="90000"/>
+        <a:tint val="40000"/>
+      </a:schemeClr>
+    </dgm:linClrLst>
+    <dgm:effectClrLst/>
+    <dgm:txLinClrLst/>
+    <dgm:txFillClrLst meth="repeat">
+      <a:schemeClr val="dk1"/>
+    </dgm:txFillClrLst>
+    <dgm:txEffectClrLst/>
+  </dgm:styleLbl>
+  <dgm:styleLbl name="bgAccFollowNode1">
+    <dgm:fillClrLst meth="repeat">
+      <a:schemeClr val="accent1">
+        <a:alpha val="90000"/>
+        <a:tint val="40000"/>
+      </a:schemeClr>
+    </dgm:fillClrLst>
+    <dgm:linClrLst meth="repeat">
+      <a:schemeClr val="accent1">
+        <a:alpha val="90000"/>
+        <a:tint val="40000"/>
+      </a:schemeClr>
+    </dgm:linClrLst>
+    <dgm:effectClrLst/>
+    <dgm:txLinClrLst/>
+    <dgm:txFillClrLst meth="repeat">
+      <a:schemeClr val="dk1"/>
+    </dgm:txFillClrLst>
+    <dgm:txEffectClrLst/>
+  </dgm:styleLbl>
+  <dgm:styleLbl name="fgAcc0">
+    <dgm:fillClrLst meth="repeat">
+      <a:schemeClr val="lt1">
+        <a:alpha val="90000"/>
+      </a:schemeClr>
+    </dgm:fillClrLst>
+    <dgm:linClrLst meth="repeat">
+      <a:schemeClr val="accent1"/>
+    </dgm:linClrLst>
+    <dgm:effectClrLst/>
+    <dgm:txLinClrLst/>
+    <dgm:txFillClrLst meth="repeat">
+      <a:schemeClr val="dk1"/>
+    </dgm:txFillClrLst>
+    <dgm:txEffectClrLst/>
+  </dgm:styleLbl>
+  <dgm:styleLbl name="fgAcc2">
+    <dgm:fillClrLst meth="repeat">
+      <a:schemeClr val="lt1">
+        <a:alpha val="90000"/>
+      </a:schemeClr>
+    </dgm:fillClrLst>
+    <dgm:linClrLst meth="repeat">
+      <a:schemeClr val="accent1"/>
+    </dgm:linClrLst>
+    <dgm:effectClrLst/>
+    <dgm:txLinClrLst/>
+    <dgm:txFillClrLst meth="repeat">
+      <a:schemeClr val="dk1"/>
+    </dgm:txFillClrLst>
+    <dgm:txEffectClrLst/>
+  </dgm:styleLbl>
+  <dgm:styleLbl name="fgAcc3">
+    <dgm:fillClrLst meth="repeat">
+      <a:schemeClr val="lt1">
+        <a:alpha val="90000"/>
+      </a:schemeClr>
+    </dgm:fillClrLst>
+    <dgm:linClrLst meth="repeat">
+      <a:schemeClr val="accent1"/>
+    </dgm:linClrLst>
+    <dgm:effectClrLst/>
+    <dgm:txLinClrLst/>
+    <dgm:txFillClrLst meth="repeat">
+      <a:schemeClr val="dk1"/>
+    </dgm:txFillClrLst>
+    <dgm:txEffectClrLst/>
+  </dgm:styleLbl>
+  <dgm:styleLbl name="fgAcc4">
+    <dgm:fillClrLst meth="repeat">
+      <a:schemeClr val="lt1">
+        <a:alpha val="90000"/>
+      </a:schemeClr>
+    </dgm:fillClrLst>
+    <dgm:linClrLst meth="repeat">
+      <a:schemeClr val="accent1"/>
+    </dgm:linClrLst>
+    <dgm:effectClrLst/>
+    <dgm:txLinClrLst/>
+    <dgm:txFillClrLst meth="repeat">
+      <a:schemeClr val="dk1"/>
+    </dgm:txFillClrLst>
+    <dgm:txEffectClrLst/>
+  </dgm:styleLbl>
+  <dgm:styleLbl name="bgShp">
+    <dgm:fillClrLst meth="repeat">
+      <a:schemeClr val="accent1">
+        <a:tint val="40000"/>
+      </a:schemeClr>
+    </dgm:fillClrLst>
+    <dgm:linClrLst meth="repeat">
+      <a:schemeClr val="accent1"/>
+    </dgm:linClrLst>
+    <dgm:effectClrLst/>
+    <dgm:txLinClrLst/>
+    <dgm:txFillClrLst meth="repeat">
+      <a:schemeClr val="dk1"/>
+    </dgm:txFillClrLst>
+    <dgm:txEffectClrLst/>
+  </dgm:styleLbl>
+  <dgm:styleLbl name="dkBgShp">
+    <dgm:fillClrLst meth="repeat">
+      <a:schemeClr val="accent1">
+        <a:shade val="80000"/>
+      </a:schemeClr>
+    </dgm:fillClrLst>
+    <dgm:linClrLst meth="repeat">
+      <a:schemeClr val="accent1"/>
+    </dgm:linClrLst>
+    <dgm:effectClrLst/>
+    <dgm:txLinClrLst/>
+    <dgm:txFillClrLst meth="repeat">
+      <a:schemeClr val="lt1"/>
+    </dgm:txFillClrLst>
+    <dgm:txEffectClrLst/>
+  </dgm:styleLbl>
+  <dgm:styleLbl name="trBgShp">
+    <dgm:fillClrLst meth="repeat">
+      <a:schemeClr val="accent1">
+        <a:tint val="50000"/>
+        <a:alpha val="40000"/>
+      </a:schemeClr>
+    </dgm:fillClrLst>
+    <dgm:linClrLst meth="repeat">
+      <a:schemeClr val="accent1"/>
+    </dgm:linClrLst>
+    <dgm:effectClrLst/>
+    <dgm:txLinClrLst/>
+    <dgm:txFillClrLst meth="repeat">
+      <a:schemeClr val="lt1"/>
+    </dgm:txFillClrLst>
+    <dgm:txEffectClrLst/>
+  </dgm:styleLbl>
+  <dgm:styleLbl name="fgShp">
+    <dgm:fillClrLst meth="repeat">
+      <a:schemeClr val="accent1">
+        <a:tint val="60000"/>
+      </a:schemeClr>
+    </dgm:fillClrLst>
+    <dgm:linClrLst meth="repeat">
+      <a:schemeClr val="lt1"/>
+    </dgm:linClrLst>
+    <dgm:effectClrLst/>
+    <dgm:txLinClrLst/>
+    <dgm:txFillClrLst meth="repeat">
+      <a:schemeClr val="dk1"/>
+    </dgm:txFillClrLst>
+    <dgm:txEffectClrLst/>
+  </dgm:styleLbl>
+  <dgm:styleLbl name="revTx">
+    <dgm:fillClrLst meth="repeat">
+      <a:schemeClr val="lt1">
+        <a:alpha val="0"/>
+      </a:schemeClr>
+    </dgm:fillClrLst>
+    <dgm:linClrLst meth="repeat">
+      <a:schemeClr val="dk1">
+        <a:alpha val="0"/>
+      </a:schemeClr>
+    </dgm:linClrLst>
+    <dgm:effectClrLst/>
+    <dgm:txLinClrLst/>
+    <dgm:txFillClrLst meth="repeat">
+      <a:schemeClr val="tx1"/>
+    </dgm:txFillClrLst>
+    <dgm:txEffectClrLst/>
+  </dgm:styleLbl>
+</dgm:colorsDef>
+</file>
+
+<file path=ppt/diagrams/data1.xml><?xml version="1.0" encoding="utf-8"?>
+<dgm:dataModel xmlns:dgm="http://schemas.openxmlformats.org/drawingml/2006/diagram" xmlns:a="http://schemas.openxmlformats.org/drawingml/2006/main">
+  <dgm:ptLst>
+    <dgm:pt modelId="{EAF65F40-7867-42ED-8656-D60C8D7D8CEE}" type="doc">
+      <dgm:prSet loTypeId="urn:microsoft.com/office/officeart/2008/layout/IncreasingCircleProcess" loCatId="process" qsTypeId="urn:microsoft.com/office/officeart/2005/8/quickstyle/simple1" qsCatId="simple" csTypeId="urn:microsoft.com/office/officeart/2005/8/colors/accent1_2" csCatId="accent1" phldr="1"/>
+      <dgm:spPr/>
+      <dgm:t>
+        <a:bodyPr/>
+        <a:lstStyle/>
+        <a:p>
+          <a:endParaRPr lang="el-GR"/>
+        </a:p>
+      </dgm:t>
+    </dgm:pt>
+    <dgm:pt modelId="{B8B60B1A-0203-41C6-B8D1-05A15AAB5E53}">
+      <dgm:prSet phldrT="[Κείμενο]"/>
+      <dgm:spPr/>
+      <dgm:t>
+        <a:bodyPr/>
+        <a:lstStyle/>
+        <a:p>
+          <a:r>
+            <a:rPr lang="en-US" dirty="0"/>
+            <a:t>Cleaning</a:t>
+          </a:r>
+          <a:endParaRPr lang="el-GR" dirty="0"/>
+        </a:p>
+      </dgm:t>
+    </dgm:pt>
+    <dgm:pt modelId="{0C48AA76-7295-4C14-9C2D-42831704B997}" type="parTrans" cxnId="{A8F92429-80CE-4B0D-BB0B-A6E6C6B22BCC}">
+      <dgm:prSet/>
+      <dgm:spPr/>
+      <dgm:t>
+        <a:bodyPr/>
+        <a:lstStyle/>
+        <a:p>
+          <a:endParaRPr lang="el-GR"/>
+        </a:p>
+      </dgm:t>
+    </dgm:pt>
+    <dgm:pt modelId="{D730525A-2E8C-4EB6-9EFE-CF4E4A94305A}" type="sibTrans" cxnId="{A8F92429-80CE-4B0D-BB0B-A6E6C6B22BCC}">
+      <dgm:prSet/>
+      <dgm:spPr/>
+      <dgm:t>
+        <a:bodyPr/>
+        <a:lstStyle/>
+        <a:p>
+          <a:endParaRPr lang="el-GR"/>
+        </a:p>
+      </dgm:t>
+    </dgm:pt>
+    <dgm:pt modelId="{CA1E7F2A-2EB5-42EA-8241-522FA743EA3F}">
+      <dgm:prSet phldrT="[Κείμενο]" custT="1"/>
+      <dgm:spPr/>
+      <dgm:t>
+        <a:bodyPr/>
+        <a:lstStyle/>
+        <a:p>
+          <a:endParaRPr lang="en-US" sz="1600" dirty="0"/>
+        </a:p>
+        <a:p>
+          <a:r>
+            <a:rPr lang="en-US" sz="1600" dirty="0">
+              <a:solidFill>
+                <a:schemeClr val="tx1">
+                  <a:lumMod val="85000"/>
+                </a:schemeClr>
+              </a:solidFill>
+            </a:rPr>
+            <a:t>Missing data</a:t>
+          </a:r>
+        </a:p>
+        <a:p>
+          <a:r>
+            <a:rPr lang="en-US" sz="1600" dirty="0">
+              <a:solidFill>
+                <a:schemeClr val="tx1">
+                  <a:lumMod val="85000"/>
+                </a:schemeClr>
+              </a:solidFill>
+            </a:rPr>
+            <a:t>Noise</a:t>
+          </a:r>
+        </a:p>
+        <a:p>
+          <a:r>
+            <a:rPr lang="en-US" sz="1600" dirty="0">
+              <a:solidFill>
+                <a:schemeClr val="tx1">
+                  <a:lumMod val="85000"/>
+                </a:schemeClr>
+              </a:solidFill>
+            </a:rPr>
+            <a:t>Inconsistencies</a:t>
+          </a:r>
+          <a:endParaRPr lang="el-GR" sz="1600" dirty="0">
+            <a:solidFill>
+              <a:schemeClr val="tx1">
+                <a:lumMod val="85000"/>
+              </a:schemeClr>
+            </a:solidFill>
+          </a:endParaRPr>
+        </a:p>
+      </dgm:t>
+    </dgm:pt>
+    <dgm:pt modelId="{0DEC7FB3-590E-43B7-8A09-E0FA9D2D480A}" type="parTrans" cxnId="{1A02E291-B018-4766-A7E7-F9DBDA68D622}">
+      <dgm:prSet/>
+      <dgm:spPr/>
+      <dgm:t>
+        <a:bodyPr/>
+        <a:lstStyle/>
+        <a:p>
+          <a:endParaRPr lang="el-GR"/>
+        </a:p>
+      </dgm:t>
+    </dgm:pt>
+    <dgm:pt modelId="{7086369A-41A7-4170-A2C0-2507CCEE4EC0}" type="sibTrans" cxnId="{1A02E291-B018-4766-A7E7-F9DBDA68D622}">
+      <dgm:prSet/>
+      <dgm:spPr/>
+      <dgm:t>
+        <a:bodyPr/>
+        <a:lstStyle/>
+        <a:p>
+          <a:endParaRPr lang="el-GR"/>
+        </a:p>
+      </dgm:t>
+    </dgm:pt>
+    <dgm:pt modelId="{A97C550E-5D7B-4122-B72A-E15AB7714B39}">
+      <dgm:prSet phldrT="[Κείμενο]"/>
+      <dgm:spPr/>
+      <dgm:t>
+        <a:bodyPr/>
+        <a:lstStyle/>
+        <a:p>
+          <a:r>
+            <a:rPr lang="en-US" dirty="0"/>
+            <a:t>Integration</a:t>
+          </a:r>
+          <a:endParaRPr lang="el-GR" dirty="0"/>
+        </a:p>
+      </dgm:t>
+    </dgm:pt>
+    <dgm:pt modelId="{94058D22-09D5-42CA-9287-F2D6FAE778CC}" type="parTrans" cxnId="{B58FCE10-29AC-4E15-9A6C-B52C4BE0EF35}">
+      <dgm:prSet/>
+      <dgm:spPr/>
+      <dgm:t>
+        <a:bodyPr/>
+        <a:lstStyle/>
+        <a:p>
+          <a:endParaRPr lang="el-GR"/>
+        </a:p>
+      </dgm:t>
+    </dgm:pt>
+    <dgm:pt modelId="{8DE22363-13E1-4A1E-B046-E2D604406693}" type="sibTrans" cxnId="{B58FCE10-29AC-4E15-9A6C-B52C4BE0EF35}">
+      <dgm:prSet/>
+      <dgm:spPr/>
+      <dgm:t>
+        <a:bodyPr/>
+        <a:lstStyle/>
+        <a:p>
+          <a:endParaRPr lang="el-GR"/>
+        </a:p>
+      </dgm:t>
+    </dgm:pt>
+    <dgm:pt modelId="{7083A97A-3781-4176-9C24-219EE80A5C53}">
+      <dgm:prSet phldrT="[Κείμενο]"/>
+      <dgm:spPr/>
+      <dgm:t>
+        <a:bodyPr/>
+        <a:lstStyle/>
+        <a:p>
+          <a:r>
+            <a:rPr lang="en-US" dirty="0"/>
+            <a:t>Transformation</a:t>
+          </a:r>
+          <a:endParaRPr lang="el-GR" dirty="0"/>
+        </a:p>
+      </dgm:t>
+    </dgm:pt>
+    <dgm:pt modelId="{407EC2E1-BF8A-4624-9EF3-4A16F743D7F0}" type="parTrans" cxnId="{13ECED61-AF02-4BD3-BAC3-4CA7A23BD51A}">
+      <dgm:prSet/>
+      <dgm:spPr/>
+      <dgm:t>
+        <a:bodyPr/>
+        <a:lstStyle/>
+        <a:p>
+          <a:endParaRPr lang="el-GR"/>
+        </a:p>
+      </dgm:t>
+    </dgm:pt>
+    <dgm:pt modelId="{DB8997A6-628B-4C83-B15C-F853F5C35753}" type="sibTrans" cxnId="{13ECED61-AF02-4BD3-BAC3-4CA7A23BD51A}">
+      <dgm:prSet/>
+      <dgm:spPr/>
+      <dgm:t>
+        <a:bodyPr/>
+        <a:lstStyle/>
+        <a:p>
+          <a:endParaRPr lang="el-GR"/>
+        </a:p>
+      </dgm:t>
+    </dgm:pt>
+    <dgm:pt modelId="{D89DBB4A-33DD-46B7-8585-01AE7905ABE9}">
+      <dgm:prSet phldrT="[Κείμενο]" custT="1"/>
+      <dgm:spPr/>
+      <dgm:t>
+        <a:bodyPr/>
+        <a:lstStyle/>
+        <a:p>
+          <a:endParaRPr lang="en-US" sz="1600" dirty="0"/>
+        </a:p>
+        <a:p>
+          <a:r>
+            <a:rPr lang="en-US" sz="1600" dirty="0">
+              <a:solidFill>
+                <a:schemeClr val="tx1">
+                  <a:lumMod val="85000"/>
+                </a:schemeClr>
+              </a:solidFill>
+            </a:rPr>
+            <a:t>Normalization</a:t>
+          </a:r>
+          <a:endParaRPr lang="el-GR" sz="1600" dirty="0">
+            <a:solidFill>
+              <a:schemeClr val="tx1">
+                <a:lumMod val="85000"/>
+              </a:schemeClr>
+            </a:solidFill>
+          </a:endParaRPr>
+        </a:p>
+      </dgm:t>
+    </dgm:pt>
+    <dgm:pt modelId="{4DABD42E-2F76-472A-8F9D-F48278E2A67F}" type="parTrans" cxnId="{9FD90B26-D59D-4234-9497-77885503E07C}">
+      <dgm:prSet/>
+      <dgm:spPr/>
+      <dgm:t>
+        <a:bodyPr/>
+        <a:lstStyle/>
+        <a:p>
+          <a:endParaRPr lang="el-GR"/>
+        </a:p>
+      </dgm:t>
+    </dgm:pt>
+    <dgm:pt modelId="{90917AF0-529F-4466-852E-62EA5525B79B}" type="sibTrans" cxnId="{9FD90B26-D59D-4234-9497-77885503E07C}">
+      <dgm:prSet/>
+      <dgm:spPr/>
+      <dgm:t>
+        <a:bodyPr/>
+        <a:lstStyle/>
+        <a:p>
+          <a:endParaRPr lang="el-GR"/>
+        </a:p>
+      </dgm:t>
+    </dgm:pt>
+    <dgm:pt modelId="{14C6C74B-81BF-4BE4-9F5C-7AE43B3D2640}">
+      <dgm:prSet phldrT="[Κείμενο]" custT="1"/>
+      <dgm:spPr/>
+      <dgm:t>
+        <a:bodyPr/>
+        <a:lstStyle/>
+        <a:p>
+          <a:r>
+            <a:rPr lang="en-US" sz="1600" dirty="0">
+              <a:solidFill>
+                <a:schemeClr val="tx1">
+                  <a:lumMod val="85000"/>
+                </a:schemeClr>
+              </a:solidFill>
+            </a:rPr>
+            <a:t>Aggregation</a:t>
+          </a:r>
+          <a:endParaRPr lang="el-GR" sz="1600" dirty="0">
+            <a:solidFill>
+              <a:schemeClr val="tx1">
+                <a:lumMod val="85000"/>
+              </a:schemeClr>
+            </a:solidFill>
+          </a:endParaRPr>
+        </a:p>
+      </dgm:t>
+    </dgm:pt>
+    <dgm:pt modelId="{EA2E5166-831E-4472-81AF-60095BE51DF5}" type="parTrans" cxnId="{B73427CF-29BE-4317-899E-1F01A27354CC}">
+      <dgm:prSet/>
+      <dgm:spPr/>
+      <dgm:t>
+        <a:bodyPr/>
+        <a:lstStyle/>
+        <a:p>
+          <a:endParaRPr lang="el-GR"/>
+        </a:p>
+      </dgm:t>
+    </dgm:pt>
+    <dgm:pt modelId="{E96BD83D-9C2E-48D6-AA12-304652915C12}" type="sibTrans" cxnId="{B73427CF-29BE-4317-899E-1F01A27354CC}">
+      <dgm:prSet/>
+      <dgm:spPr/>
+      <dgm:t>
+        <a:bodyPr/>
+        <a:lstStyle/>
+        <a:p>
+          <a:endParaRPr lang="el-GR"/>
+        </a:p>
+      </dgm:t>
+    </dgm:pt>
+    <dgm:pt modelId="{176910CC-3A11-4E90-B6B8-34FCA85D5C02}">
+      <dgm:prSet phldrT="[Κείμενο]" custT="1"/>
+      <dgm:spPr/>
+      <dgm:t>
+        <a:bodyPr/>
+        <a:lstStyle/>
+        <a:p>
+          <a:r>
+            <a:rPr lang="en-US" sz="1600" dirty="0">
+              <a:solidFill>
+                <a:schemeClr val="tx1">
+                  <a:lumMod val="85000"/>
+                </a:schemeClr>
+              </a:solidFill>
+            </a:rPr>
+            <a:t>Generalization</a:t>
+          </a:r>
+          <a:endParaRPr lang="el-GR" sz="1600" dirty="0">
+            <a:solidFill>
+              <a:schemeClr val="tx1">
+                <a:lumMod val="85000"/>
+              </a:schemeClr>
+            </a:solidFill>
+          </a:endParaRPr>
+        </a:p>
+      </dgm:t>
+    </dgm:pt>
+    <dgm:pt modelId="{558A9C9F-A11C-475D-8AE7-1FE2698C5670}" type="parTrans" cxnId="{E2E5335C-1F8D-45D9-B49C-120C2861B218}">
+      <dgm:prSet/>
+      <dgm:spPr/>
+      <dgm:t>
+        <a:bodyPr/>
+        <a:lstStyle/>
+        <a:p>
+          <a:endParaRPr lang="el-GR"/>
+        </a:p>
+      </dgm:t>
+    </dgm:pt>
+    <dgm:pt modelId="{E7343C6A-C43A-4ED0-9756-BA7C5B867FAB}" type="sibTrans" cxnId="{E2E5335C-1F8D-45D9-B49C-120C2861B218}">
+      <dgm:prSet/>
+      <dgm:spPr/>
+      <dgm:t>
+        <a:bodyPr/>
+        <a:lstStyle/>
+        <a:p>
+          <a:endParaRPr lang="el-GR"/>
+        </a:p>
+      </dgm:t>
+    </dgm:pt>
+    <dgm:pt modelId="{3C4222EF-C843-40AD-BCDF-27D1195D28B9}">
+      <dgm:prSet phldrT="[Κείμενο]" custT="1"/>
+      <dgm:spPr/>
+      <dgm:t>
+        <a:bodyPr/>
+        <a:lstStyle/>
+        <a:p>
+          <a:r>
+            <a:rPr lang="en-US" sz="1600" dirty="0">
+              <a:solidFill>
+                <a:schemeClr val="tx1">
+                  <a:lumMod val="85000"/>
+                </a:schemeClr>
+              </a:solidFill>
+            </a:rPr>
+            <a:t>Feature construction</a:t>
+          </a:r>
+          <a:endParaRPr lang="el-GR" sz="1600" dirty="0">
+            <a:solidFill>
+              <a:schemeClr val="tx1">
+                <a:lumMod val="85000"/>
+              </a:schemeClr>
+            </a:solidFill>
+          </a:endParaRPr>
+        </a:p>
+      </dgm:t>
+    </dgm:pt>
+    <dgm:pt modelId="{0F661615-162E-47B7-8793-AD5071C736F4}" type="parTrans" cxnId="{D7B3FB32-8CD5-4554-BF54-00115656056D}">
+      <dgm:prSet/>
+      <dgm:spPr/>
+      <dgm:t>
+        <a:bodyPr/>
+        <a:lstStyle/>
+        <a:p>
+          <a:endParaRPr lang="el-GR"/>
+        </a:p>
+      </dgm:t>
+    </dgm:pt>
+    <dgm:pt modelId="{9AE2F516-B5FF-48F0-9D4B-155D6F9077E3}" type="sibTrans" cxnId="{D7B3FB32-8CD5-4554-BF54-00115656056D}">
+      <dgm:prSet/>
+      <dgm:spPr/>
+      <dgm:t>
+        <a:bodyPr/>
+        <a:lstStyle/>
+        <a:p>
+          <a:endParaRPr lang="el-GR"/>
+        </a:p>
+      </dgm:t>
+    </dgm:pt>
+    <dgm:pt modelId="{12D40C10-EDE3-49BA-8614-FE2A400F7FAB}">
+      <dgm:prSet phldrT="[Κείμενο]"/>
+      <dgm:spPr/>
+      <dgm:t>
+        <a:bodyPr/>
+        <a:lstStyle/>
+        <a:p>
+          <a:r>
+            <a:rPr lang="en-US" dirty="0"/>
+            <a:t>Reduction</a:t>
+          </a:r>
+          <a:endParaRPr lang="el-GR" dirty="0"/>
+        </a:p>
+      </dgm:t>
+    </dgm:pt>
+    <dgm:pt modelId="{5C1932BC-0C00-4E0B-B57C-0879573413D7}" type="parTrans" cxnId="{073F79F5-302B-4D91-A310-CAF1E3ED2368}">
+      <dgm:prSet/>
+      <dgm:spPr/>
+      <dgm:t>
+        <a:bodyPr/>
+        <a:lstStyle/>
+        <a:p>
+          <a:endParaRPr lang="el-GR"/>
+        </a:p>
+      </dgm:t>
+    </dgm:pt>
+    <dgm:pt modelId="{0FA8D909-27E8-4401-B8AB-357C72F74EA6}" type="sibTrans" cxnId="{073F79F5-302B-4D91-A310-CAF1E3ED2368}">
+      <dgm:prSet/>
+      <dgm:spPr/>
+      <dgm:t>
+        <a:bodyPr/>
+        <a:lstStyle/>
+        <a:p>
+          <a:endParaRPr lang="el-GR"/>
+        </a:p>
+      </dgm:t>
+    </dgm:pt>
+    <dgm:pt modelId="{169AE57C-09BB-4961-8007-99124DB4581F}" type="pres">
+      <dgm:prSet presAssocID="{EAF65F40-7867-42ED-8656-D60C8D7D8CEE}" presName="Name0" presStyleCnt="0">
+        <dgm:presLayoutVars>
+          <dgm:chMax val="7"/>
+          <dgm:chPref val="7"/>
+          <dgm:dir/>
+          <dgm:animOne val="branch"/>
+          <dgm:animLvl val="lvl"/>
+        </dgm:presLayoutVars>
+      </dgm:prSet>
+      <dgm:spPr/>
+    </dgm:pt>
+    <dgm:pt modelId="{65C6196E-A6F5-4E8E-BA75-BDBE0C384A50}" type="pres">
+      <dgm:prSet presAssocID="{B8B60B1A-0203-41C6-B8D1-05A15AAB5E53}" presName="composite" presStyleCnt="0"/>
+      <dgm:spPr/>
+    </dgm:pt>
+    <dgm:pt modelId="{BA5DB99F-95AC-41B4-9F64-8821DFD2B161}" type="pres">
+      <dgm:prSet presAssocID="{B8B60B1A-0203-41C6-B8D1-05A15AAB5E53}" presName="BackAccent" presStyleLbl="bgShp" presStyleIdx="0" presStyleCnt="4"/>
+      <dgm:spPr/>
+    </dgm:pt>
+    <dgm:pt modelId="{4C80F606-AC02-4669-95AE-159C32C7C9B5}" type="pres">
+      <dgm:prSet presAssocID="{B8B60B1A-0203-41C6-B8D1-05A15AAB5E53}" presName="Accent" presStyleLbl="alignNode1" presStyleIdx="0" presStyleCnt="4"/>
+      <dgm:spPr/>
+    </dgm:pt>
+    <dgm:pt modelId="{E6DF5A56-B3C3-4D1B-958E-22D358DF4BEE}" type="pres">
+      <dgm:prSet presAssocID="{B8B60B1A-0203-41C6-B8D1-05A15AAB5E53}" presName="Child" presStyleLbl="revTx" presStyleIdx="0" presStyleCnt="6">
+        <dgm:presLayoutVars>
+          <dgm:chMax val="0"/>
+          <dgm:chPref val="0"/>
+          <dgm:bulletEnabled val="1"/>
+        </dgm:presLayoutVars>
+      </dgm:prSet>
+      <dgm:spPr/>
+    </dgm:pt>
+    <dgm:pt modelId="{0548C885-FDCD-4ADE-A050-D4C3A53026F1}" type="pres">
+      <dgm:prSet presAssocID="{B8B60B1A-0203-41C6-B8D1-05A15AAB5E53}" presName="Parent" presStyleLbl="revTx" presStyleIdx="1" presStyleCnt="6">
+        <dgm:presLayoutVars>
+          <dgm:chMax val="1"/>
+          <dgm:chPref val="1"/>
+          <dgm:bulletEnabled val="1"/>
+        </dgm:presLayoutVars>
+      </dgm:prSet>
+      <dgm:spPr/>
+    </dgm:pt>
+    <dgm:pt modelId="{D3276966-D02A-492F-943B-B2A6CDC1C53B}" type="pres">
+      <dgm:prSet presAssocID="{D730525A-2E8C-4EB6-9EFE-CF4E4A94305A}" presName="sibTrans" presStyleCnt="0"/>
+      <dgm:spPr/>
+    </dgm:pt>
+    <dgm:pt modelId="{43E5249B-7F35-418C-AC54-63D045F0735B}" type="pres">
+      <dgm:prSet presAssocID="{A97C550E-5D7B-4122-B72A-E15AB7714B39}" presName="composite" presStyleCnt="0"/>
+      <dgm:spPr/>
+    </dgm:pt>
+    <dgm:pt modelId="{19E244D5-514D-45CB-B4AF-BC399727D664}" type="pres">
+      <dgm:prSet presAssocID="{A97C550E-5D7B-4122-B72A-E15AB7714B39}" presName="BackAccent" presStyleLbl="bgShp" presStyleIdx="1" presStyleCnt="4"/>
+      <dgm:spPr/>
+    </dgm:pt>
+    <dgm:pt modelId="{5C156F16-F58B-43AA-A3CE-42BFA0833728}" type="pres">
+      <dgm:prSet presAssocID="{A97C550E-5D7B-4122-B72A-E15AB7714B39}" presName="Accent" presStyleLbl="alignNode1" presStyleIdx="1" presStyleCnt="4"/>
+      <dgm:spPr/>
+    </dgm:pt>
+    <dgm:pt modelId="{FDC569A2-4722-488F-8206-53C64B3083AF}" type="pres">
+      <dgm:prSet presAssocID="{A97C550E-5D7B-4122-B72A-E15AB7714B39}" presName="Child" presStyleLbl="revTx" presStyleIdx="1" presStyleCnt="6">
+        <dgm:presLayoutVars>
+          <dgm:chMax val="0"/>
+          <dgm:chPref val="0"/>
+          <dgm:bulletEnabled val="1"/>
+        </dgm:presLayoutVars>
+      </dgm:prSet>
+      <dgm:spPr/>
+    </dgm:pt>
+    <dgm:pt modelId="{81D3AD76-32C5-426C-82AD-B269E1897633}" type="pres">
+      <dgm:prSet presAssocID="{A97C550E-5D7B-4122-B72A-E15AB7714B39}" presName="Parent" presStyleLbl="revTx" presStyleIdx="2" presStyleCnt="6">
+        <dgm:presLayoutVars>
+          <dgm:chMax val="1"/>
+          <dgm:chPref val="1"/>
+          <dgm:bulletEnabled val="1"/>
+        </dgm:presLayoutVars>
+      </dgm:prSet>
+      <dgm:spPr/>
+    </dgm:pt>
+    <dgm:pt modelId="{CAE7BFFF-A837-4C69-968A-8A52701DBCF0}" type="pres">
+      <dgm:prSet presAssocID="{8DE22363-13E1-4A1E-B046-E2D604406693}" presName="sibTrans" presStyleCnt="0"/>
+      <dgm:spPr/>
+    </dgm:pt>
+    <dgm:pt modelId="{297A05C5-636C-4A08-A784-C1270EFB0443}" type="pres">
+      <dgm:prSet presAssocID="{7083A97A-3781-4176-9C24-219EE80A5C53}" presName="composite" presStyleCnt="0"/>
+      <dgm:spPr/>
+    </dgm:pt>
+    <dgm:pt modelId="{FDCD1662-CB08-495F-A6D4-B74EA48202E8}" type="pres">
+      <dgm:prSet presAssocID="{7083A97A-3781-4176-9C24-219EE80A5C53}" presName="BackAccent" presStyleLbl="bgShp" presStyleIdx="2" presStyleCnt="4"/>
+      <dgm:spPr/>
+    </dgm:pt>
+    <dgm:pt modelId="{50849524-A011-482A-8D35-65C46BE8F885}" type="pres">
+      <dgm:prSet presAssocID="{7083A97A-3781-4176-9C24-219EE80A5C53}" presName="Accent" presStyleLbl="alignNode1" presStyleIdx="2" presStyleCnt="4"/>
+      <dgm:spPr/>
+    </dgm:pt>
+    <dgm:pt modelId="{17C59D5D-C12D-41A7-8B1F-21B0CBD4A9DB}" type="pres">
+      <dgm:prSet presAssocID="{7083A97A-3781-4176-9C24-219EE80A5C53}" presName="Child" presStyleLbl="revTx" presStyleIdx="3" presStyleCnt="6">
+        <dgm:presLayoutVars>
+          <dgm:chMax val="0"/>
+          <dgm:chPref val="0"/>
+          <dgm:bulletEnabled val="1"/>
+        </dgm:presLayoutVars>
+      </dgm:prSet>
+      <dgm:spPr/>
+    </dgm:pt>
+    <dgm:pt modelId="{2B849911-DF4D-4366-8655-8519E96A9979}" type="pres">
+      <dgm:prSet presAssocID="{7083A97A-3781-4176-9C24-219EE80A5C53}" presName="Parent" presStyleLbl="revTx" presStyleIdx="4" presStyleCnt="6">
+        <dgm:presLayoutVars>
+          <dgm:chMax val="1"/>
+          <dgm:chPref val="1"/>
+          <dgm:bulletEnabled val="1"/>
+        </dgm:presLayoutVars>
+      </dgm:prSet>
+      <dgm:spPr/>
+    </dgm:pt>
+    <dgm:pt modelId="{9C99A831-9B4D-4690-9176-F58F5B6431A4}" type="pres">
+      <dgm:prSet presAssocID="{DB8997A6-628B-4C83-B15C-F853F5C35753}" presName="sibTrans" presStyleCnt="0"/>
+      <dgm:spPr/>
+    </dgm:pt>
+    <dgm:pt modelId="{1FC8A704-E1CF-4BB1-A125-70AAD0F88FA1}" type="pres">
+      <dgm:prSet presAssocID="{12D40C10-EDE3-49BA-8614-FE2A400F7FAB}" presName="composite" presStyleCnt="0"/>
+      <dgm:spPr/>
+    </dgm:pt>
+    <dgm:pt modelId="{1AC2402A-E46C-4643-AE74-8E14499E1F01}" type="pres">
+      <dgm:prSet presAssocID="{12D40C10-EDE3-49BA-8614-FE2A400F7FAB}" presName="BackAccent" presStyleLbl="bgShp" presStyleIdx="3" presStyleCnt="4"/>
+      <dgm:spPr/>
+    </dgm:pt>
+    <dgm:pt modelId="{48DD8444-0AE1-4934-BA9C-B84D325E5F12}" type="pres">
+      <dgm:prSet presAssocID="{12D40C10-EDE3-49BA-8614-FE2A400F7FAB}" presName="Accent" presStyleLbl="alignNode1" presStyleIdx="3" presStyleCnt="4"/>
+      <dgm:spPr/>
+    </dgm:pt>
+    <dgm:pt modelId="{A540E88D-300F-4A30-AC13-EFCFDDA7818E}" type="pres">
+      <dgm:prSet presAssocID="{12D40C10-EDE3-49BA-8614-FE2A400F7FAB}" presName="Child" presStyleLbl="revTx" presStyleIdx="4" presStyleCnt="6">
+        <dgm:presLayoutVars>
+          <dgm:chMax val="0"/>
+          <dgm:chPref val="0"/>
+          <dgm:bulletEnabled val="1"/>
+        </dgm:presLayoutVars>
+      </dgm:prSet>
+      <dgm:spPr/>
+    </dgm:pt>
+    <dgm:pt modelId="{DABC38AC-DB6A-4567-8603-544F1BC606F2}" type="pres">
+      <dgm:prSet presAssocID="{12D40C10-EDE3-49BA-8614-FE2A400F7FAB}" presName="Parent" presStyleLbl="revTx" presStyleIdx="5" presStyleCnt="6">
+        <dgm:presLayoutVars>
+          <dgm:chMax val="1"/>
+          <dgm:chPref val="1"/>
+          <dgm:bulletEnabled val="1"/>
+        </dgm:presLayoutVars>
+      </dgm:prSet>
+      <dgm:spPr/>
+    </dgm:pt>
+  </dgm:ptLst>
+  <dgm:cxnLst>
+    <dgm:cxn modelId="{DD3F0D01-47DD-4DBD-9A70-09C7A57DAAF8}" type="presOf" srcId="{B8B60B1A-0203-41C6-B8D1-05A15AAB5E53}" destId="{0548C885-FDCD-4ADE-A050-D4C3A53026F1}" srcOrd="0" destOrd="0" presId="urn:microsoft.com/office/officeart/2008/layout/IncreasingCircleProcess"/>
+    <dgm:cxn modelId="{25007F04-B367-4791-B683-F4465FA820D9}" type="presOf" srcId="{176910CC-3A11-4E90-B6B8-34FCA85D5C02}" destId="{17C59D5D-C12D-41A7-8B1F-21B0CBD4A9DB}" srcOrd="0" destOrd="2" presId="urn:microsoft.com/office/officeart/2008/layout/IncreasingCircleProcess"/>
+    <dgm:cxn modelId="{B58FCE10-29AC-4E15-9A6C-B52C4BE0EF35}" srcId="{EAF65F40-7867-42ED-8656-D60C8D7D8CEE}" destId="{A97C550E-5D7B-4122-B72A-E15AB7714B39}" srcOrd="1" destOrd="0" parTransId="{94058D22-09D5-42CA-9287-F2D6FAE778CC}" sibTransId="{8DE22363-13E1-4A1E-B046-E2D604406693}"/>
+    <dgm:cxn modelId="{EED76E1E-9AAF-476D-A5D0-489D5C279537}" type="presOf" srcId="{7083A97A-3781-4176-9C24-219EE80A5C53}" destId="{2B849911-DF4D-4366-8655-8519E96A9979}" srcOrd="0" destOrd="0" presId="urn:microsoft.com/office/officeart/2008/layout/IncreasingCircleProcess"/>
+    <dgm:cxn modelId="{9FD90B26-D59D-4234-9497-77885503E07C}" srcId="{7083A97A-3781-4176-9C24-219EE80A5C53}" destId="{D89DBB4A-33DD-46B7-8585-01AE7905ABE9}" srcOrd="0" destOrd="0" parTransId="{4DABD42E-2F76-472A-8F9D-F48278E2A67F}" sibTransId="{90917AF0-529F-4466-852E-62EA5525B79B}"/>
+    <dgm:cxn modelId="{D15B6227-D94C-4867-98C1-6088334E0B99}" type="presOf" srcId="{A97C550E-5D7B-4122-B72A-E15AB7714B39}" destId="{81D3AD76-32C5-426C-82AD-B269E1897633}" srcOrd="0" destOrd="0" presId="urn:microsoft.com/office/officeart/2008/layout/IncreasingCircleProcess"/>
+    <dgm:cxn modelId="{A8F92429-80CE-4B0D-BB0B-A6E6C6B22BCC}" srcId="{EAF65F40-7867-42ED-8656-D60C8D7D8CEE}" destId="{B8B60B1A-0203-41C6-B8D1-05A15AAB5E53}" srcOrd="0" destOrd="0" parTransId="{0C48AA76-7295-4C14-9C2D-42831704B997}" sibTransId="{D730525A-2E8C-4EB6-9EFE-CF4E4A94305A}"/>
+    <dgm:cxn modelId="{D7B3FB32-8CD5-4554-BF54-00115656056D}" srcId="{7083A97A-3781-4176-9C24-219EE80A5C53}" destId="{3C4222EF-C843-40AD-BCDF-27D1195D28B9}" srcOrd="3" destOrd="0" parTransId="{0F661615-162E-47B7-8793-AD5071C736F4}" sibTransId="{9AE2F516-B5FF-48F0-9D4B-155D6F9077E3}"/>
+    <dgm:cxn modelId="{ECBC0735-237C-47BD-8017-2CDAC2EFB581}" type="presOf" srcId="{EAF65F40-7867-42ED-8656-D60C8D7D8CEE}" destId="{169AE57C-09BB-4961-8007-99124DB4581F}" srcOrd="0" destOrd="0" presId="urn:microsoft.com/office/officeart/2008/layout/IncreasingCircleProcess"/>
+    <dgm:cxn modelId="{E2E5335C-1F8D-45D9-B49C-120C2861B218}" srcId="{7083A97A-3781-4176-9C24-219EE80A5C53}" destId="{176910CC-3A11-4E90-B6B8-34FCA85D5C02}" srcOrd="2" destOrd="0" parTransId="{558A9C9F-A11C-475D-8AE7-1FE2698C5670}" sibTransId="{E7343C6A-C43A-4ED0-9756-BA7C5B867FAB}"/>
+    <dgm:cxn modelId="{13ECED61-AF02-4BD3-BAC3-4CA7A23BD51A}" srcId="{EAF65F40-7867-42ED-8656-D60C8D7D8CEE}" destId="{7083A97A-3781-4176-9C24-219EE80A5C53}" srcOrd="2" destOrd="0" parTransId="{407EC2E1-BF8A-4624-9EF3-4A16F743D7F0}" sibTransId="{DB8997A6-628B-4C83-B15C-F853F5C35753}"/>
+    <dgm:cxn modelId="{B4A5F856-088A-4426-B2CC-4C2F33B85D41}" type="presOf" srcId="{3C4222EF-C843-40AD-BCDF-27D1195D28B9}" destId="{17C59D5D-C12D-41A7-8B1F-21B0CBD4A9DB}" srcOrd="0" destOrd="3" presId="urn:microsoft.com/office/officeart/2008/layout/IncreasingCircleProcess"/>
+    <dgm:cxn modelId="{F09E2877-AB15-49EB-9215-A033CFD0856F}" type="presOf" srcId="{12D40C10-EDE3-49BA-8614-FE2A400F7FAB}" destId="{DABC38AC-DB6A-4567-8603-544F1BC606F2}" srcOrd="0" destOrd="0" presId="urn:microsoft.com/office/officeart/2008/layout/IncreasingCircleProcess"/>
+    <dgm:cxn modelId="{1A02E291-B018-4766-A7E7-F9DBDA68D622}" srcId="{B8B60B1A-0203-41C6-B8D1-05A15AAB5E53}" destId="{CA1E7F2A-2EB5-42EA-8241-522FA743EA3F}" srcOrd="0" destOrd="0" parTransId="{0DEC7FB3-590E-43B7-8A09-E0FA9D2D480A}" sibTransId="{7086369A-41A7-4170-A2C0-2507CCEE4EC0}"/>
+    <dgm:cxn modelId="{6A8852AC-820D-42FD-B928-94DC4E3BBC57}" type="presOf" srcId="{14C6C74B-81BF-4BE4-9F5C-7AE43B3D2640}" destId="{17C59D5D-C12D-41A7-8B1F-21B0CBD4A9DB}" srcOrd="0" destOrd="1" presId="urn:microsoft.com/office/officeart/2008/layout/IncreasingCircleProcess"/>
+    <dgm:cxn modelId="{07F353BE-136D-42C9-BBCF-6A6120FD2166}" type="presOf" srcId="{CA1E7F2A-2EB5-42EA-8241-522FA743EA3F}" destId="{E6DF5A56-B3C3-4D1B-958E-22D358DF4BEE}" srcOrd="0" destOrd="0" presId="urn:microsoft.com/office/officeart/2008/layout/IncreasingCircleProcess"/>
+    <dgm:cxn modelId="{B73427CF-29BE-4317-899E-1F01A27354CC}" srcId="{7083A97A-3781-4176-9C24-219EE80A5C53}" destId="{14C6C74B-81BF-4BE4-9F5C-7AE43B3D2640}" srcOrd="1" destOrd="0" parTransId="{EA2E5166-831E-4472-81AF-60095BE51DF5}" sibTransId="{E96BD83D-9C2E-48D6-AA12-304652915C12}"/>
+    <dgm:cxn modelId="{1087E6F0-332D-4EA8-9A5E-6EB89B39BEB9}" type="presOf" srcId="{D89DBB4A-33DD-46B7-8585-01AE7905ABE9}" destId="{17C59D5D-C12D-41A7-8B1F-21B0CBD4A9DB}" srcOrd="0" destOrd="0" presId="urn:microsoft.com/office/officeart/2008/layout/IncreasingCircleProcess"/>
+    <dgm:cxn modelId="{073F79F5-302B-4D91-A310-CAF1E3ED2368}" srcId="{EAF65F40-7867-42ED-8656-D60C8D7D8CEE}" destId="{12D40C10-EDE3-49BA-8614-FE2A400F7FAB}" srcOrd="3" destOrd="0" parTransId="{5C1932BC-0C00-4E0B-B57C-0879573413D7}" sibTransId="{0FA8D909-27E8-4401-B8AB-357C72F74EA6}"/>
+    <dgm:cxn modelId="{9D5354D5-BE68-4996-9415-4D3A9E56B7E7}" type="presParOf" srcId="{169AE57C-09BB-4961-8007-99124DB4581F}" destId="{65C6196E-A6F5-4E8E-BA75-BDBE0C384A50}" srcOrd="0" destOrd="0" presId="urn:microsoft.com/office/officeart/2008/layout/IncreasingCircleProcess"/>
+    <dgm:cxn modelId="{0CB9D7BF-22F4-40F8-92C9-EC9BD5BDB6F8}" type="presParOf" srcId="{65C6196E-A6F5-4E8E-BA75-BDBE0C384A50}" destId="{BA5DB99F-95AC-41B4-9F64-8821DFD2B161}" srcOrd="0" destOrd="0" presId="urn:microsoft.com/office/officeart/2008/layout/IncreasingCircleProcess"/>
+    <dgm:cxn modelId="{26769E2C-6374-4F25-804C-F5DD34677123}" type="presParOf" srcId="{65C6196E-A6F5-4E8E-BA75-BDBE0C384A50}" destId="{4C80F606-AC02-4669-95AE-159C32C7C9B5}" srcOrd="1" destOrd="0" presId="urn:microsoft.com/office/officeart/2008/layout/IncreasingCircleProcess"/>
+    <dgm:cxn modelId="{CA07F973-EF79-413B-99B8-76F3CF89E12D}" type="presParOf" srcId="{65C6196E-A6F5-4E8E-BA75-BDBE0C384A50}" destId="{E6DF5A56-B3C3-4D1B-958E-22D358DF4BEE}" srcOrd="2" destOrd="0" presId="urn:microsoft.com/office/officeart/2008/layout/IncreasingCircleProcess"/>
+    <dgm:cxn modelId="{CAEA1AAD-1C52-4B6A-9584-54A63E547FBC}" type="presParOf" srcId="{65C6196E-A6F5-4E8E-BA75-BDBE0C384A50}" destId="{0548C885-FDCD-4ADE-A050-D4C3A53026F1}" srcOrd="3" destOrd="0" presId="urn:microsoft.com/office/officeart/2008/layout/IncreasingCircleProcess"/>
+    <dgm:cxn modelId="{C7988B30-8A64-439E-B0B6-F74E967033F6}" type="presParOf" srcId="{169AE57C-09BB-4961-8007-99124DB4581F}" destId="{D3276966-D02A-492F-943B-B2A6CDC1C53B}" srcOrd="1" destOrd="0" presId="urn:microsoft.com/office/officeart/2008/layout/IncreasingCircleProcess"/>
+    <dgm:cxn modelId="{9261E4C6-8C85-4A98-8826-2781909606B6}" type="presParOf" srcId="{169AE57C-09BB-4961-8007-99124DB4581F}" destId="{43E5249B-7F35-418C-AC54-63D045F0735B}" srcOrd="2" destOrd="0" presId="urn:microsoft.com/office/officeart/2008/layout/IncreasingCircleProcess"/>
+    <dgm:cxn modelId="{7114CB3B-A461-40D3-84CD-15DCAA6248A1}" type="presParOf" srcId="{43E5249B-7F35-418C-AC54-63D045F0735B}" destId="{19E244D5-514D-45CB-B4AF-BC399727D664}" srcOrd="0" destOrd="0" presId="urn:microsoft.com/office/officeart/2008/layout/IncreasingCircleProcess"/>
+    <dgm:cxn modelId="{BFBF1087-BE12-4C21-882A-AC855DEACE9B}" type="presParOf" srcId="{43E5249B-7F35-418C-AC54-63D045F0735B}" destId="{5C156F16-F58B-43AA-A3CE-42BFA0833728}" srcOrd="1" destOrd="0" presId="urn:microsoft.com/office/officeart/2008/layout/IncreasingCircleProcess"/>
+    <dgm:cxn modelId="{29F53651-9CF3-4D11-A349-FD7CAB1BE705}" type="presParOf" srcId="{43E5249B-7F35-418C-AC54-63D045F0735B}" destId="{FDC569A2-4722-488F-8206-53C64B3083AF}" srcOrd="2" destOrd="0" presId="urn:microsoft.com/office/officeart/2008/layout/IncreasingCircleProcess"/>
+    <dgm:cxn modelId="{A05B88DE-8DCC-48F4-8B20-39BD0EE41A84}" type="presParOf" srcId="{43E5249B-7F35-418C-AC54-63D045F0735B}" destId="{81D3AD76-32C5-426C-82AD-B269E1897633}" srcOrd="3" destOrd="0" presId="urn:microsoft.com/office/officeart/2008/layout/IncreasingCircleProcess"/>
+    <dgm:cxn modelId="{336E86AA-1CE5-431E-89B3-454EE35086E7}" type="presParOf" srcId="{169AE57C-09BB-4961-8007-99124DB4581F}" destId="{CAE7BFFF-A837-4C69-968A-8A52701DBCF0}" srcOrd="3" destOrd="0" presId="urn:microsoft.com/office/officeart/2008/layout/IncreasingCircleProcess"/>
+    <dgm:cxn modelId="{81298ED4-2A43-4D3E-A333-9600DF37C7A5}" type="presParOf" srcId="{169AE57C-09BB-4961-8007-99124DB4581F}" destId="{297A05C5-636C-4A08-A784-C1270EFB0443}" srcOrd="4" destOrd="0" presId="urn:microsoft.com/office/officeart/2008/layout/IncreasingCircleProcess"/>
+    <dgm:cxn modelId="{3A5CDE58-59F2-4188-B456-821F9975AF54}" type="presParOf" srcId="{297A05C5-636C-4A08-A784-C1270EFB0443}" destId="{FDCD1662-CB08-495F-A6D4-B74EA48202E8}" srcOrd="0" destOrd="0" presId="urn:microsoft.com/office/officeart/2008/layout/IncreasingCircleProcess"/>
+    <dgm:cxn modelId="{1D78F010-0DFA-461E-8B9A-F3919BF80C57}" type="presParOf" srcId="{297A05C5-636C-4A08-A784-C1270EFB0443}" destId="{50849524-A011-482A-8D35-65C46BE8F885}" srcOrd="1" destOrd="0" presId="urn:microsoft.com/office/officeart/2008/layout/IncreasingCircleProcess"/>
+    <dgm:cxn modelId="{DA9A86A4-349E-4AA5-8282-3B97ADB178D6}" type="presParOf" srcId="{297A05C5-636C-4A08-A784-C1270EFB0443}" destId="{17C59D5D-C12D-41A7-8B1F-21B0CBD4A9DB}" srcOrd="2" destOrd="0" presId="urn:microsoft.com/office/officeart/2008/layout/IncreasingCircleProcess"/>
+    <dgm:cxn modelId="{B4628DF3-9FCA-44CD-BC0E-35087FDF3376}" type="presParOf" srcId="{297A05C5-636C-4A08-A784-C1270EFB0443}" destId="{2B849911-DF4D-4366-8655-8519E96A9979}" srcOrd="3" destOrd="0" presId="urn:microsoft.com/office/officeart/2008/layout/IncreasingCircleProcess"/>
+    <dgm:cxn modelId="{D78010EE-1C52-437B-ABFF-52267B07D25B}" type="presParOf" srcId="{169AE57C-09BB-4961-8007-99124DB4581F}" destId="{9C99A831-9B4D-4690-9176-F58F5B6431A4}" srcOrd="5" destOrd="0" presId="urn:microsoft.com/office/officeart/2008/layout/IncreasingCircleProcess"/>
+    <dgm:cxn modelId="{2D004A1B-8438-4892-8741-5AEBCE1559E7}" type="presParOf" srcId="{169AE57C-09BB-4961-8007-99124DB4581F}" destId="{1FC8A704-E1CF-4BB1-A125-70AAD0F88FA1}" srcOrd="6" destOrd="0" presId="urn:microsoft.com/office/officeart/2008/layout/IncreasingCircleProcess"/>
+    <dgm:cxn modelId="{F0B6B563-4979-4E17-B9F9-6A718496C004}" type="presParOf" srcId="{1FC8A704-E1CF-4BB1-A125-70AAD0F88FA1}" destId="{1AC2402A-E46C-4643-AE74-8E14499E1F01}" srcOrd="0" destOrd="0" presId="urn:microsoft.com/office/officeart/2008/layout/IncreasingCircleProcess"/>
+    <dgm:cxn modelId="{F02D7A0E-EA91-46E3-AA4F-ED2816FCD5B8}" type="presParOf" srcId="{1FC8A704-E1CF-4BB1-A125-70AAD0F88FA1}" destId="{48DD8444-0AE1-4934-BA9C-B84D325E5F12}" srcOrd="1" destOrd="0" presId="urn:microsoft.com/office/officeart/2008/layout/IncreasingCircleProcess"/>
+    <dgm:cxn modelId="{9C9B7D45-9117-4679-AB8D-607DA3DCB983}" type="presParOf" srcId="{1FC8A704-E1CF-4BB1-A125-70AAD0F88FA1}" destId="{A540E88D-300F-4A30-AC13-EFCFDDA7818E}" srcOrd="2" destOrd="0" presId="urn:microsoft.com/office/officeart/2008/layout/IncreasingCircleProcess"/>
+    <dgm:cxn modelId="{61C573DC-5507-43BB-B4AD-ADDBACE4ED74}" type="presParOf" srcId="{1FC8A704-E1CF-4BB1-A125-70AAD0F88FA1}" destId="{DABC38AC-DB6A-4567-8603-544F1BC606F2}" srcOrd="3" destOrd="0" presId="urn:microsoft.com/office/officeart/2008/layout/IncreasingCircleProcess"/>
+  </dgm:cxnLst>
+  <dgm:bg/>
+  <dgm:whole/>
+  <dgm:extLst>
+    <a:ext uri="http://schemas.microsoft.com/office/drawing/2008/diagram">
+      <dsp:dataModelExt xmlns:dsp="http://schemas.microsoft.com/office/drawing/2008/diagram" relId="rId6" minVer="http://schemas.openxmlformats.org/drawingml/2006/diagram"/>
+    </a:ext>
+  </dgm:extLst>
+</dgm:dataModel>
+</file>
+
+<file path=ppt/diagrams/drawing1.xml><?xml version="1.0" encoding="utf-8"?>
+<dsp:drawing xmlns:dgm="http://schemas.openxmlformats.org/drawingml/2006/diagram" xmlns:dsp="http://schemas.microsoft.com/office/drawing/2008/diagram" xmlns:a="http://schemas.openxmlformats.org/drawingml/2006/main">
+  <dsp:spTree>
+    <dsp:nvGrpSpPr>
+      <dsp:cNvPr id="0" name=""/>
+      <dsp:cNvGrpSpPr/>
+    </dsp:nvGrpSpPr>
+    <dsp:grpSpPr/>
+    <dsp:sp modelId="{BA5DB99F-95AC-41B4-9F64-8821DFD2B161}">
+      <dsp:nvSpPr>
+        <dsp:cNvPr id="0" name=""/>
+        <dsp:cNvSpPr/>
+      </dsp:nvSpPr>
+      <dsp:spPr>
+        <a:xfrm>
+          <a:off x="4518" y="0"/>
+          <a:ext cx="554727" cy="554727"/>
+        </a:xfrm>
+        <a:prstGeom prst="ellipse">
+          <a:avLst/>
+        </a:prstGeom>
+        <a:solidFill>
+          <a:schemeClr val="accent1">
+            <a:tint val="40000"/>
+            <a:hueOff val="0"/>
+            <a:satOff val="0"/>
+            <a:lumOff val="0"/>
+            <a:alphaOff val="0"/>
+          </a:schemeClr>
+        </a:solidFill>
+        <a:ln>
+          <a:noFill/>
+        </a:ln>
+        <a:effectLst/>
+      </dsp:spPr>
+      <dsp:style>
+        <a:lnRef idx="0">
+          <a:scrgbClr r="0" g="0" b="0"/>
+        </a:lnRef>
+        <a:fillRef idx="1">
+          <a:scrgbClr r="0" g="0" b="0"/>
+        </a:fillRef>
+        <a:effectRef idx="0">
+          <a:scrgbClr r="0" g="0" b="0"/>
+        </a:effectRef>
+        <a:fontRef idx="minor"/>
+      </dsp:style>
+    </dsp:sp>
+    <dsp:sp modelId="{4C80F606-AC02-4669-95AE-159C32C7C9B5}">
+      <dsp:nvSpPr>
+        <dsp:cNvPr id="0" name=""/>
+        <dsp:cNvSpPr/>
+      </dsp:nvSpPr>
+      <dsp:spPr>
+        <a:xfrm>
+          <a:off x="59991" y="55472"/>
+          <a:ext cx="443781" cy="443781"/>
+        </a:xfrm>
+        <a:prstGeom prst="chord">
+          <a:avLst>
+            <a:gd name="adj1" fmla="val 1800000"/>
+            <a:gd name="adj2" fmla="val 9000000"/>
+          </a:avLst>
+        </a:prstGeom>
+        <a:solidFill>
+          <a:schemeClr val="accent1">
+            <a:hueOff val="0"/>
+            <a:satOff val="0"/>
+            <a:lumOff val="0"/>
+            <a:alphaOff val="0"/>
+          </a:schemeClr>
+        </a:solidFill>
+        <a:ln w="12700" cap="flat" cmpd="sng" algn="ctr">
+          <a:solidFill>
+            <a:schemeClr val="accent1">
+              <a:hueOff val="0"/>
+              <a:satOff val="0"/>
+              <a:lumOff val="0"/>
+              <a:alphaOff val="0"/>
+            </a:schemeClr>
+          </a:solidFill>
+          <a:prstDash val="solid"/>
+          <a:miter lim="800000"/>
+        </a:ln>
+        <a:effectLst/>
+      </dsp:spPr>
+      <dsp:style>
+        <a:lnRef idx="2">
+          <a:scrgbClr r="0" g="0" b="0"/>
+        </a:lnRef>
+        <a:fillRef idx="1">
+          <a:scrgbClr r="0" g="0" b="0"/>
+        </a:fillRef>
+        <a:effectRef idx="0">
+          <a:scrgbClr r="0" g="0" b="0"/>
+        </a:effectRef>
+        <a:fontRef idx="minor">
+          <a:schemeClr val="lt1"/>
+        </a:fontRef>
+      </dsp:style>
+    </dsp:sp>
+    <dsp:sp modelId="{E6DF5A56-B3C3-4D1B-958E-22D358DF4BEE}">
+      <dsp:nvSpPr>
+        <dsp:cNvPr id="0" name=""/>
+        <dsp:cNvSpPr/>
+      </dsp:nvSpPr>
+      <dsp:spPr>
+        <a:xfrm>
+          <a:off x="674814" y="554727"/>
+          <a:ext cx="1641068" cy="2334478"/>
+        </a:xfrm>
+        <a:prstGeom prst="rect">
+          <a:avLst/>
+        </a:prstGeom>
+        <a:noFill/>
+        <a:ln>
+          <a:noFill/>
+        </a:ln>
+        <a:effectLst/>
+      </dsp:spPr>
+      <dsp:style>
+        <a:lnRef idx="0">
+          <a:scrgbClr r="0" g="0" b="0"/>
+        </a:lnRef>
+        <a:fillRef idx="0">
+          <a:scrgbClr r="0" g="0" b="0"/>
+        </a:fillRef>
+        <a:effectRef idx="0">
+          <a:scrgbClr r="0" g="0" b="0"/>
+        </a:effectRef>
+        <a:fontRef idx="minor"/>
+      </dsp:style>
+      <dsp:txBody>
+        <a:bodyPr spcFirstLastPara="0" vert="horz" wrap="square" lIns="40640" tIns="40640" rIns="40640" bIns="40640" numCol="1" spcCol="1270" anchor="t" anchorCtr="0">
+          <a:noAutofit/>
+        </a:bodyPr>
+        <a:lstStyle/>
+        <a:p>
+          <a:pPr marL="0" lvl="0" indent="0" algn="l" defTabSz="711200">
+            <a:lnSpc>
+              <a:spcPct val="90000"/>
+            </a:lnSpc>
+            <a:spcBef>
+              <a:spcPct val="0"/>
+            </a:spcBef>
+            <a:spcAft>
+              <a:spcPct val="35000"/>
+            </a:spcAft>
+            <a:buNone/>
+          </a:pPr>
+          <a:endParaRPr lang="en-US" sz="1600" kern="1200" dirty="0"/>
+        </a:p>
+        <a:p>
+          <a:pPr marL="0" lvl="0" indent="0" algn="l" defTabSz="711200">
+            <a:lnSpc>
+              <a:spcPct val="90000"/>
+            </a:lnSpc>
+            <a:spcBef>
+              <a:spcPct val="0"/>
+            </a:spcBef>
+            <a:spcAft>
+              <a:spcPct val="35000"/>
+            </a:spcAft>
+            <a:buNone/>
+          </a:pPr>
+          <a:r>
+            <a:rPr lang="en-US" sz="1600" kern="1200" dirty="0">
+              <a:solidFill>
+                <a:schemeClr val="tx1">
+                  <a:lumMod val="85000"/>
+                </a:schemeClr>
+              </a:solidFill>
+            </a:rPr>
+            <a:t>Missing data</a:t>
+          </a:r>
+        </a:p>
+        <a:p>
+          <a:pPr marL="0" lvl="0" indent="0" algn="l" defTabSz="711200">
+            <a:lnSpc>
+              <a:spcPct val="90000"/>
+            </a:lnSpc>
+            <a:spcBef>
+              <a:spcPct val="0"/>
+            </a:spcBef>
+            <a:spcAft>
+              <a:spcPct val="35000"/>
+            </a:spcAft>
+            <a:buNone/>
+          </a:pPr>
+          <a:r>
+            <a:rPr lang="en-US" sz="1600" kern="1200" dirty="0">
+              <a:solidFill>
+                <a:schemeClr val="tx1">
+                  <a:lumMod val="85000"/>
+                </a:schemeClr>
+              </a:solidFill>
+            </a:rPr>
+            <a:t>Noise</a:t>
+          </a:r>
+        </a:p>
+        <a:p>
+          <a:pPr marL="0" lvl="0" indent="0" algn="l" defTabSz="711200">
+            <a:lnSpc>
+              <a:spcPct val="90000"/>
+            </a:lnSpc>
+            <a:spcBef>
+              <a:spcPct val="0"/>
+            </a:spcBef>
+            <a:spcAft>
+              <a:spcPct val="35000"/>
+            </a:spcAft>
+            <a:buNone/>
+          </a:pPr>
+          <a:r>
+            <a:rPr lang="en-US" sz="1600" kern="1200" dirty="0">
+              <a:solidFill>
+                <a:schemeClr val="tx1">
+                  <a:lumMod val="85000"/>
+                </a:schemeClr>
+              </a:solidFill>
+            </a:rPr>
+            <a:t>Inconsistencies</a:t>
+          </a:r>
+          <a:endParaRPr lang="el-GR" sz="1600" kern="1200" dirty="0">
+            <a:solidFill>
+              <a:schemeClr val="tx1">
+                <a:lumMod val="85000"/>
+              </a:schemeClr>
+            </a:solidFill>
+          </a:endParaRPr>
+        </a:p>
+      </dsp:txBody>
+      <dsp:txXfrm>
+        <a:off x="674814" y="554727"/>
+        <a:ext cx="1641068" cy="2334478"/>
+      </dsp:txXfrm>
+    </dsp:sp>
+    <dsp:sp modelId="{0548C885-FDCD-4ADE-A050-D4C3A53026F1}">
+      <dsp:nvSpPr>
+        <dsp:cNvPr id="0" name=""/>
+        <dsp:cNvSpPr/>
+      </dsp:nvSpPr>
+      <dsp:spPr>
+        <a:xfrm>
+          <a:off x="674814" y="0"/>
+          <a:ext cx="1641068" cy="554727"/>
+        </a:xfrm>
+        <a:prstGeom prst="rect">
+          <a:avLst/>
+        </a:prstGeom>
+        <a:noFill/>
+        <a:ln>
+          <a:noFill/>
+        </a:ln>
+        <a:effectLst/>
+      </dsp:spPr>
+      <dsp:style>
+        <a:lnRef idx="0">
+          <a:scrgbClr r="0" g="0" b="0"/>
+        </a:lnRef>
+        <a:fillRef idx="0">
+          <a:scrgbClr r="0" g="0" b="0"/>
+        </a:fillRef>
+        <a:effectRef idx="0">
+          <a:scrgbClr r="0" g="0" b="0"/>
+        </a:effectRef>
+        <a:fontRef idx="minor"/>
+      </dsp:style>
+      <dsp:txBody>
+        <a:bodyPr spcFirstLastPara="0" vert="horz" wrap="square" lIns="43180" tIns="43180" rIns="43180" bIns="43180" numCol="1" spcCol="1270" anchor="b" anchorCtr="0">
+          <a:noAutofit/>
+        </a:bodyPr>
+        <a:lstStyle/>
+        <a:p>
+          <a:pPr marL="0" lvl="0" indent="0" algn="l" defTabSz="755650">
+            <a:lnSpc>
+              <a:spcPct val="90000"/>
+            </a:lnSpc>
+            <a:spcBef>
+              <a:spcPct val="0"/>
+            </a:spcBef>
+            <a:spcAft>
+              <a:spcPct val="35000"/>
+            </a:spcAft>
+            <a:buNone/>
+          </a:pPr>
+          <a:r>
+            <a:rPr lang="en-US" sz="1700" kern="1200" dirty="0"/>
+            <a:t>Cleaning</a:t>
+          </a:r>
+          <a:endParaRPr lang="el-GR" sz="1700" kern="1200" dirty="0"/>
+        </a:p>
+      </dsp:txBody>
+      <dsp:txXfrm>
+        <a:off x="674814" y="0"/>
+        <a:ext cx="1641068" cy="554727"/>
+      </dsp:txXfrm>
+    </dsp:sp>
+    <dsp:sp modelId="{19E244D5-514D-45CB-B4AF-BC399727D664}">
+      <dsp:nvSpPr>
+        <dsp:cNvPr id="0" name=""/>
+        <dsp:cNvSpPr/>
+      </dsp:nvSpPr>
+      <dsp:spPr>
+        <a:xfrm>
+          <a:off x="2431451" y="0"/>
+          <a:ext cx="554727" cy="554727"/>
+        </a:xfrm>
+        <a:prstGeom prst="ellipse">
+          <a:avLst/>
+        </a:prstGeom>
+        <a:solidFill>
+          <a:schemeClr val="accent1">
+            <a:tint val="40000"/>
+            <a:hueOff val="0"/>
+            <a:satOff val="0"/>
+            <a:lumOff val="0"/>
+            <a:alphaOff val="0"/>
+          </a:schemeClr>
+        </a:solidFill>
+        <a:ln>
+          <a:noFill/>
+        </a:ln>
+        <a:effectLst/>
+      </dsp:spPr>
+      <dsp:style>
+        <a:lnRef idx="0">
+          <a:scrgbClr r="0" g="0" b="0"/>
+        </a:lnRef>
+        <a:fillRef idx="1">
+          <a:scrgbClr r="0" g="0" b="0"/>
+        </a:fillRef>
+        <a:effectRef idx="0">
+          <a:scrgbClr r="0" g="0" b="0"/>
+        </a:effectRef>
+        <a:fontRef idx="minor"/>
+      </dsp:style>
+    </dsp:sp>
+    <dsp:sp modelId="{5C156F16-F58B-43AA-A3CE-42BFA0833728}">
+      <dsp:nvSpPr>
+        <dsp:cNvPr id="0" name=""/>
+        <dsp:cNvSpPr/>
+      </dsp:nvSpPr>
+      <dsp:spPr>
+        <a:xfrm>
+          <a:off x="2486924" y="55472"/>
+          <a:ext cx="443781" cy="443781"/>
+        </a:xfrm>
+        <a:prstGeom prst="chord">
+          <a:avLst>
+            <a:gd name="adj1" fmla="val 0"/>
+            <a:gd name="adj2" fmla="val 10800000"/>
+          </a:avLst>
+        </a:prstGeom>
+        <a:solidFill>
+          <a:schemeClr val="accent1">
+            <a:hueOff val="0"/>
+            <a:satOff val="0"/>
+            <a:lumOff val="0"/>
+            <a:alphaOff val="0"/>
+          </a:schemeClr>
+        </a:solidFill>
+        <a:ln w="12700" cap="flat" cmpd="sng" algn="ctr">
+          <a:solidFill>
+            <a:schemeClr val="accent1">
+              <a:hueOff val="0"/>
+              <a:satOff val="0"/>
+              <a:lumOff val="0"/>
+              <a:alphaOff val="0"/>
+            </a:schemeClr>
+          </a:solidFill>
+          <a:prstDash val="solid"/>
+          <a:miter lim="800000"/>
+        </a:ln>
+        <a:effectLst/>
+      </dsp:spPr>
+      <dsp:style>
+        <a:lnRef idx="2">
+          <a:scrgbClr r="0" g="0" b="0"/>
+        </a:lnRef>
+        <a:fillRef idx="1">
+          <a:scrgbClr r="0" g="0" b="0"/>
+        </a:fillRef>
+        <a:effectRef idx="0">
+          <a:scrgbClr r="0" g="0" b="0"/>
+        </a:effectRef>
+        <a:fontRef idx="minor">
+          <a:schemeClr val="lt1"/>
+        </a:fontRef>
+      </dsp:style>
+    </dsp:sp>
+    <dsp:sp modelId="{81D3AD76-32C5-426C-82AD-B269E1897633}">
+      <dsp:nvSpPr>
+        <dsp:cNvPr id="0" name=""/>
+        <dsp:cNvSpPr/>
+      </dsp:nvSpPr>
+      <dsp:spPr>
+        <a:xfrm>
+          <a:off x="3101747" y="0"/>
+          <a:ext cx="1641068" cy="554727"/>
+        </a:xfrm>
+        <a:prstGeom prst="rect">
+          <a:avLst/>
+        </a:prstGeom>
+        <a:noFill/>
+        <a:ln>
+          <a:noFill/>
+        </a:ln>
+        <a:effectLst/>
+      </dsp:spPr>
+      <dsp:style>
+        <a:lnRef idx="0">
+          <a:scrgbClr r="0" g="0" b="0"/>
+        </a:lnRef>
+        <a:fillRef idx="0">
+          <a:scrgbClr r="0" g="0" b="0"/>
+        </a:fillRef>
+        <a:effectRef idx="0">
+          <a:scrgbClr r="0" g="0" b="0"/>
+        </a:effectRef>
+        <a:fontRef idx="minor"/>
+      </dsp:style>
+      <dsp:txBody>
+        <a:bodyPr spcFirstLastPara="0" vert="horz" wrap="square" lIns="43180" tIns="43180" rIns="43180" bIns="43180" numCol="1" spcCol="1270" anchor="b" anchorCtr="0">
+          <a:noAutofit/>
+        </a:bodyPr>
+        <a:lstStyle/>
+        <a:p>
+          <a:pPr marL="0" lvl="0" indent="0" algn="l" defTabSz="755650">
+            <a:lnSpc>
+              <a:spcPct val="90000"/>
+            </a:lnSpc>
+            <a:spcBef>
+              <a:spcPct val="0"/>
+            </a:spcBef>
+            <a:spcAft>
+              <a:spcPct val="35000"/>
+            </a:spcAft>
+            <a:buNone/>
+          </a:pPr>
+          <a:r>
+            <a:rPr lang="en-US" sz="1700" kern="1200" dirty="0"/>
+            <a:t>Integration</a:t>
+          </a:r>
+          <a:endParaRPr lang="el-GR" sz="1700" kern="1200" dirty="0"/>
+        </a:p>
+      </dsp:txBody>
+      <dsp:txXfrm>
+        <a:off x="3101747" y="0"/>
+        <a:ext cx="1641068" cy="554727"/>
+      </dsp:txXfrm>
+    </dsp:sp>
+    <dsp:sp modelId="{FDCD1662-CB08-495F-A6D4-B74EA48202E8}">
+      <dsp:nvSpPr>
+        <dsp:cNvPr id="0" name=""/>
+        <dsp:cNvSpPr/>
+      </dsp:nvSpPr>
+      <dsp:spPr>
+        <a:xfrm>
+          <a:off x="4858384" y="0"/>
+          <a:ext cx="554727" cy="554727"/>
+        </a:xfrm>
+        <a:prstGeom prst="ellipse">
+          <a:avLst/>
+        </a:prstGeom>
+        <a:solidFill>
+          <a:schemeClr val="accent1">
+            <a:tint val="40000"/>
+            <a:hueOff val="0"/>
+            <a:satOff val="0"/>
+            <a:lumOff val="0"/>
+            <a:alphaOff val="0"/>
+          </a:schemeClr>
+        </a:solidFill>
+        <a:ln>
+          <a:noFill/>
+        </a:ln>
+        <a:effectLst/>
+      </dsp:spPr>
+      <dsp:style>
+        <a:lnRef idx="0">
+          <a:scrgbClr r="0" g="0" b="0"/>
+        </a:lnRef>
+        <a:fillRef idx="1">
+          <a:scrgbClr r="0" g="0" b="0"/>
+        </a:fillRef>
+        <a:effectRef idx="0">
+          <a:scrgbClr r="0" g="0" b="0"/>
+        </a:effectRef>
+        <a:fontRef idx="minor"/>
+      </dsp:style>
+    </dsp:sp>
+    <dsp:sp modelId="{50849524-A011-482A-8D35-65C46BE8F885}">
+      <dsp:nvSpPr>
+        <dsp:cNvPr id="0" name=""/>
+        <dsp:cNvSpPr/>
+      </dsp:nvSpPr>
+      <dsp:spPr>
+        <a:xfrm>
+          <a:off x="4913856" y="55472"/>
+          <a:ext cx="443781" cy="443781"/>
+        </a:xfrm>
+        <a:prstGeom prst="chord">
+          <a:avLst>
+            <a:gd name="adj1" fmla="val 19800000"/>
+            <a:gd name="adj2" fmla="val 12600000"/>
+          </a:avLst>
+        </a:prstGeom>
+        <a:solidFill>
+          <a:schemeClr val="accent1">
+            <a:hueOff val="0"/>
+            <a:satOff val="0"/>
+            <a:lumOff val="0"/>
+            <a:alphaOff val="0"/>
+          </a:schemeClr>
+        </a:solidFill>
+        <a:ln w="12700" cap="flat" cmpd="sng" algn="ctr">
+          <a:solidFill>
+            <a:schemeClr val="accent1">
+              <a:hueOff val="0"/>
+              <a:satOff val="0"/>
+              <a:lumOff val="0"/>
+              <a:alphaOff val="0"/>
+            </a:schemeClr>
+          </a:solidFill>
+          <a:prstDash val="solid"/>
+          <a:miter lim="800000"/>
+        </a:ln>
+        <a:effectLst/>
+      </dsp:spPr>
+      <dsp:style>
+        <a:lnRef idx="2">
+          <a:scrgbClr r="0" g="0" b="0"/>
+        </a:lnRef>
+        <a:fillRef idx="1">
+          <a:scrgbClr r="0" g="0" b="0"/>
+        </a:fillRef>
+        <a:effectRef idx="0">
+          <a:scrgbClr r="0" g="0" b="0"/>
+        </a:effectRef>
+        <a:fontRef idx="minor">
+          <a:schemeClr val="lt1"/>
+        </a:fontRef>
+      </dsp:style>
+    </dsp:sp>
+    <dsp:sp modelId="{17C59D5D-C12D-41A7-8B1F-21B0CBD4A9DB}">
+      <dsp:nvSpPr>
+        <dsp:cNvPr id="0" name=""/>
+        <dsp:cNvSpPr/>
+      </dsp:nvSpPr>
+      <dsp:spPr>
+        <a:xfrm>
+          <a:off x="5528679" y="554727"/>
+          <a:ext cx="1641068" cy="2334478"/>
+        </a:xfrm>
+        <a:prstGeom prst="rect">
+          <a:avLst/>
+        </a:prstGeom>
+        <a:noFill/>
+        <a:ln>
+          <a:noFill/>
+        </a:ln>
+        <a:effectLst/>
+      </dsp:spPr>
+      <dsp:style>
+        <a:lnRef idx="0">
+          <a:scrgbClr r="0" g="0" b="0"/>
+        </a:lnRef>
+        <a:fillRef idx="0">
+          <a:scrgbClr r="0" g="0" b="0"/>
+        </a:fillRef>
+        <a:effectRef idx="0">
+          <a:scrgbClr r="0" g="0" b="0"/>
+        </a:effectRef>
+        <a:fontRef idx="minor"/>
+      </dsp:style>
+      <dsp:txBody>
+        <a:bodyPr spcFirstLastPara="0" vert="horz" wrap="square" lIns="40640" tIns="40640" rIns="40640" bIns="40640" numCol="1" spcCol="1270" anchor="t" anchorCtr="0">
+          <a:noAutofit/>
+        </a:bodyPr>
+        <a:lstStyle/>
+        <a:p>
+          <a:pPr marL="0" lvl="0" indent="0" algn="l" defTabSz="711200">
+            <a:lnSpc>
+              <a:spcPct val="90000"/>
+            </a:lnSpc>
+            <a:spcBef>
+              <a:spcPct val="0"/>
+            </a:spcBef>
+            <a:spcAft>
+              <a:spcPct val="35000"/>
+            </a:spcAft>
+            <a:buNone/>
+          </a:pPr>
+          <a:endParaRPr lang="en-US" sz="1600" kern="1200" dirty="0"/>
+        </a:p>
+        <a:p>
+          <a:pPr marL="0" lvl="0" indent="0" algn="l" defTabSz="711200">
+            <a:lnSpc>
+              <a:spcPct val="90000"/>
+            </a:lnSpc>
+            <a:spcBef>
+              <a:spcPct val="0"/>
+            </a:spcBef>
+            <a:spcAft>
+              <a:spcPct val="35000"/>
+            </a:spcAft>
+            <a:buNone/>
+          </a:pPr>
+          <a:r>
+            <a:rPr lang="en-US" sz="1600" kern="1200" dirty="0">
+              <a:solidFill>
+                <a:schemeClr val="tx1">
+                  <a:lumMod val="85000"/>
+                </a:schemeClr>
+              </a:solidFill>
+            </a:rPr>
+            <a:t>Normalization</a:t>
+          </a:r>
+          <a:endParaRPr lang="el-GR" sz="1600" kern="1200" dirty="0">
+            <a:solidFill>
+              <a:schemeClr val="tx1">
+                <a:lumMod val="85000"/>
+              </a:schemeClr>
+            </a:solidFill>
+          </a:endParaRPr>
+        </a:p>
+        <a:p>
+          <a:pPr marL="0" lvl="0" indent="0" algn="l" defTabSz="711200">
+            <a:lnSpc>
+              <a:spcPct val="90000"/>
+            </a:lnSpc>
+            <a:spcBef>
+              <a:spcPct val="0"/>
+            </a:spcBef>
+            <a:spcAft>
+              <a:spcPct val="35000"/>
+            </a:spcAft>
+            <a:buNone/>
+          </a:pPr>
+          <a:r>
+            <a:rPr lang="en-US" sz="1600" kern="1200" dirty="0">
+              <a:solidFill>
+                <a:schemeClr val="tx1">
+                  <a:lumMod val="85000"/>
+                </a:schemeClr>
+              </a:solidFill>
+            </a:rPr>
+            <a:t>Aggregation</a:t>
+          </a:r>
+          <a:endParaRPr lang="el-GR" sz="1600" kern="1200" dirty="0">
+            <a:solidFill>
+              <a:schemeClr val="tx1">
+                <a:lumMod val="85000"/>
+              </a:schemeClr>
+            </a:solidFill>
+          </a:endParaRPr>
+        </a:p>
+        <a:p>
+          <a:pPr marL="0" lvl="0" indent="0" algn="l" defTabSz="711200">
+            <a:lnSpc>
+              <a:spcPct val="90000"/>
+            </a:lnSpc>
+            <a:spcBef>
+              <a:spcPct val="0"/>
+            </a:spcBef>
+            <a:spcAft>
+              <a:spcPct val="35000"/>
+            </a:spcAft>
+            <a:buNone/>
+          </a:pPr>
+          <a:r>
+            <a:rPr lang="en-US" sz="1600" kern="1200" dirty="0">
+              <a:solidFill>
+                <a:schemeClr val="tx1">
+                  <a:lumMod val="85000"/>
+                </a:schemeClr>
+              </a:solidFill>
+            </a:rPr>
+            <a:t>Generalization</a:t>
+          </a:r>
+          <a:endParaRPr lang="el-GR" sz="1600" kern="1200" dirty="0">
+            <a:solidFill>
+              <a:schemeClr val="tx1">
+                <a:lumMod val="85000"/>
+              </a:schemeClr>
+            </a:solidFill>
+          </a:endParaRPr>
+        </a:p>
+        <a:p>
+          <a:pPr marL="0" lvl="0" indent="0" algn="l" defTabSz="711200">
+            <a:lnSpc>
+              <a:spcPct val="90000"/>
+            </a:lnSpc>
+            <a:spcBef>
+              <a:spcPct val="0"/>
+            </a:spcBef>
+            <a:spcAft>
+              <a:spcPct val="35000"/>
+            </a:spcAft>
+            <a:buNone/>
+          </a:pPr>
+          <a:r>
+            <a:rPr lang="en-US" sz="1600" kern="1200" dirty="0">
+              <a:solidFill>
+                <a:schemeClr val="tx1">
+                  <a:lumMod val="85000"/>
+                </a:schemeClr>
+              </a:solidFill>
+            </a:rPr>
+            <a:t>Feature construction</a:t>
+          </a:r>
+          <a:endParaRPr lang="el-GR" sz="1600" kern="1200" dirty="0">
+            <a:solidFill>
+              <a:schemeClr val="tx1">
+                <a:lumMod val="85000"/>
+              </a:schemeClr>
+            </a:solidFill>
+          </a:endParaRPr>
+        </a:p>
+      </dsp:txBody>
+      <dsp:txXfrm>
+        <a:off x="5528679" y="554727"/>
+        <a:ext cx="1641068" cy="2334478"/>
+      </dsp:txXfrm>
+    </dsp:sp>
+    <dsp:sp modelId="{2B849911-DF4D-4366-8655-8519E96A9979}">
+      <dsp:nvSpPr>
+        <dsp:cNvPr id="0" name=""/>
+        <dsp:cNvSpPr/>
+      </dsp:nvSpPr>
+      <dsp:spPr>
+        <a:xfrm>
+          <a:off x="5528679" y="0"/>
+          <a:ext cx="1641068" cy="554727"/>
+        </a:xfrm>
+        <a:prstGeom prst="rect">
+          <a:avLst/>
+        </a:prstGeom>
+        <a:noFill/>
+        <a:ln>
+          <a:noFill/>
+        </a:ln>
+        <a:effectLst/>
+      </dsp:spPr>
+      <dsp:style>
+        <a:lnRef idx="0">
+          <a:scrgbClr r="0" g="0" b="0"/>
+        </a:lnRef>
+        <a:fillRef idx="0">
+          <a:scrgbClr r="0" g="0" b="0"/>
+        </a:fillRef>
+        <a:effectRef idx="0">
+          <a:scrgbClr r="0" g="0" b="0"/>
+        </a:effectRef>
+        <a:fontRef idx="minor"/>
+      </dsp:style>
+      <dsp:txBody>
+        <a:bodyPr spcFirstLastPara="0" vert="horz" wrap="square" lIns="43180" tIns="43180" rIns="43180" bIns="43180" numCol="1" spcCol="1270" anchor="b" anchorCtr="0">
+          <a:noAutofit/>
+        </a:bodyPr>
+        <a:lstStyle/>
+        <a:p>
+          <a:pPr marL="0" lvl="0" indent="0" algn="l" defTabSz="755650">
+            <a:lnSpc>
+              <a:spcPct val="90000"/>
+            </a:lnSpc>
+            <a:spcBef>
+              <a:spcPct val="0"/>
+            </a:spcBef>
+            <a:spcAft>
+              <a:spcPct val="35000"/>
+            </a:spcAft>
+            <a:buNone/>
+          </a:pPr>
+          <a:r>
+            <a:rPr lang="en-US" sz="1700" kern="1200" dirty="0"/>
+            <a:t>Transformation</a:t>
+          </a:r>
+          <a:endParaRPr lang="el-GR" sz="1700" kern="1200" dirty="0"/>
+        </a:p>
+      </dsp:txBody>
+      <dsp:txXfrm>
+        <a:off x="5528679" y="0"/>
+        <a:ext cx="1641068" cy="554727"/>
+      </dsp:txXfrm>
+    </dsp:sp>
+    <dsp:sp modelId="{1AC2402A-E46C-4643-AE74-8E14499E1F01}">
+      <dsp:nvSpPr>
+        <dsp:cNvPr id="0" name=""/>
+        <dsp:cNvSpPr/>
+      </dsp:nvSpPr>
+      <dsp:spPr>
+        <a:xfrm>
+          <a:off x="7285316" y="0"/>
+          <a:ext cx="554727" cy="554727"/>
+        </a:xfrm>
+        <a:prstGeom prst="ellipse">
+          <a:avLst/>
+        </a:prstGeom>
+        <a:solidFill>
+          <a:schemeClr val="accent1">
+            <a:tint val="40000"/>
+            <a:hueOff val="0"/>
+            <a:satOff val="0"/>
+            <a:lumOff val="0"/>
+            <a:alphaOff val="0"/>
+          </a:schemeClr>
+        </a:solidFill>
+        <a:ln>
+          <a:noFill/>
+        </a:ln>
+        <a:effectLst/>
+      </dsp:spPr>
+      <dsp:style>
+        <a:lnRef idx="0">
+          <a:scrgbClr r="0" g="0" b="0"/>
+        </a:lnRef>
+        <a:fillRef idx="1">
+          <a:scrgbClr r="0" g="0" b="0"/>
+        </a:fillRef>
+        <a:effectRef idx="0">
+          <a:scrgbClr r="0" g="0" b="0"/>
+        </a:effectRef>
+        <a:fontRef idx="minor"/>
+      </dsp:style>
+    </dsp:sp>
+    <dsp:sp modelId="{48DD8444-0AE1-4934-BA9C-B84D325E5F12}">
+      <dsp:nvSpPr>
+        <dsp:cNvPr id="0" name=""/>
+        <dsp:cNvSpPr/>
+      </dsp:nvSpPr>
+      <dsp:spPr>
+        <a:xfrm>
+          <a:off x="7340789" y="55472"/>
+          <a:ext cx="443781" cy="443781"/>
+        </a:xfrm>
+        <a:prstGeom prst="chord">
+          <a:avLst>
+            <a:gd name="adj1" fmla="val 16200000"/>
+            <a:gd name="adj2" fmla="val 16200000"/>
+          </a:avLst>
+        </a:prstGeom>
+        <a:solidFill>
+          <a:schemeClr val="accent1">
+            <a:hueOff val="0"/>
+            <a:satOff val="0"/>
+            <a:lumOff val="0"/>
+            <a:alphaOff val="0"/>
+          </a:schemeClr>
+        </a:solidFill>
+        <a:ln w="12700" cap="flat" cmpd="sng" algn="ctr">
+          <a:solidFill>
+            <a:schemeClr val="accent1">
+              <a:hueOff val="0"/>
+              <a:satOff val="0"/>
+              <a:lumOff val="0"/>
+              <a:alphaOff val="0"/>
+            </a:schemeClr>
+          </a:solidFill>
+          <a:prstDash val="solid"/>
+          <a:miter lim="800000"/>
+        </a:ln>
+        <a:effectLst/>
+      </dsp:spPr>
+      <dsp:style>
+        <a:lnRef idx="2">
+          <a:scrgbClr r="0" g="0" b="0"/>
+        </a:lnRef>
+        <a:fillRef idx="1">
+          <a:scrgbClr r="0" g="0" b="0"/>
+        </a:fillRef>
+        <a:effectRef idx="0">
+          <a:scrgbClr r="0" g="0" b="0"/>
+        </a:effectRef>
+        <a:fontRef idx="minor">
+          <a:schemeClr val="lt1"/>
+        </a:fontRef>
+      </dsp:style>
+    </dsp:sp>
+    <dsp:sp modelId="{DABC38AC-DB6A-4567-8603-544F1BC606F2}">
+      <dsp:nvSpPr>
+        <dsp:cNvPr id="0" name=""/>
+        <dsp:cNvSpPr/>
+      </dsp:nvSpPr>
+      <dsp:spPr>
+        <a:xfrm>
+          <a:off x="7955612" y="0"/>
+          <a:ext cx="1641068" cy="554727"/>
+        </a:xfrm>
+        <a:prstGeom prst="rect">
+          <a:avLst/>
+        </a:prstGeom>
+        <a:noFill/>
+        <a:ln>
+          <a:noFill/>
+        </a:ln>
+        <a:effectLst/>
+      </dsp:spPr>
+      <dsp:style>
+        <a:lnRef idx="0">
+          <a:scrgbClr r="0" g="0" b="0"/>
+        </a:lnRef>
+        <a:fillRef idx="0">
+          <a:scrgbClr r="0" g="0" b="0"/>
+        </a:fillRef>
+        <a:effectRef idx="0">
+          <a:scrgbClr r="0" g="0" b="0"/>
+        </a:effectRef>
+        <a:fontRef idx="minor"/>
+      </dsp:style>
+      <dsp:txBody>
+        <a:bodyPr spcFirstLastPara="0" vert="horz" wrap="square" lIns="43180" tIns="43180" rIns="43180" bIns="43180" numCol="1" spcCol="1270" anchor="b" anchorCtr="0">
+          <a:noAutofit/>
+        </a:bodyPr>
+        <a:lstStyle/>
+        <a:p>
+          <a:pPr marL="0" lvl="0" indent="0" algn="l" defTabSz="755650">
+            <a:lnSpc>
+              <a:spcPct val="90000"/>
+            </a:lnSpc>
+            <a:spcBef>
+              <a:spcPct val="0"/>
+            </a:spcBef>
+            <a:spcAft>
+              <a:spcPct val="35000"/>
+            </a:spcAft>
+            <a:buNone/>
+          </a:pPr>
+          <a:r>
+            <a:rPr lang="en-US" sz="1700" kern="1200" dirty="0"/>
+            <a:t>Reduction</a:t>
+          </a:r>
+          <a:endParaRPr lang="el-GR" sz="1700" kern="1200" dirty="0"/>
+        </a:p>
+      </dsp:txBody>
+      <dsp:txXfrm>
+        <a:off x="7955612" y="0"/>
+        <a:ext cx="1641068" cy="554727"/>
+      </dsp:txXfrm>
+    </dsp:sp>
+  </dsp:spTree>
+</dsp:drawing>
+</file>
+
+<file path=ppt/diagrams/layout1.xml><?xml version="1.0" encoding="utf-8"?>
+<dgm:layoutDef xmlns:dgm="http://schemas.openxmlformats.org/drawingml/2006/diagram" xmlns:a="http://schemas.openxmlformats.org/drawingml/2006/main" uniqueId="urn:microsoft.com/office/officeart/2008/layout/IncreasingCircleProcess">
+  <dgm:title val=""/>
+  <dgm:desc val=""/>
+  <dgm:catLst>
+    <dgm:cat type="list" pri="8300"/>
+    <dgm:cat type="process" pri="4300"/>
+  </dgm:catLst>
+  <dgm:sampData>
+    <dgm:dataModel>
+      <dgm:ptLst>
+        <dgm:pt modelId="0" type="doc"/>
+        <dgm:pt modelId="10">
+          <dgm:prSet phldr="1"/>
+        </dgm:pt>
+        <dgm:pt modelId="11">
+          <dgm:prSet phldr="1"/>
+        </dgm:pt>
+        <dgm:pt modelId="20">
+          <dgm:prSet phldr="1"/>
+        </dgm:pt>
+        <dgm:pt modelId="21">
+          <dgm:prSet phldr="1"/>
+        </dgm:pt>
+        <dgm:pt modelId="30">
+          <dgm:prSet phldr="1"/>
+        </dgm:pt>
+        <dgm:pt modelId="31">
+          <dgm:prSet phldr="1"/>
+        </dgm:pt>
+      </dgm:ptLst>
+      <dgm:cxnLst>
+        <dgm:cxn modelId="40" srcId="0" destId="10" srcOrd="0" destOrd="0"/>
+        <dgm:cxn modelId="12" srcId="10" destId="11" srcOrd="0" destOrd="0"/>
+        <dgm:cxn modelId="50" srcId="0" destId="20" srcOrd="1" destOrd="0"/>
+        <dgm:cxn modelId="22" srcId="20" destId="21" srcOrd="0" destOrd="0"/>
+        <dgm:cxn modelId="60" srcId="0" destId="30" srcOrd="2" destOrd="0"/>
+        <dgm:cxn modelId="32" srcId="30" destId="31" srcOrd="0" destOrd="0"/>
+      </dgm:cxnLst>
+      <dgm:bg/>
+      <dgm:whole/>
+    </dgm:dataModel>
+  </dgm:sampData>
+  <dgm:styleData>
+    <dgm:dataModel>
+      <dgm:ptLst>
+        <dgm:pt modelId="0" type="doc"/>
+        <dgm:pt modelId="10">
+          <dgm:prSet phldr="1"/>
+        </dgm:pt>
+        <dgm:pt modelId="20">
+          <dgm:prSet phldr="1"/>
+        </dgm:pt>
+      </dgm:ptLst>
+      <dgm:cxnLst>
+        <dgm:cxn modelId="30" srcId="0" destId="10" srcOrd="0" destOrd="0"/>
+        <dgm:cxn modelId="40" srcId="0" destId="20" srcOrd="1" destOrd="0"/>
+      </dgm:cxnLst>
+      <dgm:bg/>
+      <dgm:whole/>
+    </dgm:dataModel>
+  </dgm:styleData>
+  <dgm:clrData>
+    <dgm:dataModel>
+      <dgm:ptLst>
+        <dgm:pt modelId="0" type="doc"/>
+        <dgm:pt modelId="10">
+          <dgm:prSet phldr="1"/>
+        </dgm:pt>
+        <dgm:pt modelId="20">
+          <dgm:prSet phldr="1"/>
+        </dgm:pt>
+      </dgm:ptLst>
+      <dgm:cxnLst>
+        <dgm:cxn modelId="30" srcId="0" destId="10" srcOrd="0" destOrd="0"/>
+        <dgm:cxn modelId="40" srcId="0" destId="20" srcOrd="1" destOrd="0"/>
+      </dgm:cxnLst>
+      <dgm:bg/>
+      <dgm:whole/>
+    </dgm:dataModel>
+  </dgm:clrData>
+  <dgm:layoutNode name="Name0">
+    <dgm:varLst>
+      <dgm:chMax val="7"/>
+      <dgm:chPref val="7"/>
+      <dgm:dir/>
+      <dgm:animOne val="branch"/>
+      <dgm:animLvl val="lvl"/>
+    </dgm:varLst>
+    <dgm:choose name="Name1">
+      <dgm:if name="Name2" func="var" arg="dir" op="equ" val="norm">
+        <dgm:alg type="lin">
+          <dgm:param type="linDir" val="fromL"/>
+          <dgm:param type="horzAlign" val="ctr"/>
+          <dgm:param type="vertAlign" val="t"/>
+        </dgm:alg>
+      </dgm:if>
+      <dgm:else name="Name3">
+        <dgm:alg type="lin">
+          <dgm:param type="linDir" val="fromR"/>
+          <dgm:param type="horzAlign" val="ctr"/>
+          <dgm:param type="vertAlign" val="t"/>
+        </dgm:alg>
+      </dgm:else>
+    </dgm:choose>
+    <dgm:shape xmlns:r="http://schemas.openxmlformats.org/officeDocument/2006/relationships" r:blip="">
+      <dgm:adjLst/>
+    </dgm:shape>
+    <dgm:constrLst>
+      <dgm:constr type="primFontSz" for="des" forName="Child" val="65"/>
+      <dgm:constr type="primFontSz" for="des" forName="Parent" val="65"/>
+      <dgm:constr type="primFontSz" for="des" forName="Child" refType="primFontSz" refFor="des" refForName="Parent" op="lte"/>
+      <dgm:constr type="w" for="ch" forName="composite" refType="w"/>
+      <dgm:constr type="h" for="ch" forName="composite" refType="h"/>
+      <dgm:constr type="sp" refType="w" refFor="ch" refForName="composite" op="equ" fact="0.05"/>
+      <dgm:constr type="w" for="ch" forName="sibTrans" refType="h" refFor="ch" refForName="composite" op="equ" fact="0.04"/>
+    </dgm:constrLst>
+    <dgm:forEach name="nodesForEach" axis="ch" ptType="node" cnt="7">
+      <dgm:layoutNode name="composite">
+        <dgm:alg type="composite">
+          <dgm:param type="ar" val="0.8"/>
+        </dgm:alg>
+        <dgm:choose name="Name4">
+          <dgm:if name="Name5" func="var" arg="dir" op="equ" val="norm">
+            <dgm:constrLst>
+              <dgm:constr type="l" for="ch" forName="Child" refType="w" fact="0.29"/>
+              <dgm:constr type="t" for="ch" forName="Child" refType="h" fact="0.192"/>
+              <dgm:constr type="w" for="ch" forName="Child" refType="w" fact="0.71"/>
+              <dgm:constr type="h" for="ch" forName="Child" refType="h" fact="0.808"/>
+              <dgm:constr type="l" for="ch" forName="Parent" refType="w" fact="0.29"/>
+              <dgm:constr type="t" for="ch" forName="Parent" refType="h" fact="0"/>
+              <dgm:constr type="w" for="ch" forName="Parent" refType="w" fact="0.71"/>
+              <dgm:constr type="h" for="ch" forName="Parent" refType="h" fact="0.192"/>
+              <dgm:constr type="l" for="ch" forName="BackAccent" refType="w" fact="0"/>
+              <dgm:constr type="t" for="ch" forName="BackAccent" refType="h" fact="0"/>
+              <dgm:constr type="w" for="ch" forName="BackAccent" refType="w" fact="0.24"/>
+              <dgm:constr type="h" for="ch" forName="BackAccent" refType="h" fact="0.192"/>
+              <dgm:constr type="l" for="ch" forName="Accent" refType="w" fact="0.024"/>
+              <dgm:constr type="t" for="ch" forName="Accent" refType="h" fact="0.0192"/>
+              <dgm:constr type="w" for="ch" forName="Accent" refType="w" fact="0.192"/>
+              <dgm:constr type="h" for="ch" forName="Accent" refType="h" fact="0.1536"/>
+            </dgm:constrLst>
+          </dgm:if>
+          <dgm:else name="Name6">
+            <dgm:constrLst>
+              <dgm:constr type="r" for="ch" forName="Child" refType="w" fact="0.71"/>
+              <dgm:constr type="t" for="ch" forName="Child" refType="h" fact="0.192"/>
+              <dgm:constr type="w" for="ch" forName="Child" refType="w" fact="0.71"/>
+              <dgm:constr type="h" for="ch" forName="Child" refType="h" fact="0.808"/>
+              <dgm:constr type="r" for="ch" forName="Parent" refType="w" fact="0.71"/>
+              <dgm:constr type="t" for="ch" forName="Parent" refType="h" fact="0"/>
+              <dgm:constr type="w" for="ch" forName="Parent" refType="w" fact="0.71"/>
+              <dgm:constr type="h" for="ch" forName="Parent" refType="h" fact="0.192"/>
+              <dgm:constr type="r" for="ch" forName="BackAccent" refType="w"/>
+              <dgm:constr type="t" for="ch" forName="BackAccent" refType="h" fact="0"/>
+              <dgm:constr type="w" for="ch" forName="BackAccent" refType="w" fact="0.24"/>
+              <dgm:constr type="h" for="ch" forName="BackAccent" refType="h" fact="0.192"/>
+              <dgm:constr type="r" for="ch" forName="Accent" refType="w" fact="0.976"/>
+              <dgm:constr type="t" for="ch" forName="Accent" refType="h" fact="0.0192"/>
+              <dgm:constr type="w" for="ch" forName="Accent" refType="w" fact="0.192"/>
+              <dgm:constr type="h" for="ch" forName="Accent" refType="h" fact="0.1536"/>
+            </dgm:constrLst>
+          </dgm:else>
+        </dgm:choose>
+        <dgm:layoutNode name="BackAccent" styleLbl="bgShp">
+          <dgm:alg type="sp"/>
+          <dgm:shape xmlns:r="http://schemas.openxmlformats.org/officeDocument/2006/relationships" type="ellipse" r:blip="">
+            <dgm:adjLst/>
+          </dgm:shape>
+          <dgm:presOf/>
+        </dgm:layoutNode>
+        <dgm:layoutNode name="Accent" styleLbl="alignNode1">
+          <dgm:alg type="sp"/>
+          <dgm:choose name="Name7">
+            <dgm:if name="Name8" axis="precedSib" ptType="node" func="cnt" op="equ" val="0">
+              <dgm:choose name="Name9">
+                <dgm:if name="Name10" axis="followSib" ptType="node" func="cnt" op="equ" val="0">
+                  <dgm:shape xmlns:r="http://schemas.openxmlformats.org/officeDocument/2006/relationships" type="chord" r:blip="">
+                    <dgm:adjLst>
+                      <dgm:adj idx="1" val="-90"/>
+                      <dgm:adj idx="2" val="-90"/>
+                    </dgm:adjLst>
+                  </dgm:shape>
+                </dgm:if>
+                <dgm:if name="Name11" axis="followSib" ptType="node" func="cnt" op="equ" val="1">
+                  <dgm:shape xmlns:r="http://schemas.openxmlformats.org/officeDocument/2006/relationships" type="chord" r:blip="">
+                    <dgm:adjLst>
+                      <dgm:adj idx="1" val="0"/>
+                      <dgm:adj idx="2" val="180"/>
+                    </dgm:adjLst>
+                  </dgm:shape>
+                </dgm:if>
+                <dgm:if name="Name12" axis="followSib" ptType="node" func="cnt" op="equ" val="2">
+                  <dgm:shape xmlns:r="http://schemas.openxmlformats.org/officeDocument/2006/relationships" type="chord" r:blip="">
+                    <dgm:adjLst>
+                      <dgm:adj idx="1" val="19.4712"/>
+                      <dgm:adj idx="2" val="160.5288"/>
+                    </dgm:adjLst>
+                  </dgm:shape>
+                </dgm:if>
+                <dgm:if name="Name13" axis="followSib" ptType="node" func="cnt" op="equ" val="3">
+                  <dgm:shape xmlns:r="http://schemas.openxmlformats.org/officeDocument/2006/relationships" type="chord" r:blip="">
+                    <dgm:adjLst>
+                      <dgm:adj idx="1" val="30"/>
+                      <dgm:adj idx="2" val="150"/>
+                    </dgm:adjLst>
+                  </dgm:shape>
+                </dgm:if>
+                <dgm:if name="Name14" axis="followSib" ptType="node" func="cnt" op="equ" val="4">
+                  <dgm:shape xmlns:r="http://schemas.openxmlformats.org/officeDocument/2006/relationships" type="chord" r:blip="">
+                    <dgm:adjLst>
+                      <dgm:adj idx="1" val="38.8699"/>
+                      <dgm:adj idx="2" val="143.1301"/>
+                    </dgm:adjLst>
+                  </dgm:shape>
+                </dgm:if>
+                <dgm:if name="Name15" axis="followSib" ptType="node" func="cnt" op="equ" val="5">
+                  <dgm:shape xmlns:r="http://schemas.openxmlformats.org/officeDocument/2006/relationships" type="chord" r:blip="">
+                    <dgm:adjLst>
+                      <dgm:adj idx="1" val="41.8103"/>
+                      <dgm:adj idx="2" val="138.1897"/>
+                    </dgm:adjLst>
+                  </dgm:shape>
+                </dgm:if>
+                <dgm:else name="Name16">
+                  <dgm:shape xmlns:r="http://schemas.openxmlformats.org/officeDocument/2006/relationships" type="chord" r:blip="">
+                    <dgm:adjLst>
+                      <dgm:adj idx="1" val="45.5847"/>
+                      <dgm:adj idx="2" val="134.4153"/>
+                    </dgm:adjLst>
+                  </dgm:shape>
+                </dgm:else>
+              </dgm:choose>
+            </dgm:if>
+            <dgm:if name="Name17" axis="precedSib" ptType="node" func="cnt" op="equ" val="1">
+              <dgm:choose name="Name18">
+                <dgm:if name="Name19" axis="followSib" ptType="node" func="cnt" op="equ" val="0">
+                  <dgm:shape xmlns:r="http://schemas.openxmlformats.org/officeDocument/2006/relationships" type="chord" r:blip="">
+                    <dgm:adjLst>
+                      <dgm:adj idx="1" val="-90"/>
+                      <dgm:adj idx="2" val="-90"/>
+                    </dgm:adjLst>
+                  </dgm:shape>
+                </dgm:if>
+                <dgm:if name="Name20" axis="followSib" ptType="node" func="cnt" op="equ" val="1">
+                  <dgm:shape xmlns:r="http://schemas.openxmlformats.org/officeDocument/2006/relationships" type="chord" r:blip="">
+                    <dgm:adjLst>
+                      <dgm:adj idx="1" val="-19.4712"/>
+                      <dgm:adj idx="2" val="-160.5288"/>
+                    </dgm:adjLst>
+                  </dgm:shape>
+                </dgm:if>
+                <dgm:if name="Name21" axis="followSib" ptType="node" func="cnt" op="equ" val="2">
+                  <dgm:shape xmlns:r="http://schemas.openxmlformats.org/officeDocument/2006/relationships" type="chord" r:blip="">
+                    <dgm:adjLst>
+                      <dgm:adj idx="1" val="0"/>
+                      <dgm:adj idx="2" val="180"/>
+                    </dgm:adjLst>
+                  </dgm:shape>
+                </dgm:if>
+                <dgm:if name="Name22" axis="followSib" ptType="node" func="cnt" op="equ" val="3">
+                  <dgm:shape xmlns:r="http://schemas.openxmlformats.org/officeDocument/2006/relationships" type="chord" r:blip="">
+                    <dgm:adjLst>
+                      <dgm:adj idx="1" val="11.537"/>
+                      <dgm:adj idx="2" val="168.463"/>
+                    </dgm:adjLst>
+                  </dgm:shape>
+                </dgm:if>
+                <dgm:if name="Name23" axis="followSib" ptType="node" func="cnt" op="equ" val="4">
+                  <dgm:shape xmlns:r="http://schemas.openxmlformats.org/officeDocument/2006/relationships" type="chord" r:blip="">
+                    <dgm:adjLst>
+                      <dgm:adj idx="1" val="19.4712"/>
+                      <dgm:adj idx="2" val="160.5288"/>
+                    </dgm:adjLst>
+                  </dgm:shape>
+                </dgm:if>
+                <dgm:else name="Name24">
+                  <dgm:shape xmlns:r="http://schemas.openxmlformats.org/officeDocument/2006/relationships" type="chord" r:blip="">
+                    <dgm:adjLst>
+                      <dgm:adj idx="1" val="25.3769"/>
+                      <dgm:adj idx="2" val="154.6231"/>
+                    </dgm:adjLst>
+                  </dgm:shape>
+                </dgm:else>
+              </dgm:choose>
+            </dgm:if>
+            <dgm:if name="Name25" axis="precedSib" ptType="node" func="cnt" op="equ" val="2">
+              <dgm:choose name="Name26">
+                <dgm:if name="Name27" axis="followSib" ptType="node" func="cnt" op="equ" val="0">
+                  <dgm:shape xmlns:r="http://schemas.openxmlformats.org/officeDocument/2006/relationships" type="chord" r:blip="">
+                    <dgm:adjLst>
+                      <dgm:adj idx="1" val="-90"/>
+                      <dgm:adj idx="2" val="-90"/>
+                    </dgm:adjLst>
+                  </dgm:shape>
+                </dgm:if>
+                <dgm:if name="Name28" axis="followSib" ptType="node" func="cnt" op="equ" val="1">
+                  <dgm:shape xmlns:r="http://schemas.openxmlformats.org/officeDocument/2006/relationships" type="chord" r:blip="">
+                    <dgm:adjLst>
+                      <dgm:adj idx="1" val="-30"/>
+                      <dgm:adj idx="2" val="-150"/>
+                    </dgm:adjLst>
+                  </dgm:shape>
+                </dgm:if>
+                <dgm:if name="Name29" axis="followSib" ptType="node" func="cnt" op="equ" val="2">
+                  <dgm:shape xmlns:r="http://schemas.openxmlformats.org/officeDocument/2006/relationships" type="chord" r:blip="">
+                    <dgm:adjLst>
+                      <dgm:adj idx="1" val="-11.537"/>
+                      <dgm:adj idx="2" val="-168.463"/>
+                    </dgm:adjLst>
+                  </dgm:shape>
+                </dgm:if>
+                <dgm:if name="Name30" axis="followSib" ptType="node" func="cnt" op="equ" val="3">
+                  <dgm:shape xmlns:r="http://schemas.openxmlformats.org/officeDocument/2006/relationships" type="chord" r:blip="">
+                    <dgm:adjLst>
+                      <dgm:adj idx="1" val="0"/>
+                      <dgm:adj idx="2" val="180"/>
+                    </dgm:adjLst>
+                  </dgm:shape>
+                </dgm:if>
+                <dgm:else name="Name31">
+                  <dgm:shape xmlns:r="http://schemas.openxmlformats.org/officeDocument/2006/relationships" type="chord" r:blip="">
+                    <dgm:adjLst>
+                      <dgm:adj idx="1" val="8.2133"/>
+                      <dgm:adj idx="2" val="171.7867"/>
+                    </dgm:adjLst>
+                  </dgm:shape>
+                </dgm:else>
+              </dgm:choose>
+            </dgm:if>
+            <dgm:if name="Name32" axis="precedSib" ptType="node" func="cnt" op="equ" val="3">
+              <dgm:choose name="Name33">
+                <dgm:if name="Name34" axis="followSib" ptType="node" func="cnt" op="equ" val="0">
+                  <dgm:shape xmlns:r="http://schemas.openxmlformats.org/officeDocument/2006/relationships" type="chord" r:blip="">
+                    <dgm:adjLst>
+                      <dgm:adj idx="1" val="-90"/>
+                      <dgm:adj idx="2" val="-90"/>
+                    </dgm:adjLst>
+                  </dgm:shape>
+                </dgm:if>
+                <dgm:if name="Name35" axis="followSib" ptType="node" func="cnt" op="equ" val="1">
+                  <dgm:shape xmlns:r="http://schemas.openxmlformats.org/officeDocument/2006/relationships" type="chord" r:blip="">
+                    <dgm:adjLst>
+                      <dgm:adj idx="1" val="-38.8699"/>
+                      <dgm:adj idx="2" val="-143.1301"/>
+                    </dgm:adjLst>
+                  </dgm:shape>
+                </dgm:if>
+                <dgm:if name="Name36" axis="followSib" ptType="node" func="cnt" op="equ" val="2">
+                  <dgm:shape xmlns:r="http://schemas.openxmlformats.org/officeDocument/2006/relationships" type="chord" r:blip="">
+                    <dgm:adjLst>
+                      <dgm:adj idx="1" val="-19.4712"/>
+                      <dgm:adj idx="2" val="-160.5288"/>
+                    </dgm:adjLst>
+                  </dgm:shape>
+                </dgm:if>
+                <dgm:else name="Name37">
+                  <dgm:shape xmlns:r="http://schemas.openxmlformats.org/officeDocument/2006/relationships" type="chord" r:blip="">
+                    <dgm:adjLst>
+                      <dgm:adj idx="1" val="-8.2133"/>
+                      <dgm:adj idx="2" val="-171.7867"/>
+                    </dgm:adjLst>
+                  </dgm:shape>
+                </dgm:else>
+              </dgm:choose>
+            </dgm:if>
+            <dgm:if name="Name38" axis="precedSib" ptType="node" func="cnt" op="equ" val="4">
+              <dgm:choose name="Name39">
+                <dgm:if name="Name40" axis="followSib" ptType="node" func="cnt" op="equ" val="0">
+                  <dgm:shape xmlns:r="http://schemas.openxmlformats.org/officeDocument/2006/relationships" type="chord" r:blip="">
+                    <dgm:adjLst>
+                      <dgm:adj idx="1" val="-90"/>
+                      <dgm:adj idx="2" val="-90"/>
+                    </dgm:adjLst>
+                  </dgm:shape>
+                </dgm:if>
+                <dgm:if name="Name41" axis="followSib" ptType="node" func="cnt" op="equ" val="1">
+                  <dgm:shape xmlns:r="http://schemas.openxmlformats.org/officeDocument/2006/relationships" type="chord" r:blip="">
+                    <dgm:adjLst>
+                      <dgm:adj idx="1" val="-41.8103"/>
+                      <dgm:adj idx="2" val="-138.1897"/>
+                    </dgm:adjLst>
+                  </dgm:shape>
+                </dgm:if>
+                <dgm:else name="Name42">
+                  <dgm:shape xmlns:r="http://schemas.openxmlformats.org/officeDocument/2006/relationships" type="chord" r:blip="">
+                    <dgm:adjLst>
+                      <dgm:adj idx="1" val="-25.3769"/>
+                      <dgm:adj idx="2" val="-154.6231"/>
+                    </dgm:adjLst>
+                  </dgm:shape>
+                </dgm:else>
+              </dgm:choose>
+            </dgm:if>
+            <dgm:if name="Name43" axis="precedSib" ptType="node" func="cnt" op="equ" val="5">
+              <dgm:choose name="Name44">
+                <dgm:if name="Name45" axis="followSib" ptType="node" func="cnt" op="equ" val="0">
+                  <dgm:shape xmlns:r="http://schemas.openxmlformats.org/officeDocument/2006/relationships" type="chord" r:blip="">
+                    <dgm:adjLst>
+                      <dgm:adj idx="1" val="-90"/>
+                      <dgm:adj idx="2" val="-90"/>
+                    </dgm:adjLst>
+                  </dgm:shape>
+                </dgm:if>
+                <dgm:else name="Name46">
+                  <dgm:shape xmlns:r="http://schemas.openxmlformats.org/officeDocument/2006/relationships" type="chord" r:blip="">
+                    <dgm:adjLst>
+                      <dgm:adj idx="1" val="-45.5847"/>
+                      <dgm:adj idx="2" val="-134.4153"/>
+                    </dgm:adjLst>
+                  </dgm:shape>
+                </dgm:else>
+              </dgm:choose>
+            </dgm:if>
+            <dgm:else name="Name47">
+              <dgm:shape xmlns:r="http://schemas.openxmlformats.org/officeDocument/2006/relationships" type="chord" r:blip="">
+                <dgm:adjLst>
+                  <dgm:adj idx="1" val="-90"/>
+                  <dgm:adj idx="2" val="-90"/>
+                </dgm:adjLst>
+              </dgm:shape>
+            </dgm:else>
+          </dgm:choose>
+          <dgm:presOf/>
+        </dgm:layoutNode>
+        <dgm:layoutNode name="Child" styleLbl="revTx">
+          <dgm:varLst>
+            <dgm:chMax val="0"/>
+            <dgm:chPref val="0"/>
+            <dgm:bulletEnabled val="1"/>
+          </dgm:varLst>
+          <dgm:choose name="Name48">
+            <dgm:if name="Name49" func="var" arg="dir" op="equ" val="norm">
+              <dgm:alg type="tx">
+                <dgm:param type="parTxLTRAlign" val="l"/>
+                <dgm:param type="parTxRTLAlign" val="l"/>
+                <dgm:param type="txAnchorVert" val="t"/>
+              </dgm:alg>
+            </dgm:if>
+            <dgm:else name="Name50">
+              <dgm:alg type="tx">
+                <dgm:param type="parTxLTRAlign" val="r"/>
+                <dgm:param type="parTxRTLAlign" val="r"/>
+                <dgm:param type="txAnchorVert" val="t"/>
+              </dgm:alg>
+            </dgm:else>
+          </dgm:choose>
+          <dgm:choose name="Name51">
+            <dgm:if name="Name52" axis="ch" ptType="node" func="cnt" op="gte" val="1">
+              <dgm:shape xmlns:r="http://schemas.openxmlformats.org/officeDocument/2006/relationships" type="rect" r:blip="">
+                <dgm:adjLst/>
+              </dgm:shape>
+            </dgm:if>
+            <dgm:else name="Name53">
+              <dgm:shape xmlns:r="http://schemas.openxmlformats.org/officeDocument/2006/relationships" type="rect" r:blip="" hideGeom="1">
+                <dgm:adjLst/>
+              </dgm:shape>
+            </dgm:else>
+          </dgm:choose>
+          <dgm:choose name="Name54">
+            <dgm:if name="Name55" axis="ch" ptType="node" func="cnt" op="gte" val="1">
+              <dgm:presOf axis="des" ptType="node"/>
+            </dgm:if>
+            <dgm:else name="Name56">
+              <dgm:presOf/>
+            </dgm:else>
+          </dgm:choose>
+          <dgm:constrLst>
+            <dgm:constr type="lMarg" refType="primFontSz" fact="0.2"/>
+            <dgm:constr type="rMarg" refType="primFontSz" fact="0.2"/>
+            <dgm:constr type="tMarg" refType="primFontSz" fact="0.2"/>
+            <dgm:constr type="bMarg" refType="primFontSz" fact="0.2"/>
+          </dgm:constrLst>
+          <dgm:ruleLst>
+            <dgm:rule type="primFontSz" val="5" fact="NaN" max="NaN"/>
+          </dgm:ruleLst>
+        </dgm:layoutNode>
+        <dgm:layoutNode name="Parent" styleLbl="revTx">
+          <dgm:varLst>
+            <dgm:chMax val="1"/>
+            <dgm:chPref val="1"/>
+            <dgm:bulletEnabled val="1"/>
+          </dgm:varLst>
+          <dgm:choose name="Name57">
+            <dgm:if name="Name58" func="var" arg="dir" op="equ" val="norm">
+              <dgm:alg type="tx">
+                <dgm:param type="parTxLTRAlign" val="l"/>
+                <dgm:param type="parTxRTLAlign" val="l"/>
+                <dgm:param type="shpTxLTRAlignCh" val="l"/>
+                <dgm:param type="shpTxRTLAlignCh" val="l"/>
+                <dgm:param type="txAnchorVert" val="b"/>
+                <dgm:param type="txAnchorVertCh" val="b"/>
+              </dgm:alg>
+            </dgm:if>
+            <dgm:else name="Name59">
+              <dgm:alg type="tx">
+                <dgm:param type="parTxLTRAlign" val="r"/>
+                <dgm:param type="parTxRTLAlign" val="r"/>
+                <dgm:param type="shpTxLTRAlignCh" val="r"/>
+                <dgm:param type="shpTxRTLAlignCh" val="r"/>
+                <dgm:param type="txAnchorVert" val="b"/>
+                <dgm:param type="txAnchorVertCh" val="b"/>
+              </dgm:alg>
+            </dgm:else>
+          </dgm:choose>
+          <dgm:shape xmlns:r="http://schemas.openxmlformats.org/officeDocument/2006/relationships" type="rect" r:blip="">
+            <dgm:adjLst/>
+          </dgm:shape>
+          <dgm:presOf axis="self" ptType="node"/>
+          <dgm:constrLst>
+            <dgm:constr type="lMarg" refType="primFontSz" fact="0.2"/>
+            <dgm:constr type="rMarg" refType="primFontSz" fact="0.2"/>
+            <dgm:constr type="tMarg" refType="primFontSz" fact="0.2"/>
+            <dgm:constr type="bMarg" refType="primFontSz" fact="0.2"/>
+          </dgm:constrLst>
+          <dgm:ruleLst>
+            <dgm:rule type="primFontSz" val="5" fact="NaN" max="NaN"/>
+          </dgm:ruleLst>
+        </dgm:layoutNode>
+      </dgm:layoutNode>
+      <dgm:forEach name="sibTransForEach" axis="followSib" ptType="sibTrans" cnt="1">
+        <dgm:layoutNode name="sibTrans">
+          <dgm:alg type="sp"/>
+          <dgm:shape xmlns:r="http://schemas.openxmlformats.org/officeDocument/2006/relationships" r:blip="">
+            <dgm:adjLst/>
+          </dgm:shape>
+        </dgm:layoutNode>
+      </dgm:forEach>
+    </dgm:forEach>
+  </dgm:layoutNode>
+</dgm:layoutDef>
+</file>
+
+<file path=ppt/diagrams/quickStyle1.xml><?xml version="1.0" encoding="utf-8"?>
+<dgm:styleDef xmlns:dgm="http://schemas.openxmlformats.org/drawingml/2006/diagram" xmlns:a="http://schemas.openxmlformats.org/drawingml/2006/main" uniqueId="urn:microsoft.com/office/officeart/2005/8/quickstyle/simple1">
+  <dgm:title val=""/>
+  <dgm:desc val=""/>
+  <dgm:catLst>
+    <dgm:cat type="simple" pri="10100"/>
+  </dgm:catLst>
+  <dgm:scene3d>
+    <a:camera prst="orthographicFront"/>
+    <a:lightRig rig="threePt" dir="t"/>
+  </dgm:scene3d>
+  <dgm:styleLbl name="node0">
+    <dgm:scene3d>
+      <a:camera prst="orthographicFront"/>
+      <a:lightRig rig="threePt" dir="t"/>
+    </dgm:scene3d>
+    <dgm:sp3d/>
+    <dgm:txPr/>
+    <dgm:style>
+      <a:lnRef idx="2">
+        <a:scrgbClr r="0" g="0" b="0"/>
+      </a:lnRef>
+      <a:fillRef idx="1">
+        <a:scrgbClr r="0" g="0" b="0"/>
+      </a:fillRef>
+      <a:effectRef idx="0">
+        <a:scrgbClr r="0" g="0" b="0"/>
+      </a:effectRef>
+      <a:fontRef idx="minor">
+        <a:schemeClr val="lt1"/>
+      </a:fontRef>
+    </dgm:style>
+  </dgm:styleLbl>
+  <dgm:styleLbl name="lnNode1">
+    <dgm:scene3d>
+      <a:camera prst="orthographicFront"/>
+      <a:lightRig rig="threePt" dir="t"/>
+    </dgm:scene3d>
+    <dgm:sp3d/>
+    <dgm:txPr/>
+    <dgm:style>
+      <a:lnRef idx="2">
+        <a:scrgbClr r="0" g="0" b="0"/>
+      </a:lnRef>
+      <a:fillRef idx="1">
+        <a:scrgbClr r="0" g="0" b="0"/>
+      </a:fillRef>
+      <a:effectRef idx="0">
+        <a:scrgbClr r="0" g="0" b="0"/>
+      </a:effectRef>
+      <a:fontRef idx="minor">
+        <a:schemeClr val="lt1"/>
+      </a:fontRef>
+    </dgm:style>
+  </dgm:styleLbl>
+  <dgm:styleLbl name="vennNode1">
+    <dgm:scene3d>
+      <a:camera prst="orthographicFront"/>
+      <a:lightRig rig="threePt" dir="t"/>
+    </dgm:scene3d>
+    <dgm:sp3d/>
+    <dgm:txPr/>
+    <dgm:style>
+      <a:lnRef idx="2">
+        <a:scrgbClr r="0" g="0" b="0"/>
+      </a:lnRef>
+      <a:fillRef idx="1">
+        <a:scrgbClr r="0" g="0" b="0"/>
+      </a:fillRef>
+      <a:effectRef idx="0">
+        <a:scrgbClr r="0" g="0" b="0"/>
+      </a:effectRef>
+      <a:fontRef idx="minor">
+        <a:schemeClr val="tx1"/>
+      </a:fontRef>
+    </dgm:style>
+  </dgm:styleLbl>
+  <dgm:styleLbl name="alignNode1">
+    <dgm:scene3d>
+      <a:camera prst="orthographicFront"/>
+      <a:lightRig rig="threePt" dir="t"/>
+    </dgm:scene3d>
+    <dgm:sp3d/>
+    <dgm:txPr/>
+    <dgm:style>
+      <a:lnRef idx="2">
+        <a:scrgbClr r="0" g="0" b="0"/>
+      </a:lnRef>
+      <a:fillRef idx="1">
+        <a:scrgbClr r="0" g="0" b="0"/>
+      </a:fillRef>
+      <a:effectRef idx="0">
+        <a:scrgbClr r="0" g="0" b="0"/>
+      </a:effectRef>
+      <a:fontRef idx="minor">
+        <a:schemeClr val="lt1"/>
+      </a:fontRef>
+    </dgm:style>
+  </dgm:styleLbl>
+  <dgm:styleLbl name="node1">
+    <dgm:scene3d>
+      <a:camera prst="orthographicFront"/>
+      <a:lightRig rig="threePt" dir="t"/>
+    </dgm:scene3d>
+    <dgm:sp3d/>
+    <dgm:txPr/>
+    <dgm:style>
+      <a:lnRef idx="2">
+        <a:scrgbClr r="0" g="0" b="0"/>
+      </a:lnRef>
+      <a:fillRef idx="1">
+        <a:scrgbClr r="0" g="0" b="0"/>
+      </a:fillRef>
+      <a:effectRef idx="0">
+        <a:scrgbClr r="0" g="0" b="0"/>
+      </a:effectRef>
+      <a:fontRef idx="minor">
+        <a:schemeClr val="lt1"/>
+      </a:fontRef>
+    </dgm:style>
+  </dgm:styleLbl>
+  <dgm:styleLbl name="node2">
+    <dgm:scene3d>
+      <a:camera prst="orthographicFront"/>
+      <a:lightRig rig="threePt" dir="t"/>
+    </dgm:scene3d>
+    <dgm:sp3d/>
+    <dgm:txPr/>
+    <dgm:style>
+      <a:lnRef idx="2">
+        <a:scrgbClr r="0" g="0" b="0"/>
+      </a:lnRef>
+      <a:fillRef idx="1">
+        <a:scrgbClr r="0" g="0" b="0"/>
+      </a:fillRef>
+      <a:effectRef idx="0">
+        <a:scrgbClr r="0" g="0" b="0"/>
+      </a:effectRef>
+      <a:fontRef idx="minor">
+        <a:schemeClr val="lt1"/>
+      </a:fontRef>
+    </dgm:style>
+  </dgm:styleLbl>
+  <dgm:styleLbl name="node3">
+    <dgm:scene3d>
+      <a:camera prst="orthographicFront"/>
+      <a:lightRig rig="threePt" dir="t"/>
+    </dgm:scene3d>
+    <dgm:sp3d/>
+    <dgm:txPr/>
+    <dgm:style>
+      <a:lnRef idx="2">
+        <a:scrgbClr r="0" g="0" b="0"/>
+      </a:lnRef>
+      <a:fillRef idx="1">
+        <a:scrgbClr r="0" g="0" b="0"/>
+      </a:fillRef>
+      <a:effectRef idx="0">
+        <a:scrgbClr r="0" g="0" b="0"/>
+      </a:effectRef>
+      <a:fontRef idx="minor">
+        <a:schemeClr val="lt1"/>
+      </a:fontRef>
+    </dgm:style>
+  </dgm:styleLbl>
+  <dgm:styleLbl name="node4">
+    <dgm:scene3d>
+      <a:camera prst="orthographicFront"/>
+      <a:lightRig rig="threePt" dir="t"/>
+    </dgm:scene3d>
+    <dgm:sp3d/>
+    <dgm:txPr/>
+    <dgm:style>
+      <a:lnRef idx="2">
+        <a:scrgbClr r="0" g="0" b="0"/>
+      </a:lnRef>
+      <a:fillRef idx="1">
+        <a:scrgbClr r="0" g="0" b="0"/>
+      </a:fillRef>
+      <a:effectRef idx="0">
+        <a:scrgbClr r="0" g="0" b="0"/>
+      </a:effectRef>
+      <a:fontRef idx="minor">
+        <a:schemeClr val="lt1"/>
+      </a:fontRef>
+    </dgm:style>
+  </dgm:styleLbl>
+  <dgm:styleLbl name="fgImgPlace1">
+    <dgm:scene3d>
+      <a:camera prst="orthographicFront"/>
+      <a:lightRig rig="threePt" dir="t"/>
+    </dgm:scene3d>
+    <dgm:sp3d/>
+    <dgm:txPr/>
+    <dgm:style>
+      <a:lnRef idx="2">
+        <a:scrgbClr r="0" g="0" b="0"/>
+      </a:lnRef>
+      <a:fillRef idx="1">
+        <a:scrgbClr r="0" g="0" b="0"/>
+      </a:fillRef>
+      <a:effectRef idx="0">
+        <a:scrgbClr r="0" g="0" b="0"/>
+      </a:effectRef>
+      <a:fontRef idx="minor"/>
+    </dgm:style>
+  </dgm:styleLbl>
+  <dgm:styleLbl name="alignImgPlace1">
+    <dgm:scene3d>
+      <a:camera prst="orthographicFront"/>
+      <a:lightRig rig="threePt" dir="t"/>
+    </dgm:scene3d>
+    <dgm:sp3d/>
+    <dgm:txPr/>
+    <dgm:style>
+      <a:lnRef idx="2">
+        <a:scrgbClr r="0" g="0" b="0"/>
+      </a:lnRef>
+      <a:fillRef idx="1">
+        <a:scrgbClr r="0" g="0" b="0"/>
+      </a:fillRef>
+      <a:effectRef idx="0">
+        <a:scrgbClr r="0" g="0" b="0"/>
+      </a:effectRef>
+      <a:fontRef idx="minor"/>
+    </dgm:style>
+  </dgm:styleLbl>
+  <dgm:styleLbl name="bgImgPlace1">
+    <dgm:scene3d>
+      <a:camera prst="orthographicFront"/>
+      <a:lightRig rig="threePt" dir="t"/>
+    </dgm:scene3d>
+    <dgm:sp3d/>
+    <dgm:txPr/>
+    <dgm:style>
+      <a:lnRef idx="2">
+        <a:scrgbClr r="0" g="0" b="0"/>
+      </a:lnRef>
+      <a:fillRef idx="1">
+        <a:scrgbClr r="0" g="0" b="0"/>
+      </a:fillRef>
+      <a:effectRef idx="0">
+        <a:scrgbClr r="0" g="0" b="0"/>
+      </a:effectRef>
+      <a:fontRef idx="minor"/>
+    </dgm:style>
+  </dgm:styleLbl>
+  <dgm:styleLbl name="sibTrans2D1">
+    <dgm:scene3d>
+      <a:camera prst="orthographicFront"/>
+      <a:lightRig rig="threePt" dir="t"/>
+    </dgm:scene3d>
+    <dgm:sp3d/>
+    <dgm:txPr/>
+    <dgm:style>
+      <a:lnRef idx="0">
+        <a:scrgbClr r="0" g="0" b="0"/>
+      </a:lnRef>
+      <a:fillRef idx="1">
+        <a:scrgbClr r="0" g="0" b="0"/>
+      </a:fillRef>
+      <a:effectRef idx="0">
+        <a:scrgbClr r="0" g="0" b="0"/>
+      </a:effectRef>
+      <a:fontRef idx="minor">
+        <a:schemeClr val="lt1"/>
+      </a:fontRef>
+    </dgm:style>
+  </dgm:styleLbl>
+  <dgm:styleLbl name="fgSibTrans2D1">
+    <dgm:scene3d>
+      <a:camera prst="orthographicFront"/>
+      <a:lightRig rig="threePt" dir="t"/>
+    </dgm:scene3d>
+    <dgm:sp3d/>
+    <dgm:txPr/>
+    <dgm:style>
+      <a:lnRef idx="0">
+        <a:scrgbClr r="0" g="0" b="0"/>
+      </a:lnRef>
+      <a:fillRef idx="1">
+        <a:scrgbClr r="0" g="0" b="0"/>
+      </a:fillRef>
+      <a:effectRef idx="0">
+        <a:scrgbClr r="0" g="0" b="0"/>
+      </a:effectRef>
+      <a:fontRef idx="minor">
+        <a:schemeClr val="lt1"/>
+      </a:fontRef>
+    </dgm:style>
+  </dgm:styleLbl>
+  <dgm:styleLbl name="bgSibTrans2D1">
+    <dgm:scene3d>
+      <a:camera prst="orthographicFront"/>
+      <a:lightRig rig="threePt" dir="t"/>
+    </dgm:scene3d>
+    <dgm:sp3d/>
+    <dgm:txPr/>
+    <dgm:style>
+      <a:lnRef idx="0">
+        <a:scrgbClr r="0" g="0" b="0"/>
+      </a:lnRef>
+      <a:fillRef idx="1">
+        <a:scrgbClr r="0" g="0" b="0"/>
+      </a:fillRef>
+      <a:effectRef idx="0">
+        <a:scrgbClr r="0" g="0" b="0"/>
+      </a:effectRef>
+      <a:fontRef idx="minor">
+        <a:schemeClr val="lt1"/>
+      </a:fontRef>
+    </dgm:style>
+  </dgm:styleLbl>
+  <dgm:styleLbl name="sibTrans1D1">
+    <dgm:scene3d>
+      <a:camera prst="orthographicFront"/>
+      <a:lightRig rig="threePt" dir="t"/>
+    </dgm:scene3d>
+    <dgm:sp3d/>
+    <dgm:txPr/>
+    <dgm:style>
+      <a:lnRef idx="1">
+        <a:scrgbClr r="0" g="0" b="0"/>
+      </a:lnRef>
+      <a:fillRef idx="0">
+        <a:scrgbClr r="0" g="0" b="0"/>
+      </a:fillRef>
+      <a:effectRef idx="0">
+        <a:scrgbClr r="0" g="0" b="0"/>
+      </a:effectRef>
+      <a:fontRef idx="minor"/>
+    </dgm:style>
+  </dgm:styleLbl>
+  <dgm:styleLbl name="callout">
+    <dgm:scene3d>
+      <a:camera prst="orthographicFront"/>
+      <a:lightRig rig="threePt" dir="t"/>
+    </dgm:scene3d>
+    <dgm:sp3d/>
+    <dgm:txPr/>
+    <dgm:style>
+      <a:lnRef idx="2">
+        <a:scrgbClr r="0" g="0" b="0"/>
+      </a:lnRef>
+      <a:fillRef idx="1">
+        <a:scrgbClr r="0" g="0" b="0"/>
+      </a:fillRef>
+      <a:effectRef idx="0">
+        <a:scrgbClr r="0" g="0" b="0"/>
+      </a:effectRef>
+      <a:fontRef idx="minor"/>
+    </dgm:style>
+  </dgm:styleLbl>
+  <dgm:styleLbl name="asst0">
+    <dgm:scene3d>
+      <a:camera prst="orthographicFront"/>
+      <a:lightRig rig="threePt" dir="t"/>
+    </dgm:scene3d>
+    <dgm:sp3d/>
+    <dgm:txPr/>
+    <dgm:style>
+      <a:lnRef idx="2">
+        <a:scrgbClr r="0" g="0" b="0"/>
+      </a:lnRef>
+      <a:fillRef idx="1">
+        <a:scrgbClr r="0" g="0" b="0"/>
+      </a:fillRef>
+      <a:effectRef idx="0">
+        <a:scrgbClr r="0" g="0" b="0"/>
+      </a:effectRef>
+      <a:fontRef idx="minor">
+        <a:schemeClr val="lt1"/>
+      </a:fontRef>
+    </dgm:style>
+  </dgm:styleLbl>
+  <dgm:styleLbl name="asst1">
+    <dgm:scene3d>
+      <a:camera prst="orthographicFront"/>
+      <a:lightRig rig="threePt" dir="t"/>
+    </dgm:scene3d>
+    <dgm:sp3d/>
+    <dgm:txPr/>
+    <dgm:style>
+      <a:lnRef idx="2">
+        <a:scrgbClr r="0" g="0" b="0"/>
+      </a:lnRef>
+      <a:fillRef idx="1">
+        <a:scrgbClr r="0" g="0" b="0"/>
+      </a:fillRef>
+      <a:effectRef idx="0">
+        <a:scrgbClr r="0" g="0" b="0"/>
+      </a:effectRef>
+      <a:fontRef idx="minor">
+        <a:schemeClr val="lt1"/>
+      </a:fontRef>
+    </dgm:style>
+  </dgm:styleLbl>
+  <dgm:styleLbl name="asst2">
+    <dgm:scene3d>
+      <a:camera prst="orthographicFront"/>
+      <a:lightRig rig="threePt" dir="t"/>
+    </dgm:scene3d>
+    <dgm:sp3d/>
+    <dgm:txPr/>
+    <dgm:style>
+      <a:lnRef idx="2">
+        <a:scrgbClr r="0" g="0" b="0"/>
+      </a:lnRef>
+      <a:fillRef idx="1">
+        <a:scrgbClr r="0" g="0" b="0"/>
+      </a:fillRef>
+      <a:effectRef idx="0">
+        <a:scrgbClr r="0" g="0" b="0"/>
+      </a:effectRef>
+      <a:fontRef idx="minor">
+        <a:schemeClr val="lt1"/>
+      </a:fontRef>
+    </dgm:style>
+  </dgm:styleLbl>
+  <dgm:styleLbl name="asst3">
+    <dgm:scene3d>
+      <a:camera prst="orthographicFront"/>
+      <a:lightRig rig="threePt" dir="t"/>
+    </dgm:scene3d>
+    <dgm:sp3d/>
+    <dgm:txPr/>
+    <dgm:style>
+      <a:lnRef idx="2">
+        <a:scrgbClr r="0" g="0" b="0"/>
+      </a:lnRef>
+      <a:fillRef idx="1">
+        <a:scrgbClr r="0" g="0" b="0"/>
+      </a:fillRef>
+      <a:effectRef idx="0">
+        <a:scrgbClr r="0" g="0" b="0"/>
+      </a:effectRef>
+      <a:fontRef idx="minor">
+        <a:schemeClr val="lt1"/>
+      </a:fontRef>
+    </dgm:style>
+  </dgm:styleLbl>
+  <dgm:styleLbl name="asst4">
+    <dgm:scene3d>
+      <a:camera prst="orthographicFront"/>
+      <a:lightRig rig="threePt" dir="t"/>
+    </dgm:scene3d>
+    <dgm:sp3d/>
+    <dgm:txPr/>
+    <dgm:style>
+      <a:lnRef idx="2">
+        <a:scrgbClr r="0" g="0" b="0"/>
+      </a:lnRef>
+      <a:fillRef idx="1">
+        <a:scrgbClr r="0" g="0" b="0"/>
+      </a:fillRef>
+      <a:effectRef idx="0">
+        <a:scrgbClr r="0" g="0" b="0"/>
+      </a:effectRef>
+      <a:fontRef idx="minor">
+        <a:schemeClr val="lt1"/>
+      </a:fontRef>
+    </dgm:style>
+  </dgm:styleLbl>
+  <dgm:styleLbl name="parChTrans2D1">
+    <dgm:scene3d>
+      <a:camera prst="orthographicFront"/>
+      <a:lightRig rig="threePt" dir="t"/>
+    </dgm:scene3d>
+    <dgm:sp3d/>
+    <dgm:txPr/>
+    <dgm:style>
+      <a:lnRef idx="2">
+        <a:scrgbClr r="0" g="0" b="0"/>
+      </a:lnRef>
+      <a:fillRef idx="1">
+        <a:scrgbClr r="0" g="0" b="0"/>
+      </a:fillRef>
+      <a:effectRef idx="0">
+        <a:scrgbClr r="0" g="0" b="0"/>
+      </a:effectRef>
+      <a:fontRef idx="minor">
+        <a:schemeClr val="lt1"/>
+      </a:fontRef>
+    </dgm:style>
+  </dgm:styleLbl>
+  <dgm:styleLbl name="parChTrans2D2">
+    <dgm:scene3d>
+      <a:camera prst="orthographicFront"/>
+      <a:lightRig rig="threePt" dir="t"/>
+    </dgm:scene3d>
+    <dgm:sp3d/>
+    <dgm:txPr/>
+    <dgm:style>
+      <a:lnRef idx="2">
+        <a:scrgbClr r="0" g="0" b="0"/>
+      </a:lnRef>
+      <a:fillRef idx="1">
+        <a:scrgbClr r="0" g="0" b="0"/>
+      </a:fillRef>
+      <a:effectRef idx="0">
+        <a:scrgbClr r="0" g="0" b="0"/>
+      </a:effectRef>
+      <a:fontRef idx="minor">
+        <a:schemeClr val="lt1"/>
+      </a:fontRef>
+    </dgm:style>
+  </dgm:styleLbl>
+  <dgm:styleLbl name="parChTrans2D3">
+    <dgm:scene3d>
+      <a:camera prst="orthographicFront"/>
+      <a:lightRig rig="threePt" dir="t"/>
+    </dgm:scene3d>
+    <dgm:sp3d/>
+    <dgm:txPr/>
+    <dgm:style>
+      <a:lnRef idx="2">
+        <a:scrgbClr r="0" g="0" b="0"/>
+      </a:lnRef>
+      <a:fillRef idx="1">
+        <a:scrgbClr r="0" g="0" b="0"/>
+      </a:fillRef>
+      <a:effectRef idx="0">
+        <a:scrgbClr r="0" g="0" b="0"/>
+      </a:effectRef>
+      <a:fontRef idx="minor">
+        <a:schemeClr val="lt1"/>
+      </a:fontRef>
+    </dgm:style>
+  </dgm:styleLbl>
+  <dgm:styleLbl name="parChTrans2D4">
+    <dgm:scene3d>
+      <a:camera prst="orthographicFront"/>
+      <a:lightRig rig="threePt" dir="t"/>
+    </dgm:scene3d>
+    <dgm:sp3d/>
+    <dgm:txPr/>
+    <dgm:style>
+      <a:lnRef idx="2">
+        <a:scrgbClr r="0" g="0" b="0"/>
+      </a:lnRef>
+      <a:fillRef idx="1">
+        <a:scrgbClr r="0" g="0" b="0"/>
+      </a:fillRef>
+      <a:effectRef idx="0">
+        <a:scrgbClr r="0" g="0" b="0"/>
+      </a:effectRef>
+      <a:fontRef idx="minor">
+        <a:schemeClr val="lt1"/>
+      </a:fontRef>
+    </dgm:style>
+  </dgm:styleLbl>
+  <dgm:styleLbl name="parChTrans1D1">
+    <dgm:scene3d>
+      <a:camera prst="orthographicFront"/>
+      <a:lightRig rig="threePt" dir="t"/>
+    </dgm:scene3d>
+    <dgm:sp3d/>
+    <dgm:txPr/>
+    <dgm:style>
+      <a:lnRef idx="2">
+        <a:scrgbClr r="0" g="0" b="0"/>
+      </a:lnRef>
+      <a:fillRef idx="0">
+        <a:scrgbClr r="0" g="0" b="0"/>
+      </a:fillRef>
+      <a:effectRef idx="0">
+        <a:scrgbClr r="0" g="0" b="0"/>
+      </a:effectRef>
+      <a:fontRef idx="minor"/>
+    </dgm:style>
+  </dgm:styleLbl>
+  <dgm:styleLbl name="parChTrans1D2">
+    <dgm:scene3d>
+      <a:camera prst="orthographicFront"/>
+      <a:lightRig rig="threePt" dir="t"/>
+    </dgm:scene3d>
+    <dgm:sp3d/>
+    <dgm:txPr/>
+    <dgm:style>
+      <a:lnRef idx="2">
+        <a:scrgbClr r="0" g="0" b="0"/>
+      </a:lnRef>
+      <a:fillRef idx="0">
+        <a:scrgbClr r="0" g="0" b="0"/>
+      </a:fillRef>
+      <a:effectRef idx="0">
+        <a:scrgbClr r="0" g="0" b="0"/>
+      </a:effectRef>
+      <a:fontRef idx="minor"/>
+    </dgm:style>
+  </dgm:styleLbl>
+  <dgm:styleLbl name="parChTrans1D3">
+    <dgm:scene3d>
+      <a:camera prst="orthographicFront"/>
+      <a:lightRig rig="threePt" dir="t"/>
+    </dgm:scene3d>
+    <dgm:sp3d/>
+    <dgm:txPr/>
+    <dgm:style>
+      <a:lnRef idx="2">
+        <a:scrgbClr r="0" g="0" b="0"/>
+      </a:lnRef>
+      <a:fillRef idx="0">
+        <a:scrgbClr r="0" g="0" b="0"/>
+      </a:fillRef>
+      <a:effectRef idx="0">
+        <a:scrgbClr r="0" g="0" b="0"/>
+      </a:effectRef>
+      <a:fontRef idx="minor"/>
+    </dgm:style>
+  </dgm:styleLbl>
+  <dgm:styleLbl name="parChTrans1D4">
+    <dgm:scene3d>
+      <a:camera prst="orthographicFront"/>
+      <a:lightRig rig="threePt" dir="t"/>
+    </dgm:scene3d>
+    <dgm:sp3d/>
+    <dgm:txPr/>
+    <dgm:style>
+      <a:lnRef idx="2">
+        <a:scrgbClr r="0" g="0" b="0"/>
+      </a:lnRef>
+      <a:fillRef idx="0">
+        <a:scrgbClr r="0" g="0" b="0"/>
+      </a:fillRef>
+      <a:effectRef idx="0">
+        <a:scrgbClr r="0" g="0" b="0"/>
+      </a:effectRef>
+      <a:fontRef idx="minor"/>
+    </dgm:style>
+  </dgm:styleLbl>
+  <dgm:styleLbl name="fgAcc1">
+    <dgm:scene3d>
+      <a:camera prst="orthographicFront"/>
+      <a:lightRig rig="threePt" dir="t"/>
+    </dgm:scene3d>
+    <dgm:sp3d/>
+    <dgm:txPr/>
+    <dgm:style>
+      <a:lnRef idx="2">
+        <a:scrgbClr r="0" g="0" b="0"/>
+      </a:lnRef>
+      <a:fillRef idx="1">
+        <a:scrgbClr r="0" g="0" b="0"/>
+      </a:fillRef>
+      <a:effectRef idx="0">
+        <a:scrgbClr r="0" g="0" b="0"/>
+      </a:effectRef>
+      <a:fontRef idx="minor"/>
+    </dgm:style>
+  </dgm:styleLbl>
+  <dgm:styleLbl name="conFgAcc1">
+    <dgm:scene3d>
+      <a:camera prst="orthographicFront"/>
+      <a:lightRig rig="threePt" dir="t"/>
+    </dgm:scene3d>
+    <dgm:sp3d/>
+    <dgm:txPr/>
+    <dgm:style>
+      <a:lnRef idx="2">
+        <a:scrgbClr r="0" g="0" b="0"/>
+      </a:lnRef>
+      <a:fillRef idx="1">
+        <a:scrgbClr r="0" g="0" b="0"/>
+      </a:fillRef>
+      <a:effectRef idx="0">
+        <a:scrgbClr r="0" g="0" b="0"/>
+      </a:effectRef>
+      <a:fontRef idx="minor"/>
+    </dgm:style>
+  </dgm:styleLbl>
+  <dgm:styleLbl name="alignAcc1">
+    <dgm:scene3d>
+      <a:camera prst="orthographicFront"/>
+      <a:lightRig rig="threePt" dir="t"/>
+    </dgm:scene3d>
+    <dgm:sp3d/>
+    <dgm:txPr/>
+    <dgm:style>
+      <a:lnRef idx="2">
+        <a:scrgbClr r="0" g="0" b="0"/>
+      </a:lnRef>
+      <a:fillRef idx="1">
+        <a:scrgbClr r="0" g="0" b="0"/>
+      </a:fillRef>
+      <a:effectRef idx="0">
+        <a:scrgbClr r="0" g="0" b="0"/>
+      </a:effectRef>
+      <a:fontRef idx="minor"/>
+    </dgm:style>
+  </dgm:styleLbl>
+  <dgm:styleLbl name="trAlignAcc1">
+    <dgm:scene3d>
+      <a:camera prst="orthographicFront"/>
+      <a:lightRig rig="threePt" dir="t"/>
+    </dgm:scene3d>
+    <dgm:sp3d/>
+    <dgm:txPr/>
+    <dgm:style>
+      <a:lnRef idx="1">
+        <a:scrgbClr r="0" g="0" b="0"/>
+      </a:lnRef>
+      <a:fillRef idx="1">
+        <a:scrgbClr r="0" g="0" b="0"/>
+      </a:fillRef>
+      <a:effectRef idx="0">
+        <a:scrgbClr r="0" g="0" b="0"/>
+      </a:effectRef>
+      <a:fontRef idx="minor"/>
+    </dgm:style>
+  </dgm:styleLbl>
+  <dgm:styleLbl name="bgAcc1">
+    <dgm:scene3d>
+      <a:camera prst="orthographicFront"/>
+      <a:lightRig rig="threePt" dir="t"/>
+    </dgm:scene3d>
+    <dgm:sp3d/>
+    <dgm:txPr/>
+    <dgm:style>
+      <a:lnRef idx="2">
+        <a:scrgbClr r="0" g="0" b="0"/>
+      </a:lnRef>
+      <a:fillRef idx="1">
+        <a:scrgbClr r="0" g="0" b="0"/>
+      </a:fillRef>
+      <a:effectRef idx="0">
+        <a:scrgbClr r="0" g="0" b="0"/>
+      </a:effectRef>
+      <a:fontRef idx="minor"/>
+    </dgm:style>
+  </dgm:styleLbl>
+  <dgm:styleLbl name="solidFgAcc1">
+    <dgm:scene3d>
+      <a:camera prst="orthographicFront"/>
+      <a:lightRig rig="threePt" dir="t"/>
+    </dgm:scene3d>
+    <dgm:sp3d/>
+    <dgm:txPr/>
+    <dgm:style>
+      <a:lnRef idx="2">
+        <a:scrgbClr r="0" g="0" b="0"/>
+      </a:lnRef>
+      <a:fillRef idx="1">
+        <a:scrgbClr r="0" g="0" b="0"/>
+      </a:fillRef>
+      <a:effectRef idx="0">
+        <a:scrgbClr r="0" g="0" b="0"/>
+      </a:effectRef>
+      <a:fontRef idx="minor"/>
+    </dgm:style>
+  </dgm:styleLbl>
+  <dgm:styleLbl name="solidAlignAcc1">
+    <dgm:scene3d>
+      <a:camera prst="orthographicFront"/>
+      <a:lightRig rig="threePt" dir="t"/>
+    </dgm:scene3d>
+    <dgm:sp3d/>
+    <dgm:txPr/>
+    <dgm:style>
+      <a:lnRef idx="2">
+        <a:scrgbClr r="0" g="0" b="0"/>
+      </a:lnRef>
+      <a:fillRef idx="1">
+        <a:scrgbClr r="0" g="0" b="0"/>
+      </a:fillRef>
+      <a:effectRef idx="0">
+        <a:scrgbClr r="0" g="0" b="0"/>
+      </a:effectRef>
+      <a:fontRef idx="minor"/>
+    </dgm:style>
+  </dgm:styleLbl>
+  <dgm:styleLbl name="solidBgAcc1">
+    <dgm:scene3d>
+      <a:camera prst="orthographicFront"/>
+      <a:lightRig rig="threePt" dir="t"/>
+    </dgm:scene3d>
+    <dgm:sp3d/>
+    <dgm:txPr/>
+    <dgm:style>
+      <a:lnRef idx="2">
+        <a:scrgbClr r="0" g="0" b="0"/>
+      </a:lnRef>
+      <a:fillRef idx="1">
+        <a:scrgbClr r="0" g="0" b="0"/>
+      </a:fillRef>
+      <a:effectRef idx="0">
+        <a:scrgbClr r="0" g="0" b="0"/>
+      </a:effectRef>
+      <a:fontRef idx="minor"/>
+    </dgm:style>
+  </dgm:styleLbl>
+  <dgm:styleLbl name="fgAccFollowNode1">
+    <dgm:scene3d>
+      <a:camera prst="orthographicFront"/>
+      <a:lightRig rig="threePt" dir="t"/>
+    </dgm:scene3d>
+    <dgm:sp3d/>
+    <dgm:txPr/>
+    <dgm:style>
+      <a:lnRef idx="2">
+        <a:scrgbClr r="0" g="0" b="0"/>
+      </a:lnRef>
+      <a:fillRef idx="1">
+        <a:scrgbClr r="0" g="0" b="0"/>
+      </a:fillRef>
+      <a:effectRef idx="0">
+        <a:scrgbClr r="0" g="0" b="0"/>
+      </a:effectRef>
+      <a:fontRef idx="minor"/>
+    </dgm:style>
+  </dgm:styleLbl>
+  <dgm:styleLbl name="alignAccFollowNode1">
+    <dgm:scene3d>
+      <a:camera prst="orthographicFront"/>
+      <a:lightRig rig="threePt" dir="t"/>
+    </dgm:scene3d>
+    <dgm:sp3d/>
+    <dgm:txPr/>
+    <dgm:style>
+      <a:lnRef idx="2">
+        <a:scrgbClr r="0" g="0" b="0"/>
+      </a:lnRef>
+      <a:fillRef idx="1">
+        <a:scrgbClr r="0" g="0" b="0"/>
+      </a:fillRef>
+      <a:effectRef idx="0">
+        <a:scrgbClr r="0" g="0" b="0"/>
+      </a:effectRef>
+      <a:fontRef idx="minor"/>
+    </dgm:style>
+  </dgm:styleLbl>
+  <dgm:styleLbl name="bgAccFollowNode1">
+    <dgm:scene3d>
+      <a:camera prst="orthographicFront"/>
+      <a:lightRig rig="threePt" dir="t"/>
+    </dgm:scene3d>
+    <dgm:sp3d/>
+    <dgm:txPr/>
+    <dgm:style>
+      <a:lnRef idx="2">
+        <a:scrgbClr r="0" g="0" b="0"/>
+      </a:lnRef>
+      <a:fillRef idx="1">
+        <a:scrgbClr r="0" g="0" b="0"/>
+      </a:fillRef>
+      <a:effectRef idx="0">
+        <a:scrgbClr r="0" g="0" b="0"/>
+      </a:effectRef>
+      <a:fontRef idx="minor"/>
+    </dgm:style>
+  </dgm:styleLbl>
+  <dgm:styleLbl name="fgAcc0">
+    <dgm:scene3d>
+      <a:camera prst="orthographicFront"/>
+      <a:lightRig rig="threePt" dir="t"/>
+    </dgm:scene3d>
+    <dgm:sp3d/>
+    <dgm:txPr/>
+    <dgm:style>
+      <a:lnRef idx="2">
+        <a:scrgbClr r="0" g="0" b="0"/>
+      </a:lnRef>
+      <a:fillRef idx="1">
+        <a:scrgbClr r="0" g="0" b="0"/>
+      </a:fillRef>
+      <a:effectRef idx="0">
+        <a:scrgbClr r="0" g="0" b="0"/>
+      </a:effectRef>
+      <a:fontRef idx="minor"/>
+    </dgm:style>
+  </dgm:styleLbl>
+  <dgm:styleLbl name="fgAcc2">
+    <dgm:scene3d>
+      <a:camera prst="orthographicFront"/>
+      <a:lightRig rig="threePt" dir="t"/>
+    </dgm:scene3d>
+    <dgm:sp3d/>
+    <dgm:txPr/>
+    <dgm:style>
+      <a:lnRef idx="2">
+        <a:scrgbClr r="0" g="0" b="0"/>
+      </a:lnRef>
+      <a:fillRef idx="1">
+        <a:scrgbClr r="0" g="0" b="0"/>
+      </a:fillRef>
+      <a:effectRef idx="0">
+        <a:scrgbClr r="0" g="0" b="0"/>
+      </a:effectRef>
+      <a:fontRef idx="minor"/>
+    </dgm:style>
+  </dgm:styleLbl>
+  <dgm:styleLbl name="fgAcc3">
+    <dgm:scene3d>
+      <a:camera prst="orthographicFront"/>
+      <a:lightRig rig="threePt" dir="t"/>
+    </dgm:scene3d>
+    <dgm:sp3d/>
+    <dgm:txPr/>
+    <dgm:style>
+      <a:lnRef idx="2">
+        <a:scrgbClr r="0" g="0" b="0"/>
+      </a:lnRef>
+      <a:fillRef idx="1">
+        <a:scrgbClr r="0" g="0" b="0"/>
+      </a:fillRef>
+      <a:effectRef idx="0">
+        <a:scrgbClr r="0" g="0" b="0"/>
+      </a:effectRef>
+      <a:fontRef idx="minor"/>
+    </dgm:style>
+  </dgm:styleLbl>
+  <dgm:styleLbl name="fgAcc4">
+    <dgm:scene3d>
+      <a:camera prst="orthographicFront"/>
+      <a:lightRig rig="threePt" dir="t"/>
+    </dgm:scene3d>
+    <dgm:sp3d/>
+    <dgm:txPr/>
+    <dgm:style>
+      <a:lnRef idx="2">
+        <a:scrgbClr r="0" g="0" b="0"/>
+      </a:lnRef>
+      <a:fillRef idx="1">
+        <a:scrgbClr r="0" g="0" b="0"/>
+      </a:fillRef>
+      <a:effectRef idx="0">
+        <a:scrgbClr r="0" g="0" b="0"/>
+      </a:effectRef>
+      <a:fontRef idx="minor"/>
+    </dgm:style>
+  </dgm:styleLbl>
+  <dgm:styleLbl name="bgShp">
+    <dgm:scene3d>
+      <a:camera prst="orthographicFront"/>
+      <a:lightRig rig="threePt" dir="t"/>
+    </dgm:scene3d>
+    <dgm:sp3d/>
+    <dgm:txPr/>
+    <dgm:style>
+      <a:lnRef idx="0">
+        <a:scrgbClr r="0" g="0" b="0"/>
+      </a:lnRef>
+      <a:fillRef idx="1">
+        <a:scrgbClr r="0" g="0" b="0"/>
+      </a:fillRef>
+      <a:effectRef idx="0">
+        <a:scrgbClr r="0" g="0" b="0"/>
+      </a:effectRef>
+      <a:fontRef idx="minor"/>
+    </dgm:style>
+  </dgm:styleLbl>
+  <dgm:styleLbl name="dkBgShp">
+    <dgm:scene3d>
+      <a:camera prst="orthographicFront"/>
+      <a:lightRig rig="threePt" dir="t"/>
+    </dgm:scene3d>
+    <dgm:sp3d/>
+    <dgm:txPr/>
+    <dgm:style>
+      <a:lnRef idx="0">
+        <a:scrgbClr r="0" g="0" b="0"/>
+      </a:lnRef>
+      <a:fillRef idx="1">
+        <a:scrgbClr r="0" g="0" b="0"/>
+      </a:fillRef>
+      <a:effectRef idx="0">
+        <a:scrgbClr r="0" g="0" b="0"/>
+      </a:effectRef>
+      <a:fontRef idx="minor"/>
+    </dgm:style>
+  </dgm:styleLbl>
+  <dgm:styleLbl name="trBgShp">
+    <dgm:scene3d>
+      <a:camera prst="orthographicFront"/>
+      <a:lightRig rig="threePt" dir="t"/>
+    </dgm:scene3d>
+    <dgm:sp3d/>
+    <dgm:txPr/>
+    <dgm:style>
+      <a:lnRef idx="0">
+        <a:scrgbClr r="0" g="0" b="0"/>
+      </a:lnRef>
+      <a:fillRef idx="1">
+        <a:scrgbClr r="0" g="0" b="0"/>
+      </a:fillRef>
+      <a:effectRef idx="0">
+        <a:scrgbClr r="0" g="0" b="0"/>
+      </a:effectRef>
+      <a:fontRef idx="minor"/>
+    </dgm:style>
+  </dgm:styleLbl>
+  <dgm:styleLbl name="fgShp">
+    <dgm:scene3d>
+      <a:camera prst="orthographicFront"/>
+      <a:lightRig rig="threePt" dir="t"/>
+    </dgm:scene3d>
+    <dgm:sp3d/>
+    <dgm:txPr/>
+    <dgm:style>
+      <a:lnRef idx="2">
+        <a:scrgbClr r="0" g="0" b="0"/>
+      </a:lnRef>
+      <a:fillRef idx="1">
+        <a:scrgbClr r="0" g="0" b="0"/>
+      </a:fillRef>
+      <a:effectRef idx="0">
+        <a:scrgbClr r="0" g="0" b="0"/>
+      </a:effectRef>
+      <a:fontRef idx="minor"/>
+    </dgm:style>
+  </dgm:styleLbl>
+  <dgm:styleLbl name="revTx">
+    <dgm:scene3d>
+      <a:camera prst="orthographicFront"/>
+      <a:lightRig rig="threePt" dir="t"/>
+    </dgm:scene3d>
+    <dgm:sp3d/>
+    <dgm:txPr/>
+    <dgm:style>
+      <a:lnRef idx="0">
+        <a:scrgbClr r="0" g="0" b="0"/>
+      </a:lnRef>
+      <a:fillRef idx="0">
+        <a:scrgbClr r="0" g="0" b="0"/>
+      </a:fillRef>
+      <a:effectRef idx="0">
+        <a:scrgbClr r="0" g="0" b="0"/>
+      </a:effectRef>
+      <a:fontRef idx="minor"/>
+    </dgm:style>
+  </dgm:styleLbl>
+</dgm:styleDef>
+</file>
+
 <file path=ppt/handoutMasters/handoutMaster1.xml><?xml version="1.0" encoding="utf-8"?>
 <p:handoutMaster xmlns:a="http://schemas.openxmlformats.org/drawingml/2006/main" xmlns:r="http://schemas.openxmlformats.org/officeDocument/2006/relationships" xmlns:p="http://schemas.openxmlformats.org/presentationml/2006/main">
   <p:cSld>
@@ -248,7 +4153,7 @@
             <a:pPr rtl="0"/>
             <a:fld id="{6FF4E652-BE05-4E61-92C7-6FCA5ED87FF5}" type="datetime1">
               <a:rPr lang="el-GR" smtClean="0"/>
-              <a:t>15/9/2020</a:t>
+              <a:t>27/9/2020</a:t>
             </a:fld>
             <a:endParaRPr lang="el-GR" dirty="0"/>
           </a:p>
@@ -417,7 +4322,7 @@
             <a:fld id="{85344E1C-06AB-4226-856D-5C050CCF504A}" type="datetime1">
               <a:rPr lang="el-GR" noProof="0" smtClean="0"/>
               <a:pPr/>
-              <a:t>15/9/2020</a:t>
+              <a:t>27/9/2020</a:t>
             </a:fld>
             <a:endParaRPr lang="el-GR" noProof="0" dirty="0"/>
           </a:p>
@@ -1078,7 +4983,7 @@
             <a:pPr rtl="0"/>
             <a:fld id="{F92C3550-51ED-4F1F-A0E3-765D0A9C7FAC}" type="datetime1">
               <a:rPr lang="el-GR" noProof="0" smtClean="0"/>
-              <a:t>15/9/2020</a:t>
+              <a:t>27/9/2020</a:t>
             </a:fld>
             <a:endParaRPr lang="el-GR" noProof="0" dirty="0"/>
           </a:p>
@@ -1282,7 +5187,7 @@
             <a:pPr rtl="0"/>
             <a:fld id="{FB05B879-F2F3-4FF6-B5C1-5E0454735F82}" type="datetime1">
               <a:rPr lang="el-GR" noProof="0" smtClean="0"/>
-              <a:t>15/9/2020</a:t>
+              <a:t>27/9/2020</a:t>
             </a:fld>
             <a:endParaRPr lang="el-GR" noProof="0" dirty="0"/>
           </a:p>
@@ -1472,7 +5377,7 @@
             <a:pPr rtl="0"/>
             <a:fld id="{5325465F-F778-4B80-A227-2391232C7488}" type="datetime1">
               <a:rPr lang="el-GR" noProof="0" smtClean="0"/>
-              <a:t>15/9/2020</a:t>
+              <a:t>27/9/2020</a:t>
             </a:fld>
             <a:endParaRPr lang="el-GR" noProof="0" dirty="0"/>
           </a:p>
@@ -1703,7 +5608,7 @@
             <a:pPr rtl="0"/>
             <a:fld id="{68DFA0CC-4BC0-449C-9F9C-25350BDD11F9}" type="datetime1">
               <a:rPr lang="el-GR" noProof="0" smtClean="0"/>
-              <a:t>15/9/2020</a:t>
+              <a:t>27/9/2020</a:t>
             </a:fld>
             <a:endParaRPr lang="el-GR" noProof="0" dirty="0"/>
           </a:p>
@@ -2018,7 +5923,7 @@
             <a:pPr rtl="0"/>
             <a:fld id="{1DC42961-FB22-4804-84B4-B5793B67C39A}" type="datetime1">
               <a:rPr lang="el-GR" noProof="0" smtClean="0"/>
-              <a:t>15/9/2020</a:t>
+              <a:t>27/9/2020</a:t>
             </a:fld>
             <a:endParaRPr lang="el-GR" noProof="0" dirty="0"/>
           </a:p>
@@ -2481,7 +6386,7 @@
             <a:pPr rtl="0"/>
             <a:fld id="{78394503-C046-4901-9AC5-09AD60654297}" type="datetime1">
               <a:rPr lang="el-GR" noProof="0" smtClean="0"/>
-              <a:t>15/9/2020</a:t>
+              <a:t>27/9/2020</a:t>
             </a:fld>
             <a:endParaRPr lang="el-GR" noProof="0" dirty="0"/>
           </a:p>
@@ -2622,7 +6527,7 @@
             <a:pPr rtl="0"/>
             <a:fld id="{9CABF4D1-3075-4C87-913A-548B5EE77168}" type="datetime1">
               <a:rPr lang="el-GR" noProof="0" smtClean="0"/>
-              <a:t>15/9/2020</a:t>
+              <a:t>27/9/2020</a:t>
             </a:fld>
             <a:endParaRPr lang="el-GR" noProof="0" dirty="0"/>
           </a:p>
@@ -2750,7 +6655,7 @@
             <a:pPr rtl="0"/>
             <a:fld id="{4DD875E3-BFF1-4203-9136-34BDC19FAF1D}" type="datetime1">
               <a:rPr lang="el-GR" noProof="0" smtClean="0"/>
-              <a:t>15/9/2020</a:t>
+              <a:t>27/9/2020</a:t>
             </a:fld>
             <a:endParaRPr lang="el-GR" noProof="0" dirty="0"/>
           </a:p>
@@ -3112,7 +7017,7 @@
             <a:pPr rtl="0"/>
             <a:fld id="{0EA3BE4B-CACF-489B-BFBD-106CCD48EC5C}" type="datetime1">
               <a:rPr lang="el-GR" noProof="0" smtClean="0"/>
-              <a:t>15/9/2020</a:t>
+              <a:t>27/9/2020</a:t>
             </a:fld>
             <a:endParaRPr lang="el-GR" noProof="0" dirty="0"/>
           </a:p>
@@ -3625,7 +7530,7 @@
             <a:pPr rtl="0"/>
             <a:fld id="{ADDC5FC4-46C4-4322-ABAA-A29A47E9AFBF}" type="datetime1">
               <a:rPr lang="el-GR" noProof="0" smtClean="0"/>
-              <a:t>15/9/2020</a:t>
+              <a:t>27/9/2020</a:t>
             </a:fld>
             <a:endParaRPr lang="el-GR" noProof="0" dirty="0"/>
           </a:p>
@@ -4258,6 +8163,467 @@
       </p:grpSpPr>
       <p:sp>
         <p:nvSpPr>
+          <p:cNvPr id="2" name="Τίτλος 1">
+            <a:extLst>
+              <a:ext uri="{FF2B5EF4-FFF2-40B4-BE49-F238E27FC236}">
+                <a16:creationId xmlns:a16="http://schemas.microsoft.com/office/drawing/2014/main" id="{13AA1FB2-74BD-4D5F-964C-8CD54EB63DD8}"/>
+              </a:ext>
+            </a:extLst>
+          </p:cNvPr>
+          <p:cNvSpPr>
+            <a:spLocks noGrp="1"/>
+          </p:cNvSpPr>
+          <p:nvPr>
+            <p:ph type="title"/>
+          </p:nvPr>
+        </p:nvSpPr>
+        <p:spPr>
+          <a:xfrm>
+            <a:off x="1295400" y="471174"/>
+            <a:ext cx="9601200" cy="751205"/>
+          </a:xfrm>
+        </p:spPr>
+        <p:txBody>
+          <a:bodyPr/>
+          <a:lstStyle/>
+          <a:p>
+            <a:r>
+              <a:rPr lang="en-US" dirty="0"/>
+              <a:t>Data processing</a:t>
+            </a:r>
+            <a:endParaRPr lang="el-GR" dirty="0"/>
+          </a:p>
+        </p:txBody>
+      </p:sp>
+      <p:sp>
+        <p:nvSpPr>
+          <p:cNvPr id="3" name="Θέση περιεχομένου 2">
+            <a:extLst>
+              <a:ext uri="{FF2B5EF4-FFF2-40B4-BE49-F238E27FC236}">
+                <a16:creationId xmlns:a16="http://schemas.microsoft.com/office/drawing/2014/main" id="{F4ECFF91-7380-4CDD-91B3-4595ECE30B37}"/>
+              </a:ext>
+            </a:extLst>
+          </p:cNvPr>
+          <p:cNvSpPr>
+            <a:spLocks noGrp="1"/>
+          </p:cNvSpPr>
+          <p:nvPr>
+            <p:ph idx="1"/>
+          </p:nvPr>
+        </p:nvSpPr>
+        <p:spPr>
+          <a:xfrm>
+            <a:off x="1295400" y="1603949"/>
+            <a:ext cx="9601200" cy="4573014"/>
+          </a:xfrm>
+        </p:spPr>
+        <p:txBody>
+          <a:bodyPr/>
+          <a:lstStyle/>
+          <a:p>
+            <a:r>
+              <a:rPr lang="en-US" dirty="0"/>
+              <a:t>Preprocessing and exploratory analysis (</a:t>
+            </a:r>
+            <a:r>
+              <a:rPr lang="en-US" dirty="0" err="1"/>
+              <a:t>baseR</a:t>
+            </a:r>
+            <a:r>
+              <a:rPr lang="en-US" dirty="0"/>
+              <a:t> and </a:t>
+            </a:r>
+            <a:r>
+              <a:rPr lang="en-US" dirty="0" err="1"/>
+              <a:t>dplyr</a:t>
+            </a:r>
+            <a:r>
+              <a:rPr lang="en-US" dirty="0"/>
+              <a:t>)</a:t>
+            </a:r>
+          </a:p>
+          <a:p>
+            <a:pPr lvl="1"/>
+            <a:r>
+              <a:rPr lang="en-US" dirty="0"/>
+              <a:t>Overall summary statistics and structure</a:t>
+            </a:r>
+          </a:p>
+          <a:p>
+            <a:pPr lvl="1"/>
+            <a:r>
+              <a:rPr lang="en-US" dirty="0"/>
+              <a:t>Rename columns</a:t>
+            </a:r>
+          </a:p>
+          <a:p>
+            <a:pPr lvl="1"/>
+            <a:r>
+              <a:rPr lang="en-US" dirty="0"/>
+              <a:t>Add and remove columns</a:t>
+            </a:r>
+          </a:p>
+          <a:p>
+            <a:pPr lvl="1"/>
+            <a:r>
+              <a:rPr lang="en-US" dirty="0"/>
+              <a:t>Add and remove rows</a:t>
+            </a:r>
+          </a:p>
+          <a:p>
+            <a:pPr lvl="1"/>
+            <a:r>
+              <a:rPr lang="en-US" dirty="0"/>
+              <a:t>Subset/filter rows</a:t>
+            </a:r>
+          </a:p>
+          <a:p>
+            <a:pPr lvl="1"/>
+            <a:r>
+              <a:rPr lang="en-US" dirty="0"/>
+              <a:t>Select columns </a:t>
+            </a:r>
+          </a:p>
+          <a:p>
+            <a:pPr lvl="1"/>
+            <a:r>
+              <a:rPr lang="en-US" dirty="0"/>
+              <a:t>Applying functions to data frames </a:t>
+            </a:r>
+          </a:p>
+          <a:p>
+            <a:pPr lvl="1"/>
+            <a:r>
+              <a:rPr lang="en-US" dirty="0"/>
+              <a:t>Missing values</a:t>
+            </a:r>
+          </a:p>
+        </p:txBody>
+      </p:sp>
+      <p:sp>
+        <p:nvSpPr>
+          <p:cNvPr id="4" name="Θέση υποσέλιδου 3">
+            <a:extLst>
+              <a:ext uri="{FF2B5EF4-FFF2-40B4-BE49-F238E27FC236}">
+                <a16:creationId xmlns:a16="http://schemas.microsoft.com/office/drawing/2014/main" id="{1F085F73-B10D-4193-90D4-2C0C832C0BFC}"/>
+              </a:ext>
+            </a:extLst>
+          </p:cNvPr>
+          <p:cNvSpPr>
+            <a:spLocks noGrp="1"/>
+          </p:cNvSpPr>
+          <p:nvPr>
+            <p:ph type="ftr" sz="quarter" idx="11"/>
+          </p:nvPr>
+        </p:nvSpPr>
+        <p:spPr/>
+        <p:txBody>
+          <a:bodyPr/>
+          <a:lstStyle/>
+          <a:p>
+            <a:pPr rtl="0"/>
+            <a:r>
+              <a:rPr lang="en-US" noProof="0"/>
+              <a:t>M. T. Pandi - R for Bioinformatics</a:t>
+            </a:r>
+            <a:endParaRPr lang="el-GR" noProof="0" dirty="0"/>
+          </a:p>
+        </p:txBody>
+      </p:sp>
+      <p:sp>
+        <p:nvSpPr>
+          <p:cNvPr id="5" name="Θέση ημερομηνίας 4">
+            <a:extLst>
+              <a:ext uri="{FF2B5EF4-FFF2-40B4-BE49-F238E27FC236}">
+                <a16:creationId xmlns:a16="http://schemas.microsoft.com/office/drawing/2014/main" id="{C6AE9DCC-8601-4BB1-B5BA-555EA2F447DD}"/>
+              </a:ext>
+            </a:extLst>
+          </p:cNvPr>
+          <p:cNvSpPr>
+            <a:spLocks noGrp="1"/>
+          </p:cNvSpPr>
+          <p:nvPr>
+            <p:ph type="dt" sz="half" idx="10"/>
+          </p:nvPr>
+        </p:nvSpPr>
+        <p:spPr/>
+        <p:txBody>
+          <a:bodyPr/>
+          <a:lstStyle/>
+          <a:p>
+            <a:pPr rtl="0"/>
+            <a:fld id="{5325465F-F778-4B80-A227-2391232C7488}" type="datetime1">
+              <a:rPr lang="el-GR" noProof="0" smtClean="0"/>
+              <a:t>27/9/2020</a:t>
+            </a:fld>
+            <a:endParaRPr lang="el-GR" noProof="0" dirty="0"/>
+          </a:p>
+        </p:txBody>
+      </p:sp>
+      <p:sp>
+        <p:nvSpPr>
+          <p:cNvPr id="6" name="Θέση αριθμού διαφάνειας 5">
+            <a:extLst>
+              <a:ext uri="{FF2B5EF4-FFF2-40B4-BE49-F238E27FC236}">
+                <a16:creationId xmlns:a16="http://schemas.microsoft.com/office/drawing/2014/main" id="{0BB13DEE-5B1D-4CAD-9C6E-626C34D1F3A9}"/>
+              </a:ext>
+            </a:extLst>
+          </p:cNvPr>
+          <p:cNvSpPr>
+            <a:spLocks noGrp="1"/>
+          </p:cNvSpPr>
+          <p:nvPr>
+            <p:ph type="sldNum" sz="quarter" idx="12"/>
+          </p:nvPr>
+        </p:nvSpPr>
+        <p:spPr/>
+        <p:txBody>
+          <a:bodyPr/>
+          <a:lstStyle/>
+          <a:p>
+            <a:pPr rtl="0"/>
+            <a:fld id="{E31375A4-56A4-47D6-9801-1991572033F7}" type="slidenum">
+              <a:rPr lang="el-GR" noProof="0" smtClean="0"/>
+              <a:t>10</a:t>
+            </a:fld>
+            <a:endParaRPr lang="el-GR" noProof="0" dirty="0"/>
+          </a:p>
+        </p:txBody>
+      </p:sp>
+    </p:spTree>
+    <p:extLst>
+      <p:ext uri="{BB962C8B-B14F-4D97-AF65-F5344CB8AC3E}">
+        <p14:creationId xmlns:p14="http://schemas.microsoft.com/office/powerpoint/2010/main" val="551594565"/>
+      </p:ext>
+    </p:extLst>
+  </p:cSld>
+  <p:clrMapOvr>
+    <a:masterClrMapping/>
+  </p:clrMapOvr>
+  <mc:AlternateContent xmlns:mc="http://schemas.openxmlformats.org/markup-compatibility/2006" xmlns:p14="http://schemas.microsoft.com/office/powerpoint/2010/main">
+    <mc:Choice Requires="p14">
+      <p:transition spd="med" p14:dur="700">
+        <p:fade/>
+      </p:transition>
+    </mc:Choice>
+    <mc:Fallback xmlns="">
+      <p:transition spd="med">
+        <p:fade/>
+      </p:transition>
+    </mc:Fallback>
+  </mc:AlternateContent>
+</p:sld>
+</file>
+
+<file path=ppt/slides/slide11.xml><?xml version="1.0" encoding="utf-8"?>
+<p:sld xmlns:a="http://schemas.openxmlformats.org/drawingml/2006/main" xmlns:r="http://schemas.openxmlformats.org/officeDocument/2006/relationships" xmlns:p="http://schemas.openxmlformats.org/presentationml/2006/main">
+  <p:cSld>
+    <p:spTree>
+      <p:nvGrpSpPr>
+        <p:cNvPr id="1" name=""/>
+        <p:cNvGrpSpPr/>
+        <p:nvPr/>
+      </p:nvGrpSpPr>
+      <p:grpSpPr>
+        <a:xfrm>
+          <a:off x="0" y="0"/>
+          <a:ext cx="0" cy="0"/>
+          <a:chOff x="0" y="0"/>
+          <a:chExt cx="0" cy="0"/>
+        </a:xfrm>
+      </p:grpSpPr>
+      <p:sp>
+        <p:nvSpPr>
+          <p:cNvPr id="2" name="Τίτλος 1">
+            <a:extLst>
+              <a:ext uri="{FF2B5EF4-FFF2-40B4-BE49-F238E27FC236}">
+                <a16:creationId xmlns:a16="http://schemas.microsoft.com/office/drawing/2014/main" id="{B423F326-0C10-4A6A-8D6E-D283BEBAAFAB}"/>
+              </a:ext>
+            </a:extLst>
+          </p:cNvPr>
+          <p:cNvSpPr>
+            <a:spLocks noGrp="1"/>
+          </p:cNvSpPr>
+          <p:nvPr>
+            <p:ph type="title"/>
+          </p:nvPr>
+        </p:nvSpPr>
+        <p:spPr/>
+        <p:txBody>
+          <a:bodyPr/>
+          <a:lstStyle/>
+          <a:p>
+            <a:r>
+              <a:rPr lang="en-US" dirty="0" err="1"/>
+              <a:t>PartIIb</a:t>
+            </a:r>
+            <a:endParaRPr lang="el-GR" dirty="0"/>
+          </a:p>
+        </p:txBody>
+      </p:sp>
+      <p:sp>
+        <p:nvSpPr>
+          <p:cNvPr id="3" name="Θέση κειμένου 2">
+            <a:extLst>
+              <a:ext uri="{FF2B5EF4-FFF2-40B4-BE49-F238E27FC236}">
+                <a16:creationId xmlns:a16="http://schemas.microsoft.com/office/drawing/2014/main" id="{4F43A79E-0AD6-4564-B29B-E0B6EE262479}"/>
+              </a:ext>
+            </a:extLst>
+          </p:cNvPr>
+          <p:cNvSpPr>
+            <a:spLocks noGrp="1"/>
+          </p:cNvSpPr>
+          <p:nvPr>
+            <p:ph type="body" idx="1"/>
+          </p:nvPr>
+        </p:nvSpPr>
+        <p:spPr/>
+        <p:txBody>
+          <a:bodyPr/>
+          <a:lstStyle/>
+          <a:p>
+            <a:r>
+              <a:rPr lang="en-US" dirty="0"/>
+              <a:t>Basics of data visualization in R </a:t>
+            </a:r>
+            <a:endParaRPr lang="el-GR" dirty="0"/>
+          </a:p>
+        </p:txBody>
+      </p:sp>
+      <p:sp>
+        <p:nvSpPr>
+          <p:cNvPr id="4" name="Θέση υποσέλιδου 3">
+            <a:extLst>
+              <a:ext uri="{FF2B5EF4-FFF2-40B4-BE49-F238E27FC236}">
+                <a16:creationId xmlns:a16="http://schemas.microsoft.com/office/drawing/2014/main" id="{A7BC1F4E-3EE3-41B4-9828-0B3FEB40C86C}"/>
+              </a:ext>
+            </a:extLst>
+          </p:cNvPr>
+          <p:cNvSpPr>
+            <a:spLocks noGrp="1"/>
+          </p:cNvSpPr>
+          <p:nvPr>
+            <p:ph type="ftr" sz="quarter" idx="11"/>
+          </p:nvPr>
+        </p:nvSpPr>
+        <p:spPr/>
+        <p:txBody>
+          <a:bodyPr/>
+          <a:lstStyle/>
+          <a:p>
+            <a:pPr rtl="0"/>
+            <a:r>
+              <a:rPr lang="en-US" noProof="0"/>
+              <a:t>M. T. Pandi - R for Bioinformatics</a:t>
+            </a:r>
+            <a:endParaRPr lang="el-GR" noProof="0" dirty="0"/>
+          </a:p>
+        </p:txBody>
+      </p:sp>
+      <p:sp>
+        <p:nvSpPr>
+          <p:cNvPr id="5" name="Θέση ημερομηνίας 4">
+            <a:extLst>
+              <a:ext uri="{FF2B5EF4-FFF2-40B4-BE49-F238E27FC236}">
+                <a16:creationId xmlns:a16="http://schemas.microsoft.com/office/drawing/2014/main" id="{73A295C4-9649-4E41-92D6-4CA2504ACE7A}"/>
+              </a:ext>
+            </a:extLst>
+          </p:cNvPr>
+          <p:cNvSpPr>
+            <a:spLocks noGrp="1"/>
+          </p:cNvSpPr>
+          <p:nvPr>
+            <p:ph type="dt" sz="half" idx="10"/>
+          </p:nvPr>
+        </p:nvSpPr>
+        <p:spPr/>
+        <p:txBody>
+          <a:bodyPr/>
+          <a:lstStyle/>
+          <a:p>
+            <a:pPr rtl="0"/>
+            <a:fld id="{68DFA0CC-4BC0-449C-9F9C-25350BDD11F9}" type="datetime1">
+              <a:rPr lang="el-GR" noProof="0" smtClean="0"/>
+              <a:t>27/9/2020</a:t>
+            </a:fld>
+            <a:endParaRPr lang="el-GR" noProof="0" dirty="0"/>
+          </a:p>
+        </p:txBody>
+      </p:sp>
+      <p:sp>
+        <p:nvSpPr>
+          <p:cNvPr id="6" name="Θέση αριθμού διαφάνειας 5">
+            <a:extLst>
+              <a:ext uri="{FF2B5EF4-FFF2-40B4-BE49-F238E27FC236}">
+                <a16:creationId xmlns:a16="http://schemas.microsoft.com/office/drawing/2014/main" id="{1018DAE6-698D-4ADE-AEBE-494936E2B01A}"/>
+              </a:ext>
+            </a:extLst>
+          </p:cNvPr>
+          <p:cNvSpPr>
+            <a:spLocks noGrp="1"/>
+          </p:cNvSpPr>
+          <p:nvPr>
+            <p:ph type="sldNum" sz="quarter" idx="12"/>
+          </p:nvPr>
+        </p:nvSpPr>
+        <p:spPr/>
+        <p:txBody>
+          <a:bodyPr/>
+          <a:lstStyle/>
+          <a:p>
+            <a:pPr rtl="0"/>
+            <a:fld id="{E31375A4-56A4-47D6-9801-1991572033F7}" type="slidenum">
+              <a:rPr lang="el-GR" noProof="0" smtClean="0"/>
+              <a:t>11</a:t>
+            </a:fld>
+            <a:endParaRPr lang="el-GR" noProof="0" dirty="0"/>
+          </a:p>
+        </p:txBody>
+      </p:sp>
+    </p:spTree>
+    <p:extLst>
+      <p:ext uri="{BB962C8B-B14F-4D97-AF65-F5344CB8AC3E}">
+        <p14:creationId xmlns:p14="http://schemas.microsoft.com/office/powerpoint/2010/main" val="544698956"/>
+      </p:ext>
+    </p:extLst>
+  </p:cSld>
+  <p:clrMapOvr>
+    <a:masterClrMapping/>
+  </p:clrMapOvr>
+  <mc:AlternateContent xmlns:mc="http://schemas.openxmlformats.org/markup-compatibility/2006" xmlns:p14="http://schemas.microsoft.com/office/powerpoint/2010/main">
+    <mc:Choice Requires="p14">
+      <p:transition spd="med" p14:dur="700">
+        <p:fade/>
+      </p:transition>
+    </mc:Choice>
+    <mc:Fallback xmlns="">
+      <p:transition spd="med">
+        <p:fade/>
+      </p:transition>
+    </mc:Fallback>
+  </mc:AlternateContent>
+</p:sld>
+</file>
+
+<file path=ppt/slides/slide12.xml><?xml version="1.0" encoding="utf-8"?>
+<p:sld xmlns:a="http://schemas.openxmlformats.org/drawingml/2006/main" xmlns:r="http://schemas.openxmlformats.org/officeDocument/2006/relationships" xmlns:p="http://schemas.openxmlformats.org/presentationml/2006/main">
+  <p:cSld>
+    <p:spTree>
+      <p:nvGrpSpPr>
+        <p:cNvPr id="1" name=""/>
+        <p:cNvGrpSpPr/>
+        <p:nvPr/>
+      </p:nvGrpSpPr>
+      <p:grpSpPr>
+        <a:xfrm>
+          <a:off x="0" y="0"/>
+          <a:ext cx="0" cy="0"/>
+          <a:chOff x="0" y="0"/>
+          <a:chExt cx="0" cy="0"/>
+        </a:xfrm>
+      </p:grpSpPr>
+      <p:sp>
+        <p:nvSpPr>
           <p:cNvPr id="6" name="Τίτλος 5">
             <a:extLst>
               <a:ext uri="{FF2B5EF4-FFF2-40B4-BE49-F238E27FC236}">
@@ -4525,7 +8891,7 @@
             <a:pPr rtl="0"/>
             <a:fld id="{9CABF4D1-3075-4C87-913A-548B5EE77168}" type="datetime1">
               <a:rPr lang="el-GR" noProof="0" smtClean="0"/>
-              <a:t>15/9/2020</a:t>
+              <a:t>27/9/2020</a:t>
             </a:fld>
             <a:endParaRPr lang="el-GR" noProof="0" dirty="0"/>
           </a:p>
@@ -4555,7 +8921,7 @@
             <a:pPr rtl="0"/>
             <a:fld id="{E31375A4-56A4-47D6-9801-1991572033F7}" type="slidenum">
               <a:rPr lang="el-GR" noProof="0" smtClean="0"/>
-              <a:t>10</a:t>
+              <a:t>12</a:t>
             </a:fld>
             <a:endParaRPr lang="el-GR" noProof="0" dirty="0"/>
           </a:p>
@@ -4646,7 +9012,7 @@
 </p:sld>
 </file>
 
-<file path=ppt/slides/slide11.xml><?xml version="1.0" encoding="utf-8"?>
+<file path=ppt/slides/slide13.xml><?xml version="1.0" encoding="utf-8"?>
 <p:sld xmlns:a="http://schemas.openxmlformats.org/drawingml/2006/main" xmlns:r="http://schemas.openxmlformats.org/officeDocument/2006/relationships" xmlns:p="http://schemas.openxmlformats.org/presentationml/2006/main">
   <p:cSld>
     <p:spTree>
@@ -4906,7 +9272,7 @@
             <a:pPr rtl="0"/>
             <a:fld id="{5325465F-F778-4B80-A227-2391232C7488}" type="datetime1">
               <a:rPr lang="el-GR" noProof="0" smtClean="0"/>
-              <a:t>15/9/2020</a:t>
+              <a:t>27/9/2020</a:t>
             </a:fld>
             <a:endParaRPr lang="el-GR" noProof="0" dirty="0"/>
           </a:p>
@@ -4936,7 +9302,7 @@
             <a:pPr rtl="0"/>
             <a:fld id="{E31375A4-56A4-47D6-9801-1991572033F7}" type="slidenum">
               <a:rPr lang="el-GR" noProof="0" smtClean="0"/>
-              <a:t>11</a:t>
+              <a:t>13</a:t>
             </a:fld>
             <a:endParaRPr lang="el-GR" noProof="0" dirty="0"/>
           </a:p>
@@ -5027,7 +9393,7 @@
 </p:sld>
 </file>
 
-<file path=ppt/slides/slide12.xml><?xml version="1.0" encoding="utf-8"?>
+<file path=ppt/slides/slide14.xml><?xml version="1.0" encoding="utf-8"?>
 <p:sld xmlns:a="http://schemas.openxmlformats.org/drawingml/2006/main" xmlns:r="http://schemas.openxmlformats.org/officeDocument/2006/relationships" xmlns:p="http://schemas.openxmlformats.org/presentationml/2006/main">
   <p:cSld>
     <p:spTree>
@@ -5331,7 +9697,7 @@
                   <a:spcPts val="600"/>
                 </a:spcAft>
               </a:pPr>
-              <a:t>15/9/2020</a:t>
+              <a:t>27/9/2020</a:t>
             </a:fld>
             <a:endParaRPr lang="el-GR" sz="1000" noProof="0"/>
           </a:p>
@@ -5383,7 +9749,7 @@
                   <a:spcPts val="600"/>
                 </a:spcAft>
               </a:pPr>
-              <a:t>12</a:t>
+              <a:t>14</a:t>
             </a:fld>
             <a:endParaRPr lang="el-GR" sz="1000" noProof="0"/>
           </a:p>
@@ -5452,7 +9818,7 @@
 </p:sld>
 </file>
 
-<file path=ppt/slides/slide13.xml><?xml version="1.0" encoding="utf-8"?>
+<file path=ppt/slides/slide15.xml><?xml version="1.0" encoding="utf-8"?>
 <p:sld xmlns:a="http://schemas.openxmlformats.org/drawingml/2006/main" xmlns:r="http://schemas.openxmlformats.org/officeDocument/2006/relationships" xmlns:p="http://schemas.openxmlformats.org/presentationml/2006/main">
   <p:cSld>
     <p:spTree>
@@ -5785,7 +10151,7 @@
             <a:pPr rtl="0"/>
             <a:fld id="{1DC42961-FB22-4804-84B4-B5793B67C39A}" type="datetime1">
               <a:rPr lang="el-GR" noProof="0" smtClean="0"/>
-              <a:t>15/9/2020</a:t>
+              <a:t>27/9/2020</a:t>
             </a:fld>
             <a:endParaRPr lang="el-GR" noProof="0" dirty="0"/>
           </a:p>
@@ -5815,7 +10181,7 @@
             <a:pPr rtl="0"/>
             <a:fld id="{E31375A4-56A4-47D6-9801-1991572033F7}" type="slidenum">
               <a:rPr lang="el-GR" noProof="0" smtClean="0"/>
-              <a:t>13</a:t>
+              <a:t>15</a:t>
             </a:fld>
             <a:endParaRPr lang="el-GR" noProof="0" dirty="0"/>
           </a:p>
@@ -5876,7 +10242,7 @@
 </p:sld>
 </file>
 
-<file path=ppt/slides/slide14.xml><?xml version="1.0" encoding="utf-8"?>
+<file path=ppt/slides/slide16.xml><?xml version="1.0" encoding="utf-8"?>
 <p:sld xmlns:a="http://schemas.openxmlformats.org/drawingml/2006/main" xmlns:r="http://schemas.openxmlformats.org/officeDocument/2006/relationships" xmlns:p="http://schemas.openxmlformats.org/presentationml/2006/main">
   <p:cSld>
     <p:spTree>
@@ -6026,7 +10392,7 @@
             <a:pPr rtl="0"/>
             <a:fld id="{5325465F-F778-4B80-A227-2391232C7488}" type="datetime1">
               <a:rPr lang="el-GR" noProof="0" smtClean="0"/>
-              <a:t>15/9/2020</a:t>
+              <a:t>27/9/2020</a:t>
             </a:fld>
             <a:endParaRPr lang="el-GR" noProof="0" dirty="0"/>
           </a:p>
@@ -6056,7 +10422,7 @@
             <a:pPr rtl="0"/>
             <a:fld id="{E31375A4-56A4-47D6-9801-1991572033F7}" type="slidenum">
               <a:rPr lang="el-GR" noProof="0" smtClean="0"/>
-              <a:t>14</a:t>
+              <a:t>16</a:t>
             </a:fld>
             <a:endParaRPr lang="el-GR" noProof="0" dirty="0"/>
           </a:p>
@@ -6117,830 +10483,6 @@
 </p:sld>
 </file>
 
-<file path=ppt/slides/slide15.xml><?xml version="1.0" encoding="utf-8"?>
-<p:sld xmlns:a="http://schemas.openxmlformats.org/drawingml/2006/main" xmlns:r="http://schemas.openxmlformats.org/officeDocument/2006/relationships" xmlns:p="http://schemas.openxmlformats.org/presentationml/2006/main">
-  <p:cSld>
-    <p:spTree>
-      <p:nvGrpSpPr>
-        <p:cNvPr id="1" name=""/>
-        <p:cNvGrpSpPr/>
-        <p:nvPr/>
-      </p:nvGrpSpPr>
-      <p:grpSpPr>
-        <a:xfrm>
-          <a:off x="0" y="0"/>
-          <a:ext cx="0" cy="0"/>
-          <a:chOff x="0" y="0"/>
-          <a:chExt cx="0" cy="0"/>
-        </a:xfrm>
-      </p:grpSpPr>
-      <p:sp>
-        <p:nvSpPr>
-          <p:cNvPr id="2" name="Τίτλος 1">
-            <a:extLst>
-              <a:ext uri="{FF2B5EF4-FFF2-40B4-BE49-F238E27FC236}">
-                <a16:creationId xmlns:a16="http://schemas.microsoft.com/office/drawing/2014/main" id="{6839FADA-2286-4C4B-9DF4-70796EAE7E6F}"/>
-              </a:ext>
-            </a:extLst>
-          </p:cNvPr>
-          <p:cNvSpPr>
-            <a:spLocks noGrp="1"/>
-          </p:cNvSpPr>
-          <p:nvPr>
-            <p:ph type="title"/>
-          </p:nvPr>
-        </p:nvSpPr>
-        <p:spPr/>
-        <p:txBody>
-          <a:bodyPr/>
-          <a:lstStyle/>
-          <a:p>
-            <a:r>
-              <a:rPr lang="en-US" dirty="0"/>
-              <a:t>Basic plotting in R – plot() options</a:t>
-            </a:r>
-            <a:endParaRPr lang="el-GR" dirty="0"/>
-          </a:p>
-        </p:txBody>
-      </p:sp>
-      <p:sp>
-        <p:nvSpPr>
-          <p:cNvPr id="3" name="Θέση περιεχομένου 2">
-            <a:extLst>
-              <a:ext uri="{FF2B5EF4-FFF2-40B4-BE49-F238E27FC236}">
-                <a16:creationId xmlns:a16="http://schemas.microsoft.com/office/drawing/2014/main" id="{79844D4C-230B-46BB-9B0D-1C7F2F2B4300}"/>
-              </a:ext>
-            </a:extLst>
-          </p:cNvPr>
-          <p:cNvSpPr>
-            <a:spLocks noGrp="1"/>
-          </p:cNvSpPr>
-          <p:nvPr>
-            <p:ph idx="1"/>
-          </p:nvPr>
-        </p:nvSpPr>
-        <p:spPr/>
-        <p:txBody>
-          <a:bodyPr>
-            <a:normAutofit/>
-          </a:bodyPr>
-          <a:lstStyle/>
-          <a:p>
-            <a:pPr marL="0" indent="0" algn="ctr">
-              <a:buNone/>
-            </a:pPr>
-            <a:r>
-              <a:rPr lang="en-US" dirty="0">
-                <a:solidFill>
-                  <a:schemeClr val="accent4">
-                    <a:lumMod val="75000"/>
-                  </a:schemeClr>
-                </a:solidFill>
-              </a:rPr>
-              <a:t>plot(x, y, …)</a:t>
-            </a:r>
-            <a:endParaRPr lang="el-GR" dirty="0">
-              <a:solidFill>
-                <a:schemeClr val="accent4">
-                  <a:lumMod val="75000"/>
-                </a:schemeClr>
-              </a:solidFill>
-            </a:endParaRPr>
-          </a:p>
-          <a:p>
-            <a:r>
-              <a:rPr lang="en-US" dirty="0"/>
-              <a:t>type :    p (points) | l (lines) | b (both) | o (</a:t>
-            </a:r>
-            <a:r>
-              <a:rPr lang="en-US" dirty="0" err="1"/>
-              <a:t>overplotted</a:t>
-            </a:r>
-            <a:r>
-              <a:rPr lang="en-US" dirty="0"/>
-              <a:t>) | c (only the lines of b) | h (histogram-like  vertical lines) | s (stair steps) | S (other steps) | n (no plotting)</a:t>
-            </a:r>
-          </a:p>
-          <a:p>
-            <a:r>
-              <a:rPr lang="en-US" dirty="0"/>
-              <a:t>main</a:t>
-            </a:r>
-          </a:p>
-          <a:p>
-            <a:r>
-              <a:rPr lang="en-US" dirty="0"/>
-              <a:t>sub : sub-title</a:t>
-            </a:r>
-          </a:p>
-          <a:p>
-            <a:r>
-              <a:rPr lang="en-US" dirty="0" err="1"/>
-              <a:t>xlab</a:t>
-            </a:r>
-            <a:endParaRPr lang="en-US" dirty="0"/>
-          </a:p>
-          <a:p>
-            <a:r>
-              <a:rPr lang="en-US" dirty="0" err="1"/>
-              <a:t>ylab</a:t>
-            </a:r>
-            <a:endParaRPr lang="en-US" dirty="0"/>
-          </a:p>
-          <a:p>
-            <a:r>
-              <a:rPr lang="en-US" dirty="0"/>
-              <a:t>asp : y/x aspect ratio (plot window)</a:t>
-            </a:r>
-          </a:p>
-          <a:p>
-            <a:r>
-              <a:rPr lang="en-US" dirty="0"/>
-              <a:t>Other graphical parameters </a:t>
-            </a:r>
-            <a:endParaRPr lang="el-GR" dirty="0"/>
-          </a:p>
-        </p:txBody>
-      </p:sp>
-      <p:sp>
-        <p:nvSpPr>
-          <p:cNvPr id="4" name="Θέση υποσέλιδου 3">
-            <a:extLst>
-              <a:ext uri="{FF2B5EF4-FFF2-40B4-BE49-F238E27FC236}">
-                <a16:creationId xmlns:a16="http://schemas.microsoft.com/office/drawing/2014/main" id="{988ED5B5-009B-4167-B095-DAB8DA688C68}"/>
-              </a:ext>
-            </a:extLst>
-          </p:cNvPr>
-          <p:cNvSpPr>
-            <a:spLocks noGrp="1"/>
-          </p:cNvSpPr>
-          <p:nvPr>
-            <p:ph type="ftr" sz="quarter" idx="11"/>
-          </p:nvPr>
-        </p:nvSpPr>
-        <p:spPr/>
-        <p:txBody>
-          <a:bodyPr/>
-          <a:lstStyle/>
-          <a:p>
-            <a:pPr rtl="0"/>
-            <a:r>
-              <a:rPr lang="en-US" noProof="0"/>
-              <a:t>M. T. Pandi - R for Bioinformatics</a:t>
-            </a:r>
-            <a:endParaRPr lang="el-GR" noProof="0" dirty="0"/>
-          </a:p>
-        </p:txBody>
-      </p:sp>
-      <p:sp>
-        <p:nvSpPr>
-          <p:cNvPr id="5" name="Θέση ημερομηνίας 4">
-            <a:extLst>
-              <a:ext uri="{FF2B5EF4-FFF2-40B4-BE49-F238E27FC236}">
-                <a16:creationId xmlns:a16="http://schemas.microsoft.com/office/drawing/2014/main" id="{6E3E2E38-3FC0-4F0C-8381-CDED271F96D6}"/>
-              </a:ext>
-            </a:extLst>
-          </p:cNvPr>
-          <p:cNvSpPr>
-            <a:spLocks noGrp="1"/>
-          </p:cNvSpPr>
-          <p:nvPr>
-            <p:ph type="dt" sz="half" idx="10"/>
-          </p:nvPr>
-        </p:nvSpPr>
-        <p:spPr/>
-        <p:txBody>
-          <a:bodyPr/>
-          <a:lstStyle/>
-          <a:p>
-            <a:pPr rtl="0"/>
-            <a:fld id="{5325465F-F778-4B80-A227-2391232C7488}" type="datetime1">
-              <a:rPr lang="el-GR" noProof="0" smtClean="0"/>
-              <a:t>15/9/2020</a:t>
-            </a:fld>
-            <a:endParaRPr lang="el-GR" noProof="0" dirty="0"/>
-          </a:p>
-        </p:txBody>
-      </p:sp>
-      <p:sp>
-        <p:nvSpPr>
-          <p:cNvPr id="6" name="Θέση αριθμού διαφάνειας 5">
-            <a:extLst>
-              <a:ext uri="{FF2B5EF4-FFF2-40B4-BE49-F238E27FC236}">
-                <a16:creationId xmlns:a16="http://schemas.microsoft.com/office/drawing/2014/main" id="{789A6A46-C697-4B3C-B397-734D04C38D1C}"/>
-              </a:ext>
-            </a:extLst>
-          </p:cNvPr>
-          <p:cNvSpPr>
-            <a:spLocks noGrp="1"/>
-          </p:cNvSpPr>
-          <p:nvPr>
-            <p:ph type="sldNum" sz="quarter" idx="12"/>
-          </p:nvPr>
-        </p:nvSpPr>
-        <p:spPr/>
-        <p:txBody>
-          <a:bodyPr/>
-          <a:lstStyle/>
-          <a:p>
-            <a:pPr rtl="0"/>
-            <a:fld id="{E31375A4-56A4-47D6-9801-1991572033F7}" type="slidenum">
-              <a:rPr lang="el-GR" noProof="0" smtClean="0"/>
-              <a:t>15</a:t>
-            </a:fld>
-            <a:endParaRPr lang="el-GR" noProof="0" dirty="0"/>
-          </a:p>
-        </p:txBody>
-      </p:sp>
-    </p:spTree>
-    <p:extLst>
-      <p:ext uri="{BB962C8B-B14F-4D97-AF65-F5344CB8AC3E}">
-        <p14:creationId xmlns:p14="http://schemas.microsoft.com/office/powerpoint/2010/main" val="435394234"/>
-      </p:ext>
-    </p:extLst>
-  </p:cSld>
-  <p:clrMapOvr>
-    <a:masterClrMapping/>
-  </p:clrMapOvr>
-  <mc:AlternateContent xmlns:mc="http://schemas.openxmlformats.org/markup-compatibility/2006" xmlns:p14="http://schemas.microsoft.com/office/powerpoint/2010/main">
-    <mc:Choice Requires="p14">
-      <p:transition spd="med" p14:dur="700">
-        <p:fade/>
-      </p:transition>
-    </mc:Choice>
-    <mc:Fallback xmlns="">
-      <p:transition spd="med">
-        <p:fade/>
-      </p:transition>
-    </mc:Fallback>
-  </mc:AlternateContent>
-</p:sld>
-</file>
-
-<file path=ppt/slides/slide16.xml><?xml version="1.0" encoding="utf-8"?>
-<p:sld xmlns:a="http://schemas.openxmlformats.org/drawingml/2006/main" xmlns:r="http://schemas.openxmlformats.org/officeDocument/2006/relationships" xmlns:p="http://schemas.openxmlformats.org/presentationml/2006/main">
-  <p:cSld>
-    <p:spTree>
-      <p:nvGrpSpPr>
-        <p:cNvPr id="1" name=""/>
-        <p:cNvGrpSpPr/>
-        <p:nvPr/>
-      </p:nvGrpSpPr>
-      <p:grpSpPr>
-        <a:xfrm>
-          <a:off x="0" y="0"/>
-          <a:ext cx="0" cy="0"/>
-          <a:chOff x="0" y="0"/>
-          <a:chExt cx="0" cy="0"/>
-        </a:xfrm>
-      </p:grpSpPr>
-      <p:sp>
-        <p:nvSpPr>
-          <p:cNvPr id="2" name="Τίτλος 1">
-            <a:extLst>
-              <a:ext uri="{FF2B5EF4-FFF2-40B4-BE49-F238E27FC236}">
-                <a16:creationId xmlns:a16="http://schemas.microsoft.com/office/drawing/2014/main" id="{14E1DC35-A33C-4689-88E2-29352B7D6862}"/>
-              </a:ext>
-            </a:extLst>
-          </p:cNvPr>
-          <p:cNvSpPr>
-            <a:spLocks noGrp="1"/>
-          </p:cNvSpPr>
-          <p:nvPr>
-            <p:ph type="title"/>
-          </p:nvPr>
-        </p:nvSpPr>
-        <p:spPr>
-          <a:xfrm>
-            <a:off x="1295400" y="305435"/>
-            <a:ext cx="9601200" cy="751205"/>
-          </a:xfrm>
-        </p:spPr>
-        <p:txBody>
-          <a:bodyPr/>
-          <a:lstStyle/>
-          <a:p>
-            <a:r>
-              <a:rPr lang="en-US" dirty="0"/>
-              <a:t>Graphical parameters</a:t>
-            </a:r>
-            <a:endParaRPr lang="el-GR" dirty="0"/>
-          </a:p>
-        </p:txBody>
-      </p:sp>
-      <p:sp>
-        <p:nvSpPr>
-          <p:cNvPr id="3" name="Θέση περιεχομένου 2">
-            <a:extLst>
-              <a:ext uri="{FF2B5EF4-FFF2-40B4-BE49-F238E27FC236}">
-                <a16:creationId xmlns:a16="http://schemas.microsoft.com/office/drawing/2014/main" id="{02618168-7EAB-4C53-BA23-8751BCF5A2CA}"/>
-              </a:ext>
-            </a:extLst>
-          </p:cNvPr>
-          <p:cNvSpPr>
-            <a:spLocks noGrp="1"/>
-          </p:cNvSpPr>
-          <p:nvPr>
-            <p:ph idx="1"/>
-          </p:nvPr>
-        </p:nvSpPr>
-        <p:spPr>
-          <a:xfrm>
-            <a:off x="1295400" y="1546984"/>
-            <a:ext cx="9601200" cy="4348163"/>
-          </a:xfrm>
-        </p:spPr>
-        <p:txBody>
-          <a:bodyPr>
-            <a:normAutofit lnSpcReduction="10000"/>
-          </a:bodyPr>
-          <a:lstStyle/>
-          <a:p>
-            <a:r>
-              <a:rPr lang="en-US" dirty="0"/>
-              <a:t>We</a:t>
-            </a:r>
-            <a:r>
-              <a:rPr lang="en-US" dirty="0">
-                <a:solidFill>
-                  <a:schemeClr val="accent4">
-                    <a:lumMod val="75000"/>
-                  </a:schemeClr>
-                </a:solidFill>
-              </a:rPr>
-              <a:t> </a:t>
-            </a:r>
-            <a:r>
-              <a:rPr lang="en-US" dirty="0"/>
-              <a:t>can customize our graphs by changing various parameters either using the function </a:t>
-            </a:r>
-            <a:r>
-              <a:rPr lang="en-US" dirty="0">
-                <a:solidFill>
-                  <a:schemeClr val="accent4">
-                    <a:lumMod val="75000"/>
-                  </a:schemeClr>
-                </a:solidFill>
-              </a:rPr>
-              <a:t>par(</a:t>
-            </a:r>
-            <a:r>
-              <a:rPr lang="en-US" dirty="0" err="1">
-                <a:solidFill>
-                  <a:schemeClr val="accent4">
-                    <a:lumMod val="75000"/>
-                  </a:schemeClr>
-                </a:solidFill>
-              </a:rPr>
-              <a:t>option_name</a:t>
-            </a:r>
-            <a:r>
-              <a:rPr lang="en-US" dirty="0">
-                <a:solidFill>
-                  <a:schemeClr val="accent4">
-                    <a:lumMod val="75000"/>
-                  </a:schemeClr>
-                </a:solidFill>
-              </a:rPr>
-              <a:t> = </a:t>
-            </a:r>
-            <a:r>
-              <a:rPr lang="en-US" dirty="0" err="1">
-                <a:solidFill>
-                  <a:schemeClr val="accent4">
-                    <a:lumMod val="75000"/>
-                  </a:schemeClr>
-                </a:solidFill>
-              </a:rPr>
-              <a:t>option_value</a:t>
-            </a:r>
-            <a:r>
-              <a:rPr lang="en-US" dirty="0">
-                <a:solidFill>
-                  <a:schemeClr val="accent4">
-                    <a:lumMod val="75000"/>
-                  </a:schemeClr>
-                </a:solidFill>
-              </a:rPr>
-              <a:t>)</a:t>
-            </a:r>
-            <a:r>
-              <a:rPr lang="en-US" dirty="0"/>
-              <a:t>, or by passing those options as arguments in high level plotting functions (</a:t>
-            </a:r>
-            <a:r>
-              <a:rPr lang="en-US" dirty="0" err="1">
-                <a:solidFill>
-                  <a:schemeClr val="accent4">
-                    <a:lumMod val="75000"/>
-                  </a:schemeClr>
-                </a:solidFill>
-              </a:rPr>
-              <a:t>plot.default</a:t>
-            </a:r>
-            <a:r>
-              <a:rPr lang="en-US" dirty="0">
-                <a:solidFill>
-                  <a:schemeClr val="accent4">
-                    <a:lumMod val="75000"/>
-                  </a:schemeClr>
-                </a:solidFill>
-              </a:rPr>
-              <a:t>, </a:t>
-            </a:r>
-            <a:r>
-              <a:rPr lang="en-US" dirty="0" err="1">
-                <a:solidFill>
-                  <a:schemeClr val="accent4">
-                    <a:lumMod val="75000"/>
-                  </a:schemeClr>
-                </a:solidFill>
-              </a:rPr>
-              <a:t>plot.window</a:t>
-            </a:r>
-            <a:r>
-              <a:rPr lang="en-US" dirty="0">
-                <a:solidFill>
-                  <a:schemeClr val="accent4">
-                    <a:lumMod val="75000"/>
-                  </a:schemeClr>
-                </a:solidFill>
-              </a:rPr>
-              <a:t>, points, lines, </a:t>
-            </a:r>
-            <a:r>
-              <a:rPr lang="en-US" dirty="0" err="1">
-                <a:solidFill>
-                  <a:schemeClr val="accent4">
-                    <a:lumMod val="75000"/>
-                  </a:schemeClr>
-                </a:solidFill>
-              </a:rPr>
-              <a:t>abline</a:t>
-            </a:r>
-            <a:r>
-              <a:rPr lang="en-US" dirty="0">
-                <a:solidFill>
-                  <a:schemeClr val="accent4">
-                    <a:lumMod val="75000"/>
-                  </a:schemeClr>
-                </a:solidFill>
-              </a:rPr>
-              <a:t>, axis, title, text, </a:t>
-            </a:r>
-            <a:r>
-              <a:rPr lang="en-US" dirty="0" err="1">
-                <a:solidFill>
-                  <a:schemeClr val="accent4">
-                    <a:lumMod val="75000"/>
-                  </a:schemeClr>
-                </a:solidFill>
-              </a:rPr>
-              <a:t>mtext</a:t>
-            </a:r>
-            <a:r>
-              <a:rPr lang="en-US" dirty="0">
-                <a:solidFill>
-                  <a:schemeClr val="accent4">
-                    <a:lumMod val="75000"/>
-                  </a:schemeClr>
-                </a:solidFill>
-              </a:rPr>
-              <a:t>, segments, symbols, arrows, polygon, </a:t>
-            </a:r>
-            <a:r>
-              <a:rPr lang="en-US" dirty="0" err="1">
-                <a:solidFill>
-                  <a:schemeClr val="accent4">
-                    <a:lumMod val="75000"/>
-                  </a:schemeClr>
-                </a:solidFill>
-              </a:rPr>
-              <a:t>rect</a:t>
-            </a:r>
-            <a:r>
-              <a:rPr lang="en-US" dirty="0">
-                <a:solidFill>
-                  <a:schemeClr val="accent4">
-                    <a:lumMod val="75000"/>
-                  </a:schemeClr>
-                </a:solidFill>
-              </a:rPr>
-              <a:t>, box, contour, </a:t>
-            </a:r>
-            <a:r>
-              <a:rPr lang="en-US" dirty="0" err="1">
-                <a:solidFill>
-                  <a:schemeClr val="accent4">
-                    <a:lumMod val="75000"/>
-                  </a:schemeClr>
-                </a:solidFill>
-              </a:rPr>
-              <a:t>filled.contour</a:t>
-            </a:r>
-            <a:r>
-              <a:rPr lang="en-US" dirty="0">
-                <a:solidFill>
-                  <a:schemeClr val="accent4">
-                    <a:lumMod val="75000"/>
-                  </a:schemeClr>
-                </a:solidFill>
-              </a:rPr>
-              <a:t> </a:t>
-            </a:r>
-            <a:r>
-              <a:rPr lang="en-US" dirty="0"/>
-              <a:t>and </a:t>
-            </a:r>
-            <a:r>
-              <a:rPr lang="en-US" dirty="0">
-                <a:solidFill>
-                  <a:schemeClr val="accent4">
-                    <a:lumMod val="75000"/>
-                  </a:schemeClr>
-                </a:solidFill>
-              </a:rPr>
-              <a:t>image</a:t>
-            </a:r>
-            <a:r>
-              <a:rPr lang="en-US" dirty="0"/>
-              <a:t>)</a:t>
-            </a:r>
-          </a:p>
-          <a:p>
-            <a:r>
-              <a:rPr lang="en-US" dirty="0"/>
-              <a:t>col : color  (also we have </a:t>
-            </a:r>
-            <a:r>
-              <a:rPr lang="en-US" dirty="0" err="1"/>
-              <a:t>col.axis</a:t>
-            </a:r>
-            <a:r>
-              <a:rPr lang="en-US" dirty="0"/>
-              <a:t>, </a:t>
-            </a:r>
-            <a:r>
-              <a:rPr lang="en-US" dirty="0" err="1"/>
-              <a:t>col.main</a:t>
-            </a:r>
-            <a:r>
-              <a:rPr lang="en-US" dirty="0"/>
-              <a:t>, </a:t>
-            </a:r>
-            <a:r>
-              <a:rPr lang="en-US" dirty="0" err="1"/>
-              <a:t>col.lab</a:t>
-            </a:r>
-            <a:r>
-              <a:rPr lang="en-US" dirty="0"/>
-              <a:t>, </a:t>
-            </a:r>
-            <a:r>
-              <a:rPr lang="en-US" dirty="0" err="1"/>
-              <a:t>col.sub</a:t>
-            </a:r>
-            <a:r>
-              <a:rPr lang="el-GR" dirty="0"/>
-              <a:t>)</a:t>
-            </a:r>
-            <a:r>
-              <a:rPr lang="en-US" dirty="0"/>
-              <a:t> – we can specify the colors we want to use by their name, their hex RGB code (#RRGGBB) or a color palette      </a:t>
-            </a:r>
-          </a:p>
-          <a:p>
-            <a:r>
-              <a:rPr lang="en-US" dirty="0"/>
-              <a:t>font : font of text used (also </a:t>
-            </a:r>
-            <a:r>
-              <a:rPr lang="en-US" dirty="0" err="1"/>
-              <a:t>font.main</a:t>
-            </a:r>
-            <a:r>
-              <a:rPr lang="en-US" dirty="0"/>
-              <a:t>, </a:t>
-            </a:r>
-            <a:r>
-              <a:rPr lang="en-US" dirty="0" err="1"/>
-              <a:t>font.sub</a:t>
-            </a:r>
-            <a:r>
-              <a:rPr lang="en-US" dirty="0"/>
-              <a:t>, </a:t>
-            </a:r>
-            <a:r>
-              <a:rPr lang="en-US" dirty="0" err="1"/>
-              <a:t>font.axis</a:t>
-            </a:r>
-            <a:r>
-              <a:rPr lang="en-US" dirty="0"/>
-              <a:t>, </a:t>
-            </a:r>
-            <a:r>
-              <a:rPr lang="en-US" dirty="0" err="1"/>
-              <a:t>font.lab</a:t>
-            </a:r>
-            <a:r>
-              <a:rPr lang="en-US" dirty="0"/>
-              <a:t>)</a:t>
-            </a:r>
-          </a:p>
-          <a:p>
-            <a:r>
-              <a:rPr lang="en-US" dirty="0" err="1"/>
-              <a:t>lty</a:t>
-            </a:r>
-            <a:r>
-              <a:rPr lang="en-US" dirty="0"/>
-              <a:t> : line type – a number (0=blank, 1=solid (default), 2=dashed, 3=dotted, 4=</a:t>
-            </a:r>
-            <a:r>
-              <a:rPr lang="en-US" dirty="0" err="1"/>
-              <a:t>dotdash</a:t>
-            </a:r>
-            <a:r>
-              <a:rPr lang="en-US" dirty="0"/>
-              <a:t>, 5=</a:t>
-            </a:r>
-            <a:r>
-              <a:rPr lang="en-US" dirty="0" err="1"/>
-              <a:t>longdash</a:t>
-            </a:r>
-            <a:r>
-              <a:rPr lang="en-US" dirty="0"/>
-              <a:t>, 6=</a:t>
-            </a:r>
-            <a:r>
-              <a:rPr lang="en-US" dirty="0" err="1"/>
-              <a:t>twodash</a:t>
-            </a:r>
-            <a:r>
-              <a:rPr lang="en-US" dirty="0"/>
-              <a:t>) or a character ("blank", "solid", "dashed", "dotted", "</a:t>
-            </a:r>
-            <a:r>
-              <a:rPr lang="en-US" dirty="0" err="1"/>
-              <a:t>dotdash</a:t>
-            </a:r>
-            <a:r>
-              <a:rPr lang="en-US" dirty="0"/>
-              <a:t>", "</a:t>
-            </a:r>
-            <a:r>
-              <a:rPr lang="en-US" dirty="0" err="1"/>
-              <a:t>longdash</a:t>
-            </a:r>
-            <a:r>
-              <a:rPr lang="en-US" dirty="0"/>
-              <a:t>", or "</a:t>
-            </a:r>
-            <a:r>
-              <a:rPr lang="en-US" dirty="0" err="1"/>
-              <a:t>twodash</a:t>
-            </a:r>
-            <a:r>
-              <a:rPr lang="en-US" dirty="0"/>
-              <a:t>")</a:t>
-            </a:r>
-          </a:p>
-          <a:p>
-            <a:r>
-              <a:rPr lang="en-US" dirty="0" err="1"/>
-              <a:t>lwf</a:t>
-            </a:r>
-            <a:r>
-              <a:rPr lang="en-US" dirty="0"/>
-              <a:t>  : line width (default:1)</a:t>
-            </a:r>
-          </a:p>
-          <a:p>
-            <a:pPr marL="0" indent="0">
-              <a:buNone/>
-            </a:pPr>
-            <a:endParaRPr lang="el-GR" dirty="0"/>
-          </a:p>
-          <a:p>
-            <a:endParaRPr lang="el-GR" dirty="0"/>
-          </a:p>
-        </p:txBody>
-      </p:sp>
-      <p:sp>
-        <p:nvSpPr>
-          <p:cNvPr id="4" name="Θέση υποσέλιδου 3">
-            <a:extLst>
-              <a:ext uri="{FF2B5EF4-FFF2-40B4-BE49-F238E27FC236}">
-                <a16:creationId xmlns:a16="http://schemas.microsoft.com/office/drawing/2014/main" id="{79C3C9C8-54D6-4F91-B1E4-03383613EA1D}"/>
-              </a:ext>
-            </a:extLst>
-          </p:cNvPr>
-          <p:cNvSpPr>
-            <a:spLocks noGrp="1"/>
-          </p:cNvSpPr>
-          <p:nvPr>
-            <p:ph type="ftr" sz="quarter" idx="11"/>
-          </p:nvPr>
-        </p:nvSpPr>
-        <p:spPr/>
-        <p:txBody>
-          <a:bodyPr/>
-          <a:lstStyle/>
-          <a:p>
-            <a:pPr rtl="0"/>
-            <a:r>
-              <a:rPr lang="en-US" noProof="0"/>
-              <a:t>M. T. Pandi - R for Bioinformatics</a:t>
-            </a:r>
-            <a:endParaRPr lang="el-GR" noProof="0" dirty="0"/>
-          </a:p>
-        </p:txBody>
-      </p:sp>
-      <p:sp>
-        <p:nvSpPr>
-          <p:cNvPr id="5" name="Θέση ημερομηνίας 4">
-            <a:extLst>
-              <a:ext uri="{FF2B5EF4-FFF2-40B4-BE49-F238E27FC236}">
-                <a16:creationId xmlns:a16="http://schemas.microsoft.com/office/drawing/2014/main" id="{4E0B27A6-08F3-4C8A-A20C-2216B6D80142}"/>
-              </a:ext>
-            </a:extLst>
-          </p:cNvPr>
-          <p:cNvSpPr>
-            <a:spLocks noGrp="1"/>
-          </p:cNvSpPr>
-          <p:nvPr>
-            <p:ph type="dt" sz="half" idx="10"/>
-          </p:nvPr>
-        </p:nvSpPr>
-        <p:spPr/>
-        <p:txBody>
-          <a:bodyPr/>
-          <a:lstStyle/>
-          <a:p>
-            <a:pPr rtl="0"/>
-            <a:fld id="{5325465F-F778-4B80-A227-2391232C7488}" type="datetime1">
-              <a:rPr lang="el-GR" noProof="0" smtClean="0"/>
-              <a:t>15/9/2020</a:t>
-            </a:fld>
-            <a:endParaRPr lang="el-GR" noProof="0" dirty="0"/>
-          </a:p>
-        </p:txBody>
-      </p:sp>
-      <p:sp>
-        <p:nvSpPr>
-          <p:cNvPr id="6" name="Θέση αριθμού διαφάνειας 5">
-            <a:extLst>
-              <a:ext uri="{FF2B5EF4-FFF2-40B4-BE49-F238E27FC236}">
-                <a16:creationId xmlns:a16="http://schemas.microsoft.com/office/drawing/2014/main" id="{76C9479E-6120-4850-A70F-1E04CE0C4B83}"/>
-              </a:ext>
-            </a:extLst>
-          </p:cNvPr>
-          <p:cNvSpPr>
-            <a:spLocks noGrp="1"/>
-          </p:cNvSpPr>
-          <p:nvPr>
-            <p:ph type="sldNum" sz="quarter" idx="12"/>
-          </p:nvPr>
-        </p:nvSpPr>
-        <p:spPr/>
-        <p:txBody>
-          <a:bodyPr/>
-          <a:lstStyle/>
-          <a:p>
-            <a:pPr rtl="0"/>
-            <a:fld id="{E31375A4-56A4-47D6-9801-1991572033F7}" type="slidenum">
-              <a:rPr lang="el-GR" noProof="0" smtClean="0"/>
-              <a:t>16</a:t>
-            </a:fld>
-            <a:endParaRPr lang="el-GR" noProof="0" dirty="0"/>
-          </a:p>
-        </p:txBody>
-      </p:sp>
-    </p:spTree>
-    <p:extLst>
-      <p:ext uri="{BB962C8B-B14F-4D97-AF65-F5344CB8AC3E}">
-        <p14:creationId xmlns:p14="http://schemas.microsoft.com/office/powerpoint/2010/main" val="3787164438"/>
-      </p:ext>
-    </p:extLst>
-  </p:cSld>
-  <p:clrMapOvr>
-    <a:masterClrMapping/>
-  </p:clrMapOvr>
-  <mc:AlternateContent xmlns:mc="http://schemas.openxmlformats.org/markup-compatibility/2006" xmlns:p14="http://schemas.microsoft.com/office/powerpoint/2010/main">
-    <mc:Choice Requires="p14">
-      <p:transition spd="med" p14:dur="700">
-        <p:fade/>
-      </p:transition>
-    </mc:Choice>
-    <mc:Fallback xmlns="">
-      <p:transition spd="med">
-        <p:fade/>
-      </p:transition>
-    </mc:Fallback>
-  </mc:AlternateContent>
-</p:sld>
-</file>
-
 <file path=ppt/slides/slide17.xml><?xml version="1.0" encoding="utf-8"?>
 <p:sld xmlns:a="http://schemas.openxmlformats.org/drawingml/2006/main" xmlns:r="http://schemas.openxmlformats.org/officeDocument/2006/relationships" xmlns:p="http://schemas.openxmlformats.org/presentationml/2006/main">
   <p:cSld>
@@ -6963,7 +10505,7 @@
           <p:cNvPr id="2" name="Τίτλος 1">
             <a:extLst>
               <a:ext uri="{FF2B5EF4-FFF2-40B4-BE49-F238E27FC236}">
-                <a16:creationId xmlns:a16="http://schemas.microsoft.com/office/drawing/2014/main" id="{1F915826-B561-4013-8F36-899E79B8A3DA}"/>
+                <a16:creationId xmlns:a16="http://schemas.microsoft.com/office/drawing/2014/main" id="{6839FADA-2286-4C4B-9DF4-70796EAE7E6F}"/>
               </a:ext>
             </a:extLst>
           </p:cNvPr>
@@ -6974,19 +10516,14 @@
             <p:ph type="title"/>
           </p:nvPr>
         </p:nvSpPr>
-        <p:spPr>
-          <a:xfrm>
-            <a:off x="1295400" y="464457"/>
-            <a:ext cx="9601200" cy="662326"/>
-          </a:xfrm>
-        </p:spPr>
+        <p:spPr/>
         <p:txBody>
           <a:bodyPr/>
           <a:lstStyle/>
           <a:p>
             <a:r>
               <a:rPr lang="en-US" dirty="0"/>
-              <a:t>Customizing a graph</a:t>
+              <a:t>Basic plotting in R – plot() options</a:t>
             </a:r>
             <a:endParaRPr lang="el-GR" dirty="0"/>
           </a:p>
@@ -6997,7 +10534,7 @@
           <p:cNvPr id="3" name="Θέση περιεχομένου 2">
             <a:extLst>
               <a:ext uri="{FF2B5EF4-FFF2-40B4-BE49-F238E27FC236}">
-                <a16:creationId xmlns:a16="http://schemas.microsoft.com/office/drawing/2014/main" id="{B994114A-D22F-445D-B488-2379566454C9}"/>
+                <a16:creationId xmlns:a16="http://schemas.microsoft.com/office/drawing/2014/main" id="{79844D4C-230B-46BB-9B0D-1C7F2F2B4300}"/>
               </a:ext>
             </a:extLst>
           </p:cNvPr>
@@ -7008,99 +10545,85 @@
             <p:ph idx="1"/>
           </p:nvPr>
         </p:nvSpPr>
-        <p:spPr>
-          <a:xfrm>
-            <a:off x="1295400" y="1582056"/>
-            <a:ext cx="9601200" cy="4348163"/>
-          </a:xfrm>
-        </p:spPr>
-        <p:txBody>
-          <a:bodyPr/>
+        <p:spPr/>
+        <p:txBody>
+          <a:bodyPr>
+            <a:normAutofit/>
+          </a:bodyPr>
           <a:lstStyle/>
           <a:p>
+            <a:pPr marL="0" indent="0" algn="ctr">
+              <a:buNone/>
+            </a:pPr>
+            <a:r>
+              <a:rPr lang="en-US" dirty="0">
+                <a:solidFill>
+                  <a:schemeClr val="accent4">
+                    <a:lumMod val="75000"/>
+                  </a:schemeClr>
+                </a:solidFill>
+              </a:rPr>
+              <a:t>plot(x, y, …)</a:t>
+            </a:r>
+            <a:endParaRPr lang="el-GR" dirty="0">
+              <a:solidFill>
+                <a:schemeClr val="accent4">
+                  <a:lumMod val="75000"/>
+                </a:schemeClr>
+              </a:solidFill>
+            </a:endParaRPr>
+          </a:p>
+          <a:p>
             <a:r>
               <a:rPr lang="en-US" dirty="0"/>
-              <a:t>We can modify: </a:t>
-            </a:r>
-          </a:p>
-          <a:p>
-            <a:pPr lvl="1"/>
+              <a:t>type :    p (points) | l (lines) | b (both) | o (</a:t>
+            </a:r>
+            <a:r>
+              <a:rPr lang="en-US" dirty="0" err="1"/>
+              <a:t>overplotted</a:t>
+            </a:r>
             <a:r>
               <a:rPr lang="en-US" dirty="0"/>
-              <a:t>Titles</a:t>
-            </a:r>
-          </a:p>
-          <a:p>
-            <a:pPr lvl="1"/>
+              <a:t>) | c (only the lines of b) | h (histogram-like  vertical lines) | s (stair steps) | S (other steps) | n (no plotting)</a:t>
+            </a:r>
+          </a:p>
+          <a:p>
             <a:r>
               <a:rPr lang="en-US" dirty="0"/>
-              <a:t>Legends</a:t>
-            </a:r>
-          </a:p>
-          <a:p>
-            <a:pPr lvl="1"/>
+              <a:t>main</a:t>
+            </a:r>
+          </a:p>
+          <a:p>
             <a:r>
               <a:rPr lang="en-US" dirty="0"/>
-              <a:t>Texts </a:t>
-            </a:r>
-          </a:p>
-          <a:p>
-            <a:pPr lvl="1"/>
+              <a:t>sub : sub-title</a:t>
+            </a:r>
+          </a:p>
+          <a:p>
+            <a:r>
+              <a:rPr lang="en-US" dirty="0" err="1"/>
+              <a:t>xlab</a:t>
+            </a:r>
+            <a:endParaRPr lang="en-US" dirty="0"/>
+          </a:p>
+          <a:p>
+            <a:r>
+              <a:rPr lang="en-US" dirty="0" err="1"/>
+              <a:t>ylab</a:t>
+            </a:r>
+            <a:endParaRPr lang="en-US" dirty="0"/>
+          </a:p>
+          <a:p>
             <a:r>
               <a:rPr lang="en-US" dirty="0"/>
-              <a:t>Lines</a:t>
-            </a:r>
-          </a:p>
-          <a:p>
-            <a:pPr lvl="1"/>
+              <a:t>asp : y/x aspect ratio (plot window)</a:t>
+            </a:r>
+          </a:p>
+          <a:p>
             <a:r>
               <a:rPr lang="en-US" dirty="0"/>
-              <a:t>Axes</a:t>
-            </a:r>
-          </a:p>
-          <a:p>
-            <a:pPr lvl="1"/>
-            <a:r>
-              <a:rPr lang="en-US" dirty="0"/>
-              <a:t>Tick marks</a:t>
-            </a:r>
-          </a:p>
-          <a:p>
-            <a:pPr lvl="1"/>
-            <a:r>
-              <a:rPr lang="en-US" dirty="0"/>
-              <a:t>Plotting symbols</a:t>
-            </a:r>
-          </a:p>
-          <a:p>
-            <a:pPr lvl="1"/>
-            <a:r>
-              <a:rPr lang="en-US" dirty="0"/>
-              <a:t>Line types</a:t>
-            </a:r>
-          </a:p>
-          <a:p>
-            <a:r>
-              <a:rPr lang="en-US" dirty="0"/>
-              <a:t>The scope of these slides is merely an intro, so go ahead and check this amazing article out : </a:t>
-            </a:r>
-            <a:r>
-              <a:rPr lang="en-US" dirty="0">
-                <a:hlinkClick r:id="rId2"/>
-              </a:rPr>
-              <a:t>http://www.sthda.com/english/wiki/graphical-parameters</a:t>
-            </a:r>
-            <a:r>
-              <a:rPr lang="en-US" dirty="0"/>
-              <a:t> </a:t>
-            </a:r>
-            <a:endParaRPr lang="el-GR" dirty="0"/>
-          </a:p>
-          <a:p>
-            <a:endParaRPr lang="en-US" dirty="0"/>
-          </a:p>
-          <a:p>
-            <a:pPr lvl="1"/>
+              <a:t>Other graphical parameters </a:t>
+            </a:r>
             <a:endParaRPr lang="el-GR" dirty="0"/>
           </a:p>
         </p:txBody>
@@ -7110,7 +10633,7 @@
           <p:cNvPr id="4" name="Θέση υποσέλιδου 3">
             <a:extLst>
               <a:ext uri="{FF2B5EF4-FFF2-40B4-BE49-F238E27FC236}">
-                <a16:creationId xmlns:a16="http://schemas.microsoft.com/office/drawing/2014/main" id="{669936D8-C14C-4CDA-A1AF-C8A9CC14F19A}"/>
+                <a16:creationId xmlns:a16="http://schemas.microsoft.com/office/drawing/2014/main" id="{988ED5B5-009B-4167-B095-DAB8DA688C68}"/>
               </a:ext>
             </a:extLst>
           </p:cNvPr>
@@ -7140,7 +10663,7 @@
           <p:cNvPr id="5" name="Θέση ημερομηνίας 4">
             <a:extLst>
               <a:ext uri="{FF2B5EF4-FFF2-40B4-BE49-F238E27FC236}">
-                <a16:creationId xmlns:a16="http://schemas.microsoft.com/office/drawing/2014/main" id="{B8508B44-D0A2-46E9-A5A8-958775E15CFF}"/>
+                <a16:creationId xmlns:a16="http://schemas.microsoft.com/office/drawing/2014/main" id="{6E3E2E38-3FC0-4F0C-8381-CDED271F96D6}"/>
               </a:ext>
             </a:extLst>
           </p:cNvPr>
@@ -7159,7 +10682,7 @@
             <a:pPr rtl="0"/>
             <a:fld id="{5325465F-F778-4B80-A227-2391232C7488}" type="datetime1">
               <a:rPr lang="el-GR" noProof="0" smtClean="0"/>
-              <a:t>15/9/2020</a:t>
+              <a:t>27/9/2020</a:t>
             </a:fld>
             <a:endParaRPr lang="el-GR" noProof="0" dirty="0"/>
           </a:p>
@@ -7170,7 +10693,7 @@
           <p:cNvPr id="6" name="Θέση αριθμού διαφάνειας 5">
             <a:extLst>
               <a:ext uri="{FF2B5EF4-FFF2-40B4-BE49-F238E27FC236}">
-                <a16:creationId xmlns:a16="http://schemas.microsoft.com/office/drawing/2014/main" id="{1605EC99-3B1B-4586-8BD2-1D1C7C665959}"/>
+                <a16:creationId xmlns:a16="http://schemas.microsoft.com/office/drawing/2014/main" id="{789A6A46-C697-4B3C-B397-734D04C38D1C}"/>
               </a:ext>
             </a:extLst>
           </p:cNvPr>
@@ -7198,7 +10721,7 @@
     </p:spTree>
     <p:extLst>
       <p:ext uri="{BB962C8B-B14F-4D97-AF65-F5344CB8AC3E}">
-        <p14:creationId xmlns:p14="http://schemas.microsoft.com/office/powerpoint/2010/main" val="3195785362"/>
+        <p14:creationId xmlns:p14="http://schemas.microsoft.com/office/powerpoint/2010/main" val="435394234"/>
       </p:ext>
     </p:extLst>
   </p:cSld>
@@ -7242,6 +10765,1419 @@
           <p:cNvPr id="2" name="Τίτλος 1">
             <a:extLst>
               <a:ext uri="{FF2B5EF4-FFF2-40B4-BE49-F238E27FC236}">
+                <a16:creationId xmlns:a16="http://schemas.microsoft.com/office/drawing/2014/main" id="{14E1DC35-A33C-4689-88E2-29352B7D6862}"/>
+              </a:ext>
+            </a:extLst>
+          </p:cNvPr>
+          <p:cNvSpPr>
+            <a:spLocks noGrp="1"/>
+          </p:cNvSpPr>
+          <p:nvPr>
+            <p:ph type="title"/>
+          </p:nvPr>
+        </p:nvSpPr>
+        <p:spPr>
+          <a:xfrm>
+            <a:off x="1295400" y="305435"/>
+            <a:ext cx="9601200" cy="751205"/>
+          </a:xfrm>
+        </p:spPr>
+        <p:txBody>
+          <a:bodyPr/>
+          <a:lstStyle/>
+          <a:p>
+            <a:r>
+              <a:rPr lang="en-US" dirty="0"/>
+              <a:t>Graphical parameters</a:t>
+            </a:r>
+            <a:endParaRPr lang="el-GR" dirty="0"/>
+          </a:p>
+        </p:txBody>
+      </p:sp>
+      <p:sp>
+        <p:nvSpPr>
+          <p:cNvPr id="3" name="Θέση περιεχομένου 2">
+            <a:extLst>
+              <a:ext uri="{FF2B5EF4-FFF2-40B4-BE49-F238E27FC236}">
+                <a16:creationId xmlns:a16="http://schemas.microsoft.com/office/drawing/2014/main" id="{02618168-7EAB-4C53-BA23-8751BCF5A2CA}"/>
+              </a:ext>
+            </a:extLst>
+          </p:cNvPr>
+          <p:cNvSpPr>
+            <a:spLocks noGrp="1"/>
+          </p:cNvSpPr>
+          <p:nvPr>
+            <p:ph idx="1"/>
+          </p:nvPr>
+        </p:nvSpPr>
+        <p:spPr>
+          <a:xfrm>
+            <a:off x="1295400" y="1546984"/>
+            <a:ext cx="9601200" cy="4348163"/>
+          </a:xfrm>
+        </p:spPr>
+        <p:txBody>
+          <a:bodyPr>
+            <a:normAutofit lnSpcReduction="10000"/>
+          </a:bodyPr>
+          <a:lstStyle/>
+          <a:p>
+            <a:r>
+              <a:rPr lang="en-US" dirty="0"/>
+              <a:t>We</a:t>
+            </a:r>
+            <a:r>
+              <a:rPr lang="en-US" dirty="0">
+                <a:solidFill>
+                  <a:schemeClr val="accent4">
+                    <a:lumMod val="75000"/>
+                  </a:schemeClr>
+                </a:solidFill>
+              </a:rPr>
+              <a:t> </a:t>
+            </a:r>
+            <a:r>
+              <a:rPr lang="en-US" dirty="0"/>
+              <a:t>can customize our graphs by changing various parameters either using the function </a:t>
+            </a:r>
+            <a:r>
+              <a:rPr lang="en-US" dirty="0">
+                <a:solidFill>
+                  <a:schemeClr val="accent4">
+                    <a:lumMod val="75000"/>
+                  </a:schemeClr>
+                </a:solidFill>
+              </a:rPr>
+              <a:t>par(</a:t>
+            </a:r>
+            <a:r>
+              <a:rPr lang="en-US" dirty="0" err="1">
+                <a:solidFill>
+                  <a:schemeClr val="accent4">
+                    <a:lumMod val="75000"/>
+                  </a:schemeClr>
+                </a:solidFill>
+              </a:rPr>
+              <a:t>option_name</a:t>
+            </a:r>
+            <a:r>
+              <a:rPr lang="en-US" dirty="0">
+                <a:solidFill>
+                  <a:schemeClr val="accent4">
+                    <a:lumMod val="75000"/>
+                  </a:schemeClr>
+                </a:solidFill>
+              </a:rPr>
+              <a:t> = </a:t>
+            </a:r>
+            <a:r>
+              <a:rPr lang="en-US" dirty="0" err="1">
+                <a:solidFill>
+                  <a:schemeClr val="accent4">
+                    <a:lumMod val="75000"/>
+                  </a:schemeClr>
+                </a:solidFill>
+              </a:rPr>
+              <a:t>option_value</a:t>
+            </a:r>
+            <a:r>
+              <a:rPr lang="en-US" dirty="0">
+                <a:solidFill>
+                  <a:schemeClr val="accent4">
+                    <a:lumMod val="75000"/>
+                  </a:schemeClr>
+                </a:solidFill>
+              </a:rPr>
+              <a:t>)</a:t>
+            </a:r>
+            <a:r>
+              <a:rPr lang="en-US" dirty="0"/>
+              <a:t>, or by passing those options as arguments in high level plotting functions (</a:t>
+            </a:r>
+            <a:r>
+              <a:rPr lang="en-US" dirty="0" err="1">
+                <a:solidFill>
+                  <a:schemeClr val="accent4">
+                    <a:lumMod val="75000"/>
+                  </a:schemeClr>
+                </a:solidFill>
+              </a:rPr>
+              <a:t>plot.default</a:t>
+            </a:r>
+            <a:r>
+              <a:rPr lang="en-US" dirty="0">
+                <a:solidFill>
+                  <a:schemeClr val="accent4">
+                    <a:lumMod val="75000"/>
+                  </a:schemeClr>
+                </a:solidFill>
+              </a:rPr>
+              <a:t>, </a:t>
+            </a:r>
+            <a:r>
+              <a:rPr lang="en-US" dirty="0" err="1">
+                <a:solidFill>
+                  <a:schemeClr val="accent4">
+                    <a:lumMod val="75000"/>
+                  </a:schemeClr>
+                </a:solidFill>
+              </a:rPr>
+              <a:t>plot.window</a:t>
+            </a:r>
+            <a:r>
+              <a:rPr lang="en-US" dirty="0">
+                <a:solidFill>
+                  <a:schemeClr val="accent4">
+                    <a:lumMod val="75000"/>
+                  </a:schemeClr>
+                </a:solidFill>
+              </a:rPr>
+              <a:t>, points, lines, </a:t>
+            </a:r>
+            <a:r>
+              <a:rPr lang="en-US" dirty="0" err="1">
+                <a:solidFill>
+                  <a:schemeClr val="accent4">
+                    <a:lumMod val="75000"/>
+                  </a:schemeClr>
+                </a:solidFill>
+              </a:rPr>
+              <a:t>abline</a:t>
+            </a:r>
+            <a:r>
+              <a:rPr lang="en-US" dirty="0">
+                <a:solidFill>
+                  <a:schemeClr val="accent4">
+                    <a:lumMod val="75000"/>
+                  </a:schemeClr>
+                </a:solidFill>
+              </a:rPr>
+              <a:t>, axis, title, text, </a:t>
+            </a:r>
+            <a:r>
+              <a:rPr lang="en-US" dirty="0" err="1">
+                <a:solidFill>
+                  <a:schemeClr val="accent4">
+                    <a:lumMod val="75000"/>
+                  </a:schemeClr>
+                </a:solidFill>
+              </a:rPr>
+              <a:t>mtext</a:t>
+            </a:r>
+            <a:r>
+              <a:rPr lang="en-US" dirty="0">
+                <a:solidFill>
+                  <a:schemeClr val="accent4">
+                    <a:lumMod val="75000"/>
+                  </a:schemeClr>
+                </a:solidFill>
+              </a:rPr>
+              <a:t>, segments, symbols, arrows, polygon, </a:t>
+            </a:r>
+            <a:r>
+              <a:rPr lang="en-US" dirty="0" err="1">
+                <a:solidFill>
+                  <a:schemeClr val="accent4">
+                    <a:lumMod val="75000"/>
+                  </a:schemeClr>
+                </a:solidFill>
+              </a:rPr>
+              <a:t>rect</a:t>
+            </a:r>
+            <a:r>
+              <a:rPr lang="en-US" dirty="0">
+                <a:solidFill>
+                  <a:schemeClr val="accent4">
+                    <a:lumMod val="75000"/>
+                  </a:schemeClr>
+                </a:solidFill>
+              </a:rPr>
+              <a:t>, box, contour, </a:t>
+            </a:r>
+            <a:r>
+              <a:rPr lang="en-US" dirty="0" err="1">
+                <a:solidFill>
+                  <a:schemeClr val="accent4">
+                    <a:lumMod val="75000"/>
+                  </a:schemeClr>
+                </a:solidFill>
+              </a:rPr>
+              <a:t>filled.contour</a:t>
+            </a:r>
+            <a:r>
+              <a:rPr lang="en-US" dirty="0">
+                <a:solidFill>
+                  <a:schemeClr val="accent4">
+                    <a:lumMod val="75000"/>
+                  </a:schemeClr>
+                </a:solidFill>
+              </a:rPr>
+              <a:t> </a:t>
+            </a:r>
+            <a:r>
+              <a:rPr lang="en-US" dirty="0"/>
+              <a:t>and </a:t>
+            </a:r>
+            <a:r>
+              <a:rPr lang="en-US" dirty="0">
+                <a:solidFill>
+                  <a:schemeClr val="accent4">
+                    <a:lumMod val="75000"/>
+                  </a:schemeClr>
+                </a:solidFill>
+              </a:rPr>
+              <a:t>image</a:t>
+            </a:r>
+            <a:r>
+              <a:rPr lang="en-US" dirty="0"/>
+              <a:t>)</a:t>
+            </a:r>
+          </a:p>
+          <a:p>
+            <a:r>
+              <a:rPr lang="en-US" dirty="0"/>
+              <a:t>col : color  (also we have </a:t>
+            </a:r>
+            <a:r>
+              <a:rPr lang="en-US" dirty="0" err="1"/>
+              <a:t>col.axis</a:t>
+            </a:r>
+            <a:r>
+              <a:rPr lang="en-US" dirty="0"/>
+              <a:t>, </a:t>
+            </a:r>
+            <a:r>
+              <a:rPr lang="en-US" dirty="0" err="1"/>
+              <a:t>col.main</a:t>
+            </a:r>
+            <a:r>
+              <a:rPr lang="en-US" dirty="0"/>
+              <a:t>, </a:t>
+            </a:r>
+            <a:r>
+              <a:rPr lang="en-US" dirty="0" err="1"/>
+              <a:t>col.lab</a:t>
+            </a:r>
+            <a:r>
+              <a:rPr lang="en-US" dirty="0"/>
+              <a:t>, </a:t>
+            </a:r>
+            <a:r>
+              <a:rPr lang="en-US" dirty="0" err="1"/>
+              <a:t>col.sub</a:t>
+            </a:r>
+            <a:r>
+              <a:rPr lang="el-GR" dirty="0"/>
+              <a:t>)</a:t>
+            </a:r>
+            <a:r>
+              <a:rPr lang="en-US" dirty="0"/>
+              <a:t> – we can specify the colors we want to use by their name, their hex RGB code (#RRGGBB) or a color palette      </a:t>
+            </a:r>
+          </a:p>
+          <a:p>
+            <a:r>
+              <a:rPr lang="en-US" dirty="0"/>
+              <a:t>font : font of text used (also </a:t>
+            </a:r>
+            <a:r>
+              <a:rPr lang="en-US" dirty="0" err="1"/>
+              <a:t>font.main</a:t>
+            </a:r>
+            <a:r>
+              <a:rPr lang="en-US" dirty="0"/>
+              <a:t>, </a:t>
+            </a:r>
+            <a:r>
+              <a:rPr lang="en-US" dirty="0" err="1"/>
+              <a:t>font.sub</a:t>
+            </a:r>
+            <a:r>
+              <a:rPr lang="en-US" dirty="0"/>
+              <a:t>, </a:t>
+            </a:r>
+            <a:r>
+              <a:rPr lang="en-US" dirty="0" err="1"/>
+              <a:t>font.axis</a:t>
+            </a:r>
+            <a:r>
+              <a:rPr lang="en-US" dirty="0"/>
+              <a:t>, </a:t>
+            </a:r>
+            <a:r>
+              <a:rPr lang="en-US" dirty="0" err="1"/>
+              <a:t>font.lab</a:t>
+            </a:r>
+            <a:r>
+              <a:rPr lang="en-US" dirty="0"/>
+              <a:t>)</a:t>
+            </a:r>
+          </a:p>
+          <a:p>
+            <a:r>
+              <a:rPr lang="en-US" dirty="0" err="1"/>
+              <a:t>lty</a:t>
+            </a:r>
+            <a:r>
+              <a:rPr lang="en-US" dirty="0"/>
+              <a:t> : line type – a number (0=blank, 1=solid (default), 2=dashed, 3=dotted, 4=</a:t>
+            </a:r>
+            <a:r>
+              <a:rPr lang="en-US" dirty="0" err="1"/>
+              <a:t>dotdash</a:t>
+            </a:r>
+            <a:r>
+              <a:rPr lang="en-US" dirty="0"/>
+              <a:t>, 5=</a:t>
+            </a:r>
+            <a:r>
+              <a:rPr lang="en-US" dirty="0" err="1"/>
+              <a:t>longdash</a:t>
+            </a:r>
+            <a:r>
+              <a:rPr lang="en-US" dirty="0"/>
+              <a:t>, 6=</a:t>
+            </a:r>
+            <a:r>
+              <a:rPr lang="en-US" dirty="0" err="1"/>
+              <a:t>twodash</a:t>
+            </a:r>
+            <a:r>
+              <a:rPr lang="en-US" dirty="0"/>
+              <a:t>) or a character ("blank", "solid", "dashed", "dotted", "</a:t>
+            </a:r>
+            <a:r>
+              <a:rPr lang="en-US" dirty="0" err="1"/>
+              <a:t>dotdash</a:t>
+            </a:r>
+            <a:r>
+              <a:rPr lang="en-US" dirty="0"/>
+              <a:t>", "</a:t>
+            </a:r>
+            <a:r>
+              <a:rPr lang="en-US" dirty="0" err="1"/>
+              <a:t>longdash</a:t>
+            </a:r>
+            <a:r>
+              <a:rPr lang="en-US" dirty="0"/>
+              <a:t>", or "</a:t>
+            </a:r>
+            <a:r>
+              <a:rPr lang="en-US" dirty="0" err="1"/>
+              <a:t>twodash</a:t>
+            </a:r>
+            <a:r>
+              <a:rPr lang="en-US" dirty="0"/>
+              <a:t>")</a:t>
+            </a:r>
+          </a:p>
+          <a:p>
+            <a:r>
+              <a:rPr lang="en-US" dirty="0" err="1"/>
+              <a:t>lwf</a:t>
+            </a:r>
+            <a:r>
+              <a:rPr lang="en-US" dirty="0"/>
+              <a:t>  : line width (default:1)</a:t>
+            </a:r>
+          </a:p>
+          <a:p>
+            <a:pPr marL="0" indent="0">
+              <a:buNone/>
+            </a:pPr>
+            <a:endParaRPr lang="el-GR" dirty="0"/>
+          </a:p>
+          <a:p>
+            <a:endParaRPr lang="el-GR" dirty="0"/>
+          </a:p>
+        </p:txBody>
+      </p:sp>
+      <p:sp>
+        <p:nvSpPr>
+          <p:cNvPr id="4" name="Θέση υποσέλιδου 3">
+            <a:extLst>
+              <a:ext uri="{FF2B5EF4-FFF2-40B4-BE49-F238E27FC236}">
+                <a16:creationId xmlns:a16="http://schemas.microsoft.com/office/drawing/2014/main" id="{79C3C9C8-54D6-4F91-B1E4-03383613EA1D}"/>
+              </a:ext>
+            </a:extLst>
+          </p:cNvPr>
+          <p:cNvSpPr>
+            <a:spLocks noGrp="1"/>
+          </p:cNvSpPr>
+          <p:nvPr>
+            <p:ph type="ftr" sz="quarter" idx="11"/>
+          </p:nvPr>
+        </p:nvSpPr>
+        <p:spPr/>
+        <p:txBody>
+          <a:bodyPr/>
+          <a:lstStyle/>
+          <a:p>
+            <a:pPr rtl="0"/>
+            <a:r>
+              <a:rPr lang="en-US" noProof="0"/>
+              <a:t>M. T. Pandi - R for Bioinformatics</a:t>
+            </a:r>
+            <a:endParaRPr lang="el-GR" noProof="0" dirty="0"/>
+          </a:p>
+        </p:txBody>
+      </p:sp>
+      <p:sp>
+        <p:nvSpPr>
+          <p:cNvPr id="5" name="Θέση ημερομηνίας 4">
+            <a:extLst>
+              <a:ext uri="{FF2B5EF4-FFF2-40B4-BE49-F238E27FC236}">
+                <a16:creationId xmlns:a16="http://schemas.microsoft.com/office/drawing/2014/main" id="{4E0B27A6-08F3-4C8A-A20C-2216B6D80142}"/>
+              </a:ext>
+            </a:extLst>
+          </p:cNvPr>
+          <p:cNvSpPr>
+            <a:spLocks noGrp="1"/>
+          </p:cNvSpPr>
+          <p:nvPr>
+            <p:ph type="dt" sz="half" idx="10"/>
+          </p:nvPr>
+        </p:nvSpPr>
+        <p:spPr/>
+        <p:txBody>
+          <a:bodyPr/>
+          <a:lstStyle/>
+          <a:p>
+            <a:pPr rtl="0"/>
+            <a:fld id="{5325465F-F778-4B80-A227-2391232C7488}" type="datetime1">
+              <a:rPr lang="el-GR" noProof="0" smtClean="0"/>
+              <a:t>27/9/2020</a:t>
+            </a:fld>
+            <a:endParaRPr lang="el-GR" noProof="0" dirty="0"/>
+          </a:p>
+        </p:txBody>
+      </p:sp>
+      <p:sp>
+        <p:nvSpPr>
+          <p:cNvPr id="6" name="Θέση αριθμού διαφάνειας 5">
+            <a:extLst>
+              <a:ext uri="{FF2B5EF4-FFF2-40B4-BE49-F238E27FC236}">
+                <a16:creationId xmlns:a16="http://schemas.microsoft.com/office/drawing/2014/main" id="{76C9479E-6120-4850-A70F-1E04CE0C4B83}"/>
+              </a:ext>
+            </a:extLst>
+          </p:cNvPr>
+          <p:cNvSpPr>
+            <a:spLocks noGrp="1"/>
+          </p:cNvSpPr>
+          <p:nvPr>
+            <p:ph type="sldNum" sz="quarter" idx="12"/>
+          </p:nvPr>
+        </p:nvSpPr>
+        <p:spPr/>
+        <p:txBody>
+          <a:bodyPr/>
+          <a:lstStyle/>
+          <a:p>
+            <a:pPr rtl="0"/>
+            <a:fld id="{E31375A4-56A4-47D6-9801-1991572033F7}" type="slidenum">
+              <a:rPr lang="el-GR" noProof="0" smtClean="0"/>
+              <a:t>18</a:t>
+            </a:fld>
+            <a:endParaRPr lang="el-GR" noProof="0" dirty="0"/>
+          </a:p>
+        </p:txBody>
+      </p:sp>
+    </p:spTree>
+    <p:extLst>
+      <p:ext uri="{BB962C8B-B14F-4D97-AF65-F5344CB8AC3E}">
+        <p14:creationId xmlns:p14="http://schemas.microsoft.com/office/powerpoint/2010/main" val="3787164438"/>
+      </p:ext>
+    </p:extLst>
+  </p:cSld>
+  <p:clrMapOvr>
+    <a:masterClrMapping/>
+  </p:clrMapOvr>
+  <mc:AlternateContent xmlns:mc="http://schemas.openxmlformats.org/markup-compatibility/2006" xmlns:p14="http://schemas.microsoft.com/office/powerpoint/2010/main">
+    <mc:Choice Requires="p14">
+      <p:transition spd="med" p14:dur="700">
+        <p:fade/>
+      </p:transition>
+    </mc:Choice>
+    <mc:Fallback xmlns="">
+      <p:transition spd="med">
+        <p:fade/>
+      </p:transition>
+    </mc:Fallback>
+  </mc:AlternateContent>
+</p:sld>
+</file>
+
+<file path=ppt/slides/slide19.xml><?xml version="1.0" encoding="utf-8"?>
+<p:sld xmlns:a="http://schemas.openxmlformats.org/drawingml/2006/main" xmlns:r="http://schemas.openxmlformats.org/officeDocument/2006/relationships" xmlns:p="http://schemas.openxmlformats.org/presentationml/2006/main">
+  <p:cSld>
+    <p:spTree>
+      <p:nvGrpSpPr>
+        <p:cNvPr id="1" name=""/>
+        <p:cNvGrpSpPr/>
+        <p:nvPr/>
+      </p:nvGrpSpPr>
+      <p:grpSpPr>
+        <a:xfrm>
+          <a:off x="0" y="0"/>
+          <a:ext cx="0" cy="0"/>
+          <a:chOff x="0" y="0"/>
+          <a:chExt cx="0" cy="0"/>
+        </a:xfrm>
+      </p:grpSpPr>
+      <p:sp>
+        <p:nvSpPr>
+          <p:cNvPr id="2" name="Τίτλος 1">
+            <a:extLst>
+              <a:ext uri="{FF2B5EF4-FFF2-40B4-BE49-F238E27FC236}">
+                <a16:creationId xmlns:a16="http://schemas.microsoft.com/office/drawing/2014/main" id="{1F915826-B561-4013-8F36-899E79B8A3DA}"/>
+              </a:ext>
+            </a:extLst>
+          </p:cNvPr>
+          <p:cNvSpPr>
+            <a:spLocks noGrp="1"/>
+          </p:cNvSpPr>
+          <p:nvPr>
+            <p:ph type="title"/>
+          </p:nvPr>
+        </p:nvSpPr>
+        <p:spPr>
+          <a:xfrm>
+            <a:off x="1295400" y="464457"/>
+            <a:ext cx="9601200" cy="662326"/>
+          </a:xfrm>
+        </p:spPr>
+        <p:txBody>
+          <a:bodyPr/>
+          <a:lstStyle/>
+          <a:p>
+            <a:r>
+              <a:rPr lang="en-US" dirty="0"/>
+              <a:t>Customizing a graph</a:t>
+            </a:r>
+            <a:endParaRPr lang="el-GR" dirty="0"/>
+          </a:p>
+        </p:txBody>
+      </p:sp>
+      <p:sp>
+        <p:nvSpPr>
+          <p:cNvPr id="3" name="Θέση περιεχομένου 2">
+            <a:extLst>
+              <a:ext uri="{FF2B5EF4-FFF2-40B4-BE49-F238E27FC236}">
+                <a16:creationId xmlns:a16="http://schemas.microsoft.com/office/drawing/2014/main" id="{B994114A-D22F-445D-B488-2379566454C9}"/>
+              </a:ext>
+            </a:extLst>
+          </p:cNvPr>
+          <p:cNvSpPr>
+            <a:spLocks noGrp="1"/>
+          </p:cNvSpPr>
+          <p:nvPr>
+            <p:ph idx="1"/>
+          </p:nvPr>
+        </p:nvSpPr>
+        <p:spPr>
+          <a:xfrm>
+            <a:off x="1295400" y="1582056"/>
+            <a:ext cx="9601200" cy="4348163"/>
+          </a:xfrm>
+        </p:spPr>
+        <p:txBody>
+          <a:bodyPr/>
+          <a:lstStyle/>
+          <a:p>
+            <a:r>
+              <a:rPr lang="en-US" dirty="0"/>
+              <a:t>We can modify: </a:t>
+            </a:r>
+          </a:p>
+          <a:p>
+            <a:pPr lvl="1"/>
+            <a:r>
+              <a:rPr lang="en-US" dirty="0"/>
+              <a:t>Titles</a:t>
+            </a:r>
+          </a:p>
+          <a:p>
+            <a:pPr lvl="1"/>
+            <a:r>
+              <a:rPr lang="en-US" dirty="0"/>
+              <a:t>Legends</a:t>
+            </a:r>
+          </a:p>
+          <a:p>
+            <a:pPr lvl="1"/>
+            <a:r>
+              <a:rPr lang="en-US" dirty="0"/>
+              <a:t>Texts </a:t>
+            </a:r>
+          </a:p>
+          <a:p>
+            <a:pPr lvl="1"/>
+            <a:r>
+              <a:rPr lang="en-US" dirty="0"/>
+              <a:t>Lines</a:t>
+            </a:r>
+          </a:p>
+          <a:p>
+            <a:pPr lvl="1"/>
+            <a:r>
+              <a:rPr lang="en-US" dirty="0"/>
+              <a:t>Axes</a:t>
+            </a:r>
+          </a:p>
+          <a:p>
+            <a:pPr lvl="1"/>
+            <a:r>
+              <a:rPr lang="en-US" dirty="0"/>
+              <a:t>Tick marks</a:t>
+            </a:r>
+          </a:p>
+          <a:p>
+            <a:pPr lvl="1"/>
+            <a:r>
+              <a:rPr lang="en-US" dirty="0"/>
+              <a:t>Plotting symbols</a:t>
+            </a:r>
+          </a:p>
+          <a:p>
+            <a:pPr lvl="1"/>
+            <a:r>
+              <a:rPr lang="en-US" dirty="0"/>
+              <a:t>Line types</a:t>
+            </a:r>
+          </a:p>
+          <a:p>
+            <a:r>
+              <a:rPr lang="en-US" dirty="0"/>
+              <a:t>The scope of these slides is merely an intro, so go ahead and check this amazing article out : </a:t>
+            </a:r>
+            <a:r>
+              <a:rPr lang="en-US" dirty="0">
+                <a:hlinkClick r:id="rId2"/>
+              </a:rPr>
+              <a:t>http://www.sthda.com/english/wiki/graphical-parameters</a:t>
+            </a:r>
+            <a:r>
+              <a:rPr lang="en-US" dirty="0"/>
+              <a:t> </a:t>
+            </a:r>
+            <a:endParaRPr lang="el-GR" dirty="0"/>
+          </a:p>
+          <a:p>
+            <a:endParaRPr lang="en-US" dirty="0"/>
+          </a:p>
+          <a:p>
+            <a:pPr lvl="1"/>
+            <a:endParaRPr lang="el-GR" dirty="0"/>
+          </a:p>
+        </p:txBody>
+      </p:sp>
+      <p:sp>
+        <p:nvSpPr>
+          <p:cNvPr id="4" name="Θέση υποσέλιδου 3">
+            <a:extLst>
+              <a:ext uri="{FF2B5EF4-FFF2-40B4-BE49-F238E27FC236}">
+                <a16:creationId xmlns:a16="http://schemas.microsoft.com/office/drawing/2014/main" id="{669936D8-C14C-4CDA-A1AF-C8A9CC14F19A}"/>
+              </a:ext>
+            </a:extLst>
+          </p:cNvPr>
+          <p:cNvSpPr>
+            <a:spLocks noGrp="1"/>
+          </p:cNvSpPr>
+          <p:nvPr>
+            <p:ph type="ftr" sz="quarter" idx="11"/>
+          </p:nvPr>
+        </p:nvSpPr>
+        <p:spPr/>
+        <p:txBody>
+          <a:bodyPr/>
+          <a:lstStyle/>
+          <a:p>
+            <a:pPr rtl="0"/>
+            <a:r>
+              <a:rPr lang="en-US" noProof="0"/>
+              <a:t>M. T. Pandi - R for Bioinformatics</a:t>
+            </a:r>
+            <a:endParaRPr lang="el-GR" noProof="0" dirty="0"/>
+          </a:p>
+        </p:txBody>
+      </p:sp>
+      <p:sp>
+        <p:nvSpPr>
+          <p:cNvPr id="5" name="Θέση ημερομηνίας 4">
+            <a:extLst>
+              <a:ext uri="{FF2B5EF4-FFF2-40B4-BE49-F238E27FC236}">
+                <a16:creationId xmlns:a16="http://schemas.microsoft.com/office/drawing/2014/main" id="{B8508B44-D0A2-46E9-A5A8-958775E15CFF}"/>
+              </a:ext>
+            </a:extLst>
+          </p:cNvPr>
+          <p:cNvSpPr>
+            <a:spLocks noGrp="1"/>
+          </p:cNvSpPr>
+          <p:nvPr>
+            <p:ph type="dt" sz="half" idx="10"/>
+          </p:nvPr>
+        </p:nvSpPr>
+        <p:spPr/>
+        <p:txBody>
+          <a:bodyPr/>
+          <a:lstStyle/>
+          <a:p>
+            <a:pPr rtl="0"/>
+            <a:fld id="{5325465F-F778-4B80-A227-2391232C7488}" type="datetime1">
+              <a:rPr lang="el-GR" noProof="0" smtClean="0"/>
+              <a:t>27/9/2020</a:t>
+            </a:fld>
+            <a:endParaRPr lang="el-GR" noProof="0" dirty="0"/>
+          </a:p>
+        </p:txBody>
+      </p:sp>
+      <p:sp>
+        <p:nvSpPr>
+          <p:cNvPr id="6" name="Θέση αριθμού διαφάνειας 5">
+            <a:extLst>
+              <a:ext uri="{FF2B5EF4-FFF2-40B4-BE49-F238E27FC236}">
+                <a16:creationId xmlns:a16="http://schemas.microsoft.com/office/drawing/2014/main" id="{1605EC99-3B1B-4586-8BD2-1D1C7C665959}"/>
+              </a:ext>
+            </a:extLst>
+          </p:cNvPr>
+          <p:cNvSpPr>
+            <a:spLocks noGrp="1"/>
+          </p:cNvSpPr>
+          <p:nvPr>
+            <p:ph type="sldNum" sz="quarter" idx="12"/>
+          </p:nvPr>
+        </p:nvSpPr>
+        <p:spPr/>
+        <p:txBody>
+          <a:bodyPr/>
+          <a:lstStyle/>
+          <a:p>
+            <a:pPr rtl="0"/>
+            <a:fld id="{E31375A4-56A4-47D6-9801-1991572033F7}" type="slidenum">
+              <a:rPr lang="el-GR" noProof="0" smtClean="0"/>
+              <a:t>19</a:t>
+            </a:fld>
+            <a:endParaRPr lang="el-GR" noProof="0" dirty="0"/>
+          </a:p>
+        </p:txBody>
+      </p:sp>
+    </p:spTree>
+    <p:extLst>
+      <p:ext uri="{BB962C8B-B14F-4D97-AF65-F5344CB8AC3E}">
+        <p14:creationId xmlns:p14="http://schemas.microsoft.com/office/powerpoint/2010/main" val="3195785362"/>
+      </p:ext>
+    </p:extLst>
+  </p:cSld>
+  <p:clrMapOvr>
+    <a:masterClrMapping/>
+  </p:clrMapOvr>
+  <mc:AlternateContent xmlns:mc="http://schemas.openxmlformats.org/markup-compatibility/2006" xmlns:p14="http://schemas.microsoft.com/office/powerpoint/2010/main">
+    <mc:Choice Requires="p14">
+      <p:transition spd="med" p14:dur="700">
+        <p:fade/>
+      </p:transition>
+    </mc:Choice>
+    <mc:Fallback xmlns="">
+      <p:transition spd="med">
+        <p:fade/>
+      </p:transition>
+    </mc:Fallback>
+  </mc:AlternateContent>
+</p:sld>
+</file>
+
+<file path=ppt/slides/slide2.xml><?xml version="1.0" encoding="utf-8"?>
+<p:sld xmlns:a="http://schemas.openxmlformats.org/drawingml/2006/main" xmlns:r="http://schemas.openxmlformats.org/officeDocument/2006/relationships" xmlns:p="http://schemas.openxmlformats.org/presentationml/2006/main">
+  <p:cSld>
+    <p:spTree>
+      <p:nvGrpSpPr>
+        <p:cNvPr id="1" name=""/>
+        <p:cNvGrpSpPr/>
+        <p:nvPr/>
+      </p:nvGrpSpPr>
+      <p:grpSpPr>
+        <a:xfrm>
+          <a:off x="0" y="0"/>
+          <a:ext cx="0" cy="0"/>
+          <a:chOff x="0" y="0"/>
+          <a:chExt cx="0" cy="0"/>
+        </a:xfrm>
+      </p:grpSpPr>
+      <p:pic>
+        <p:nvPicPr>
+          <p:cNvPr id="5" name="Εικόνα 4" descr="Εικόνα που περιέχει υπαίθριος, άτομο, γυναίκα, νερό&#10;&#10;Περιγραφή που δημιουργήθηκε αυτόματα">
+            <a:extLst>
+              <a:ext uri="{FF2B5EF4-FFF2-40B4-BE49-F238E27FC236}">
+                <a16:creationId xmlns:a16="http://schemas.microsoft.com/office/drawing/2014/main" id="{E8405F80-9A33-40E3-A9B6-E785867A3557}"/>
+              </a:ext>
+            </a:extLst>
+          </p:cNvPr>
+          <p:cNvPicPr>
+            <a:picLocks noChangeAspect="1"/>
+          </p:cNvPicPr>
+          <p:nvPr/>
+        </p:nvPicPr>
+        <p:blipFill>
+          <a:blip r:embed="rId2"/>
+          <a:stretch>
+            <a:fillRect/>
+          </a:stretch>
+        </p:blipFill>
+        <p:spPr>
+          <a:xfrm>
+            <a:off x="825641" y="2027444"/>
+            <a:ext cx="1812277" cy="1812277"/>
+          </a:xfrm>
+          <a:prstGeom prst="ellipse">
+            <a:avLst/>
+          </a:prstGeom>
+          <a:ln w="63500" cap="rnd">
+            <a:solidFill>
+              <a:srgbClr val="333333"/>
+            </a:solidFill>
+          </a:ln>
+          <a:effectLst>
+            <a:outerShdw blurRad="381000" dist="292100" dir="5400000" sx="-80000" sy="-18000" rotWithShape="0">
+              <a:srgbClr val="000000">
+                <a:alpha val="22000"/>
+              </a:srgbClr>
+            </a:outerShdw>
+          </a:effectLst>
+          <a:scene3d>
+            <a:camera prst="orthographicFront"/>
+            <a:lightRig rig="contrasting" dir="t">
+              <a:rot lat="0" lon="0" rev="3000000"/>
+            </a:lightRig>
+          </a:scene3d>
+          <a:sp3d contourW="7620">
+            <a:bevelT w="95250" h="31750"/>
+            <a:contourClr>
+              <a:srgbClr val="333333"/>
+            </a:contourClr>
+          </a:sp3d>
+        </p:spPr>
+      </p:pic>
+      <p:sp>
+        <p:nvSpPr>
+          <p:cNvPr id="6" name="Τίτλος 1">
+            <a:extLst>
+              <a:ext uri="{FF2B5EF4-FFF2-40B4-BE49-F238E27FC236}">
+                <a16:creationId xmlns:a16="http://schemas.microsoft.com/office/drawing/2014/main" id="{5266785A-CF58-47E9-B2B8-E9B8EA0DE9F8}"/>
+              </a:ext>
+            </a:extLst>
+          </p:cNvPr>
+          <p:cNvSpPr>
+            <a:spLocks noGrp="1"/>
+          </p:cNvSpPr>
+          <p:nvPr>
+            <p:ph type="title"/>
+          </p:nvPr>
+        </p:nvSpPr>
+        <p:spPr>
+          <a:xfrm>
+            <a:off x="1295400" y="362303"/>
+            <a:ext cx="9601200" cy="1069940"/>
+          </a:xfrm>
+        </p:spPr>
+        <p:txBody>
+          <a:bodyPr/>
+          <a:lstStyle/>
+          <a:p>
+            <a:r>
+              <a:rPr lang="en-US" dirty="0"/>
+              <a:t>about::me</a:t>
+            </a:r>
+            <a:endParaRPr lang="el-GR" dirty="0"/>
+          </a:p>
+        </p:txBody>
+      </p:sp>
+      <p:sp>
+        <p:nvSpPr>
+          <p:cNvPr id="8" name="TextBox 7">
+            <a:extLst>
+              <a:ext uri="{FF2B5EF4-FFF2-40B4-BE49-F238E27FC236}">
+                <a16:creationId xmlns:a16="http://schemas.microsoft.com/office/drawing/2014/main" id="{9BF2D561-507E-49CB-843C-9459167CAD5B}"/>
+              </a:ext>
+            </a:extLst>
+          </p:cNvPr>
+          <p:cNvSpPr txBox="1"/>
+          <p:nvPr/>
+        </p:nvSpPr>
+        <p:spPr>
+          <a:xfrm>
+            <a:off x="3259849" y="2332391"/>
+            <a:ext cx="7937698" cy="1200329"/>
+          </a:xfrm>
+          <a:prstGeom prst="rect">
+            <a:avLst/>
+          </a:prstGeom>
+          <a:noFill/>
+        </p:spPr>
+        <p:txBody>
+          <a:bodyPr wrap="square">
+            <a:spAutoFit/>
+          </a:bodyPr>
+          <a:lstStyle/>
+          <a:p>
+            <a:pPr marL="285750" indent="-285750">
+              <a:buFont typeface="Arial" panose="020B0604020202020204" pitchFamily="34" charset="0"/>
+              <a:buChar char="•"/>
+            </a:pPr>
+            <a:r>
+              <a:rPr lang="en-US" dirty="0"/>
+              <a:t>PhD Candidate in Bioinformatics, Department of Pathology, Erasmus Medical Center</a:t>
+            </a:r>
+          </a:p>
+          <a:p>
+            <a:pPr marL="285750" indent="-285750">
+              <a:buFont typeface="Arial" panose="020B0604020202020204" pitchFamily="34" charset="0"/>
+              <a:buChar char="•"/>
+            </a:pPr>
+            <a:r>
+              <a:rPr lang="en-US" dirty="0"/>
+              <a:t>MSc in Informatics for Life Sciences, Bioinformatics Discipline, </a:t>
+            </a:r>
+            <a:r>
+              <a:rPr lang="en-US" dirty="0" err="1"/>
+              <a:t>UoP</a:t>
+            </a:r>
+            <a:endParaRPr lang="en-US" dirty="0"/>
+          </a:p>
+          <a:p>
+            <a:pPr marL="285750" indent="-285750">
+              <a:buFont typeface="Arial" panose="020B0604020202020204" pitchFamily="34" charset="0"/>
+              <a:buChar char="•"/>
+            </a:pPr>
+            <a:r>
+              <a:rPr lang="en-US" dirty="0"/>
+              <a:t>Pharmacy Bachelor Degree, </a:t>
+            </a:r>
+            <a:r>
+              <a:rPr lang="en-US" dirty="0" err="1"/>
+              <a:t>UoP</a:t>
+            </a:r>
+            <a:endParaRPr lang="en-US" dirty="0"/>
+          </a:p>
+        </p:txBody>
+      </p:sp>
+      <p:sp>
+        <p:nvSpPr>
+          <p:cNvPr id="10" name="TextBox 9">
+            <a:extLst>
+              <a:ext uri="{FF2B5EF4-FFF2-40B4-BE49-F238E27FC236}">
+                <a16:creationId xmlns:a16="http://schemas.microsoft.com/office/drawing/2014/main" id="{C707353D-7693-4052-A2A3-1697ADED592E}"/>
+              </a:ext>
+            </a:extLst>
+          </p:cNvPr>
+          <p:cNvSpPr txBox="1"/>
+          <p:nvPr/>
+        </p:nvSpPr>
+        <p:spPr>
+          <a:xfrm>
+            <a:off x="1417453" y="5183042"/>
+            <a:ext cx="5173980" cy="923330"/>
+          </a:xfrm>
+          <a:prstGeom prst="rect">
+            <a:avLst/>
+          </a:prstGeom>
+          <a:noFill/>
+        </p:spPr>
+        <p:txBody>
+          <a:bodyPr wrap="square">
+            <a:spAutoFit/>
+          </a:bodyPr>
+          <a:lstStyle/>
+          <a:p>
+            <a:pPr algn="ctr"/>
+            <a:r>
+              <a:rPr lang="en-US" dirty="0"/>
+              <a:t>(</a:t>
+            </a:r>
+            <a:r>
+              <a:rPr lang="en-US" dirty="0" err="1"/>
+              <a:t>Pharmaco</a:t>
+            </a:r>
+            <a:r>
+              <a:rPr lang="en-US" dirty="0"/>
+              <a:t>)genomics, Bioinformatics, Machine Learning, Health Economics, Text Mining, Biostatistics, Visualization </a:t>
+            </a:r>
+            <a:endParaRPr lang="el-GR" dirty="0"/>
+          </a:p>
+        </p:txBody>
+      </p:sp>
+      <p:cxnSp>
+        <p:nvCxnSpPr>
+          <p:cNvPr id="12" name="Ευθεία γραμμή σύνδεσης 11">
+            <a:extLst>
+              <a:ext uri="{FF2B5EF4-FFF2-40B4-BE49-F238E27FC236}">
+                <a16:creationId xmlns:a16="http://schemas.microsoft.com/office/drawing/2014/main" id="{8E890EEE-F9EB-4402-9617-95FE47582AE7}"/>
+              </a:ext>
+            </a:extLst>
+          </p:cNvPr>
+          <p:cNvCxnSpPr/>
+          <p:nvPr/>
+        </p:nvCxnSpPr>
+        <p:spPr>
+          <a:xfrm flipH="1">
+            <a:off x="6831463" y="4794646"/>
+            <a:ext cx="1223889" cy="1700122"/>
+          </a:xfrm>
+          <a:prstGeom prst="line">
+            <a:avLst/>
+          </a:prstGeom>
+        </p:spPr>
+        <p:style>
+          <a:lnRef idx="1">
+            <a:schemeClr val="accent1"/>
+          </a:lnRef>
+          <a:fillRef idx="0">
+            <a:schemeClr val="accent1"/>
+          </a:fillRef>
+          <a:effectRef idx="0">
+            <a:schemeClr val="accent1"/>
+          </a:effectRef>
+          <a:fontRef idx="minor">
+            <a:schemeClr val="tx1"/>
+          </a:fontRef>
+        </p:style>
+      </p:cxnSp>
+      <p:sp>
+        <p:nvSpPr>
+          <p:cNvPr id="14" name="TextBox 13">
+            <a:extLst>
+              <a:ext uri="{FF2B5EF4-FFF2-40B4-BE49-F238E27FC236}">
+                <a16:creationId xmlns:a16="http://schemas.microsoft.com/office/drawing/2014/main" id="{8E72D466-EBD0-48E2-AE60-4F975B2B99F6}"/>
+              </a:ext>
+            </a:extLst>
+          </p:cNvPr>
+          <p:cNvSpPr txBox="1"/>
+          <p:nvPr/>
+        </p:nvSpPr>
+        <p:spPr>
+          <a:xfrm>
+            <a:off x="8295382" y="5460041"/>
+            <a:ext cx="2039815" cy="369332"/>
+          </a:xfrm>
+          <a:prstGeom prst="rect">
+            <a:avLst/>
+          </a:prstGeom>
+          <a:noFill/>
+        </p:spPr>
+        <p:txBody>
+          <a:bodyPr wrap="square">
+            <a:spAutoFit/>
+          </a:bodyPr>
+          <a:lstStyle/>
+          <a:p>
+            <a:pPr marL="0" indent="0" algn="ctr">
+              <a:buNone/>
+            </a:pPr>
+            <a:r>
+              <a:rPr lang="en-US" dirty="0"/>
+              <a:t>R / Python</a:t>
+            </a:r>
+          </a:p>
+        </p:txBody>
+      </p:sp>
+      <p:grpSp>
+        <p:nvGrpSpPr>
+          <p:cNvPr id="32" name="Ομάδα 31">
+            <a:extLst>
+              <a:ext uri="{FF2B5EF4-FFF2-40B4-BE49-F238E27FC236}">
+                <a16:creationId xmlns:a16="http://schemas.microsoft.com/office/drawing/2014/main" id="{85B81713-9A2B-4263-A692-3E1567CAD26C}"/>
+              </a:ext>
+            </a:extLst>
+          </p:cNvPr>
+          <p:cNvGrpSpPr/>
+          <p:nvPr/>
+        </p:nvGrpSpPr>
+        <p:grpSpPr>
+          <a:xfrm>
+            <a:off x="948816" y="3936803"/>
+            <a:ext cx="1565925" cy="574578"/>
+            <a:chOff x="1091252" y="4135519"/>
+            <a:chExt cx="1714836" cy="675121"/>
+          </a:xfrm>
+        </p:grpSpPr>
+        <p:sp>
+          <p:nvSpPr>
+            <p:cNvPr id="19" name="TextBox 18">
+              <a:extLst>
+                <a:ext uri="{FF2B5EF4-FFF2-40B4-BE49-F238E27FC236}">
+                  <a16:creationId xmlns:a16="http://schemas.microsoft.com/office/drawing/2014/main" id="{9FBC0C49-C450-4868-835B-9FEA2A9124A7}"/>
+                </a:ext>
+              </a:extLst>
+            </p:cNvPr>
+            <p:cNvSpPr txBox="1"/>
+            <p:nvPr/>
+          </p:nvSpPr>
+          <p:spPr>
+            <a:xfrm>
+              <a:off x="1440685" y="4135519"/>
+              <a:ext cx="1365403" cy="307777"/>
+            </a:xfrm>
+            <a:prstGeom prst="rect">
+              <a:avLst/>
+            </a:prstGeom>
+            <a:noFill/>
+          </p:spPr>
+          <p:txBody>
+            <a:bodyPr wrap="square">
+              <a:spAutoFit/>
+            </a:bodyPr>
+            <a:lstStyle/>
+            <a:p>
+              <a:pPr marL="0" indent="0">
+                <a:buNone/>
+              </a:pPr>
+              <a:r>
+                <a:rPr lang="en-US" sz="1400" dirty="0"/>
+                <a:t>@mtpandi17</a:t>
+              </a:r>
+            </a:p>
+          </p:txBody>
+        </p:sp>
+        <p:pic>
+          <p:nvPicPr>
+            <p:cNvPr id="21" name="Εικόνα 20">
+              <a:extLst>
+                <a:ext uri="{FF2B5EF4-FFF2-40B4-BE49-F238E27FC236}">
+                  <a16:creationId xmlns:a16="http://schemas.microsoft.com/office/drawing/2014/main" id="{EE77D776-CA2F-4B71-A06B-006BBD27F0D1}"/>
+                </a:ext>
+              </a:extLst>
+            </p:cNvPr>
+            <p:cNvPicPr>
+              <a:picLocks noChangeAspect="1"/>
+            </p:cNvPicPr>
+            <p:nvPr/>
+          </p:nvPicPr>
+          <p:blipFill>
+            <a:blip r:embed="rId3"/>
+            <a:stretch>
+              <a:fillRect/>
+            </a:stretch>
+          </p:blipFill>
+          <p:spPr>
+            <a:xfrm>
+              <a:off x="1091252" y="4163124"/>
+              <a:ext cx="348596" cy="261354"/>
+            </a:xfrm>
+            <a:prstGeom prst="rect">
+              <a:avLst/>
+            </a:prstGeom>
+          </p:spPr>
+        </p:pic>
+        <p:pic>
+          <p:nvPicPr>
+            <p:cNvPr id="30" name="Εικόνα 29" descr="Εικόνα που περιέχει σχεδίαση&#10;&#10;Περιγραφή που δημιουργήθηκε αυτόματα">
+              <a:extLst>
+                <a:ext uri="{FF2B5EF4-FFF2-40B4-BE49-F238E27FC236}">
+                  <a16:creationId xmlns:a16="http://schemas.microsoft.com/office/drawing/2014/main" id="{2336E25B-61B7-467A-B9F5-329251119671}"/>
+                </a:ext>
+              </a:extLst>
+            </p:cNvPr>
+            <p:cNvPicPr>
+              <a:picLocks noChangeAspect="1"/>
+            </p:cNvPicPr>
+            <p:nvPr/>
+          </p:nvPicPr>
+          <p:blipFill>
+            <a:blip r:embed="rId4"/>
+            <a:stretch>
+              <a:fillRect/>
+            </a:stretch>
+          </p:blipFill>
+          <p:spPr>
+            <a:xfrm>
+              <a:off x="1125810" y="4543747"/>
+              <a:ext cx="261354" cy="261354"/>
+            </a:xfrm>
+            <a:prstGeom prst="rect">
+              <a:avLst/>
+            </a:prstGeom>
+          </p:spPr>
+        </p:pic>
+        <p:sp>
+          <p:nvSpPr>
+            <p:cNvPr id="33" name="TextBox 32">
+              <a:extLst>
+                <a:ext uri="{FF2B5EF4-FFF2-40B4-BE49-F238E27FC236}">
+                  <a16:creationId xmlns:a16="http://schemas.microsoft.com/office/drawing/2014/main" id="{91126090-E3C1-4F1F-AAA5-002F767439A8}"/>
+                </a:ext>
+              </a:extLst>
+            </p:cNvPr>
+            <p:cNvSpPr txBox="1"/>
+            <p:nvPr/>
+          </p:nvSpPr>
+          <p:spPr>
+            <a:xfrm>
+              <a:off x="1439848" y="4472086"/>
+              <a:ext cx="1223889" cy="338554"/>
+            </a:xfrm>
+            <a:prstGeom prst="rect">
+              <a:avLst/>
+            </a:prstGeom>
+            <a:noFill/>
+          </p:spPr>
+          <p:txBody>
+            <a:bodyPr wrap="square">
+              <a:spAutoFit/>
+            </a:bodyPr>
+            <a:lstStyle/>
+            <a:p>
+              <a:pPr marL="0" indent="0">
+                <a:buNone/>
+              </a:pPr>
+              <a:r>
+                <a:rPr lang="en-US" sz="1600" dirty="0"/>
+                <a:t>@</a:t>
+              </a:r>
+              <a:r>
+                <a:rPr lang="en-US" sz="1400" dirty="0"/>
+                <a:t>mtpandi</a:t>
+              </a:r>
+              <a:endParaRPr lang="en-US" sz="1600" dirty="0"/>
+            </a:p>
+          </p:txBody>
+        </p:sp>
+      </p:grpSp>
+      <p:sp>
+        <p:nvSpPr>
+          <p:cNvPr id="2" name="Θέση ημερομηνίας 1">
+            <a:extLst>
+              <a:ext uri="{FF2B5EF4-FFF2-40B4-BE49-F238E27FC236}">
+                <a16:creationId xmlns:a16="http://schemas.microsoft.com/office/drawing/2014/main" id="{326C7FFC-AA0C-4390-87B1-929BA7B58686}"/>
+              </a:ext>
+            </a:extLst>
+          </p:cNvPr>
+          <p:cNvSpPr>
+            <a:spLocks noGrp="1"/>
+          </p:cNvSpPr>
+          <p:nvPr>
+            <p:ph type="dt" sz="half" idx="10"/>
+          </p:nvPr>
+        </p:nvSpPr>
+        <p:spPr/>
+        <p:txBody>
+          <a:bodyPr/>
+          <a:lstStyle/>
+          <a:p>
+            <a:pPr rtl="0"/>
+            <a:fld id="{E2E91803-DC84-4756-B0DF-70D276493F12}" type="datetime1">
+              <a:rPr lang="el-GR" noProof="0" smtClean="0"/>
+              <a:t>27/9/2020</a:t>
+            </a:fld>
+            <a:endParaRPr lang="el-GR" noProof="0" dirty="0"/>
+          </a:p>
+        </p:txBody>
+      </p:sp>
+      <p:sp>
+        <p:nvSpPr>
+          <p:cNvPr id="3" name="Θέση υποσέλιδου 2">
+            <a:extLst>
+              <a:ext uri="{FF2B5EF4-FFF2-40B4-BE49-F238E27FC236}">
+                <a16:creationId xmlns:a16="http://schemas.microsoft.com/office/drawing/2014/main" id="{C3390C4B-B9AA-4C6F-A029-BBACAFA94DC1}"/>
+              </a:ext>
+            </a:extLst>
+          </p:cNvPr>
+          <p:cNvSpPr>
+            <a:spLocks noGrp="1"/>
+          </p:cNvSpPr>
+          <p:nvPr>
+            <p:ph type="ftr" sz="quarter" idx="11"/>
+          </p:nvPr>
+        </p:nvSpPr>
+        <p:spPr/>
+        <p:txBody>
+          <a:bodyPr/>
+          <a:lstStyle/>
+          <a:p>
+            <a:pPr rtl="0"/>
+            <a:r>
+              <a:rPr lang="en-US" noProof="0"/>
+              <a:t>M. T. Pandi - R for Bioinformatics</a:t>
+            </a:r>
+            <a:endParaRPr lang="el-GR" noProof="0" dirty="0"/>
+          </a:p>
+        </p:txBody>
+      </p:sp>
+      <p:sp>
+        <p:nvSpPr>
+          <p:cNvPr id="4" name="Θέση αριθμού διαφάνειας 3">
+            <a:extLst>
+              <a:ext uri="{FF2B5EF4-FFF2-40B4-BE49-F238E27FC236}">
+                <a16:creationId xmlns:a16="http://schemas.microsoft.com/office/drawing/2014/main" id="{0B04B08D-BC96-4C05-8CA6-8A3C33599F4F}"/>
+              </a:ext>
+            </a:extLst>
+          </p:cNvPr>
+          <p:cNvSpPr>
+            <a:spLocks noGrp="1"/>
+          </p:cNvSpPr>
+          <p:nvPr>
+            <p:ph type="sldNum" sz="quarter" idx="12"/>
+          </p:nvPr>
+        </p:nvSpPr>
+        <p:spPr/>
+        <p:txBody>
+          <a:bodyPr/>
+          <a:lstStyle/>
+          <a:p>
+            <a:pPr rtl="0"/>
+            <a:fld id="{E31375A4-56A4-47D6-9801-1991572033F7}" type="slidenum">
+              <a:rPr lang="el-GR" noProof="0" smtClean="0"/>
+              <a:t>2</a:t>
+            </a:fld>
+            <a:endParaRPr lang="el-GR" noProof="0" dirty="0"/>
+          </a:p>
+        </p:txBody>
+      </p:sp>
+    </p:spTree>
+    <p:extLst>
+      <p:ext uri="{BB962C8B-B14F-4D97-AF65-F5344CB8AC3E}">
+        <p14:creationId xmlns:p14="http://schemas.microsoft.com/office/powerpoint/2010/main" val="2896416362"/>
+      </p:ext>
+    </p:extLst>
+  </p:cSld>
+  <p:clrMapOvr>
+    <a:masterClrMapping/>
+  </p:clrMapOvr>
+  <mc:AlternateContent xmlns:mc="http://schemas.openxmlformats.org/markup-compatibility/2006" xmlns:p14="http://schemas.microsoft.com/office/powerpoint/2010/main">
+    <mc:Choice Requires="p14">
+      <p:transition spd="med" p14:dur="700">
+        <p:fade/>
+      </p:transition>
+    </mc:Choice>
+    <mc:Fallback xmlns="">
+      <p:transition spd="med">
+        <p:fade/>
+      </p:transition>
+    </mc:Fallback>
+  </mc:AlternateContent>
+</p:sld>
+</file>
+
+<file path=ppt/slides/slide20.xml><?xml version="1.0" encoding="utf-8"?>
+<p:sld xmlns:a="http://schemas.openxmlformats.org/drawingml/2006/main" xmlns:r="http://schemas.openxmlformats.org/officeDocument/2006/relationships" xmlns:p="http://schemas.openxmlformats.org/presentationml/2006/main">
+  <p:cSld>
+    <p:spTree>
+      <p:nvGrpSpPr>
+        <p:cNvPr id="1" name=""/>
+        <p:cNvGrpSpPr/>
+        <p:nvPr/>
+      </p:nvGrpSpPr>
+      <p:grpSpPr>
+        <a:xfrm>
+          <a:off x="0" y="0"/>
+          <a:ext cx="0" cy="0"/>
+          <a:chOff x="0" y="0"/>
+          <a:chExt cx="0" cy="0"/>
+        </a:xfrm>
+      </p:grpSpPr>
+      <p:sp>
+        <p:nvSpPr>
+          <p:cNvPr id="2" name="Τίτλος 1">
+            <a:extLst>
+              <a:ext uri="{FF2B5EF4-FFF2-40B4-BE49-F238E27FC236}">
                 <a16:creationId xmlns:a16="http://schemas.microsoft.com/office/drawing/2014/main" id="{AC85D1BF-5F7D-43BD-9287-5FC5D741ACE0}"/>
               </a:ext>
             </a:extLst>
@@ -7631,7 +12567,7 @@
             <a:pPr rtl="0"/>
             <a:fld id="{5325465F-F778-4B80-A227-2391232C7488}" type="datetime1">
               <a:rPr lang="el-GR" noProof="0" smtClean="0"/>
-              <a:t>15/9/2020</a:t>
+              <a:t>27/9/2020</a:t>
             </a:fld>
             <a:endParaRPr lang="el-GR" noProof="0" dirty="0"/>
           </a:p>
@@ -7661,7 +12597,7 @@
             <a:pPr rtl="0"/>
             <a:fld id="{E31375A4-56A4-47D6-9801-1991572033F7}" type="slidenum">
               <a:rPr lang="el-GR" noProof="0" smtClean="0"/>
-              <a:t>18</a:t>
+              <a:t>20</a:t>
             </a:fld>
             <a:endParaRPr lang="el-GR" noProof="0" dirty="0"/>
           </a:p>
@@ -7692,7 +12628,7 @@
 </p:sld>
 </file>
 
-<file path=ppt/slides/slide19.xml><?xml version="1.0" encoding="utf-8"?>
+<file path=ppt/slides/slide21.xml><?xml version="1.0" encoding="utf-8"?>
 <p:sld xmlns:a="http://schemas.openxmlformats.org/drawingml/2006/main" xmlns:r="http://schemas.openxmlformats.org/officeDocument/2006/relationships" xmlns:p="http://schemas.openxmlformats.org/presentationml/2006/main">
   <p:cSld>
     <p:spTree>
@@ -8136,7 +13072,7 @@
             <a:pPr rtl="0"/>
             <a:fld id="{5325465F-F778-4B80-A227-2391232C7488}" type="datetime1">
               <a:rPr lang="el-GR" noProof="0" smtClean="0"/>
-              <a:t>15/9/2020</a:t>
+              <a:t>27/9/2020</a:t>
             </a:fld>
             <a:endParaRPr lang="el-GR" noProof="0" dirty="0"/>
           </a:p>
@@ -8166,7 +13102,7 @@
             <a:pPr rtl="0"/>
             <a:fld id="{E31375A4-56A4-47D6-9801-1991572033F7}" type="slidenum">
               <a:rPr lang="el-GR" noProof="0" smtClean="0"/>
-              <a:t>19</a:t>
+              <a:t>21</a:t>
             </a:fld>
             <a:endParaRPr lang="el-GR" noProof="0" dirty="0"/>
           </a:p>
@@ -8270,7 +13206,7 @@
 </p:sld>
 </file>
 
-<file path=ppt/slides/slide2.xml><?xml version="1.0" encoding="utf-8"?>
+<file path=ppt/slides/slide22.xml><?xml version="1.0" encoding="utf-8"?>
 <p:sld xmlns:a="http://schemas.openxmlformats.org/drawingml/2006/main" xmlns:r="http://schemas.openxmlformats.org/officeDocument/2006/relationships" xmlns:p="http://schemas.openxmlformats.org/presentationml/2006/main">
   <p:cSld>
     <p:spTree>
@@ -8287,576 +13223,6 @@
           <a:chExt cx="0" cy="0"/>
         </a:xfrm>
       </p:grpSpPr>
-      <p:pic>
-        <p:nvPicPr>
-          <p:cNvPr id="5" name="Εικόνα 4" descr="Εικόνα που περιέχει υπαίθριος, άτομο, γυναίκα, νερό&#10;&#10;Περιγραφή που δημιουργήθηκε αυτόματα">
-            <a:extLst>
-              <a:ext uri="{FF2B5EF4-FFF2-40B4-BE49-F238E27FC236}">
-                <a16:creationId xmlns:a16="http://schemas.microsoft.com/office/drawing/2014/main" id="{E8405F80-9A33-40E3-A9B6-E785867A3557}"/>
-              </a:ext>
-            </a:extLst>
-          </p:cNvPr>
-          <p:cNvPicPr>
-            <a:picLocks noChangeAspect="1"/>
-          </p:cNvPicPr>
-          <p:nvPr/>
-        </p:nvPicPr>
-        <p:blipFill>
-          <a:blip r:embed="rId2"/>
-          <a:stretch>
-            <a:fillRect/>
-          </a:stretch>
-        </p:blipFill>
-        <p:spPr>
-          <a:xfrm>
-            <a:off x="825641" y="2027444"/>
-            <a:ext cx="1812277" cy="1812277"/>
-          </a:xfrm>
-          <a:prstGeom prst="ellipse">
-            <a:avLst/>
-          </a:prstGeom>
-          <a:ln w="63500" cap="rnd">
-            <a:solidFill>
-              <a:srgbClr val="333333"/>
-            </a:solidFill>
-          </a:ln>
-          <a:effectLst>
-            <a:outerShdw blurRad="381000" dist="292100" dir="5400000" sx="-80000" sy="-18000" rotWithShape="0">
-              <a:srgbClr val="000000">
-                <a:alpha val="22000"/>
-              </a:srgbClr>
-            </a:outerShdw>
-          </a:effectLst>
-          <a:scene3d>
-            <a:camera prst="orthographicFront"/>
-            <a:lightRig rig="contrasting" dir="t">
-              <a:rot lat="0" lon="0" rev="3000000"/>
-            </a:lightRig>
-          </a:scene3d>
-          <a:sp3d contourW="7620">
-            <a:bevelT w="95250" h="31750"/>
-            <a:contourClr>
-              <a:srgbClr val="333333"/>
-            </a:contourClr>
-          </a:sp3d>
-        </p:spPr>
-      </p:pic>
-      <p:sp>
-        <p:nvSpPr>
-          <p:cNvPr id="6" name="Τίτλος 1">
-            <a:extLst>
-              <a:ext uri="{FF2B5EF4-FFF2-40B4-BE49-F238E27FC236}">
-                <a16:creationId xmlns:a16="http://schemas.microsoft.com/office/drawing/2014/main" id="{5266785A-CF58-47E9-B2B8-E9B8EA0DE9F8}"/>
-              </a:ext>
-            </a:extLst>
-          </p:cNvPr>
-          <p:cNvSpPr>
-            <a:spLocks noGrp="1"/>
-          </p:cNvSpPr>
-          <p:nvPr>
-            <p:ph type="title"/>
-          </p:nvPr>
-        </p:nvSpPr>
-        <p:spPr>
-          <a:xfrm>
-            <a:off x="1295400" y="362303"/>
-            <a:ext cx="9601200" cy="1069940"/>
-          </a:xfrm>
-        </p:spPr>
-        <p:txBody>
-          <a:bodyPr/>
-          <a:lstStyle/>
-          <a:p>
-            <a:r>
-              <a:rPr lang="en-US" dirty="0"/>
-              <a:t>about::me</a:t>
-            </a:r>
-            <a:endParaRPr lang="el-GR" dirty="0"/>
-          </a:p>
-        </p:txBody>
-      </p:sp>
-      <p:sp>
-        <p:nvSpPr>
-          <p:cNvPr id="8" name="TextBox 7">
-            <a:extLst>
-              <a:ext uri="{FF2B5EF4-FFF2-40B4-BE49-F238E27FC236}">
-                <a16:creationId xmlns:a16="http://schemas.microsoft.com/office/drawing/2014/main" id="{9BF2D561-507E-49CB-843C-9459167CAD5B}"/>
-              </a:ext>
-            </a:extLst>
-          </p:cNvPr>
-          <p:cNvSpPr txBox="1"/>
-          <p:nvPr/>
-        </p:nvSpPr>
-        <p:spPr>
-          <a:xfrm>
-            <a:off x="3259849" y="2332391"/>
-            <a:ext cx="7937698" cy="1200329"/>
-          </a:xfrm>
-          <a:prstGeom prst="rect">
-            <a:avLst/>
-          </a:prstGeom>
-          <a:noFill/>
-        </p:spPr>
-        <p:txBody>
-          <a:bodyPr wrap="square">
-            <a:spAutoFit/>
-          </a:bodyPr>
-          <a:lstStyle/>
-          <a:p>
-            <a:pPr marL="285750" indent="-285750">
-              <a:buFont typeface="Arial" panose="020B0604020202020204" pitchFamily="34" charset="0"/>
-              <a:buChar char="•"/>
-            </a:pPr>
-            <a:r>
-              <a:rPr lang="en-US" dirty="0"/>
-              <a:t>PhD Candidate in Bioinformatics, Department of Pathology, Erasmus Medical Center</a:t>
-            </a:r>
-          </a:p>
-          <a:p>
-            <a:pPr marL="285750" indent="-285750">
-              <a:buFont typeface="Arial" panose="020B0604020202020204" pitchFamily="34" charset="0"/>
-              <a:buChar char="•"/>
-            </a:pPr>
-            <a:r>
-              <a:rPr lang="en-US" dirty="0"/>
-              <a:t>MSc in Informatics for Life Sciences, Bioinformatics Discipline, </a:t>
-            </a:r>
-            <a:r>
-              <a:rPr lang="en-US" dirty="0" err="1"/>
-              <a:t>UoP</a:t>
-            </a:r>
-            <a:endParaRPr lang="en-US" dirty="0"/>
-          </a:p>
-          <a:p>
-            <a:pPr marL="285750" indent="-285750">
-              <a:buFont typeface="Arial" panose="020B0604020202020204" pitchFamily="34" charset="0"/>
-              <a:buChar char="•"/>
-            </a:pPr>
-            <a:r>
-              <a:rPr lang="en-US" dirty="0"/>
-              <a:t>Pharmacy Bachelor Degree, </a:t>
-            </a:r>
-            <a:r>
-              <a:rPr lang="en-US" dirty="0" err="1"/>
-              <a:t>UoP</a:t>
-            </a:r>
-            <a:endParaRPr lang="en-US" dirty="0"/>
-          </a:p>
-        </p:txBody>
-      </p:sp>
-      <p:sp>
-        <p:nvSpPr>
-          <p:cNvPr id="10" name="TextBox 9">
-            <a:extLst>
-              <a:ext uri="{FF2B5EF4-FFF2-40B4-BE49-F238E27FC236}">
-                <a16:creationId xmlns:a16="http://schemas.microsoft.com/office/drawing/2014/main" id="{C707353D-7693-4052-A2A3-1697ADED592E}"/>
-              </a:ext>
-            </a:extLst>
-          </p:cNvPr>
-          <p:cNvSpPr txBox="1"/>
-          <p:nvPr/>
-        </p:nvSpPr>
-        <p:spPr>
-          <a:xfrm>
-            <a:off x="1417453" y="5183042"/>
-            <a:ext cx="5173980" cy="923330"/>
-          </a:xfrm>
-          <a:prstGeom prst="rect">
-            <a:avLst/>
-          </a:prstGeom>
-          <a:noFill/>
-        </p:spPr>
-        <p:txBody>
-          <a:bodyPr wrap="square">
-            <a:spAutoFit/>
-          </a:bodyPr>
-          <a:lstStyle/>
-          <a:p>
-            <a:pPr algn="ctr"/>
-            <a:r>
-              <a:rPr lang="en-US" dirty="0"/>
-              <a:t>(</a:t>
-            </a:r>
-            <a:r>
-              <a:rPr lang="en-US" dirty="0" err="1"/>
-              <a:t>Pharmaco</a:t>
-            </a:r>
-            <a:r>
-              <a:rPr lang="en-US" dirty="0"/>
-              <a:t>)genomics, Bioinformatics, Machine Learning, Health Economics, Text Mining, Biostatistics, Visualization </a:t>
-            </a:r>
-            <a:endParaRPr lang="el-GR" dirty="0"/>
-          </a:p>
-        </p:txBody>
-      </p:sp>
-      <p:cxnSp>
-        <p:nvCxnSpPr>
-          <p:cNvPr id="12" name="Ευθεία γραμμή σύνδεσης 11">
-            <a:extLst>
-              <a:ext uri="{FF2B5EF4-FFF2-40B4-BE49-F238E27FC236}">
-                <a16:creationId xmlns:a16="http://schemas.microsoft.com/office/drawing/2014/main" id="{8E890EEE-F9EB-4402-9617-95FE47582AE7}"/>
-              </a:ext>
-            </a:extLst>
-          </p:cNvPr>
-          <p:cNvCxnSpPr/>
-          <p:nvPr/>
-        </p:nvCxnSpPr>
-        <p:spPr>
-          <a:xfrm flipH="1">
-            <a:off x="6831463" y="4794646"/>
-            <a:ext cx="1223889" cy="1700122"/>
-          </a:xfrm>
-          <a:prstGeom prst="line">
-            <a:avLst/>
-          </a:prstGeom>
-        </p:spPr>
-        <p:style>
-          <a:lnRef idx="1">
-            <a:schemeClr val="accent1"/>
-          </a:lnRef>
-          <a:fillRef idx="0">
-            <a:schemeClr val="accent1"/>
-          </a:fillRef>
-          <a:effectRef idx="0">
-            <a:schemeClr val="accent1"/>
-          </a:effectRef>
-          <a:fontRef idx="minor">
-            <a:schemeClr val="tx1"/>
-          </a:fontRef>
-        </p:style>
-      </p:cxnSp>
-      <p:sp>
-        <p:nvSpPr>
-          <p:cNvPr id="14" name="TextBox 13">
-            <a:extLst>
-              <a:ext uri="{FF2B5EF4-FFF2-40B4-BE49-F238E27FC236}">
-                <a16:creationId xmlns:a16="http://schemas.microsoft.com/office/drawing/2014/main" id="{8E72D466-EBD0-48E2-AE60-4F975B2B99F6}"/>
-              </a:ext>
-            </a:extLst>
-          </p:cNvPr>
-          <p:cNvSpPr txBox="1"/>
-          <p:nvPr/>
-        </p:nvSpPr>
-        <p:spPr>
-          <a:xfrm>
-            <a:off x="8295382" y="5460041"/>
-            <a:ext cx="2039815" cy="369332"/>
-          </a:xfrm>
-          <a:prstGeom prst="rect">
-            <a:avLst/>
-          </a:prstGeom>
-          <a:noFill/>
-        </p:spPr>
-        <p:txBody>
-          <a:bodyPr wrap="square">
-            <a:spAutoFit/>
-          </a:bodyPr>
-          <a:lstStyle/>
-          <a:p>
-            <a:pPr marL="0" indent="0" algn="ctr">
-              <a:buNone/>
-            </a:pPr>
-            <a:r>
-              <a:rPr lang="en-US" dirty="0"/>
-              <a:t>R / Python</a:t>
-            </a:r>
-          </a:p>
-        </p:txBody>
-      </p:sp>
-      <p:grpSp>
-        <p:nvGrpSpPr>
-          <p:cNvPr id="32" name="Ομάδα 31">
-            <a:extLst>
-              <a:ext uri="{FF2B5EF4-FFF2-40B4-BE49-F238E27FC236}">
-                <a16:creationId xmlns:a16="http://schemas.microsoft.com/office/drawing/2014/main" id="{85B81713-9A2B-4263-A692-3E1567CAD26C}"/>
-              </a:ext>
-            </a:extLst>
-          </p:cNvPr>
-          <p:cNvGrpSpPr/>
-          <p:nvPr/>
-        </p:nvGrpSpPr>
-        <p:grpSpPr>
-          <a:xfrm>
-            <a:off x="948816" y="3936803"/>
-            <a:ext cx="1565925" cy="574578"/>
-            <a:chOff x="1091252" y="4135519"/>
-            <a:chExt cx="1714836" cy="675121"/>
-          </a:xfrm>
-        </p:grpSpPr>
-        <p:sp>
-          <p:nvSpPr>
-            <p:cNvPr id="19" name="TextBox 18">
-              <a:extLst>
-                <a:ext uri="{FF2B5EF4-FFF2-40B4-BE49-F238E27FC236}">
-                  <a16:creationId xmlns:a16="http://schemas.microsoft.com/office/drawing/2014/main" id="{9FBC0C49-C450-4868-835B-9FEA2A9124A7}"/>
-                </a:ext>
-              </a:extLst>
-            </p:cNvPr>
-            <p:cNvSpPr txBox="1"/>
-            <p:nvPr/>
-          </p:nvSpPr>
-          <p:spPr>
-            <a:xfrm>
-              <a:off x="1440685" y="4135519"/>
-              <a:ext cx="1365403" cy="307777"/>
-            </a:xfrm>
-            <a:prstGeom prst="rect">
-              <a:avLst/>
-            </a:prstGeom>
-            <a:noFill/>
-          </p:spPr>
-          <p:txBody>
-            <a:bodyPr wrap="square">
-              <a:spAutoFit/>
-            </a:bodyPr>
-            <a:lstStyle/>
-            <a:p>
-              <a:pPr marL="0" indent="0">
-                <a:buNone/>
-              </a:pPr>
-              <a:r>
-                <a:rPr lang="en-US" sz="1400" dirty="0"/>
-                <a:t>@mtpandi17</a:t>
-              </a:r>
-            </a:p>
-          </p:txBody>
-        </p:sp>
-        <p:pic>
-          <p:nvPicPr>
-            <p:cNvPr id="21" name="Εικόνα 20">
-              <a:extLst>
-                <a:ext uri="{FF2B5EF4-FFF2-40B4-BE49-F238E27FC236}">
-                  <a16:creationId xmlns:a16="http://schemas.microsoft.com/office/drawing/2014/main" id="{EE77D776-CA2F-4B71-A06B-006BBD27F0D1}"/>
-                </a:ext>
-              </a:extLst>
-            </p:cNvPr>
-            <p:cNvPicPr>
-              <a:picLocks noChangeAspect="1"/>
-            </p:cNvPicPr>
-            <p:nvPr/>
-          </p:nvPicPr>
-          <p:blipFill>
-            <a:blip r:embed="rId3"/>
-            <a:stretch>
-              <a:fillRect/>
-            </a:stretch>
-          </p:blipFill>
-          <p:spPr>
-            <a:xfrm>
-              <a:off x="1091252" y="4163124"/>
-              <a:ext cx="348596" cy="261354"/>
-            </a:xfrm>
-            <a:prstGeom prst="rect">
-              <a:avLst/>
-            </a:prstGeom>
-          </p:spPr>
-        </p:pic>
-        <p:pic>
-          <p:nvPicPr>
-            <p:cNvPr id="30" name="Εικόνα 29" descr="Εικόνα που περιέχει σχεδίαση&#10;&#10;Περιγραφή που δημιουργήθηκε αυτόματα">
-              <a:extLst>
-                <a:ext uri="{FF2B5EF4-FFF2-40B4-BE49-F238E27FC236}">
-                  <a16:creationId xmlns:a16="http://schemas.microsoft.com/office/drawing/2014/main" id="{2336E25B-61B7-467A-B9F5-329251119671}"/>
-                </a:ext>
-              </a:extLst>
-            </p:cNvPr>
-            <p:cNvPicPr>
-              <a:picLocks noChangeAspect="1"/>
-            </p:cNvPicPr>
-            <p:nvPr/>
-          </p:nvPicPr>
-          <p:blipFill>
-            <a:blip r:embed="rId4"/>
-            <a:stretch>
-              <a:fillRect/>
-            </a:stretch>
-          </p:blipFill>
-          <p:spPr>
-            <a:xfrm>
-              <a:off x="1125810" y="4543747"/>
-              <a:ext cx="261354" cy="261354"/>
-            </a:xfrm>
-            <a:prstGeom prst="rect">
-              <a:avLst/>
-            </a:prstGeom>
-          </p:spPr>
-        </p:pic>
-        <p:sp>
-          <p:nvSpPr>
-            <p:cNvPr id="33" name="TextBox 32">
-              <a:extLst>
-                <a:ext uri="{FF2B5EF4-FFF2-40B4-BE49-F238E27FC236}">
-                  <a16:creationId xmlns:a16="http://schemas.microsoft.com/office/drawing/2014/main" id="{91126090-E3C1-4F1F-AAA5-002F767439A8}"/>
-                </a:ext>
-              </a:extLst>
-            </p:cNvPr>
-            <p:cNvSpPr txBox="1"/>
-            <p:nvPr/>
-          </p:nvSpPr>
-          <p:spPr>
-            <a:xfrm>
-              <a:off x="1439848" y="4472086"/>
-              <a:ext cx="1223889" cy="338554"/>
-            </a:xfrm>
-            <a:prstGeom prst="rect">
-              <a:avLst/>
-            </a:prstGeom>
-            <a:noFill/>
-          </p:spPr>
-          <p:txBody>
-            <a:bodyPr wrap="square">
-              <a:spAutoFit/>
-            </a:bodyPr>
-            <a:lstStyle/>
-            <a:p>
-              <a:pPr marL="0" indent="0">
-                <a:buNone/>
-              </a:pPr>
-              <a:r>
-                <a:rPr lang="en-US" sz="1600" dirty="0"/>
-                <a:t>@</a:t>
-              </a:r>
-              <a:r>
-                <a:rPr lang="en-US" sz="1400" dirty="0"/>
-                <a:t>mtpandi</a:t>
-              </a:r>
-              <a:endParaRPr lang="en-US" sz="1600" dirty="0"/>
-            </a:p>
-          </p:txBody>
-        </p:sp>
-      </p:grpSp>
-      <p:sp>
-        <p:nvSpPr>
-          <p:cNvPr id="2" name="Θέση ημερομηνίας 1">
-            <a:extLst>
-              <a:ext uri="{FF2B5EF4-FFF2-40B4-BE49-F238E27FC236}">
-                <a16:creationId xmlns:a16="http://schemas.microsoft.com/office/drawing/2014/main" id="{326C7FFC-AA0C-4390-87B1-929BA7B58686}"/>
-              </a:ext>
-            </a:extLst>
-          </p:cNvPr>
-          <p:cNvSpPr>
-            <a:spLocks noGrp="1"/>
-          </p:cNvSpPr>
-          <p:nvPr>
-            <p:ph type="dt" sz="half" idx="10"/>
-          </p:nvPr>
-        </p:nvSpPr>
-        <p:spPr/>
-        <p:txBody>
-          <a:bodyPr/>
-          <a:lstStyle/>
-          <a:p>
-            <a:pPr rtl="0"/>
-            <a:fld id="{E2E91803-DC84-4756-B0DF-70D276493F12}" type="datetime1">
-              <a:rPr lang="el-GR" noProof="0" smtClean="0"/>
-              <a:t>15/9/2020</a:t>
-            </a:fld>
-            <a:endParaRPr lang="el-GR" noProof="0" dirty="0"/>
-          </a:p>
-        </p:txBody>
-      </p:sp>
-      <p:sp>
-        <p:nvSpPr>
-          <p:cNvPr id="3" name="Θέση υποσέλιδου 2">
-            <a:extLst>
-              <a:ext uri="{FF2B5EF4-FFF2-40B4-BE49-F238E27FC236}">
-                <a16:creationId xmlns:a16="http://schemas.microsoft.com/office/drawing/2014/main" id="{C3390C4B-B9AA-4C6F-A029-BBACAFA94DC1}"/>
-              </a:ext>
-            </a:extLst>
-          </p:cNvPr>
-          <p:cNvSpPr>
-            <a:spLocks noGrp="1"/>
-          </p:cNvSpPr>
-          <p:nvPr>
-            <p:ph type="ftr" sz="quarter" idx="11"/>
-          </p:nvPr>
-        </p:nvSpPr>
-        <p:spPr/>
-        <p:txBody>
-          <a:bodyPr/>
-          <a:lstStyle/>
-          <a:p>
-            <a:pPr rtl="0"/>
-            <a:r>
-              <a:rPr lang="en-US" noProof="0"/>
-              <a:t>M. T. Pandi - R for Bioinformatics</a:t>
-            </a:r>
-            <a:endParaRPr lang="el-GR" noProof="0" dirty="0"/>
-          </a:p>
-        </p:txBody>
-      </p:sp>
-      <p:sp>
-        <p:nvSpPr>
-          <p:cNvPr id="4" name="Θέση αριθμού διαφάνειας 3">
-            <a:extLst>
-              <a:ext uri="{FF2B5EF4-FFF2-40B4-BE49-F238E27FC236}">
-                <a16:creationId xmlns:a16="http://schemas.microsoft.com/office/drawing/2014/main" id="{0B04B08D-BC96-4C05-8CA6-8A3C33599F4F}"/>
-              </a:ext>
-            </a:extLst>
-          </p:cNvPr>
-          <p:cNvSpPr>
-            <a:spLocks noGrp="1"/>
-          </p:cNvSpPr>
-          <p:nvPr>
-            <p:ph type="sldNum" sz="quarter" idx="12"/>
-          </p:nvPr>
-        </p:nvSpPr>
-        <p:spPr/>
-        <p:txBody>
-          <a:bodyPr/>
-          <a:lstStyle/>
-          <a:p>
-            <a:pPr rtl="0"/>
-            <a:fld id="{E31375A4-56A4-47D6-9801-1991572033F7}" type="slidenum">
-              <a:rPr lang="el-GR" noProof="0" smtClean="0"/>
-              <a:t>2</a:t>
-            </a:fld>
-            <a:endParaRPr lang="el-GR" noProof="0" dirty="0"/>
-          </a:p>
-        </p:txBody>
-      </p:sp>
-    </p:spTree>
-    <p:extLst>
-      <p:ext uri="{BB962C8B-B14F-4D97-AF65-F5344CB8AC3E}">
-        <p14:creationId xmlns:p14="http://schemas.microsoft.com/office/powerpoint/2010/main" val="2896416362"/>
-      </p:ext>
-    </p:extLst>
-  </p:cSld>
-  <p:clrMapOvr>
-    <a:masterClrMapping/>
-  </p:clrMapOvr>
-  <mc:AlternateContent xmlns:mc="http://schemas.openxmlformats.org/markup-compatibility/2006" xmlns:p14="http://schemas.microsoft.com/office/powerpoint/2010/main">
-    <mc:Choice Requires="p14">
-      <p:transition spd="med" p14:dur="700">
-        <p:fade/>
-      </p:transition>
-    </mc:Choice>
-    <mc:Fallback xmlns="">
-      <p:transition spd="med">
-        <p:fade/>
-      </p:transition>
-    </mc:Fallback>
-  </mc:AlternateContent>
-</p:sld>
-</file>
-
-<file path=ppt/slides/slide20.xml><?xml version="1.0" encoding="utf-8"?>
-<p:sld xmlns:a="http://schemas.openxmlformats.org/drawingml/2006/main" xmlns:r="http://schemas.openxmlformats.org/officeDocument/2006/relationships" xmlns:p="http://schemas.openxmlformats.org/presentationml/2006/main">
-  <p:cSld>
-    <p:spTree>
-      <p:nvGrpSpPr>
-        <p:cNvPr id="1" name=""/>
-        <p:cNvGrpSpPr/>
-        <p:nvPr/>
-      </p:nvGrpSpPr>
-      <p:grpSpPr>
-        <a:xfrm>
-          <a:off x="0" y="0"/>
-          <a:ext cx="0" cy="0"/>
-          <a:chOff x="0" y="0"/>
-          <a:chExt cx="0" cy="0"/>
-        </a:xfrm>
-      </p:grpSpPr>
       <p:sp>
         <p:nvSpPr>
           <p:cNvPr id="2" name="Θέση υποσέλιδου 1">
@@ -8911,7 +13277,7 @@
             <a:pPr rtl="0"/>
             <a:fld id="{4DD875E3-BFF1-4203-9136-34BDC19FAF1D}" type="datetime1">
               <a:rPr lang="el-GR" noProof="0" smtClean="0"/>
-              <a:t>15/9/2020</a:t>
+              <a:t>27/9/2020</a:t>
             </a:fld>
             <a:endParaRPr lang="el-GR" noProof="0" dirty="0"/>
           </a:p>
@@ -8941,7 +13307,7 @@
             <a:pPr rtl="0"/>
             <a:fld id="{E31375A4-56A4-47D6-9801-1991572033F7}" type="slidenum">
               <a:rPr lang="el-GR" noProof="0" smtClean="0"/>
-              <a:t>20</a:t>
+              <a:t>22</a:t>
             </a:fld>
             <a:endParaRPr lang="el-GR" noProof="0" dirty="0"/>
           </a:p>
@@ -8972,7 +13338,7 @@
 </p:sld>
 </file>
 
-<file path=ppt/slides/slide21.xml><?xml version="1.0" encoding="utf-8"?>
+<file path=ppt/slides/slide23.xml><?xml version="1.0" encoding="utf-8"?>
 <p:sld xmlns:a="http://schemas.openxmlformats.org/drawingml/2006/main" xmlns:r="http://schemas.openxmlformats.org/officeDocument/2006/relationships" xmlns:p="http://schemas.openxmlformats.org/presentationml/2006/main">
   <p:cSld>
     <p:spTree>
@@ -9243,7 +13609,7 @@
             <a:pPr rtl="0"/>
             <a:fld id="{5325465F-F778-4B80-A227-2391232C7488}" type="datetime1">
               <a:rPr lang="el-GR" noProof="0" smtClean="0"/>
-              <a:t>15/9/2020</a:t>
+              <a:t>27/9/2020</a:t>
             </a:fld>
             <a:endParaRPr lang="el-GR" noProof="0" dirty="0"/>
           </a:p>
@@ -9273,7 +13639,7 @@
             <a:pPr rtl="0"/>
             <a:fld id="{E31375A4-56A4-47D6-9801-1991572033F7}" type="slidenum">
               <a:rPr lang="el-GR" noProof="0" smtClean="0"/>
-              <a:t>21</a:t>
+              <a:t>23</a:t>
             </a:fld>
             <a:endParaRPr lang="el-GR" noProof="0" dirty="0"/>
           </a:p>
@@ -9326,7 +13692,7 @@
           <p:cNvPr id="2" name="Τίτλος 1">
             <a:extLst>
               <a:ext uri="{FF2B5EF4-FFF2-40B4-BE49-F238E27FC236}">
-                <a16:creationId xmlns:a16="http://schemas.microsoft.com/office/drawing/2014/main" id="{70FDC419-798A-4499-89B4-46D2C39441EB}"/>
+                <a16:creationId xmlns:a16="http://schemas.microsoft.com/office/drawing/2014/main" id="{9E04EF87-4663-4D4D-ABF4-BE54E5ECAB63}"/>
               </a:ext>
             </a:extLst>
           </p:cNvPr>
@@ -9337,22 +13703,21 @@
             <p:ph type="title"/>
           </p:nvPr>
         </p:nvSpPr>
-        <p:spPr/>
-        <p:txBody>
-          <a:bodyPr/>
+        <p:spPr>
+          <a:xfrm>
+            <a:off x="7606786" y="2924956"/>
+            <a:ext cx="4235444" cy="1008088"/>
+          </a:xfrm>
+        </p:spPr>
+        <p:txBody>
+          <a:bodyPr anchor="b">
+            <a:normAutofit/>
+          </a:bodyPr>
           <a:lstStyle/>
           <a:p>
             <a:r>
               <a:rPr lang="en-US" dirty="0"/>
-              <a:t>Part </a:t>
-            </a:r>
-            <a:r>
-              <a:rPr lang="en-US" dirty="0" err="1"/>
-              <a:t>IIa</a:t>
-            </a:r>
-            <a:r>
-              <a:rPr lang="en-US" dirty="0"/>
-              <a:t> </a:t>
+              <a:t>Research lab good data analysis practices</a:t>
             </a:r>
             <a:endParaRPr lang="el-GR" dirty="0"/>
           </a:p>
@@ -9360,10 +13725,10 @@
       </p:sp>
       <p:sp>
         <p:nvSpPr>
-          <p:cNvPr id="3" name="Θέση κειμένου 2">
+          <p:cNvPr id="14" name="Θέση περιεχομένου 2">
             <a:extLst>
               <a:ext uri="{FF2B5EF4-FFF2-40B4-BE49-F238E27FC236}">
-                <a16:creationId xmlns:a16="http://schemas.microsoft.com/office/drawing/2014/main" id="{E3839D8A-7E94-4CBB-94DD-CBBE9E3EA7B6}"/>
+                <a16:creationId xmlns:a16="http://schemas.microsoft.com/office/drawing/2014/main" id="{53208621-601C-4DA5-856E-40D25A83F19B}"/>
               </a:ext>
             </a:extLst>
           </p:cNvPr>
@@ -9371,19 +13736,142 @@
             <a:spLocks noGrp="1"/>
           </p:cNvSpPr>
           <p:nvPr>
-            <p:ph type="body" idx="1"/>
-          </p:nvPr>
-        </p:nvSpPr>
-        <p:spPr/>
-        <p:txBody>
-          <a:bodyPr/>
+            <p:ph idx="1"/>
+          </p:nvPr>
+        </p:nvSpPr>
+        <p:spPr>
+          <a:xfrm>
+            <a:off x="603256" y="685800"/>
+            <a:ext cx="6102220" cy="5486400"/>
+          </a:xfrm>
+        </p:spPr>
+        <p:txBody>
+          <a:bodyPr>
+            <a:normAutofit/>
+          </a:bodyPr>
           <a:lstStyle/>
           <a:p>
-            <a:r>
-              <a:rPr lang="en-US" dirty="0"/>
-              <a:t>Data Manipulation</a:t>
-            </a:r>
-            <a:endParaRPr lang="el-GR" dirty="0"/>
+            <a:pPr marL="457200" indent="-457200">
+              <a:buFont typeface="+mj-lt"/>
+              <a:buAutoNum type="arabicPeriod"/>
+            </a:pPr>
+            <a:r>
+              <a:rPr lang="en-US" sz="1600" dirty="0"/>
+              <a:t>Work towards answering a well-defined question</a:t>
+            </a:r>
+          </a:p>
+          <a:p>
+            <a:pPr marL="457200" indent="-457200">
+              <a:buFont typeface="+mj-lt"/>
+              <a:buAutoNum type="arabicPeriod"/>
+            </a:pPr>
+            <a:r>
+              <a:rPr lang="en-US" sz="1600" dirty="0"/>
+              <a:t>Have a detailed, structured plan in mind</a:t>
+            </a:r>
+          </a:p>
+          <a:p>
+            <a:pPr marL="457200" indent="-457200">
+              <a:buFont typeface="+mj-lt"/>
+              <a:buAutoNum type="arabicPeriod"/>
+            </a:pPr>
+            <a:r>
+              <a:rPr lang="en-US" sz="1600" dirty="0"/>
+              <a:t>Always keep a copy of the original data</a:t>
+            </a:r>
+          </a:p>
+          <a:p>
+            <a:pPr marL="457200" indent="-457200">
+              <a:buFont typeface="+mj-lt"/>
+              <a:buAutoNum type="arabicPeriod"/>
+            </a:pPr>
+            <a:r>
+              <a:rPr lang="en-US" sz="1600" dirty="0"/>
+              <a:t>Respect your data – they are precious </a:t>
+            </a:r>
+            <a:endParaRPr lang="el-GR" sz="1600" dirty="0"/>
+          </a:p>
+          <a:p>
+            <a:pPr marL="457200" indent="-457200">
+              <a:buFont typeface="+mj-lt"/>
+              <a:buAutoNum type="arabicPeriod"/>
+            </a:pPr>
+            <a:r>
+              <a:rPr lang="en-US" sz="1600" dirty="0"/>
+              <a:t>Know your data</a:t>
+            </a:r>
+          </a:p>
+          <a:p>
+            <a:pPr lvl="1"/>
+            <a:r>
+              <a:rPr lang="en-US" sz="1600" dirty="0"/>
+              <a:t>How were they produced?</a:t>
+            </a:r>
+          </a:p>
+          <a:p>
+            <a:pPr lvl="1"/>
+            <a:r>
+              <a:rPr lang="en-US" sz="1600" dirty="0"/>
+              <a:t>By whom?</a:t>
+            </a:r>
+          </a:p>
+          <a:p>
+            <a:pPr marL="457200" indent="-457200">
+              <a:buFont typeface="+mj-lt"/>
+              <a:buAutoNum type="arabicPeriod"/>
+            </a:pPr>
+            <a:r>
+              <a:rPr lang="en-US" sz="1600" dirty="0"/>
+              <a:t>Question the quality of your data</a:t>
+            </a:r>
+          </a:p>
+          <a:p>
+            <a:pPr lvl="1"/>
+            <a:r>
+              <a:rPr lang="en-US" sz="1600" dirty="0"/>
+              <a:t>Exploratory data analysis -&gt; does anything seem off? </a:t>
+            </a:r>
+          </a:p>
+          <a:p>
+            <a:pPr marL="457200" indent="-457200">
+              <a:buFont typeface="+mj-lt"/>
+              <a:buAutoNum type="arabicPeriod"/>
+            </a:pPr>
+            <a:r>
+              <a:rPr lang="en-US" sz="1600" dirty="0"/>
+              <a:t>If you’re not sure, ask someone</a:t>
+            </a:r>
+          </a:p>
+          <a:p>
+            <a:pPr marL="457200" indent="-457200">
+              <a:buFont typeface="+mj-lt"/>
+              <a:buAutoNum type="arabicPeriod"/>
+            </a:pPr>
+            <a:r>
+              <a:rPr lang="en-US" sz="1600" dirty="0"/>
+              <a:t>Present intermediate results in a meaningful way</a:t>
+            </a:r>
+          </a:p>
+          <a:p>
+            <a:pPr marL="457200" indent="-457200">
+              <a:buFont typeface="+mj-lt"/>
+              <a:buAutoNum type="arabicPeriod"/>
+            </a:pPr>
+            <a:r>
+              <a:rPr lang="en-US" sz="1600" dirty="0"/>
+              <a:t>Keep it simple</a:t>
+            </a:r>
+          </a:p>
+          <a:p>
+            <a:pPr marL="457200" indent="-457200">
+              <a:buFont typeface="+mj-lt"/>
+              <a:buAutoNum type="arabicPeriod"/>
+            </a:pPr>
+            <a:r>
+              <a:rPr lang="en-US" sz="1600" dirty="0"/>
+              <a:t>Reproducible research</a:t>
+            </a:r>
+            <a:endParaRPr lang="el-GR" sz="1600" dirty="0"/>
           </a:p>
         </p:txBody>
       </p:sp>
@@ -9392,7 +13880,7 @@
           <p:cNvPr id="4" name="Θέση υποσέλιδου 3">
             <a:extLst>
               <a:ext uri="{FF2B5EF4-FFF2-40B4-BE49-F238E27FC236}">
-                <a16:creationId xmlns:a16="http://schemas.microsoft.com/office/drawing/2014/main" id="{2D4DC851-DAF3-49C5-8EAF-7743B78FE5A8}"/>
+                <a16:creationId xmlns:a16="http://schemas.microsoft.com/office/drawing/2014/main" id="{D0F32075-1247-4D14-AB72-A27594AC57D0}"/>
               </a:ext>
             </a:extLst>
           </p:cNvPr>
@@ -9403,17 +13891,31 @@
             <p:ph type="ftr" sz="quarter" idx="11"/>
           </p:nvPr>
         </p:nvSpPr>
-        <p:spPr/>
-        <p:txBody>
-          <a:bodyPr/>
+        <p:spPr>
+          <a:xfrm>
+            <a:off x="609600" y="6385492"/>
+            <a:ext cx="6099048" cy="228600"/>
+          </a:xfrm>
+        </p:spPr>
+        <p:txBody>
+          <a:bodyPr anchor="ctr">
+            <a:normAutofit/>
+          </a:bodyPr>
           <a:lstStyle/>
           <a:p>
-            <a:pPr rtl="0"/>
-            <a:r>
-              <a:rPr lang="en-US" noProof="0"/>
+            <a:pPr rtl="0">
+              <a:lnSpc>
+                <a:spcPct val="90000"/>
+              </a:lnSpc>
+              <a:spcAft>
+                <a:spcPts val="600"/>
+              </a:spcAft>
+            </a:pPr>
+            <a:r>
+              <a:rPr lang="en-US" sz="1000" noProof="0"/>
               <a:t>M. T. Pandi - R for Bioinformatics</a:t>
             </a:r>
-            <a:endParaRPr lang="el-GR" noProof="0" dirty="0"/>
+            <a:endParaRPr lang="el-GR" sz="1000" noProof="0"/>
           </a:p>
         </p:txBody>
       </p:sp>
@@ -9422,7 +13924,7 @@
           <p:cNvPr id="5" name="Θέση ημερομηνίας 4">
             <a:extLst>
               <a:ext uri="{FF2B5EF4-FFF2-40B4-BE49-F238E27FC236}">
-                <a16:creationId xmlns:a16="http://schemas.microsoft.com/office/drawing/2014/main" id="{DA6FE7A9-7405-4AB7-BEBD-2AFF57083AA1}"/>
+                <a16:creationId xmlns:a16="http://schemas.microsoft.com/office/drawing/2014/main" id="{BDD2C2C6-EC88-4606-9E4A-987A01C0C574}"/>
               </a:ext>
             </a:extLst>
           </p:cNvPr>
@@ -9433,17 +13935,39 @@
             <p:ph type="dt" sz="half" idx="10"/>
           </p:nvPr>
         </p:nvSpPr>
-        <p:spPr/>
-        <p:txBody>
-          <a:bodyPr/>
+        <p:spPr>
+          <a:xfrm>
+            <a:off x="9419253" y="6385492"/>
+            <a:ext cx="982047" cy="228600"/>
+          </a:xfrm>
+        </p:spPr>
+        <p:txBody>
+          <a:bodyPr anchor="ctr">
+            <a:normAutofit/>
+          </a:bodyPr>
           <a:lstStyle/>
           <a:p>
-            <a:pPr rtl="0"/>
-            <a:fld id="{74B5E8AA-95E9-49A1-853C-80B525F4A0AE}" type="datetime1">
-              <a:rPr lang="el-GR" noProof="0" smtClean="0"/>
-              <a:t>15/9/2020</a:t>
+            <a:pPr rtl="0">
+              <a:lnSpc>
+                <a:spcPct val="90000"/>
+              </a:lnSpc>
+              <a:spcAft>
+                <a:spcPts val="600"/>
+              </a:spcAft>
+            </a:pPr>
+            <a:fld id="{5325465F-F778-4B80-A227-2391232C7488}" type="datetime1">
+              <a:rPr lang="el-GR" sz="1000" noProof="0" smtClean="0"/>
+              <a:pPr rtl="0">
+                <a:lnSpc>
+                  <a:spcPct val="90000"/>
+                </a:lnSpc>
+                <a:spcAft>
+                  <a:spcPts val="600"/>
+                </a:spcAft>
+              </a:pPr>
+              <a:t>27/9/2020</a:t>
             </a:fld>
-            <a:endParaRPr lang="el-GR" noProof="0" dirty="0"/>
+            <a:endParaRPr lang="el-GR" sz="1000" noProof="0"/>
           </a:p>
         </p:txBody>
       </p:sp>
@@ -9452,7 +13976,7 @@
           <p:cNvPr id="6" name="Θέση αριθμού διαφάνειας 5">
             <a:extLst>
               <a:ext uri="{FF2B5EF4-FFF2-40B4-BE49-F238E27FC236}">
-                <a16:creationId xmlns:a16="http://schemas.microsoft.com/office/drawing/2014/main" id="{F7465A8C-1E37-469F-85C2-170AB3F1AF60}"/>
+                <a16:creationId xmlns:a16="http://schemas.microsoft.com/office/drawing/2014/main" id="{C5B10D30-CAB1-494F-AA93-44AB91BEAB71}"/>
               </a:ext>
             </a:extLst>
           </p:cNvPr>
@@ -9463,24 +13987,113 @@
             <p:ph type="sldNum" sz="quarter" idx="12"/>
           </p:nvPr>
         </p:nvSpPr>
-        <p:spPr/>
-        <p:txBody>
-          <a:bodyPr/>
+        <p:spPr>
+          <a:xfrm>
+            <a:off x="10753532" y="6385492"/>
+            <a:ext cx="828868" cy="228600"/>
+          </a:xfrm>
+        </p:spPr>
+        <p:txBody>
+          <a:bodyPr anchor="ctr">
+            <a:normAutofit/>
+          </a:bodyPr>
           <a:lstStyle/>
           <a:p>
-            <a:pPr rtl="0"/>
+            <a:pPr rtl="0">
+              <a:lnSpc>
+                <a:spcPct val="90000"/>
+              </a:lnSpc>
+              <a:spcAft>
+                <a:spcPts val="600"/>
+              </a:spcAft>
+            </a:pPr>
             <a:fld id="{E31375A4-56A4-47D6-9801-1991572033F7}" type="slidenum">
-              <a:rPr lang="el-GR" noProof="0" smtClean="0"/>
+              <a:rPr lang="el-GR" sz="1000" noProof="0" smtClean="0"/>
+              <a:pPr rtl="0">
+                <a:lnSpc>
+                  <a:spcPct val="90000"/>
+                </a:lnSpc>
+                <a:spcAft>
+                  <a:spcPts val="600"/>
+                </a:spcAft>
+              </a:pPr>
               <a:t>3</a:t>
             </a:fld>
-            <a:endParaRPr lang="el-GR" noProof="0" dirty="0"/>
+            <a:endParaRPr lang="el-GR" sz="1000" noProof="0"/>
+          </a:p>
+        </p:txBody>
+      </p:sp>
+      <p:sp>
+        <p:nvSpPr>
+          <p:cNvPr id="10" name="Ορθογώνιο: Διπλωμένη γωνία 9">
+            <a:extLst>
+              <a:ext uri="{FF2B5EF4-FFF2-40B4-BE49-F238E27FC236}">
+                <a16:creationId xmlns:a16="http://schemas.microsoft.com/office/drawing/2014/main" id="{9CA2362C-58A2-4844-BEE0-A9D9F09AC27F}"/>
+              </a:ext>
+            </a:extLst>
+          </p:cNvPr>
+          <p:cNvSpPr/>
+          <p:nvPr/>
+        </p:nvSpPr>
+        <p:spPr>
+          <a:xfrm>
+            <a:off x="4326264" y="5781059"/>
+            <a:ext cx="2731444" cy="782281"/>
+          </a:xfrm>
+          <a:prstGeom prst="foldedCorner">
+            <a:avLst/>
+          </a:prstGeom>
+          <a:solidFill>
+            <a:schemeClr val="accent1">
+              <a:lumMod val="75000"/>
+            </a:schemeClr>
+          </a:solidFill>
+          <a:ln>
+            <a:solidFill>
+              <a:schemeClr val="accent1">
+                <a:lumMod val="75000"/>
+              </a:schemeClr>
+            </a:solidFill>
+          </a:ln>
+        </p:spPr>
+        <p:style>
+          <a:lnRef idx="2">
+            <a:schemeClr val="accent1">
+              <a:shade val="50000"/>
+            </a:schemeClr>
+          </a:lnRef>
+          <a:fillRef idx="1">
+            <a:schemeClr val="accent1"/>
+          </a:fillRef>
+          <a:effectRef idx="0">
+            <a:schemeClr val="accent1"/>
+          </a:effectRef>
+          <a:fontRef idx="minor">
+            <a:schemeClr val="lt1"/>
+          </a:fontRef>
+        </p:style>
+        <p:txBody>
+          <a:bodyPr rtlCol="0" anchor="ctr"/>
+          <a:lstStyle/>
+          <a:p>
+            <a:r>
+              <a:rPr lang="en-US" sz="1100" dirty="0">
+                <a:solidFill>
+                  <a:schemeClr val="bg1">
+                    <a:lumMod val="95000"/>
+                    <a:lumOff val="5000"/>
+                  </a:schemeClr>
+                </a:solidFill>
+              </a:rPr>
+              <a:t>https://journals.plos.org/ploscompbiol/article?id=10.1371/journal.pcbi.1004961</a:t>
+            </a:r>
           </a:p>
         </p:txBody>
       </p:sp>
     </p:spTree>
     <p:extLst>
       <p:ext uri="{BB962C8B-B14F-4D97-AF65-F5344CB8AC3E}">
-        <p14:creationId xmlns:p14="http://schemas.microsoft.com/office/powerpoint/2010/main" val="590044060"/>
+        <p14:creationId xmlns:p14="http://schemas.microsoft.com/office/powerpoint/2010/main" val="2230172372"/>
       </p:ext>
     </p:extLst>
   </p:cSld>
@@ -9521,10 +14134,10 @@
       </p:grpSpPr>
       <p:sp>
         <p:nvSpPr>
-          <p:cNvPr id="5" name="Τίτλος 4">
+          <p:cNvPr id="8" name="Τίτλος 7">
             <a:extLst>
               <a:ext uri="{FF2B5EF4-FFF2-40B4-BE49-F238E27FC236}">
-                <a16:creationId xmlns:a16="http://schemas.microsoft.com/office/drawing/2014/main" id="{A061A36B-9C8A-40B9-929D-81BB23585DBF}"/>
+                <a16:creationId xmlns:a16="http://schemas.microsoft.com/office/drawing/2014/main" id="{CDC210FC-6BE0-4DCB-A1A6-BAA999C9763E}"/>
               </a:ext>
             </a:extLst>
           </p:cNvPr>
@@ -9542,122 +14155,49 @@
           <a:p>
             <a:r>
               <a:rPr lang="en-US" dirty="0"/>
-              <a:t>Table of contents</a:t>
+              <a:t>Data preprocessing</a:t>
             </a:r>
             <a:endParaRPr lang="el-GR" dirty="0"/>
           </a:p>
         </p:txBody>
       </p:sp>
-      <p:sp>
-        <p:nvSpPr>
-          <p:cNvPr id="6" name="Θέση περιεχομένου 5">
+      <p:graphicFrame>
+        <p:nvGraphicFramePr>
+          <p:cNvPr id="10" name="Θέση περιεχομένου 9">
             <a:extLst>
               <a:ext uri="{FF2B5EF4-FFF2-40B4-BE49-F238E27FC236}">
-                <a16:creationId xmlns:a16="http://schemas.microsoft.com/office/drawing/2014/main" id="{C6755766-D021-4D53-9C36-A39A30AF6277}"/>
+                <a16:creationId xmlns:a16="http://schemas.microsoft.com/office/drawing/2014/main" id="{11A136F7-F2D0-4170-A6BB-1C21521A3FCA}"/>
               </a:ext>
             </a:extLst>
           </p:cNvPr>
-          <p:cNvSpPr>
-            <a:spLocks noGrp="1"/>
-          </p:cNvSpPr>
-          <p:nvPr>
-            <p:ph sz="half" idx="1"/>
-          </p:nvPr>
-        </p:nvSpPr>
-        <p:spPr>
-          <a:xfrm>
-            <a:off x="1295402" y="2037330"/>
-            <a:ext cx="4572000" cy="3733884"/>
-          </a:xfrm>
-        </p:spPr>
-        <p:txBody>
-          <a:bodyPr>
-            <a:normAutofit/>
-          </a:bodyPr>
-          <a:lstStyle/>
-          <a:p>
-            <a:r>
-              <a:rPr lang="en-US" dirty="0"/>
-              <a:t>Iris dataset</a:t>
-            </a:r>
-          </a:p>
-          <a:p>
-            <a:r>
-              <a:rPr lang="en-US" dirty="0"/>
-              <a:t>Data frames</a:t>
-            </a:r>
-          </a:p>
-          <a:p>
-            <a:r>
-              <a:rPr lang="en-US" dirty="0"/>
-              <a:t>Data processing</a:t>
-            </a:r>
-          </a:p>
-          <a:p>
-            <a:r>
-              <a:rPr lang="en-US" dirty="0"/>
-              <a:t>Basic plotting in R – Histograms &amp; Density plots</a:t>
-            </a:r>
-          </a:p>
-          <a:p>
-            <a:r>
-              <a:rPr lang="en-US" dirty="0"/>
-              <a:t>Basic plotting in R – Bar plots</a:t>
-            </a:r>
-          </a:p>
-          <a:p>
-            <a:r>
-              <a:rPr lang="en-US" dirty="0"/>
-              <a:t>Basic plotting in R – Pie charts</a:t>
-            </a:r>
-          </a:p>
-          <a:p>
-            <a:r>
-              <a:rPr lang="en-US" dirty="0"/>
-              <a:t>Basic plotting in R – Boxplots</a:t>
-            </a:r>
-          </a:p>
-          <a:p>
-            <a:endParaRPr lang="en-US" dirty="0"/>
-          </a:p>
-          <a:p>
-            <a:endParaRPr lang="en-US" dirty="0"/>
-          </a:p>
-          <a:p>
-            <a:endParaRPr lang="en-US" dirty="0"/>
-          </a:p>
-          <a:p>
-            <a:pPr marL="0" indent="0">
-              <a:buNone/>
-            </a:pPr>
-            <a:endParaRPr lang="en-US" dirty="0"/>
-          </a:p>
-          <a:p>
-            <a:endParaRPr lang="en-US" dirty="0"/>
-          </a:p>
-          <a:p>
-            <a:endParaRPr lang="en-US" dirty="0"/>
-          </a:p>
-          <a:p>
-            <a:endParaRPr lang="en-US" dirty="0"/>
-          </a:p>
-          <a:p>
-            <a:endParaRPr lang="en-US" dirty="0"/>
-          </a:p>
-          <a:p>
-            <a:endParaRPr lang="en-US" dirty="0"/>
-          </a:p>
-          <a:p>
-            <a:endParaRPr lang="el-GR" dirty="0"/>
-          </a:p>
-        </p:txBody>
-      </p:sp>
-      <p:sp>
-        <p:nvSpPr>
-          <p:cNvPr id="2" name="Θέση περιεχομένου 1">
+          <p:cNvGraphicFramePr>
+            <a:graphicFrameLocks noGrp="1"/>
+          </p:cNvGraphicFramePr>
+          <p:nvPr>
+            <p:ph idx="1"/>
+            <p:extLst>
+              <p:ext uri="{D42A27DB-BD31-4B8C-83A1-F6EECF244321}">
+                <p14:modId xmlns:p14="http://schemas.microsoft.com/office/powerpoint/2010/main" val="2482070350"/>
+              </p:ext>
+            </p:extLst>
+          </p:nvPr>
+        </p:nvGraphicFramePr>
+        <p:xfrm>
+          <a:off x="1295400" y="2986983"/>
+          <a:ext cx="9601200" cy="2920579"/>
+        </p:xfrm>
+        <a:graphic>
+          <a:graphicData uri="http://schemas.openxmlformats.org/drawingml/2006/diagram">
+            <dgm:relIds xmlns:dgm="http://schemas.openxmlformats.org/drawingml/2006/diagram" xmlns:r="http://schemas.openxmlformats.org/officeDocument/2006/relationships" r:dm="rId2" r:lo="rId3" r:qs="rId4" r:cs="rId5"/>
+          </a:graphicData>
+        </a:graphic>
+      </p:graphicFrame>
+      <p:sp>
+        <p:nvSpPr>
+          <p:cNvPr id="5" name="Θέση υποσέλιδου 4">
             <a:extLst>
               <a:ext uri="{FF2B5EF4-FFF2-40B4-BE49-F238E27FC236}">
-                <a16:creationId xmlns:a16="http://schemas.microsoft.com/office/drawing/2014/main" id="{5BE865DF-9199-4467-AB14-50D5C928914D}"/>
+                <a16:creationId xmlns:a16="http://schemas.microsoft.com/office/drawing/2014/main" id="{33B8996C-AE72-46B9-B50E-1347FCB7BCFC}"/>
               </a:ext>
             </a:extLst>
           </p:cNvPr>
@@ -9665,70 +14205,29 @@
             <a:spLocks noGrp="1"/>
           </p:cNvSpPr>
           <p:nvPr>
-            <p:ph sz="half" idx="2"/>
-          </p:nvPr>
-        </p:nvSpPr>
-        <p:spPr>
-          <a:xfrm>
-            <a:off x="6324600" y="2037330"/>
-            <a:ext cx="4572000" cy="3733884"/>
-          </a:xfrm>
-        </p:spPr>
-        <p:txBody>
-          <a:bodyPr>
-            <a:normAutofit/>
-          </a:bodyPr>
+            <p:ph type="ftr" sz="quarter" idx="11"/>
+          </p:nvPr>
+        </p:nvSpPr>
+        <p:spPr/>
+        <p:txBody>
+          <a:bodyPr/>
           <a:lstStyle/>
           <a:p>
-            <a:r>
-              <a:rPr lang="en-US" dirty="0"/>
-              <a:t>Basic plotting in R – Scatter plot</a:t>
-            </a:r>
-          </a:p>
-          <a:p>
-            <a:r>
-              <a:rPr lang="en-US" dirty="0"/>
-              <a:t>Basic plotting in R – plot() options</a:t>
-            </a:r>
-          </a:p>
-          <a:p>
-            <a:r>
-              <a:rPr lang="en-US" dirty="0"/>
-              <a:t>Graphical parameters</a:t>
-            </a:r>
-          </a:p>
-          <a:p>
-            <a:r>
-              <a:rPr lang="en-US" dirty="0"/>
-              <a:t>Customizing a graph</a:t>
-            </a:r>
-          </a:p>
-          <a:p>
-            <a:r>
-              <a:rPr lang="en-US" dirty="0"/>
-              <a:t>Multiple plots</a:t>
-            </a:r>
-          </a:p>
-          <a:p>
-            <a:r>
-              <a:rPr lang="en-US" dirty="0"/>
-              <a:t>Saving plots</a:t>
-            </a:r>
-          </a:p>
-          <a:p>
-            <a:r>
-              <a:rPr lang="en-US" dirty="0"/>
-              <a:t>Resources used </a:t>
-            </a:r>
-          </a:p>
-        </p:txBody>
-      </p:sp>
-      <p:sp>
-        <p:nvSpPr>
-          <p:cNvPr id="4" name="Θέση υποσέλιδου 3">
+            <a:pPr rtl="0"/>
+            <a:r>
+              <a:rPr lang="en-US" noProof="0"/>
+              <a:t>M. T. Pandi - R for Bioinformatics</a:t>
+            </a:r>
+            <a:endParaRPr lang="el-GR" noProof="0" dirty="0"/>
+          </a:p>
+        </p:txBody>
+      </p:sp>
+      <p:sp>
+        <p:nvSpPr>
+          <p:cNvPr id="6" name="Θέση ημερομηνίας 5">
             <a:extLst>
               <a:ext uri="{FF2B5EF4-FFF2-40B4-BE49-F238E27FC236}">
-                <a16:creationId xmlns:a16="http://schemas.microsoft.com/office/drawing/2014/main" id="{62D05519-4561-412D-9786-CBEA6594F818}"/>
+                <a16:creationId xmlns:a16="http://schemas.microsoft.com/office/drawing/2014/main" id="{BA1CB20D-B36A-4A86-BD28-30A89E4F8DE4}"/>
               </a:ext>
             </a:extLst>
           </p:cNvPr>
@@ -9736,7 +14235,7 @@
             <a:spLocks noGrp="1"/>
           </p:cNvSpPr>
           <p:nvPr>
-            <p:ph type="ftr" sz="quarter" idx="11"/>
+            <p:ph type="dt" sz="half" idx="10"/>
           </p:nvPr>
         </p:nvSpPr>
         <p:spPr/>
@@ -9745,10 +14244,10 @@
           <a:lstStyle/>
           <a:p>
             <a:pPr rtl="0"/>
-            <a:r>
-              <a:rPr lang="en-US" noProof="0"/>
-              <a:t>M. T. Pandi - R for Bioinformatics</a:t>
-            </a:r>
+            <a:fld id="{0EA3BE4B-CACF-489B-BFBD-106CCD48EC5C}" type="datetime1">
+              <a:rPr lang="el-GR" noProof="0" smtClean="0"/>
+              <a:t>27/9/2020</a:t>
+            </a:fld>
             <a:endParaRPr lang="el-GR" noProof="0" dirty="0"/>
           </a:p>
         </p:txBody>
@@ -9758,7 +14257,7 @@
           <p:cNvPr id="7" name="Θέση αριθμού διαφάνειας 6">
             <a:extLst>
               <a:ext uri="{FF2B5EF4-FFF2-40B4-BE49-F238E27FC236}">
-                <a16:creationId xmlns:a16="http://schemas.microsoft.com/office/drawing/2014/main" id="{C2464628-EA46-42B2-856A-93E25A890CC3}"/>
+                <a16:creationId xmlns:a16="http://schemas.microsoft.com/office/drawing/2014/main" id="{C3418992-DA37-4DEA-9103-2ADC4307E6F9}"/>
               </a:ext>
             </a:extLst>
           </p:cNvPr>
@@ -9785,38 +14284,81 @@
       </p:sp>
       <p:sp>
         <p:nvSpPr>
-          <p:cNvPr id="8" name="Θέση ημερομηνίας 7">
+          <p:cNvPr id="12" name="Ορθογώνιο: Διπλωμένη γωνία 11">
             <a:extLst>
               <a:ext uri="{FF2B5EF4-FFF2-40B4-BE49-F238E27FC236}">
-                <a16:creationId xmlns:a16="http://schemas.microsoft.com/office/drawing/2014/main" id="{ADC08F09-C232-466B-AFA9-B2B1DC459179}"/>
+                <a16:creationId xmlns:a16="http://schemas.microsoft.com/office/drawing/2014/main" id="{11041CA9-8862-4BC9-98F1-B47A84F4ACAD}"/>
               </a:ext>
             </a:extLst>
           </p:cNvPr>
-          <p:cNvSpPr>
-            <a:spLocks noGrp="1"/>
-          </p:cNvSpPr>
-          <p:nvPr>
-            <p:ph type="dt" sz="half" idx="10"/>
-          </p:nvPr>
-        </p:nvSpPr>
-        <p:spPr/>
-        <p:txBody>
-          <a:bodyPr/>
+          <p:cNvSpPr/>
+          <p:nvPr/>
+        </p:nvSpPr>
+        <p:spPr>
+          <a:xfrm>
+            <a:off x="7814706" y="718450"/>
+            <a:ext cx="3353260" cy="1427585"/>
+          </a:xfrm>
+          <a:prstGeom prst="foldedCorner">
+            <a:avLst/>
+          </a:prstGeom>
+          <a:solidFill>
+            <a:schemeClr val="accent1">
+              <a:lumMod val="75000"/>
+            </a:schemeClr>
+          </a:solidFill>
+          <a:ln>
+            <a:solidFill>
+              <a:schemeClr val="accent1">
+                <a:lumMod val="75000"/>
+              </a:schemeClr>
+            </a:solidFill>
+          </a:ln>
+        </p:spPr>
+        <p:style>
+          <a:lnRef idx="2">
+            <a:schemeClr val="accent1">
+              <a:shade val="50000"/>
+            </a:schemeClr>
+          </a:lnRef>
+          <a:fillRef idx="1">
+            <a:schemeClr val="accent1"/>
+          </a:fillRef>
+          <a:effectRef idx="0">
+            <a:schemeClr val="accent1"/>
+          </a:effectRef>
+          <a:fontRef idx="minor">
+            <a:schemeClr val="lt1"/>
+          </a:fontRef>
+        </p:style>
+        <p:txBody>
+          <a:bodyPr rtlCol="0" anchor="ctr"/>
           <a:lstStyle/>
           <a:p>
-            <a:pPr rtl="0"/>
-            <a:fld id="{C16BEE34-F369-454D-A62F-07FE58802FBC}" type="datetime1">
-              <a:rPr lang="el-GR" noProof="0" smtClean="0"/>
-              <a:t>15/9/2020</a:t>
-            </a:fld>
-            <a:endParaRPr lang="el-GR" noProof="0" dirty="0"/>
+            <a:pPr algn="ctr"/>
+            <a:r>
+              <a:rPr lang="en-US" dirty="0"/>
+              <a:t>Small n large p problem:</a:t>
+            </a:r>
+          </a:p>
+          <a:p>
+            <a:pPr algn="ctr"/>
+            <a:endParaRPr lang="en-US" dirty="0"/>
+          </a:p>
+          <a:p>
+            <a:pPr algn="ctr"/>
+            <a:r>
+              <a:rPr lang="en-US" sz="1400" dirty="0"/>
+              <a:t>https://royalsocietypublishing.org/doi/10.1098/rsta.2009.0159</a:t>
+            </a:r>
+            <a:endParaRPr lang="el-GR" sz="1400" dirty="0"/>
           </a:p>
         </p:txBody>
       </p:sp>
     </p:spTree>
     <p:extLst>
       <p:ext uri="{BB962C8B-B14F-4D97-AF65-F5344CB8AC3E}">
-        <p14:creationId xmlns:p14="http://schemas.microsoft.com/office/powerpoint/2010/main" val="1180095627"/>
+        <p14:creationId xmlns:p14="http://schemas.microsoft.com/office/powerpoint/2010/main" val="3483176803"/>
       </p:ext>
     </p:extLst>
   </p:cSld>
@@ -9860,6 +14402,540 @@
           <p:cNvPr id="2" name="Τίτλος 1">
             <a:extLst>
               <a:ext uri="{FF2B5EF4-FFF2-40B4-BE49-F238E27FC236}">
+                <a16:creationId xmlns:a16="http://schemas.microsoft.com/office/drawing/2014/main" id="{70FDC419-798A-4499-89B4-46D2C39441EB}"/>
+              </a:ext>
+            </a:extLst>
+          </p:cNvPr>
+          <p:cNvSpPr>
+            <a:spLocks noGrp="1"/>
+          </p:cNvSpPr>
+          <p:nvPr>
+            <p:ph type="title"/>
+          </p:nvPr>
+        </p:nvSpPr>
+        <p:spPr/>
+        <p:txBody>
+          <a:bodyPr/>
+          <a:lstStyle/>
+          <a:p>
+            <a:r>
+              <a:rPr lang="en-US" dirty="0"/>
+              <a:t>Part </a:t>
+            </a:r>
+            <a:r>
+              <a:rPr lang="en-US" dirty="0" err="1"/>
+              <a:t>IIa</a:t>
+            </a:r>
+            <a:r>
+              <a:rPr lang="en-US" dirty="0"/>
+              <a:t> </a:t>
+            </a:r>
+            <a:endParaRPr lang="el-GR" dirty="0"/>
+          </a:p>
+        </p:txBody>
+      </p:sp>
+      <p:sp>
+        <p:nvSpPr>
+          <p:cNvPr id="3" name="Θέση κειμένου 2">
+            <a:extLst>
+              <a:ext uri="{FF2B5EF4-FFF2-40B4-BE49-F238E27FC236}">
+                <a16:creationId xmlns:a16="http://schemas.microsoft.com/office/drawing/2014/main" id="{E3839D8A-7E94-4CBB-94DD-CBBE9E3EA7B6}"/>
+              </a:ext>
+            </a:extLst>
+          </p:cNvPr>
+          <p:cNvSpPr>
+            <a:spLocks noGrp="1"/>
+          </p:cNvSpPr>
+          <p:nvPr>
+            <p:ph type="body" idx="1"/>
+          </p:nvPr>
+        </p:nvSpPr>
+        <p:spPr/>
+        <p:txBody>
+          <a:bodyPr/>
+          <a:lstStyle/>
+          <a:p>
+            <a:r>
+              <a:rPr lang="en-US" dirty="0"/>
+              <a:t>Data Manipulation</a:t>
+            </a:r>
+            <a:endParaRPr lang="el-GR" dirty="0"/>
+          </a:p>
+        </p:txBody>
+      </p:sp>
+      <p:sp>
+        <p:nvSpPr>
+          <p:cNvPr id="4" name="Θέση υποσέλιδου 3">
+            <a:extLst>
+              <a:ext uri="{FF2B5EF4-FFF2-40B4-BE49-F238E27FC236}">
+                <a16:creationId xmlns:a16="http://schemas.microsoft.com/office/drawing/2014/main" id="{2D4DC851-DAF3-49C5-8EAF-7743B78FE5A8}"/>
+              </a:ext>
+            </a:extLst>
+          </p:cNvPr>
+          <p:cNvSpPr>
+            <a:spLocks noGrp="1"/>
+          </p:cNvSpPr>
+          <p:nvPr>
+            <p:ph type="ftr" sz="quarter" idx="11"/>
+          </p:nvPr>
+        </p:nvSpPr>
+        <p:spPr/>
+        <p:txBody>
+          <a:bodyPr/>
+          <a:lstStyle/>
+          <a:p>
+            <a:pPr rtl="0"/>
+            <a:r>
+              <a:rPr lang="en-US" noProof="0"/>
+              <a:t>M. T. Pandi - R for Bioinformatics</a:t>
+            </a:r>
+            <a:endParaRPr lang="el-GR" noProof="0" dirty="0"/>
+          </a:p>
+        </p:txBody>
+      </p:sp>
+      <p:sp>
+        <p:nvSpPr>
+          <p:cNvPr id="5" name="Θέση ημερομηνίας 4">
+            <a:extLst>
+              <a:ext uri="{FF2B5EF4-FFF2-40B4-BE49-F238E27FC236}">
+                <a16:creationId xmlns:a16="http://schemas.microsoft.com/office/drawing/2014/main" id="{DA6FE7A9-7405-4AB7-BEBD-2AFF57083AA1}"/>
+              </a:ext>
+            </a:extLst>
+          </p:cNvPr>
+          <p:cNvSpPr>
+            <a:spLocks noGrp="1"/>
+          </p:cNvSpPr>
+          <p:nvPr>
+            <p:ph type="dt" sz="half" idx="10"/>
+          </p:nvPr>
+        </p:nvSpPr>
+        <p:spPr/>
+        <p:txBody>
+          <a:bodyPr/>
+          <a:lstStyle/>
+          <a:p>
+            <a:pPr rtl="0"/>
+            <a:fld id="{74B5E8AA-95E9-49A1-853C-80B525F4A0AE}" type="datetime1">
+              <a:rPr lang="el-GR" noProof="0" smtClean="0"/>
+              <a:t>27/9/2020</a:t>
+            </a:fld>
+            <a:endParaRPr lang="el-GR" noProof="0" dirty="0"/>
+          </a:p>
+        </p:txBody>
+      </p:sp>
+      <p:sp>
+        <p:nvSpPr>
+          <p:cNvPr id="6" name="Θέση αριθμού διαφάνειας 5">
+            <a:extLst>
+              <a:ext uri="{FF2B5EF4-FFF2-40B4-BE49-F238E27FC236}">
+                <a16:creationId xmlns:a16="http://schemas.microsoft.com/office/drawing/2014/main" id="{F7465A8C-1E37-469F-85C2-170AB3F1AF60}"/>
+              </a:ext>
+            </a:extLst>
+          </p:cNvPr>
+          <p:cNvSpPr>
+            <a:spLocks noGrp="1"/>
+          </p:cNvSpPr>
+          <p:nvPr>
+            <p:ph type="sldNum" sz="quarter" idx="12"/>
+          </p:nvPr>
+        </p:nvSpPr>
+        <p:spPr/>
+        <p:txBody>
+          <a:bodyPr/>
+          <a:lstStyle/>
+          <a:p>
+            <a:pPr rtl="0"/>
+            <a:fld id="{E31375A4-56A4-47D6-9801-1991572033F7}" type="slidenum">
+              <a:rPr lang="el-GR" noProof="0" smtClean="0"/>
+              <a:t>5</a:t>
+            </a:fld>
+            <a:endParaRPr lang="el-GR" noProof="0" dirty="0"/>
+          </a:p>
+        </p:txBody>
+      </p:sp>
+    </p:spTree>
+    <p:extLst>
+      <p:ext uri="{BB962C8B-B14F-4D97-AF65-F5344CB8AC3E}">
+        <p14:creationId xmlns:p14="http://schemas.microsoft.com/office/powerpoint/2010/main" val="590044060"/>
+      </p:ext>
+    </p:extLst>
+  </p:cSld>
+  <p:clrMapOvr>
+    <a:masterClrMapping/>
+  </p:clrMapOvr>
+  <mc:AlternateContent xmlns:mc="http://schemas.openxmlformats.org/markup-compatibility/2006" xmlns:p14="http://schemas.microsoft.com/office/powerpoint/2010/main">
+    <mc:Choice Requires="p14">
+      <p:transition spd="med" p14:dur="700">
+        <p:fade/>
+      </p:transition>
+    </mc:Choice>
+    <mc:Fallback xmlns="">
+      <p:transition spd="med">
+        <p:fade/>
+      </p:transition>
+    </mc:Fallback>
+  </mc:AlternateContent>
+</p:sld>
+</file>
+
+<file path=ppt/slides/slide6.xml><?xml version="1.0" encoding="utf-8"?>
+<p:sld xmlns:a="http://schemas.openxmlformats.org/drawingml/2006/main" xmlns:r="http://schemas.openxmlformats.org/officeDocument/2006/relationships" xmlns:p="http://schemas.openxmlformats.org/presentationml/2006/main">
+  <p:cSld>
+    <p:spTree>
+      <p:nvGrpSpPr>
+        <p:cNvPr id="1" name=""/>
+        <p:cNvGrpSpPr/>
+        <p:nvPr/>
+      </p:nvGrpSpPr>
+      <p:grpSpPr>
+        <a:xfrm>
+          <a:off x="0" y="0"/>
+          <a:ext cx="0" cy="0"/>
+          <a:chOff x="0" y="0"/>
+          <a:chExt cx="0" cy="0"/>
+        </a:xfrm>
+      </p:grpSpPr>
+      <p:sp>
+        <p:nvSpPr>
+          <p:cNvPr id="5" name="Τίτλος 4">
+            <a:extLst>
+              <a:ext uri="{FF2B5EF4-FFF2-40B4-BE49-F238E27FC236}">
+                <a16:creationId xmlns:a16="http://schemas.microsoft.com/office/drawing/2014/main" id="{A061A36B-9C8A-40B9-929D-81BB23585DBF}"/>
+              </a:ext>
+            </a:extLst>
+          </p:cNvPr>
+          <p:cNvSpPr>
+            <a:spLocks noGrp="1"/>
+          </p:cNvSpPr>
+          <p:nvPr>
+            <p:ph type="title"/>
+          </p:nvPr>
+        </p:nvSpPr>
+        <p:spPr/>
+        <p:txBody>
+          <a:bodyPr/>
+          <a:lstStyle/>
+          <a:p>
+            <a:r>
+              <a:rPr lang="en-US" dirty="0"/>
+              <a:t>Table of contents</a:t>
+            </a:r>
+            <a:endParaRPr lang="el-GR" dirty="0"/>
+          </a:p>
+        </p:txBody>
+      </p:sp>
+      <p:sp>
+        <p:nvSpPr>
+          <p:cNvPr id="6" name="Θέση περιεχομένου 5">
+            <a:extLst>
+              <a:ext uri="{FF2B5EF4-FFF2-40B4-BE49-F238E27FC236}">
+                <a16:creationId xmlns:a16="http://schemas.microsoft.com/office/drawing/2014/main" id="{C6755766-D021-4D53-9C36-A39A30AF6277}"/>
+              </a:ext>
+            </a:extLst>
+          </p:cNvPr>
+          <p:cNvSpPr>
+            <a:spLocks noGrp="1"/>
+          </p:cNvSpPr>
+          <p:nvPr>
+            <p:ph sz="half" idx="1"/>
+          </p:nvPr>
+        </p:nvSpPr>
+        <p:spPr>
+          <a:xfrm>
+            <a:off x="1295402" y="2037330"/>
+            <a:ext cx="4572000" cy="3733884"/>
+          </a:xfrm>
+        </p:spPr>
+        <p:txBody>
+          <a:bodyPr>
+            <a:normAutofit/>
+          </a:bodyPr>
+          <a:lstStyle/>
+          <a:p>
+            <a:r>
+              <a:rPr lang="en-US" dirty="0"/>
+              <a:t>Iris dataset</a:t>
+            </a:r>
+          </a:p>
+          <a:p>
+            <a:r>
+              <a:rPr lang="en-US" dirty="0"/>
+              <a:t>Data frames</a:t>
+            </a:r>
+          </a:p>
+          <a:p>
+            <a:r>
+              <a:rPr lang="en-US" dirty="0"/>
+              <a:t>Data processing</a:t>
+            </a:r>
+          </a:p>
+          <a:p>
+            <a:r>
+              <a:rPr lang="en-US" dirty="0"/>
+              <a:t>Basic plotting in R – Histograms &amp; Density plots</a:t>
+            </a:r>
+          </a:p>
+          <a:p>
+            <a:r>
+              <a:rPr lang="en-US" dirty="0"/>
+              <a:t>Basic plotting in R – Bar plots</a:t>
+            </a:r>
+          </a:p>
+          <a:p>
+            <a:r>
+              <a:rPr lang="en-US" dirty="0"/>
+              <a:t>Basic plotting in R – Pie charts</a:t>
+            </a:r>
+          </a:p>
+          <a:p>
+            <a:r>
+              <a:rPr lang="en-US" dirty="0"/>
+              <a:t>Basic plotting in R – Boxplots</a:t>
+            </a:r>
+          </a:p>
+          <a:p>
+            <a:endParaRPr lang="en-US" dirty="0"/>
+          </a:p>
+          <a:p>
+            <a:endParaRPr lang="en-US" dirty="0"/>
+          </a:p>
+          <a:p>
+            <a:endParaRPr lang="en-US" dirty="0"/>
+          </a:p>
+          <a:p>
+            <a:pPr marL="0" indent="0">
+              <a:buNone/>
+            </a:pPr>
+            <a:endParaRPr lang="en-US" dirty="0"/>
+          </a:p>
+          <a:p>
+            <a:endParaRPr lang="en-US" dirty="0"/>
+          </a:p>
+          <a:p>
+            <a:endParaRPr lang="en-US" dirty="0"/>
+          </a:p>
+          <a:p>
+            <a:endParaRPr lang="en-US" dirty="0"/>
+          </a:p>
+          <a:p>
+            <a:endParaRPr lang="en-US" dirty="0"/>
+          </a:p>
+          <a:p>
+            <a:endParaRPr lang="en-US" dirty="0"/>
+          </a:p>
+          <a:p>
+            <a:endParaRPr lang="el-GR" dirty="0"/>
+          </a:p>
+        </p:txBody>
+      </p:sp>
+      <p:sp>
+        <p:nvSpPr>
+          <p:cNvPr id="2" name="Θέση περιεχομένου 1">
+            <a:extLst>
+              <a:ext uri="{FF2B5EF4-FFF2-40B4-BE49-F238E27FC236}">
+                <a16:creationId xmlns:a16="http://schemas.microsoft.com/office/drawing/2014/main" id="{5BE865DF-9199-4467-AB14-50D5C928914D}"/>
+              </a:ext>
+            </a:extLst>
+          </p:cNvPr>
+          <p:cNvSpPr>
+            <a:spLocks noGrp="1"/>
+          </p:cNvSpPr>
+          <p:nvPr>
+            <p:ph sz="half" idx="2"/>
+          </p:nvPr>
+        </p:nvSpPr>
+        <p:spPr>
+          <a:xfrm>
+            <a:off x="6324600" y="2037330"/>
+            <a:ext cx="4572000" cy="3733884"/>
+          </a:xfrm>
+        </p:spPr>
+        <p:txBody>
+          <a:bodyPr>
+            <a:normAutofit/>
+          </a:bodyPr>
+          <a:lstStyle/>
+          <a:p>
+            <a:r>
+              <a:rPr lang="en-US" dirty="0"/>
+              <a:t>Basic plotting in R – Scatter plot</a:t>
+            </a:r>
+          </a:p>
+          <a:p>
+            <a:r>
+              <a:rPr lang="en-US" dirty="0"/>
+              <a:t>Basic plotting in R – plot() options</a:t>
+            </a:r>
+          </a:p>
+          <a:p>
+            <a:r>
+              <a:rPr lang="en-US" dirty="0"/>
+              <a:t>Graphical parameters</a:t>
+            </a:r>
+          </a:p>
+          <a:p>
+            <a:r>
+              <a:rPr lang="en-US" dirty="0"/>
+              <a:t>Customizing a graph</a:t>
+            </a:r>
+          </a:p>
+          <a:p>
+            <a:r>
+              <a:rPr lang="en-US" dirty="0"/>
+              <a:t>Multiple plots</a:t>
+            </a:r>
+          </a:p>
+          <a:p>
+            <a:r>
+              <a:rPr lang="en-US" dirty="0"/>
+              <a:t>Saving plots</a:t>
+            </a:r>
+          </a:p>
+          <a:p>
+            <a:r>
+              <a:rPr lang="en-US" dirty="0"/>
+              <a:t>Resources used </a:t>
+            </a:r>
+          </a:p>
+        </p:txBody>
+      </p:sp>
+      <p:sp>
+        <p:nvSpPr>
+          <p:cNvPr id="4" name="Θέση υποσέλιδου 3">
+            <a:extLst>
+              <a:ext uri="{FF2B5EF4-FFF2-40B4-BE49-F238E27FC236}">
+                <a16:creationId xmlns:a16="http://schemas.microsoft.com/office/drawing/2014/main" id="{62D05519-4561-412D-9786-CBEA6594F818}"/>
+              </a:ext>
+            </a:extLst>
+          </p:cNvPr>
+          <p:cNvSpPr>
+            <a:spLocks noGrp="1"/>
+          </p:cNvSpPr>
+          <p:nvPr>
+            <p:ph type="ftr" sz="quarter" idx="11"/>
+          </p:nvPr>
+        </p:nvSpPr>
+        <p:spPr/>
+        <p:txBody>
+          <a:bodyPr/>
+          <a:lstStyle/>
+          <a:p>
+            <a:pPr rtl="0"/>
+            <a:r>
+              <a:rPr lang="en-US" noProof="0"/>
+              <a:t>M. T. Pandi - R for Bioinformatics</a:t>
+            </a:r>
+            <a:endParaRPr lang="el-GR" noProof="0" dirty="0"/>
+          </a:p>
+        </p:txBody>
+      </p:sp>
+      <p:sp>
+        <p:nvSpPr>
+          <p:cNvPr id="7" name="Θέση αριθμού διαφάνειας 6">
+            <a:extLst>
+              <a:ext uri="{FF2B5EF4-FFF2-40B4-BE49-F238E27FC236}">
+                <a16:creationId xmlns:a16="http://schemas.microsoft.com/office/drawing/2014/main" id="{C2464628-EA46-42B2-856A-93E25A890CC3}"/>
+              </a:ext>
+            </a:extLst>
+          </p:cNvPr>
+          <p:cNvSpPr>
+            <a:spLocks noGrp="1"/>
+          </p:cNvSpPr>
+          <p:nvPr>
+            <p:ph type="sldNum" sz="quarter" idx="12"/>
+          </p:nvPr>
+        </p:nvSpPr>
+        <p:spPr/>
+        <p:txBody>
+          <a:bodyPr/>
+          <a:lstStyle/>
+          <a:p>
+            <a:pPr rtl="0"/>
+            <a:fld id="{E31375A4-56A4-47D6-9801-1991572033F7}" type="slidenum">
+              <a:rPr lang="el-GR" noProof="0" smtClean="0"/>
+              <a:t>6</a:t>
+            </a:fld>
+            <a:endParaRPr lang="el-GR" noProof="0" dirty="0"/>
+          </a:p>
+        </p:txBody>
+      </p:sp>
+      <p:sp>
+        <p:nvSpPr>
+          <p:cNvPr id="8" name="Θέση ημερομηνίας 7">
+            <a:extLst>
+              <a:ext uri="{FF2B5EF4-FFF2-40B4-BE49-F238E27FC236}">
+                <a16:creationId xmlns:a16="http://schemas.microsoft.com/office/drawing/2014/main" id="{ADC08F09-C232-466B-AFA9-B2B1DC459179}"/>
+              </a:ext>
+            </a:extLst>
+          </p:cNvPr>
+          <p:cNvSpPr>
+            <a:spLocks noGrp="1"/>
+          </p:cNvSpPr>
+          <p:nvPr>
+            <p:ph type="dt" sz="half" idx="10"/>
+          </p:nvPr>
+        </p:nvSpPr>
+        <p:spPr/>
+        <p:txBody>
+          <a:bodyPr/>
+          <a:lstStyle/>
+          <a:p>
+            <a:pPr rtl="0"/>
+            <a:fld id="{C16BEE34-F369-454D-A62F-07FE58802FBC}" type="datetime1">
+              <a:rPr lang="el-GR" noProof="0" smtClean="0"/>
+              <a:t>27/9/2020</a:t>
+            </a:fld>
+            <a:endParaRPr lang="el-GR" noProof="0" dirty="0"/>
+          </a:p>
+        </p:txBody>
+      </p:sp>
+    </p:spTree>
+    <p:extLst>
+      <p:ext uri="{BB962C8B-B14F-4D97-AF65-F5344CB8AC3E}">
+        <p14:creationId xmlns:p14="http://schemas.microsoft.com/office/powerpoint/2010/main" val="1180095627"/>
+      </p:ext>
+    </p:extLst>
+  </p:cSld>
+  <p:clrMapOvr>
+    <a:masterClrMapping/>
+  </p:clrMapOvr>
+  <mc:AlternateContent xmlns:mc="http://schemas.openxmlformats.org/markup-compatibility/2006" xmlns:p14="http://schemas.microsoft.com/office/powerpoint/2010/main">
+    <mc:Choice Requires="p14">
+      <p:transition spd="med" p14:dur="700">
+        <p:fade/>
+      </p:transition>
+    </mc:Choice>
+    <mc:Fallback xmlns="">
+      <p:transition spd="med">
+        <p:fade/>
+      </p:transition>
+    </mc:Fallback>
+  </mc:AlternateContent>
+</p:sld>
+</file>
+
+<file path=ppt/slides/slide7.xml><?xml version="1.0" encoding="utf-8"?>
+<p:sld xmlns:a="http://schemas.openxmlformats.org/drawingml/2006/main" xmlns:r="http://schemas.openxmlformats.org/officeDocument/2006/relationships" xmlns:p="http://schemas.openxmlformats.org/presentationml/2006/main">
+  <p:cSld>
+    <p:spTree>
+      <p:nvGrpSpPr>
+        <p:cNvPr id="1" name=""/>
+        <p:cNvGrpSpPr/>
+        <p:nvPr/>
+      </p:nvGrpSpPr>
+      <p:grpSpPr>
+        <a:xfrm>
+          <a:off x="0" y="0"/>
+          <a:ext cx="0" cy="0"/>
+          <a:chOff x="0" y="0"/>
+          <a:chExt cx="0" cy="0"/>
+        </a:xfrm>
+      </p:grpSpPr>
+      <p:sp>
+        <p:nvSpPr>
+          <p:cNvPr id="2" name="Τίτλος 1">
+            <a:extLst>
+              <a:ext uri="{FF2B5EF4-FFF2-40B4-BE49-F238E27FC236}">
                 <a16:creationId xmlns:a16="http://schemas.microsoft.com/office/drawing/2014/main" id="{3867B11F-AC29-45A3-B4A9-71F40828300D}"/>
               </a:ext>
             </a:extLst>
@@ -9907,7 +14983,7 @@
         </p:nvSpPr>
         <p:spPr>
           <a:xfrm>
-            <a:off x="1295400" y="1370007"/>
+            <a:off x="1295400" y="1502605"/>
             <a:ext cx="9601200" cy="4348163"/>
           </a:xfrm>
         </p:spPr>
@@ -9933,7 +15009,7 @@
           <a:p>
             <a:r>
               <a:rPr lang="en-US" dirty="0"/>
-              <a:t>perhaps the best-known database to be found in the pattern recognition literature</a:t>
+              <a:t>Perhaps the best-known database to be found in the pattern recognition literature</a:t>
             </a:r>
             <a:endParaRPr lang="en-US" b="1" dirty="0"/>
           </a:p>
@@ -10104,7 +15180,7 @@
             <a:pPr rtl="0"/>
             <a:fld id="{9C8932F1-9A57-43F2-BAE1-BEC246FA924E}" type="datetime1">
               <a:rPr lang="el-GR" noProof="0" smtClean="0"/>
-              <a:t>15/9/2020</a:t>
+              <a:t>27/9/2020</a:t>
             </a:fld>
             <a:endParaRPr lang="el-GR" noProof="0" dirty="0"/>
           </a:p>
@@ -10134,7 +15210,7 @@
             <a:pPr rtl="0"/>
             <a:fld id="{E31375A4-56A4-47D6-9801-1991572033F7}" type="slidenum">
               <a:rPr lang="el-GR" noProof="0" smtClean="0"/>
-              <a:t>5</a:t>
+              <a:t>7</a:t>
             </a:fld>
             <a:endParaRPr lang="el-GR" noProof="0" dirty="0"/>
           </a:p>
@@ -10225,7 +15301,7 @@
 </p:sld>
 </file>
 
-<file path=ppt/slides/slide6.xml><?xml version="1.0" encoding="utf-8"?>
+<file path=ppt/slides/slide8.xml><?xml version="1.0" encoding="utf-8"?>
 <p:sld xmlns:a="http://schemas.openxmlformats.org/drawingml/2006/main" xmlns:r="http://schemas.openxmlformats.org/officeDocument/2006/relationships" xmlns:p="http://schemas.openxmlformats.org/presentationml/2006/main">
   <p:cSld>
     <p:spTree>
@@ -10325,7 +15401,7 @@
             <a:pPr rtl="0"/>
             <a:fld id="{5325465F-F778-4B80-A227-2391232C7488}" type="datetime1">
               <a:rPr lang="el-GR" noProof="0" smtClean="0"/>
-              <a:t>15/9/2020</a:t>
+              <a:t>27/9/2020</a:t>
             </a:fld>
             <a:endParaRPr lang="el-GR" noProof="0" dirty="0"/>
           </a:p>
@@ -10355,7 +15431,7 @@
             <a:pPr rtl="0"/>
             <a:fld id="{E31375A4-56A4-47D6-9801-1991572033F7}" type="slidenum">
               <a:rPr lang="el-GR" noProof="0" smtClean="0"/>
-              <a:t>6</a:t>
+              <a:t>8</a:t>
             </a:fld>
             <a:endParaRPr lang="el-GR" noProof="0" dirty="0"/>
           </a:p>
@@ -10588,7 +15664,7 @@
 </p:sld>
 </file>
 
-<file path=ppt/slides/slide7.xml><?xml version="1.0" encoding="utf-8"?>
+<file path=ppt/slides/slide9.xml><?xml version="1.0" encoding="utf-8"?>
 <p:sld xmlns:a="http://schemas.openxmlformats.org/drawingml/2006/main" xmlns:r="http://schemas.openxmlformats.org/officeDocument/2006/relationships" xmlns:p="http://schemas.openxmlformats.org/presentationml/2006/main">
   <p:cSld>
     <p:spTree>
@@ -10739,7 +15815,7 @@
             <a:pPr rtl="0"/>
             <a:fld id="{5325465F-F778-4B80-A227-2391232C7488}" type="datetime1">
               <a:rPr lang="el-GR" noProof="0" smtClean="0"/>
-              <a:t>15/9/2020</a:t>
+              <a:t>27/9/2020</a:t>
             </a:fld>
             <a:endParaRPr lang="el-GR" noProof="0" dirty="0"/>
           </a:p>
@@ -10769,7 +15845,7 @@
             <a:pPr rtl="0"/>
             <a:fld id="{E31375A4-56A4-47D6-9801-1991572033F7}" type="slidenum">
               <a:rPr lang="el-GR" noProof="0" smtClean="0"/>
-              <a:t>7</a:t>
+              <a:t>9</a:t>
             </a:fld>
             <a:endParaRPr lang="el-GR" noProof="0" dirty="0"/>
           </a:p>
@@ -11063,474 +16139,6 @@
       <p:bldP spid="10" grpId="0" animBg="1"/>
     </p:bldLst>
   </p:timing>
-</p:sld>
-</file>
-
-<file path=ppt/slides/slide8.xml><?xml version="1.0" encoding="utf-8"?>
-<p:sld xmlns:a="http://schemas.openxmlformats.org/drawingml/2006/main" xmlns:r="http://schemas.openxmlformats.org/officeDocument/2006/relationships" xmlns:p="http://schemas.openxmlformats.org/presentationml/2006/main">
-  <p:cSld>
-    <p:spTree>
-      <p:nvGrpSpPr>
-        <p:cNvPr id="1" name=""/>
-        <p:cNvGrpSpPr/>
-        <p:nvPr/>
-      </p:nvGrpSpPr>
-      <p:grpSpPr>
-        <a:xfrm>
-          <a:off x="0" y="0"/>
-          <a:ext cx="0" cy="0"/>
-          <a:chOff x="0" y="0"/>
-          <a:chExt cx="0" cy="0"/>
-        </a:xfrm>
-      </p:grpSpPr>
-      <p:sp>
-        <p:nvSpPr>
-          <p:cNvPr id="2" name="Τίτλος 1">
-            <a:extLst>
-              <a:ext uri="{FF2B5EF4-FFF2-40B4-BE49-F238E27FC236}">
-                <a16:creationId xmlns:a16="http://schemas.microsoft.com/office/drawing/2014/main" id="{13AA1FB2-74BD-4D5F-964C-8CD54EB63DD8}"/>
-              </a:ext>
-            </a:extLst>
-          </p:cNvPr>
-          <p:cNvSpPr>
-            <a:spLocks noGrp="1"/>
-          </p:cNvSpPr>
-          <p:nvPr>
-            <p:ph type="title"/>
-          </p:nvPr>
-        </p:nvSpPr>
-        <p:spPr>
-          <a:xfrm>
-            <a:off x="1295400" y="471174"/>
-            <a:ext cx="9601200" cy="751205"/>
-          </a:xfrm>
-        </p:spPr>
-        <p:txBody>
-          <a:bodyPr/>
-          <a:lstStyle/>
-          <a:p>
-            <a:r>
-              <a:rPr lang="en-US" dirty="0"/>
-              <a:t>Data processing</a:t>
-            </a:r>
-            <a:endParaRPr lang="el-GR" dirty="0"/>
-          </a:p>
-        </p:txBody>
-      </p:sp>
-      <p:sp>
-        <p:nvSpPr>
-          <p:cNvPr id="3" name="Θέση περιεχομένου 2">
-            <a:extLst>
-              <a:ext uri="{FF2B5EF4-FFF2-40B4-BE49-F238E27FC236}">
-                <a16:creationId xmlns:a16="http://schemas.microsoft.com/office/drawing/2014/main" id="{F4ECFF91-7380-4CDD-91B3-4595ECE30B37}"/>
-              </a:ext>
-            </a:extLst>
-          </p:cNvPr>
-          <p:cNvSpPr>
-            <a:spLocks noGrp="1"/>
-          </p:cNvSpPr>
-          <p:nvPr>
-            <p:ph idx="1"/>
-          </p:nvPr>
-        </p:nvSpPr>
-        <p:spPr>
-          <a:xfrm>
-            <a:off x="1295400" y="1603949"/>
-            <a:ext cx="9601200" cy="4573014"/>
-          </a:xfrm>
-        </p:spPr>
-        <p:txBody>
-          <a:bodyPr/>
-          <a:lstStyle/>
-          <a:p>
-            <a:r>
-              <a:rPr lang="en-US" dirty="0"/>
-              <a:t>Preprocessing and exploratory analysis (</a:t>
-            </a:r>
-            <a:r>
-              <a:rPr lang="en-US" dirty="0" err="1"/>
-              <a:t>baseR</a:t>
-            </a:r>
-            <a:r>
-              <a:rPr lang="en-US" dirty="0"/>
-              <a:t> and </a:t>
-            </a:r>
-            <a:r>
-              <a:rPr lang="en-US" dirty="0" err="1"/>
-              <a:t>dplyr</a:t>
-            </a:r>
-            <a:r>
-              <a:rPr lang="en-US" dirty="0"/>
-              <a:t>)</a:t>
-            </a:r>
-          </a:p>
-          <a:p>
-            <a:pPr lvl="1"/>
-            <a:r>
-              <a:rPr lang="en-US" dirty="0"/>
-              <a:t>Overall summary statistics and structure</a:t>
-            </a:r>
-          </a:p>
-          <a:p>
-            <a:pPr lvl="1"/>
-            <a:r>
-              <a:rPr lang="en-US" dirty="0"/>
-              <a:t>Rename columns</a:t>
-            </a:r>
-          </a:p>
-          <a:p>
-            <a:pPr lvl="1"/>
-            <a:r>
-              <a:rPr lang="en-US" dirty="0"/>
-              <a:t>Add and remove columns</a:t>
-            </a:r>
-          </a:p>
-          <a:p>
-            <a:pPr lvl="1"/>
-            <a:r>
-              <a:rPr lang="en-US" dirty="0"/>
-              <a:t>Add and remove rows</a:t>
-            </a:r>
-          </a:p>
-          <a:p>
-            <a:pPr lvl="1"/>
-            <a:r>
-              <a:rPr lang="en-US" dirty="0"/>
-              <a:t>Subset/filter rows</a:t>
-            </a:r>
-          </a:p>
-          <a:p>
-            <a:pPr lvl="1"/>
-            <a:r>
-              <a:rPr lang="en-US" dirty="0"/>
-              <a:t>Select columns </a:t>
-            </a:r>
-          </a:p>
-          <a:p>
-            <a:pPr lvl="1"/>
-            <a:r>
-              <a:rPr lang="en-US" dirty="0"/>
-              <a:t>Applying functions to data frames </a:t>
-            </a:r>
-          </a:p>
-          <a:p>
-            <a:pPr lvl="1"/>
-            <a:r>
-              <a:rPr lang="en-US" dirty="0"/>
-              <a:t>Missing values</a:t>
-            </a:r>
-          </a:p>
-          <a:p>
-            <a:pPr lvl="1"/>
-            <a:r>
-              <a:rPr lang="en-US" dirty="0"/>
-              <a:t>Group and summarize</a:t>
-            </a:r>
-          </a:p>
-        </p:txBody>
-      </p:sp>
-      <p:sp>
-        <p:nvSpPr>
-          <p:cNvPr id="4" name="Θέση υποσέλιδου 3">
-            <a:extLst>
-              <a:ext uri="{FF2B5EF4-FFF2-40B4-BE49-F238E27FC236}">
-                <a16:creationId xmlns:a16="http://schemas.microsoft.com/office/drawing/2014/main" id="{1F085F73-B10D-4193-90D4-2C0C832C0BFC}"/>
-              </a:ext>
-            </a:extLst>
-          </p:cNvPr>
-          <p:cNvSpPr>
-            <a:spLocks noGrp="1"/>
-          </p:cNvSpPr>
-          <p:nvPr>
-            <p:ph type="ftr" sz="quarter" idx="11"/>
-          </p:nvPr>
-        </p:nvSpPr>
-        <p:spPr/>
-        <p:txBody>
-          <a:bodyPr/>
-          <a:lstStyle/>
-          <a:p>
-            <a:pPr rtl="0"/>
-            <a:r>
-              <a:rPr lang="en-US" noProof="0"/>
-              <a:t>M. T. Pandi - R for Bioinformatics</a:t>
-            </a:r>
-            <a:endParaRPr lang="el-GR" noProof="0" dirty="0"/>
-          </a:p>
-        </p:txBody>
-      </p:sp>
-      <p:sp>
-        <p:nvSpPr>
-          <p:cNvPr id="5" name="Θέση ημερομηνίας 4">
-            <a:extLst>
-              <a:ext uri="{FF2B5EF4-FFF2-40B4-BE49-F238E27FC236}">
-                <a16:creationId xmlns:a16="http://schemas.microsoft.com/office/drawing/2014/main" id="{C6AE9DCC-8601-4BB1-B5BA-555EA2F447DD}"/>
-              </a:ext>
-            </a:extLst>
-          </p:cNvPr>
-          <p:cNvSpPr>
-            <a:spLocks noGrp="1"/>
-          </p:cNvSpPr>
-          <p:nvPr>
-            <p:ph type="dt" sz="half" idx="10"/>
-          </p:nvPr>
-        </p:nvSpPr>
-        <p:spPr/>
-        <p:txBody>
-          <a:bodyPr/>
-          <a:lstStyle/>
-          <a:p>
-            <a:pPr rtl="0"/>
-            <a:fld id="{5325465F-F778-4B80-A227-2391232C7488}" type="datetime1">
-              <a:rPr lang="el-GR" noProof="0" smtClean="0"/>
-              <a:t>15/9/2020</a:t>
-            </a:fld>
-            <a:endParaRPr lang="el-GR" noProof="0" dirty="0"/>
-          </a:p>
-        </p:txBody>
-      </p:sp>
-      <p:sp>
-        <p:nvSpPr>
-          <p:cNvPr id="6" name="Θέση αριθμού διαφάνειας 5">
-            <a:extLst>
-              <a:ext uri="{FF2B5EF4-FFF2-40B4-BE49-F238E27FC236}">
-                <a16:creationId xmlns:a16="http://schemas.microsoft.com/office/drawing/2014/main" id="{0BB13DEE-5B1D-4CAD-9C6E-626C34D1F3A9}"/>
-              </a:ext>
-            </a:extLst>
-          </p:cNvPr>
-          <p:cNvSpPr>
-            <a:spLocks noGrp="1"/>
-          </p:cNvSpPr>
-          <p:nvPr>
-            <p:ph type="sldNum" sz="quarter" idx="12"/>
-          </p:nvPr>
-        </p:nvSpPr>
-        <p:spPr/>
-        <p:txBody>
-          <a:bodyPr/>
-          <a:lstStyle/>
-          <a:p>
-            <a:pPr rtl="0"/>
-            <a:fld id="{E31375A4-56A4-47D6-9801-1991572033F7}" type="slidenum">
-              <a:rPr lang="el-GR" noProof="0" smtClean="0"/>
-              <a:t>8</a:t>
-            </a:fld>
-            <a:endParaRPr lang="el-GR" noProof="0" dirty="0"/>
-          </a:p>
-        </p:txBody>
-      </p:sp>
-    </p:spTree>
-    <p:extLst>
-      <p:ext uri="{BB962C8B-B14F-4D97-AF65-F5344CB8AC3E}">
-        <p14:creationId xmlns:p14="http://schemas.microsoft.com/office/powerpoint/2010/main" val="551594565"/>
-      </p:ext>
-    </p:extLst>
-  </p:cSld>
-  <p:clrMapOvr>
-    <a:masterClrMapping/>
-  </p:clrMapOvr>
-  <mc:AlternateContent xmlns:mc="http://schemas.openxmlformats.org/markup-compatibility/2006" xmlns:p14="http://schemas.microsoft.com/office/powerpoint/2010/main">
-    <mc:Choice Requires="p14">
-      <p:transition spd="med" p14:dur="700">
-        <p:fade/>
-      </p:transition>
-    </mc:Choice>
-    <mc:Fallback xmlns="">
-      <p:transition spd="med">
-        <p:fade/>
-      </p:transition>
-    </mc:Fallback>
-  </mc:AlternateContent>
-</p:sld>
-</file>
-
-<file path=ppt/slides/slide9.xml><?xml version="1.0" encoding="utf-8"?>
-<p:sld xmlns:a="http://schemas.openxmlformats.org/drawingml/2006/main" xmlns:r="http://schemas.openxmlformats.org/officeDocument/2006/relationships" xmlns:p="http://schemas.openxmlformats.org/presentationml/2006/main">
-  <p:cSld>
-    <p:spTree>
-      <p:nvGrpSpPr>
-        <p:cNvPr id="1" name=""/>
-        <p:cNvGrpSpPr/>
-        <p:nvPr/>
-      </p:nvGrpSpPr>
-      <p:grpSpPr>
-        <a:xfrm>
-          <a:off x="0" y="0"/>
-          <a:ext cx="0" cy="0"/>
-          <a:chOff x="0" y="0"/>
-          <a:chExt cx="0" cy="0"/>
-        </a:xfrm>
-      </p:grpSpPr>
-      <p:sp>
-        <p:nvSpPr>
-          <p:cNvPr id="2" name="Τίτλος 1">
-            <a:extLst>
-              <a:ext uri="{FF2B5EF4-FFF2-40B4-BE49-F238E27FC236}">
-                <a16:creationId xmlns:a16="http://schemas.microsoft.com/office/drawing/2014/main" id="{B423F326-0C10-4A6A-8D6E-D283BEBAAFAB}"/>
-              </a:ext>
-            </a:extLst>
-          </p:cNvPr>
-          <p:cNvSpPr>
-            <a:spLocks noGrp="1"/>
-          </p:cNvSpPr>
-          <p:nvPr>
-            <p:ph type="title"/>
-          </p:nvPr>
-        </p:nvSpPr>
-        <p:spPr/>
-        <p:txBody>
-          <a:bodyPr/>
-          <a:lstStyle/>
-          <a:p>
-            <a:r>
-              <a:rPr lang="en-US" dirty="0" err="1"/>
-              <a:t>PartIIb</a:t>
-            </a:r>
-            <a:endParaRPr lang="el-GR" dirty="0"/>
-          </a:p>
-        </p:txBody>
-      </p:sp>
-      <p:sp>
-        <p:nvSpPr>
-          <p:cNvPr id="3" name="Θέση κειμένου 2">
-            <a:extLst>
-              <a:ext uri="{FF2B5EF4-FFF2-40B4-BE49-F238E27FC236}">
-                <a16:creationId xmlns:a16="http://schemas.microsoft.com/office/drawing/2014/main" id="{4F43A79E-0AD6-4564-B29B-E0B6EE262479}"/>
-              </a:ext>
-            </a:extLst>
-          </p:cNvPr>
-          <p:cNvSpPr>
-            <a:spLocks noGrp="1"/>
-          </p:cNvSpPr>
-          <p:nvPr>
-            <p:ph type="body" idx="1"/>
-          </p:nvPr>
-        </p:nvSpPr>
-        <p:spPr/>
-        <p:txBody>
-          <a:bodyPr/>
-          <a:lstStyle/>
-          <a:p>
-            <a:r>
-              <a:rPr lang="en-US" dirty="0"/>
-              <a:t>Basics of data visualization in R </a:t>
-            </a:r>
-            <a:endParaRPr lang="el-GR" dirty="0"/>
-          </a:p>
-        </p:txBody>
-      </p:sp>
-      <p:sp>
-        <p:nvSpPr>
-          <p:cNvPr id="4" name="Θέση υποσέλιδου 3">
-            <a:extLst>
-              <a:ext uri="{FF2B5EF4-FFF2-40B4-BE49-F238E27FC236}">
-                <a16:creationId xmlns:a16="http://schemas.microsoft.com/office/drawing/2014/main" id="{A7BC1F4E-3EE3-41B4-9828-0B3FEB40C86C}"/>
-              </a:ext>
-            </a:extLst>
-          </p:cNvPr>
-          <p:cNvSpPr>
-            <a:spLocks noGrp="1"/>
-          </p:cNvSpPr>
-          <p:nvPr>
-            <p:ph type="ftr" sz="quarter" idx="11"/>
-          </p:nvPr>
-        </p:nvSpPr>
-        <p:spPr/>
-        <p:txBody>
-          <a:bodyPr/>
-          <a:lstStyle/>
-          <a:p>
-            <a:pPr rtl="0"/>
-            <a:r>
-              <a:rPr lang="en-US" noProof="0"/>
-              <a:t>M. T. Pandi - R for Bioinformatics</a:t>
-            </a:r>
-            <a:endParaRPr lang="el-GR" noProof="0" dirty="0"/>
-          </a:p>
-        </p:txBody>
-      </p:sp>
-      <p:sp>
-        <p:nvSpPr>
-          <p:cNvPr id="5" name="Θέση ημερομηνίας 4">
-            <a:extLst>
-              <a:ext uri="{FF2B5EF4-FFF2-40B4-BE49-F238E27FC236}">
-                <a16:creationId xmlns:a16="http://schemas.microsoft.com/office/drawing/2014/main" id="{73A295C4-9649-4E41-92D6-4CA2504ACE7A}"/>
-              </a:ext>
-            </a:extLst>
-          </p:cNvPr>
-          <p:cNvSpPr>
-            <a:spLocks noGrp="1"/>
-          </p:cNvSpPr>
-          <p:nvPr>
-            <p:ph type="dt" sz="half" idx="10"/>
-          </p:nvPr>
-        </p:nvSpPr>
-        <p:spPr/>
-        <p:txBody>
-          <a:bodyPr/>
-          <a:lstStyle/>
-          <a:p>
-            <a:pPr rtl="0"/>
-            <a:fld id="{68DFA0CC-4BC0-449C-9F9C-25350BDD11F9}" type="datetime1">
-              <a:rPr lang="el-GR" noProof="0" smtClean="0"/>
-              <a:t>15/9/2020</a:t>
-            </a:fld>
-            <a:endParaRPr lang="el-GR" noProof="0" dirty="0"/>
-          </a:p>
-        </p:txBody>
-      </p:sp>
-      <p:sp>
-        <p:nvSpPr>
-          <p:cNvPr id="6" name="Θέση αριθμού διαφάνειας 5">
-            <a:extLst>
-              <a:ext uri="{FF2B5EF4-FFF2-40B4-BE49-F238E27FC236}">
-                <a16:creationId xmlns:a16="http://schemas.microsoft.com/office/drawing/2014/main" id="{1018DAE6-698D-4ADE-AEBE-494936E2B01A}"/>
-              </a:ext>
-            </a:extLst>
-          </p:cNvPr>
-          <p:cNvSpPr>
-            <a:spLocks noGrp="1"/>
-          </p:cNvSpPr>
-          <p:nvPr>
-            <p:ph type="sldNum" sz="quarter" idx="12"/>
-          </p:nvPr>
-        </p:nvSpPr>
-        <p:spPr/>
-        <p:txBody>
-          <a:bodyPr/>
-          <a:lstStyle/>
-          <a:p>
-            <a:pPr rtl="0"/>
-            <a:fld id="{E31375A4-56A4-47D6-9801-1991572033F7}" type="slidenum">
-              <a:rPr lang="el-GR" noProof="0" smtClean="0"/>
-              <a:t>9</a:t>
-            </a:fld>
-            <a:endParaRPr lang="el-GR" noProof="0" dirty="0"/>
-          </a:p>
-        </p:txBody>
-      </p:sp>
-    </p:spTree>
-    <p:extLst>
-      <p:ext uri="{BB962C8B-B14F-4D97-AF65-F5344CB8AC3E}">
-        <p14:creationId xmlns:p14="http://schemas.microsoft.com/office/powerpoint/2010/main" val="544698956"/>
-      </p:ext>
-    </p:extLst>
-  </p:cSld>
-  <p:clrMapOvr>
-    <a:masterClrMapping/>
-  </p:clrMapOvr>
-  <mc:AlternateContent xmlns:mc="http://schemas.openxmlformats.org/markup-compatibility/2006" xmlns:p14="http://schemas.microsoft.com/office/powerpoint/2010/main">
-    <mc:Choice Requires="p14">
-      <p:transition spd="med" p14:dur="700">
-        <p:fade/>
-      </p:transition>
-    </mc:Choice>
-    <mc:Fallback xmlns="">
-      <p:transition spd="med">
-        <p:fade/>
-      </p:transition>
-    </mc:Fallback>
-  </mc:AlternateContent>
 </p:sld>
 </file>
 
@@ -12302,6 +16910,15 @@
 </file>
 
 <file path=customXml/item1.xml><?xml version="1.0" encoding="utf-8"?>
+<?mso-contentType ?>
+<FormTemplates xmlns="http://schemas.microsoft.com/sharepoint/v3/contenttype/forms">
+  <Display>DocumentLibraryForm</Display>
+  <Edit>DocumentLibraryForm</Edit>
+  <New>DocumentLibraryForm</New>
+</FormTemplates>
+</file>
+
+<file path=customXml/item2.xml><?xml version="1.0" encoding="utf-8"?>
 <ct:contentTypeSchema xmlns:ct="http://schemas.microsoft.com/office/2006/metadata/contentType" xmlns:ma="http://schemas.microsoft.com/office/2006/metadata/properties/metaAttributes" ct:_="" ma:_="" ma:contentTypeName="Document" ma:contentTypeID="0x010100AA3F7D94069FF64A86F7DFF56D60E3BE" ma:contentTypeVersion="6" ma:contentTypeDescription="Create a new document." ma:contentTypeScope="" ma:versionID="c32302c77d4085ecf495bdddb7f5e889">
   <xsd:schema xmlns:xsd="http://www.w3.org/2001/XMLSchema" xmlns:xs="http://www.w3.org/2001/XMLSchema" xmlns:p="http://schemas.microsoft.com/office/2006/metadata/properties" xmlns:ns2="a4f35948-e619-41b3-aa29-22878b09cfd2" xmlns:ns3="40262f94-9f35-4ac3-9a90-690165a166b7" targetNamespace="http://schemas.microsoft.com/office/2006/metadata/properties" ma:root="true" ma:fieldsID="4ab5ae46be95f9d0be6107e8200be7a2" ns2:_="" ns3:_="">
     <xsd:import namespace="a4f35948-e619-41b3-aa29-22878b09cfd2"/>
@@ -12482,15 +17099,6 @@
 </ct:contentTypeSchema>
 </file>
 
-<file path=customXml/item2.xml><?xml version="1.0" encoding="utf-8"?>
-<?mso-contentType ?>
-<FormTemplates xmlns="http://schemas.microsoft.com/sharepoint/v3/contenttype/forms">
-  <Display>DocumentLibraryForm</Display>
-  <Edit>DocumentLibraryForm</Edit>
-  <New>DocumentLibraryForm</New>
-</FormTemplates>
-</file>
-
 <file path=customXml/item3.xml><?xml version="1.0" encoding="utf-8"?>
 <p:properties xmlns:p="http://schemas.microsoft.com/office/2006/metadata/properties" xmlns:xsi="http://www.w3.org/2001/XMLSchema-instance" xmlns:pc="http://schemas.microsoft.com/office/infopath/2007/PartnerControls">
   <documentManagement>
@@ -12503,6 +17111,14 @@
 </file>
 
 <file path=customXml/itemProps1.xml><?xml version="1.0" encoding="utf-8"?>
+<ds:datastoreItem xmlns:ds="http://schemas.openxmlformats.org/officeDocument/2006/customXml" ds:itemID="{31C05A15-2C36-4B2C-9ED7-7313D59409A3}">
+  <ds:schemaRefs>
+    <ds:schemaRef ds:uri="http://schemas.microsoft.com/sharepoint/v3/contenttype/forms"/>
+  </ds:schemaRefs>
+</ds:datastoreItem>
+</file>
+
+<file path=customXml/itemProps2.xml><?xml version="1.0" encoding="utf-8"?>
 <ds:datastoreItem xmlns:ds="http://schemas.openxmlformats.org/officeDocument/2006/customXml" ds:itemID="{2961EA76-1630-4788-A629-8FDAFC920575}">
   <ds:schemaRefs>
     <ds:schemaRef ds:uri="http://schemas.microsoft.com/office/2006/metadata/contentType"/>
@@ -12517,14 +17133,6 @@
     <ds:schemaRef ds:uri="http://purl.org/dc/elements/1.1/"/>
     <ds:schemaRef ds:uri="http://purl.org/dc/terms/"/>
     <ds:schemaRef ds:uri="http://schemas.microsoft.com/internal/obd"/>
-  </ds:schemaRefs>
-</ds:datastoreItem>
-</file>
-
-<file path=customXml/itemProps2.xml><?xml version="1.0" encoding="utf-8"?>
-<ds:datastoreItem xmlns:ds="http://schemas.openxmlformats.org/officeDocument/2006/customXml" ds:itemID="{31C05A15-2C36-4B2C-9ED7-7313D59409A3}">
-  <ds:schemaRefs>
-    <ds:schemaRef ds:uri="http://schemas.microsoft.com/sharepoint/v3/contenttype/forms"/>
   </ds:schemaRefs>
 </ds:datastoreItem>
 </file>
